--- a/0317_치카치카치과.pptx
+++ b/0317_치카치카치과.pptx
@@ -251,7 +251,7 @@
           <a:p>
             <a:fld id="{684ABEAC-FD1E-446D-854E-09142DFB339C}" type="datetimeFigureOut">
               <a:rPr lang="ko-KR" altLang="en-US" smtClean="0"/>
-              <a:t>2023-03-27</a:t>
+              <a:t>2023-03-28</a:t>
             </a:fld>
             <a:endParaRPr lang="ko-KR" altLang="en-US"/>
           </a:p>
@@ -447,7 +447,7 @@
           <a:p>
             <a:fld id="{E299D967-67B2-4132-B52D-A253871A1F24}" type="datetimeFigureOut">
               <a:rPr lang="ko-KR" altLang="en-US" smtClean="0"/>
-              <a:t>2023-03-27</a:t>
+              <a:t>2023-03-28</a:t>
             </a:fld>
             <a:endParaRPr lang="ko-KR" altLang="en-US"/>
           </a:p>
@@ -893,7 +893,7 @@
           <a:p>
             <a:fld id="{20303F18-CB98-4E85-A37B-EF5A4E6C8DE7}" type="datetime1">
               <a:rPr lang="ko-KR" altLang="en-US" smtClean="0"/>
-              <a:t>2023-03-27</a:t>
+              <a:t>2023-03-28</a:t>
             </a:fld>
             <a:endParaRPr lang="ko-KR" altLang="en-US"/>
           </a:p>
@@ -1066,7 +1066,7 @@
           <a:p>
             <a:fld id="{CCA16C65-58A5-46D5-A762-12670B92641B}" type="datetime1">
               <a:rPr lang="ko-KR" altLang="en-US" smtClean="0"/>
-              <a:t>2023-03-27</a:t>
+              <a:t>2023-03-28</a:t>
             </a:fld>
             <a:endParaRPr lang="ko-KR" altLang="en-US"/>
           </a:p>
@@ -1244,7 +1244,7 @@
           <a:p>
             <a:fld id="{2D09A68A-AC6E-41FE-B28C-2BB812CC2E01}" type="datetime1">
               <a:rPr lang="ko-KR" altLang="en-US" smtClean="0"/>
-              <a:t>2023-03-27</a:t>
+              <a:t>2023-03-28</a:t>
             </a:fld>
             <a:endParaRPr lang="ko-KR" altLang="en-US"/>
           </a:p>
@@ -1412,7 +1412,7 @@
           <a:p>
             <a:fld id="{690B8B09-A0F3-4880-B090-7FDDEE5B5065}" type="datetime1">
               <a:rPr lang="ko-KR" altLang="en-US" smtClean="0"/>
-              <a:t>2023-03-27</a:t>
+              <a:t>2023-03-28</a:t>
             </a:fld>
             <a:endParaRPr lang="ko-KR" altLang="en-US"/>
           </a:p>
@@ -1657,7 +1657,7 @@
           <a:p>
             <a:fld id="{82F7D3F4-816B-4FA6-91FC-91836ECD0E53}" type="datetime1">
               <a:rPr lang="ko-KR" altLang="en-US" smtClean="0"/>
-              <a:t>2023-03-27</a:t>
+              <a:t>2023-03-28</a:t>
             </a:fld>
             <a:endParaRPr lang="ko-KR" altLang="en-US"/>
           </a:p>
@@ -1942,7 +1942,7 @@
           <a:p>
             <a:fld id="{2FB9FCFF-984A-4549-AB53-391F9EC1244A}" type="datetime1">
               <a:rPr lang="ko-KR" altLang="en-US" smtClean="0"/>
-              <a:t>2023-03-27</a:t>
+              <a:t>2023-03-28</a:t>
             </a:fld>
             <a:endParaRPr lang="ko-KR" altLang="en-US"/>
           </a:p>
@@ -2361,7 +2361,7 @@
           <a:p>
             <a:fld id="{94618DE4-C4FE-4171-90C7-38CF01638033}" type="datetime1">
               <a:rPr lang="ko-KR" altLang="en-US" smtClean="0"/>
-              <a:t>2023-03-27</a:t>
+              <a:t>2023-03-28</a:t>
             </a:fld>
             <a:endParaRPr lang="ko-KR" altLang="en-US"/>
           </a:p>
@@ -2478,7 +2478,7 @@
           <a:p>
             <a:fld id="{33587621-9D18-4C20-9B84-3E938621A025}" type="datetime1">
               <a:rPr lang="ko-KR" altLang="en-US" smtClean="0"/>
-              <a:t>2023-03-27</a:t>
+              <a:t>2023-03-28</a:t>
             </a:fld>
             <a:endParaRPr lang="ko-KR" altLang="en-US"/>
           </a:p>
@@ -2820,7 +2820,7 @@
           <a:p>
             <a:fld id="{B517649B-2577-404C-858E-51E9DEBB2548}" type="datetime1">
               <a:rPr lang="ko-KR" altLang="en-US" smtClean="0"/>
-              <a:t>2023-03-27</a:t>
+              <a:t>2023-03-28</a:t>
             </a:fld>
             <a:endParaRPr lang="ko-KR" altLang="en-US"/>
           </a:p>
@@ -3072,7 +3072,7 @@
           <a:p>
             <a:fld id="{8D84C674-EF46-4F27-9E3E-4F6A170B0DC6}" type="datetime1">
               <a:rPr lang="ko-KR" altLang="en-US" smtClean="0"/>
-              <a:t>2023-03-27</a:t>
+              <a:t>2023-03-28</a:t>
             </a:fld>
             <a:endParaRPr lang="ko-KR" altLang="en-US"/>
           </a:p>
@@ -3283,7 +3283,7 @@
           <a:p>
             <a:fld id="{B40F11ED-9D7B-4CCE-A57D-CC1D7760FB25}" type="datetime1">
               <a:rPr lang="ko-KR" altLang="en-US" smtClean="0"/>
-              <a:t>2023-03-27</a:t>
+              <a:t>2023-03-28</a:t>
             </a:fld>
             <a:endParaRPr lang="ko-KR" altLang="en-US"/>
           </a:p>
@@ -6622,7 +6622,7 @@
         </p:nvCxnSpPr>
         <p:spPr>
           <a:xfrm>
-            <a:off x="4667549" y="2931790"/>
+            <a:off x="4667549" y="2685403"/>
             <a:ext cx="12165" cy="246387"/>
           </a:xfrm>
           <a:prstGeom prst="line">
@@ -6819,7 +6819,7 @@
         </p:nvSpPr>
         <p:spPr>
           <a:xfrm>
-            <a:off x="4788024" y="2499742"/>
+            <a:off x="4716016" y="2232615"/>
             <a:ext cx="648071" cy="123111"/>
           </a:xfrm>
           <a:prstGeom prst="rect">
@@ -7462,7 +7462,7 @@
         </p:nvSpPr>
         <p:spPr>
           <a:xfrm>
-            <a:off x="4283968" y="2283718"/>
+            <a:off x="4283968" y="2032971"/>
             <a:ext cx="756084" cy="178739"/>
           </a:xfrm>
           <a:prstGeom prst="ellipse">
@@ -7527,8 +7527,8 @@
         </p:nvCxnSpPr>
         <p:spPr>
           <a:xfrm flipH="1">
-            <a:off x="1259632" y="2373088"/>
-            <a:ext cx="3024336" cy="1151188"/>
+            <a:off x="1331640" y="2122341"/>
+            <a:ext cx="2952328" cy="1439692"/>
           </a:xfrm>
           <a:prstGeom prst="line">
             <a:avLst/>
@@ -7568,7 +7568,7 @@
         </p:nvSpPr>
         <p:spPr>
           <a:xfrm>
-            <a:off x="4200398" y="2661055"/>
+            <a:off x="4200398" y="2427734"/>
             <a:ext cx="908491" cy="257669"/>
           </a:xfrm>
           <a:prstGeom prst="ellipse">
@@ -7819,8 +7819,8 @@
         </p:nvCxnSpPr>
         <p:spPr>
           <a:xfrm flipH="1" flipV="1">
-            <a:off x="1342359" y="3509970"/>
-            <a:ext cx="1216251" cy="372236"/>
+            <a:off x="1316987" y="3500128"/>
+            <a:ext cx="1241623" cy="382078"/>
           </a:xfrm>
           <a:prstGeom prst="line">
             <a:avLst/>
@@ -8594,8 +8594,8 @@
         </p:nvCxnSpPr>
         <p:spPr>
           <a:xfrm flipH="1">
-            <a:off x="1316987" y="2789890"/>
-            <a:ext cx="2883411" cy="729067"/>
+            <a:off x="1331640" y="2556569"/>
+            <a:ext cx="2868758" cy="943559"/>
           </a:xfrm>
           <a:prstGeom prst="line">
             <a:avLst/>
@@ -8632,13 +8632,14 @@
           </p:cNvPr>
           <p:cNvCxnSpPr>
             <a:cxnSpLocks/>
+            <a:stCxn id="97" idx="3"/>
           </p:cNvCxnSpPr>
           <p:nvPr/>
         </p:nvCxnSpPr>
         <p:spPr>
           <a:xfrm flipH="1">
-            <a:off x="1380291" y="3360990"/>
-            <a:ext cx="2820943" cy="163286"/>
+            <a:off x="1259632" y="3151724"/>
+            <a:ext cx="2987074" cy="358246"/>
           </a:xfrm>
           <a:prstGeom prst="line">
             <a:avLst/>
@@ -8672,7 +8673,7 @@
         </p:nvSpPr>
         <p:spPr>
           <a:xfrm>
-            <a:off x="4067348" y="3178177"/>
+            <a:off x="4067348" y="2931790"/>
             <a:ext cx="1224732" cy="257669"/>
           </a:xfrm>
           <a:prstGeom prst="ellipse">
@@ -8746,7 +8747,7 @@
         </p:nvCxnSpPr>
         <p:spPr>
           <a:xfrm>
-            <a:off x="4644008" y="2474142"/>
+            <a:off x="4644008" y="2283718"/>
             <a:ext cx="6433" cy="169616"/>
           </a:xfrm>
           <a:prstGeom prst="line">
@@ -8892,14 +8893,15 @@
           </p:cNvPr>
           <p:cNvCxnSpPr>
             <a:cxnSpLocks/>
-            <a:stCxn id="119" idx="2"/>
+            <a:stCxn id="119" idx="1"/>
+            <a:endCxn id="115" idx="6"/>
           </p:cNvCxnSpPr>
           <p:nvPr/>
         </p:nvCxnSpPr>
         <p:spPr>
-          <a:xfrm flipH="1">
-            <a:off x="5097256" y="2778848"/>
-            <a:ext cx="700739" cy="28165"/>
+          <a:xfrm flipH="1" flipV="1">
+            <a:off x="5108889" y="2556569"/>
+            <a:ext cx="826982" cy="125461"/>
           </a:xfrm>
           <a:prstGeom prst="line">
             <a:avLst/>
@@ -8937,13 +8939,14 @@
           <p:cNvCxnSpPr>
             <a:cxnSpLocks/>
             <a:stCxn id="119" idx="1"/>
+            <a:endCxn id="87" idx="6"/>
           </p:cNvCxnSpPr>
           <p:nvPr/>
         </p:nvCxnSpPr>
         <p:spPr>
           <a:xfrm flipH="1" flipV="1">
-            <a:off x="5033206" y="2355019"/>
-            <a:ext cx="902665" cy="327011"/>
+            <a:off x="5040052" y="2122341"/>
+            <a:ext cx="895819" cy="559689"/>
           </a:xfrm>
           <a:prstGeom prst="line">
             <a:avLst/>
@@ -13757,6 +13760,63 @@
       </p:grpSpPr>
       <p:sp>
         <p:nvSpPr>
+          <p:cNvPr id="7" name="직사각형 6">
+            <a:extLst>
+              <a:ext uri="{FF2B5EF4-FFF2-40B4-BE49-F238E27FC236}">
+                <a16:creationId xmlns:a16="http://schemas.microsoft.com/office/drawing/2014/main" id="{50B1E11F-5F9E-9F86-3DF7-4C4BD388D51A}"/>
+              </a:ext>
+            </a:extLst>
+          </p:cNvPr>
+          <p:cNvSpPr/>
+          <p:nvPr/>
+        </p:nvSpPr>
+        <p:spPr>
+          <a:xfrm>
+            <a:off x="0" y="-20538"/>
+            <a:ext cx="9144000" cy="584979"/>
+          </a:xfrm>
+          <a:prstGeom prst="rect">
+            <a:avLst/>
+          </a:prstGeom>
+          <a:solidFill>
+            <a:schemeClr val="tx2"/>
+          </a:solidFill>
+          <a:ln>
+            <a:noFill/>
+          </a:ln>
+        </p:spPr>
+        <p:style>
+          <a:lnRef idx="2">
+            <a:schemeClr val="accent1">
+              <a:shade val="50000"/>
+            </a:schemeClr>
+          </a:lnRef>
+          <a:fillRef idx="1">
+            <a:schemeClr val="accent1"/>
+          </a:fillRef>
+          <a:effectRef idx="0">
+            <a:schemeClr val="accent1"/>
+          </a:effectRef>
+          <a:fontRef idx="minor">
+            <a:schemeClr val="lt1"/>
+          </a:fontRef>
+        </p:style>
+        <p:txBody>
+          <a:bodyPr rot="0" spcFirstLastPara="0" vertOverflow="overflow" horzOverflow="overflow" vert="horz" wrap="square" lIns="0" tIns="0" rIns="0" bIns="0" numCol="1" spcCol="0" rtlCol="0" fromWordArt="0" anchor="ctr" anchorCtr="0" forceAA="0" compatLnSpc="1">
+            <a:prstTxWarp prst="textNoShape">
+              <a:avLst/>
+            </a:prstTxWarp>
+            <a:noAutofit/>
+          </a:bodyPr>
+          <a:lstStyle/>
+          <a:p>
+            <a:pPr algn="ctr"/>
+            <a:endParaRPr lang="ko-KR" altLang="en-US" sz="1000" b="1" dirty="0"/>
+          </a:p>
+        </p:txBody>
+      </p:sp>
+      <p:sp>
+        <p:nvSpPr>
           <p:cNvPr id="2" name="슬라이드 번호 개체 틀 1"/>
           <p:cNvSpPr>
             <a:spLocks noGrp="1"/>
@@ -13802,7 +13862,7 @@
           <a:lstStyle/>
           <a:p>
             <a:r>
-              <a:rPr lang="en-US" altLang="ko-KR" b="1">
+              <a:rPr lang="en-US" altLang="ko-KR" b="1" dirty="0">
                 <a:solidFill>
                   <a:srgbClr val="756B5F"/>
                 </a:solidFill>
@@ -13843,7 +13903,7 @@
         </p:blipFill>
         <p:spPr bwMode="auto">
           <a:xfrm>
-            <a:off x="251520" y="411510"/>
+            <a:off x="251520" y="699542"/>
             <a:ext cx="8496944" cy="4260124"/>
           </a:xfrm>
           <a:prstGeom prst="rect">
@@ -31588,7 +31648,39 @@
                   <a:schemeClr val="tx2"/>
                 </a:solidFill>
               </a:rPr>
-              <a:t>진료가 끝난 후 후기도 남길 수 있습니다</a:t>
+              <a:t>진료가 끝난 </a:t>
+            </a:r>
+            <a:r>
+              <a:rPr lang="ko-KR" altLang="en-US" sz="1400" b="1" dirty="0" smtClean="0">
+                <a:solidFill>
+                  <a:schemeClr val="tx2"/>
+                </a:solidFill>
+              </a:rPr>
+              <a:t>후</a:t>
+            </a:r>
+            <a:r>
+              <a:rPr lang="en-US" altLang="ko-KR" sz="1400" b="1" dirty="0" smtClean="0">
+                <a:solidFill>
+                  <a:schemeClr val="tx2"/>
+                </a:solidFill>
+              </a:rPr>
+              <a:t>,</a:t>
+            </a:r>
+            <a:r>
+              <a:rPr lang="ko-KR" altLang="en-US" sz="1400" b="1" dirty="0" smtClean="0">
+                <a:solidFill>
+                  <a:schemeClr val="tx2"/>
+                </a:solidFill>
+              </a:rPr>
+              <a:t> </a:t>
+            </a:r>
+            <a:r>
+              <a:rPr lang="ko-KR" altLang="en-US" sz="1400" b="1" dirty="0">
+                <a:solidFill>
+                  <a:schemeClr val="tx2"/>
+                </a:solidFill>
+              </a:rPr>
+              <a:t>후기도 남길 수 있습니다</a:t>
             </a:r>
             <a:r>
               <a:rPr lang="en-US" altLang="ko-KR" b="1" dirty="0">
@@ -38940,8 +39032,8 @@
         </p:nvSpPr>
         <p:spPr>
           <a:xfrm>
-            <a:off x="7380313" y="2427734"/>
-            <a:ext cx="576064" cy="288032"/>
+            <a:off x="7380312" y="2427734"/>
+            <a:ext cx="720079" cy="288032"/>
           </a:xfrm>
           <a:prstGeom prst="roundRect">
             <a:avLst/>
@@ -38973,8 +39065,8 @@
           <a:p>
             <a:pPr algn="ctr"/>
             <a:r>
-              <a:rPr lang="ko-KR" altLang="en-US" sz="1000" b="1" dirty="0" err="1"/>
-              <a:t>답글달기</a:t>
+              <a:rPr lang="ko-KR" altLang="en-US" sz="1000" b="1" smtClean="0"/>
+              <a:t>회원글삭제</a:t>
             </a:r>
             <a:endParaRPr lang="ko-KR" altLang="en-US" sz="1000" b="1" dirty="0"/>
           </a:p>

--- a/0317_치카치카치과.pptx
+++ b/0317_치카치카치과.pptx
@@ -251,7 +251,7 @@
           <a:p>
             <a:fld id="{684ABEAC-FD1E-446D-854E-09142DFB339C}" type="datetimeFigureOut">
               <a:rPr lang="ko-KR" altLang="en-US" smtClean="0"/>
-              <a:t>2023-03-28</a:t>
+              <a:t>2023-03-30</a:t>
             </a:fld>
             <a:endParaRPr lang="ko-KR" altLang="en-US"/>
           </a:p>
@@ -447,7 +447,7 @@
           <a:p>
             <a:fld id="{E299D967-67B2-4132-B52D-A253871A1F24}" type="datetimeFigureOut">
               <a:rPr lang="ko-KR" altLang="en-US" smtClean="0"/>
-              <a:t>2023-03-28</a:t>
+              <a:t>2023-03-30</a:t>
             </a:fld>
             <a:endParaRPr lang="ko-KR" altLang="en-US"/>
           </a:p>
@@ -893,7 +893,7 @@
           <a:p>
             <a:fld id="{20303F18-CB98-4E85-A37B-EF5A4E6C8DE7}" type="datetime1">
               <a:rPr lang="ko-KR" altLang="en-US" smtClean="0"/>
-              <a:t>2023-03-28</a:t>
+              <a:t>2023-03-30</a:t>
             </a:fld>
             <a:endParaRPr lang="ko-KR" altLang="en-US"/>
           </a:p>
@@ -1066,7 +1066,7 @@
           <a:p>
             <a:fld id="{CCA16C65-58A5-46D5-A762-12670B92641B}" type="datetime1">
               <a:rPr lang="ko-KR" altLang="en-US" smtClean="0"/>
-              <a:t>2023-03-28</a:t>
+              <a:t>2023-03-30</a:t>
             </a:fld>
             <a:endParaRPr lang="ko-KR" altLang="en-US"/>
           </a:p>
@@ -1244,7 +1244,7 @@
           <a:p>
             <a:fld id="{2D09A68A-AC6E-41FE-B28C-2BB812CC2E01}" type="datetime1">
               <a:rPr lang="ko-KR" altLang="en-US" smtClean="0"/>
-              <a:t>2023-03-28</a:t>
+              <a:t>2023-03-30</a:t>
             </a:fld>
             <a:endParaRPr lang="ko-KR" altLang="en-US"/>
           </a:p>
@@ -1412,7 +1412,7 @@
           <a:p>
             <a:fld id="{690B8B09-A0F3-4880-B090-7FDDEE5B5065}" type="datetime1">
               <a:rPr lang="ko-KR" altLang="en-US" smtClean="0"/>
-              <a:t>2023-03-28</a:t>
+              <a:t>2023-03-30</a:t>
             </a:fld>
             <a:endParaRPr lang="ko-KR" altLang="en-US"/>
           </a:p>
@@ -1657,7 +1657,7 @@
           <a:p>
             <a:fld id="{82F7D3F4-816B-4FA6-91FC-91836ECD0E53}" type="datetime1">
               <a:rPr lang="ko-KR" altLang="en-US" smtClean="0"/>
-              <a:t>2023-03-28</a:t>
+              <a:t>2023-03-30</a:t>
             </a:fld>
             <a:endParaRPr lang="ko-KR" altLang="en-US"/>
           </a:p>
@@ -1942,7 +1942,7 @@
           <a:p>
             <a:fld id="{2FB9FCFF-984A-4549-AB53-391F9EC1244A}" type="datetime1">
               <a:rPr lang="ko-KR" altLang="en-US" smtClean="0"/>
-              <a:t>2023-03-28</a:t>
+              <a:t>2023-03-30</a:t>
             </a:fld>
             <a:endParaRPr lang="ko-KR" altLang="en-US"/>
           </a:p>
@@ -2361,7 +2361,7 @@
           <a:p>
             <a:fld id="{94618DE4-C4FE-4171-90C7-38CF01638033}" type="datetime1">
               <a:rPr lang="ko-KR" altLang="en-US" smtClean="0"/>
-              <a:t>2023-03-28</a:t>
+              <a:t>2023-03-30</a:t>
             </a:fld>
             <a:endParaRPr lang="ko-KR" altLang="en-US"/>
           </a:p>
@@ -2478,7 +2478,7 @@
           <a:p>
             <a:fld id="{33587621-9D18-4C20-9B84-3E938621A025}" type="datetime1">
               <a:rPr lang="ko-KR" altLang="en-US" smtClean="0"/>
-              <a:t>2023-03-28</a:t>
+              <a:t>2023-03-30</a:t>
             </a:fld>
             <a:endParaRPr lang="ko-KR" altLang="en-US"/>
           </a:p>
@@ -2820,7 +2820,7 @@
           <a:p>
             <a:fld id="{B517649B-2577-404C-858E-51E9DEBB2548}" type="datetime1">
               <a:rPr lang="ko-KR" altLang="en-US" smtClean="0"/>
-              <a:t>2023-03-28</a:t>
+              <a:t>2023-03-30</a:t>
             </a:fld>
             <a:endParaRPr lang="ko-KR" altLang="en-US"/>
           </a:p>
@@ -3072,7 +3072,7 @@
           <a:p>
             <a:fld id="{8D84C674-EF46-4F27-9E3E-4F6A170B0DC6}" type="datetime1">
               <a:rPr lang="ko-KR" altLang="en-US" smtClean="0"/>
-              <a:t>2023-03-28</a:t>
+              <a:t>2023-03-30</a:t>
             </a:fld>
             <a:endParaRPr lang="ko-KR" altLang="en-US"/>
           </a:p>
@@ -3283,7 +3283,7 @@
           <a:p>
             <a:fld id="{B40F11ED-9D7B-4CCE-A57D-CC1D7760FB25}" type="datetime1">
               <a:rPr lang="ko-KR" altLang="en-US" smtClean="0"/>
-              <a:t>2023-03-28</a:t>
+              <a:t>2023-03-30</a:t>
             </a:fld>
             <a:endParaRPr lang="ko-KR" altLang="en-US"/>
           </a:p>
@@ -13864,7 +13864,7 @@
             <a:r>
               <a:rPr lang="en-US" altLang="ko-KR" b="1" dirty="0">
                 <a:solidFill>
-                  <a:srgbClr val="756B5F"/>
+                  <a:schemeClr val="bg1"/>
                 </a:solidFill>
               </a:rPr>
               <a:t>8.  </a:t>
@@ -13872,7 +13872,7 @@
             <a:r>
               <a:rPr lang="ko-KR" altLang="en-US" b="1" dirty="0">
                 <a:solidFill>
-                  <a:srgbClr val="756B5F"/>
+                  <a:schemeClr val="bg1"/>
                 </a:solidFill>
               </a:rPr>
               <a:t>기능정의서 및 설계</a:t>
@@ -38483,7 +38483,7 @@
         </p:nvSpPr>
         <p:spPr>
           <a:xfrm>
-            <a:off x="6497140" y="2427734"/>
+            <a:off x="6588224" y="2643758"/>
             <a:ext cx="576064" cy="288032"/>
           </a:xfrm>
           <a:prstGeom prst="roundRect">
@@ -38948,8 +38948,8 @@
         </p:nvCxnSpPr>
         <p:spPr>
           <a:xfrm flipV="1">
-            <a:off x="6228185" y="2571750"/>
-            <a:ext cx="0" cy="720080"/>
+            <a:off x="6228185" y="2787774"/>
+            <a:ext cx="0" cy="504056"/>
           </a:xfrm>
           <a:prstGeom prst="line">
             <a:avLst/>
@@ -38990,8 +38990,8 @@
         </p:nvCxnSpPr>
         <p:spPr>
           <a:xfrm flipH="1">
-            <a:off x="6228185" y="2571750"/>
-            <a:ext cx="268955" cy="0"/>
+            <a:off x="6228185" y="2787774"/>
+            <a:ext cx="360039" cy="0"/>
           </a:xfrm>
           <a:prstGeom prst="line">
             <a:avLst/>
@@ -39032,7 +39032,7 @@
         </p:nvSpPr>
         <p:spPr>
           <a:xfrm>
-            <a:off x="7380312" y="2427734"/>
+            <a:off x="7452320" y="1671650"/>
             <a:ext cx="720079" cy="288032"/>
           </a:xfrm>
           <a:prstGeom prst="roundRect">
@@ -39083,13 +39083,14 @@
           </p:cNvPr>
           <p:cNvCxnSpPr>
             <a:cxnSpLocks/>
+            <a:stCxn id="3" idx="1"/>
           </p:cNvCxnSpPr>
           <p:nvPr/>
         </p:nvCxnSpPr>
         <p:spPr>
           <a:xfrm flipH="1">
-            <a:off x="7092281" y="2571750"/>
-            <a:ext cx="268955" cy="0"/>
+            <a:off x="7183366" y="2787774"/>
+            <a:ext cx="340962" cy="0"/>
           </a:xfrm>
           <a:prstGeom prst="line">
             <a:avLst/>
@@ -39174,7 +39175,7 @@
         </p:nvSpPr>
         <p:spPr>
           <a:xfrm>
-            <a:off x="4067944" y="3291830"/>
+            <a:off x="7524328" y="2643758"/>
             <a:ext cx="576064" cy="288032"/>
           </a:xfrm>
           <a:prstGeom prst="roundRect">
@@ -39655,95 +39656,6 @@
           <a:xfrm>
             <a:off x="2483768" y="3795886"/>
             <a:ext cx="288032" cy="0"/>
-          </a:xfrm>
-          <a:prstGeom prst="line">
-            <a:avLst/>
-          </a:prstGeom>
-          <a:ln w="19050">
-            <a:solidFill>
-              <a:schemeClr val="tx1"/>
-            </a:solidFill>
-            <a:tailEnd type="none"/>
-          </a:ln>
-        </p:spPr>
-        <p:style>
-          <a:lnRef idx="1">
-            <a:schemeClr val="accent1"/>
-          </a:lnRef>
-          <a:fillRef idx="0">
-            <a:schemeClr val="accent1"/>
-          </a:fillRef>
-          <a:effectRef idx="0">
-            <a:schemeClr val="accent1"/>
-          </a:effectRef>
-          <a:fontRef idx="minor">
-            <a:schemeClr val="tx1"/>
-          </a:fontRef>
-        </p:style>
-      </p:cxnSp>
-      <p:cxnSp>
-        <p:nvCxnSpPr>
-          <p:cNvPr id="33" name="직선 연결선 32">
-            <a:extLst>
-              <a:ext uri="{FF2B5EF4-FFF2-40B4-BE49-F238E27FC236}">
-                <a16:creationId xmlns:a16="http://schemas.microsoft.com/office/drawing/2014/main" id="{DEE4B9BE-A096-2829-041A-2B85C6D190E1}"/>
-              </a:ext>
-            </a:extLst>
-          </p:cNvPr>
-          <p:cNvCxnSpPr>
-            <a:cxnSpLocks/>
-          </p:cNvCxnSpPr>
-          <p:nvPr/>
-        </p:nvCxnSpPr>
-        <p:spPr>
-          <a:xfrm>
-            <a:off x="4644008" y="3435846"/>
-            <a:ext cx="432048" cy="0"/>
-          </a:xfrm>
-          <a:prstGeom prst="line">
-            <a:avLst/>
-          </a:prstGeom>
-          <a:ln w="19050">
-            <a:solidFill>
-              <a:schemeClr val="tx1"/>
-            </a:solidFill>
-            <a:tailEnd type="none"/>
-          </a:ln>
-        </p:spPr>
-        <p:style>
-          <a:lnRef idx="1">
-            <a:schemeClr val="accent1"/>
-          </a:lnRef>
-          <a:fillRef idx="0">
-            <a:schemeClr val="accent1"/>
-          </a:fillRef>
-          <a:effectRef idx="0">
-            <a:schemeClr val="accent1"/>
-          </a:effectRef>
-          <a:fontRef idx="minor">
-            <a:schemeClr val="tx1"/>
-          </a:fontRef>
-        </p:style>
-      </p:cxnSp>
-      <p:cxnSp>
-        <p:nvCxnSpPr>
-          <p:cNvPr id="39" name="직선 연결선 38">
-            <a:extLst>
-              <a:ext uri="{FF2B5EF4-FFF2-40B4-BE49-F238E27FC236}">
-                <a16:creationId xmlns:a16="http://schemas.microsoft.com/office/drawing/2014/main" id="{FC416E96-FDB8-39AE-4B98-4965C146C6BB}"/>
-              </a:ext>
-            </a:extLst>
-          </p:cNvPr>
-          <p:cNvCxnSpPr>
-            <a:cxnSpLocks/>
-            <a:stCxn id="19" idx="3"/>
-          </p:cNvCxnSpPr>
-          <p:nvPr/>
-        </p:nvCxnSpPr>
-        <p:spPr>
-          <a:xfrm>
-            <a:off x="3707904" y="3435846"/>
-            <a:ext cx="360040" cy="0"/>
           </a:xfrm>
           <a:prstGeom prst="line">
             <a:avLst/>

--- a/0317_치카치카치과.pptx
+++ b/0317_치카치카치과.pptx
@@ -4552,7 +4552,7 @@
           <p:spPr>
             <a:xfrm>
               <a:off x="2629812" y="2121244"/>
-              <a:ext cx="1726164" cy="965028"/>
+              <a:ext cx="1726164" cy="536127"/>
             </a:xfrm>
             <a:prstGeom prst="rect">
               <a:avLst/>
@@ -4624,48 +4624,6 @@
                 <a:latin typeface="+mn-ea"/>
               </a:endParaRPr>
             </a:p>
-            <a:p>
-              <a:pPr marL="285750">
-                <a:buFont typeface="Arial" panose="020B0604020202020204" pitchFamily="34" charset="0"/>
-                <a:buChar char="•"/>
-              </a:pPr>
-              <a:r>
-                <a:rPr lang="ko-KR" altLang="en-US" sz="1200" b="1" dirty="0">
-                  <a:solidFill>
-                    <a:srgbClr val="464646"/>
-                  </a:solidFill>
-                  <a:latin typeface="+mn-ea"/>
-                </a:rPr>
-                <a:t>공지사항</a:t>
-              </a:r>
-              <a:endParaRPr lang="en-US" altLang="ko-KR" sz="1200" b="1" dirty="0">
-                <a:solidFill>
-                  <a:srgbClr val="464646"/>
-                </a:solidFill>
-                <a:latin typeface="+mn-ea"/>
-              </a:endParaRPr>
-            </a:p>
-            <a:p>
-              <a:pPr marL="285750">
-                <a:buFont typeface="Arial" panose="020B0604020202020204" pitchFamily="34" charset="0"/>
-                <a:buChar char="•"/>
-              </a:pPr>
-              <a:r>
-                <a:rPr lang="ko-KR" altLang="en-US" sz="1200" b="1" dirty="0" smtClean="0">
-                  <a:solidFill>
-                    <a:srgbClr val="464646"/>
-                  </a:solidFill>
-                  <a:latin typeface="+mn-ea"/>
-                </a:rPr>
-                <a:t>의료진 소개</a:t>
-              </a:r>
-              <a:endParaRPr lang="ko-KR" altLang="en-US" sz="1200" b="1" dirty="0">
-                <a:solidFill>
-                  <a:srgbClr val="464646"/>
-                </a:solidFill>
-                <a:latin typeface="+mn-ea"/>
-              </a:endParaRPr>
-            </a:p>
           </p:txBody>
         </p:sp>
         <p:sp>
@@ -4705,13 +4663,31 @@
                 <a:t>- </a:t>
               </a:r>
               <a:r>
+                <a:rPr lang="en-US" altLang="ko-KR" sz="1200" b="1" dirty="0" smtClean="0">
+                  <a:solidFill>
+                    <a:srgbClr val="464646"/>
+                  </a:solidFill>
+                  <a:latin typeface="+mn-ea"/>
+                </a:rPr>
+                <a:t> </a:t>
+              </a:r>
+              <a:r>
+                <a:rPr lang="ko-KR" altLang="en-US" sz="1200" b="1" dirty="0" smtClean="0">
+                  <a:solidFill>
+                    <a:srgbClr val="464646"/>
+                  </a:solidFill>
+                  <a:latin typeface="+mn-ea"/>
+                </a:rPr>
+                <a:t>공지사항 </a:t>
+              </a:r>
+              <a:r>
                 <a:rPr lang="ko-KR" altLang="en-US" sz="1200" b="1" dirty="0">
                   <a:solidFill>
                     <a:srgbClr val="464646"/>
                   </a:solidFill>
                   <a:latin typeface="+mn-ea"/>
                 </a:rPr>
-                <a:t>공지사항 관리</a:t>
+                <a:t>관리</a:t>
               </a:r>
               <a:endParaRPr lang="en-US" altLang="ko-KR" sz="1200" b="1" dirty="0">
                 <a:solidFill>
@@ -4736,7 +4712,16 @@
                 <a:t>- </a:t>
               </a:r>
               <a:r>
-                <a:rPr lang="ko-KR" altLang="en-US" sz="1200" b="1" dirty="0">
+                <a:rPr lang="en-US" altLang="ko-KR" sz="1200" b="1" dirty="0" smtClean="0">
+                  <a:solidFill>
+                    <a:srgbClr val="464646"/>
+                  </a:solidFill>
+                  <a:latin typeface="+mn-ea"/>
+                </a:rPr>
+                <a:t> </a:t>
+              </a:r>
+              <a:r>
+                <a:rPr lang="ko-KR" altLang="en-US" sz="1200" b="1" dirty="0" smtClean="0">
                   <a:solidFill>
                     <a:srgbClr val="464646"/>
                   </a:solidFill>
@@ -6616,13 +6601,12 @@
           <p:cNvPr id="51" name="직선 연결선 50"/>
           <p:cNvCxnSpPr>
             <a:cxnSpLocks/>
-            <a:endCxn id="97" idx="0"/>
           </p:cNvCxnSpPr>
           <p:nvPr/>
         </p:nvCxnSpPr>
         <p:spPr>
           <a:xfrm>
-            <a:off x="4667549" y="2685403"/>
+            <a:off x="4644008" y="3219822"/>
             <a:ext cx="12165" cy="246387"/>
           </a:xfrm>
           <a:prstGeom prst="line">
@@ -6819,7 +6803,7 @@
         </p:nvSpPr>
         <p:spPr>
           <a:xfrm>
-            <a:off x="4716016" y="2232615"/>
+            <a:off x="3779912" y="3312735"/>
             <a:ext cx="648071" cy="123111"/>
           </a:xfrm>
           <a:prstGeom prst="rect">
@@ -7462,7 +7446,7 @@
         </p:nvSpPr>
         <p:spPr>
           <a:xfrm>
-            <a:off x="4283968" y="2032971"/>
+            <a:off x="4535996" y="2537027"/>
             <a:ext cx="756084" cy="178739"/>
           </a:xfrm>
           <a:prstGeom prst="ellipse">
@@ -7521,14 +7505,13 @@
           </p:cNvPr>
           <p:cNvCxnSpPr>
             <a:cxnSpLocks/>
-            <a:stCxn id="87" idx="2"/>
           </p:cNvCxnSpPr>
           <p:nvPr/>
         </p:nvCxnSpPr>
         <p:spPr>
           <a:xfrm flipH="1">
-            <a:off x="1331640" y="2122341"/>
-            <a:ext cx="2952328" cy="1439692"/>
+            <a:off x="1169825" y="2668042"/>
+            <a:ext cx="3474185" cy="798167"/>
           </a:xfrm>
           <a:prstGeom prst="line">
             <a:avLst/>
@@ -7568,7 +7551,7 @@
         </p:nvSpPr>
         <p:spPr>
           <a:xfrm>
-            <a:off x="4200398" y="2427734"/>
+            <a:off x="4455597" y="2931790"/>
             <a:ext cx="908491" cy="257669"/>
           </a:xfrm>
           <a:prstGeom prst="ellipse">
@@ -7819,8 +7802,8 @@
         </p:nvCxnSpPr>
         <p:spPr>
           <a:xfrm flipH="1" flipV="1">
-            <a:off x="1316987" y="3500128"/>
-            <a:ext cx="1241623" cy="382078"/>
+            <a:off x="1255560" y="3466343"/>
+            <a:ext cx="1303050" cy="415863"/>
           </a:xfrm>
           <a:prstGeom prst="line">
             <a:avLst/>
@@ -7863,8 +7846,8 @@
         </p:nvCxnSpPr>
         <p:spPr>
           <a:xfrm flipH="1" flipV="1">
-            <a:off x="1264900" y="3500128"/>
-            <a:ext cx="1347016" cy="695232"/>
+            <a:off x="1182875" y="3457979"/>
+            <a:ext cx="1429041" cy="737381"/>
           </a:xfrm>
           <a:prstGeom prst="line">
             <a:avLst/>
@@ -7907,8 +7890,8 @@
         </p:nvCxnSpPr>
         <p:spPr>
           <a:xfrm flipH="1" flipV="1">
-            <a:off x="1236975" y="3509970"/>
-            <a:ext cx="1465531" cy="1086551"/>
+            <a:off x="1159641" y="3449949"/>
+            <a:ext cx="1542865" cy="1146572"/>
           </a:xfrm>
           <a:prstGeom prst="line">
             <a:avLst/>
@@ -8270,8 +8253,8 @@
         </p:nvCxnSpPr>
         <p:spPr>
           <a:xfrm flipH="1" flipV="1">
-            <a:off x="3118698" y="1428524"/>
-            <a:ext cx="4512141" cy="743334"/>
+            <a:off x="3118700" y="1419622"/>
+            <a:ext cx="4973746" cy="926123"/>
           </a:xfrm>
           <a:prstGeom prst="line">
             <a:avLst/>
@@ -8311,7 +8294,7 @@
         </p:nvSpPr>
         <p:spPr>
           <a:xfrm>
-            <a:off x="6491306" y="3113091"/>
+            <a:off x="6300192" y="3219822"/>
             <a:ext cx="744990" cy="322755"/>
           </a:xfrm>
           <a:prstGeom prst="ellipse">
@@ -8384,8 +8367,8 @@
         </p:nvCxnSpPr>
         <p:spPr>
           <a:xfrm flipH="1">
-            <a:off x="7127195" y="2399171"/>
-            <a:ext cx="965251" cy="761186"/>
+            <a:off x="6936081" y="2329109"/>
+            <a:ext cx="1190061" cy="937979"/>
           </a:xfrm>
           <a:prstGeom prst="line">
             <a:avLst/>
@@ -8425,7 +8408,7 @@
         </p:nvSpPr>
         <p:spPr>
           <a:xfrm>
-            <a:off x="6543830" y="3562033"/>
+            <a:off x="6516216" y="3922073"/>
             <a:ext cx="908490" cy="377869"/>
           </a:xfrm>
           <a:prstGeom prst="ellipse">
@@ -8506,8 +8489,8 @@
         </p:nvCxnSpPr>
         <p:spPr>
           <a:xfrm flipH="1">
-            <a:off x="7319275" y="2373087"/>
-            <a:ext cx="781118" cy="1244284"/>
+            <a:off x="7291661" y="2325661"/>
+            <a:ext cx="826622" cy="1651750"/>
           </a:xfrm>
           <a:prstGeom prst="line">
             <a:avLst/>
@@ -8544,14 +8527,13 @@
           </p:cNvPr>
           <p:cNvCxnSpPr>
             <a:cxnSpLocks/>
-            <a:endCxn id="73" idx="6"/>
           </p:cNvCxnSpPr>
           <p:nvPr/>
         </p:nvCxnSpPr>
         <p:spPr>
           <a:xfrm flipH="1" flipV="1">
-            <a:off x="3203848" y="1653008"/>
-            <a:ext cx="4731145" cy="538110"/>
+            <a:off x="3131841" y="1673600"/>
+            <a:ext cx="4986442" cy="689449"/>
           </a:xfrm>
           <a:prstGeom prst="line">
             <a:avLst/>
@@ -8588,14 +8570,14 @@
           </p:cNvPr>
           <p:cNvCxnSpPr>
             <a:cxnSpLocks/>
-            <a:stCxn id="115" idx="2"/>
+            <a:stCxn id="115" idx="3"/>
           </p:cNvCxnSpPr>
           <p:nvPr/>
         </p:nvCxnSpPr>
         <p:spPr>
           <a:xfrm flipH="1">
-            <a:off x="1331640" y="2556569"/>
-            <a:ext cx="2868758" cy="943559"/>
+            <a:off x="1273203" y="3151724"/>
+            <a:ext cx="3315439" cy="290981"/>
           </a:xfrm>
           <a:prstGeom prst="line">
             <a:avLst/>
@@ -8632,14 +8614,14 @@
           </p:cNvPr>
           <p:cNvCxnSpPr>
             <a:cxnSpLocks/>
-            <a:stCxn id="97" idx="3"/>
+            <a:stCxn id="97" idx="2"/>
           </p:cNvCxnSpPr>
           <p:nvPr/>
         </p:nvCxnSpPr>
         <p:spPr>
-          <a:xfrm flipH="1">
-            <a:off x="1259632" y="3151724"/>
-            <a:ext cx="2987074" cy="358246"/>
+          <a:xfrm flipH="1" flipV="1">
+            <a:off x="1197733" y="3457561"/>
+            <a:ext cx="3085639" cy="209491"/>
           </a:xfrm>
           <a:prstGeom prst="line">
             <a:avLst/>
@@ -8673,7 +8655,7 @@
         </p:nvSpPr>
         <p:spPr>
           <a:xfrm>
-            <a:off x="4067348" y="2931790"/>
+            <a:off x="4283372" y="3538217"/>
             <a:ext cx="1224732" cy="257669"/>
           </a:xfrm>
           <a:prstGeom prst="ellipse">
@@ -8715,7 +8697,7 @@
           <a:p>
             <a:pPr algn="ctr"/>
             <a:r>
-              <a:rPr lang="ko-KR" altLang="en-US" sz="1000" b="1"/>
+              <a:rPr lang="ko-KR" altLang="en-US" sz="1000" b="1" dirty="0"/>
               <a:t>작성</a:t>
             </a:r>
             <a:r>
@@ -8747,7 +8729,7 @@
         </p:nvCxnSpPr>
         <p:spPr>
           <a:xfrm>
-            <a:off x="4644008" y="2283718"/>
+            <a:off x="4709583" y="2715766"/>
             <a:ext cx="6433" cy="169616"/>
           </a:xfrm>
           <a:prstGeom prst="line">
@@ -8790,7 +8772,7 @@
         </p:nvSpPr>
         <p:spPr>
           <a:xfrm>
-            <a:off x="5797995" y="2641926"/>
+            <a:off x="6084168" y="2729954"/>
             <a:ext cx="941478" cy="273844"/>
           </a:xfrm>
           <a:prstGeom prst="ellipse">
@@ -8850,13 +8832,14 @@
           </p:cNvPr>
           <p:cNvCxnSpPr>
             <a:cxnSpLocks/>
+            <a:endCxn id="119" idx="6"/>
           </p:cNvCxnSpPr>
           <p:nvPr/>
         </p:nvCxnSpPr>
         <p:spPr>
           <a:xfrm flipH="1">
-            <a:off x="6736041" y="2380757"/>
-            <a:ext cx="1318181" cy="404544"/>
+            <a:off x="7025646" y="2380757"/>
+            <a:ext cx="1028577" cy="486119"/>
           </a:xfrm>
           <a:prstGeom prst="line">
             <a:avLst/>
@@ -8893,15 +8876,14 @@
           </p:cNvPr>
           <p:cNvCxnSpPr>
             <a:cxnSpLocks/>
-            <a:stCxn id="119" idx="1"/>
-            <a:endCxn id="115" idx="6"/>
+            <a:stCxn id="119" idx="2"/>
           </p:cNvCxnSpPr>
           <p:nvPr/>
         </p:nvCxnSpPr>
         <p:spPr>
-          <a:xfrm flipH="1" flipV="1">
-            <a:off x="5108889" y="2556569"/>
-            <a:ext cx="826982" cy="125461"/>
+          <a:xfrm flipH="1">
+            <a:off x="5260897" y="2866876"/>
+            <a:ext cx="823271" cy="249767"/>
           </a:xfrm>
           <a:prstGeom prst="line">
             <a:avLst/>
@@ -8927,9 +8909,151 @@
           </a:fontRef>
         </p:style>
       </p:cxnSp>
+      <p:sp>
+        <p:nvSpPr>
+          <p:cNvPr id="85" name="TextBox 52">
+            <a:extLst>
+              <a:ext uri="{FF2B5EF4-FFF2-40B4-BE49-F238E27FC236}">
+                <a16:creationId xmlns:a16="http://schemas.microsoft.com/office/drawing/2014/main" id="{DB503CE8-1AC8-9012-8AE6-F726048999A4}"/>
+              </a:ext>
+            </a:extLst>
+          </p:cNvPr>
+          <p:cNvSpPr txBox="1"/>
+          <p:nvPr/>
+        </p:nvSpPr>
+        <p:spPr>
+          <a:xfrm>
+            <a:off x="3779912" y="2880687"/>
+            <a:ext cx="648071" cy="123111"/>
+          </a:xfrm>
+          <a:prstGeom prst="rect">
+            <a:avLst/>
+          </a:prstGeom>
+          <a:noFill/>
+        </p:spPr>
+        <p:txBody>
+          <a:bodyPr wrap="square" lIns="0" tIns="0" rIns="0" bIns="0" rtlCol="0">
+            <a:spAutoFit/>
+          </a:bodyPr>
+          <a:lstStyle>
+            <a:defPPr>
+              <a:defRPr lang="ko-KR"/>
+            </a:defPPr>
+            <a:lvl1pPr marL="0" algn="l" defTabSz="914400" rtl="0" eaLnBrk="1" latinLnBrk="1" hangingPunct="1">
+              <a:defRPr sz="1800" kern="1200">
+                <a:solidFill>
+                  <a:schemeClr val="tx1"/>
+                </a:solidFill>
+                <a:latin typeface="+mn-lt"/>
+                <a:ea typeface="+mn-ea"/>
+                <a:cs typeface="+mn-cs"/>
+              </a:defRPr>
+            </a:lvl1pPr>
+            <a:lvl2pPr marL="457200" algn="l" defTabSz="914400" rtl="0" eaLnBrk="1" latinLnBrk="1" hangingPunct="1">
+              <a:defRPr sz="1800" kern="1200">
+                <a:solidFill>
+                  <a:schemeClr val="tx1"/>
+                </a:solidFill>
+                <a:latin typeface="+mn-lt"/>
+                <a:ea typeface="+mn-ea"/>
+                <a:cs typeface="+mn-cs"/>
+              </a:defRPr>
+            </a:lvl2pPr>
+            <a:lvl3pPr marL="914400" algn="l" defTabSz="914400" rtl="0" eaLnBrk="1" latinLnBrk="1" hangingPunct="1">
+              <a:defRPr sz="1800" kern="1200">
+                <a:solidFill>
+                  <a:schemeClr val="tx1"/>
+                </a:solidFill>
+                <a:latin typeface="+mn-lt"/>
+                <a:ea typeface="+mn-ea"/>
+                <a:cs typeface="+mn-cs"/>
+              </a:defRPr>
+            </a:lvl3pPr>
+            <a:lvl4pPr marL="1371600" algn="l" defTabSz="914400" rtl="0" eaLnBrk="1" latinLnBrk="1" hangingPunct="1">
+              <a:defRPr sz="1800" kern="1200">
+                <a:solidFill>
+                  <a:schemeClr val="tx1"/>
+                </a:solidFill>
+                <a:latin typeface="+mn-lt"/>
+                <a:ea typeface="+mn-ea"/>
+                <a:cs typeface="+mn-cs"/>
+              </a:defRPr>
+            </a:lvl4pPr>
+            <a:lvl5pPr marL="1828800" algn="l" defTabSz="914400" rtl="0" eaLnBrk="1" latinLnBrk="1" hangingPunct="1">
+              <a:defRPr sz="1800" kern="1200">
+                <a:solidFill>
+                  <a:schemeClr val="tx1"/>
+                </a:solidFill>
+                <a:latin typeface="+mn-lt"/>
+                <a:ea typeface="+mn-ea"/>
+                <a:cs typeface="+mn-cs"/>
+              </a:defRPr>
+            </a:lvl5pPr>
+            <a:lvl6pPr marL="2286000" algn="l" defTabSz="914400" rtl="0" eaLnBrk="1" latinLnBrk="1" hangingPunct="1">
+              <a:defRPr sz="1800" kern="1200">
+                <a:solidFill>
+                  <a:schemeClr val="tx1"/>
+                </a:solidFill>
+                <a:latin typeface="+mn-lt"/>
+                <a:ea typeface="+mn-ea"/>
+                <a:cs typeface="+mn-cs"/>
+              </a:defRPr>
+            </a:lvl6pPr>
+            <a:lvl7pPr marL="2743200" algn="l" defTabSz="914400" rtl="0" eaLnBrk="1" latinLnBrk="1" hangingPunct="1">
+              <a:defRPr sz="1800" kern="1200">
+                <a:solidFill>
+                  <a:schemeClr val="tx1"/>
+                </a:solidFill>
+                <a:latin typeface="+mn-lt"/>
+                <a:ea typeface="+mn-ea"/>
+                <a:cs typeface="+mn-cs"/>
+              </a:defRPr>
+            </a:lvl7pPr>
+            <a:lvl8pPr marL="3200400" algn="l" defTabSz="914400" rtl="0" eaLnBrk="1" latinLnBrk="1" hangingPunct="1">
+              <a:defRPr sz="1800" kern="1200">
+                <a:solidFill>
+                  <a:schemeClr val="tx1"/>
+                </a:solidFill>
+                <a:latin typeface="+mn-lt"/>
+                <a:ea typeface="+mn-ea"/>
+                <a:cs typeface="+mn-cs"/>
+              </a:defRPr>
+            </a:lvl8pPr>
+            <a:lvl9pPr marL="3657600" algn="l" defTabSz="914400" rtl="0" eaLnBrk="1" latinLnBrk="1" hangingPunct="1">
+              <a:defRPr sz="1800" kern="1200">
+                <a:solidFill>
+                  <a:schemeClr val="tx1"/>
+                </a:solidFill>
+                <a:latin typeface="+mn-lt"/>
+                <a:ea typeface="+mn-ea"/>
+                <a:cs typeface="+mn-cs"/>
+              </a:defRPr>
+            </a:lvl9pPr>
+          </a:lstStyle>
+          <a:p>
+            <a:r>
+              <a:rPr lang="en-US" altLang="ko-KR" sz="800" dirty="0">
+                <a:solidFill>
+                  <a:schemeClr val="bg1">
+                    <a:lumMod val="50000"/>
+                  </a:schemeClr>
+                </a:solidFill>
+              </a:rPr>
+              <a:t>&lt;&lt;extend&gt;&gt;</a:t>
+            </a:r>
+            <a:endParaRPr lang="ko-KR" altLang="en-US" sz="800" dirty="0">
+              <a:solidFill>
+                <a:schemeClr val="bg1">
+                  <a:lumMod val="50000"/>
+                </a:schemeClr>
+              </a:solidFill>
+            </a:endParaRPr>
+          </a:p>
+        </p:txBody>
+      </p:sp>
       <p:cxnSp>
         <p:nvCxnSpPr>
-          <p:cNvPr id="123" name="직선 연결선 122">
+          <p:cNvPr id="112" name="직선 연결선 111">
             <a:extLst>
               <a:ext uri="{FF2B5EF4-FFF2-40B4-BE49-F238E27FC236}">
                 <a16:creationId xmlns:a16="http://schemas.microsoft.com/office/drawing/2014/main" id="{377E5141-9610-2D11-11D2-1CA27F6AE7C7}"/>
@@ -8938,15 +9062,15 @@
           </p:cNvPr>
           <p:cNvCxnSpPr>
             <a:cxnSpLocks/>
-            <a:stCxn id="119" idx="1"/>
+            <a:stCxn id="119" idx="2"/>
             <a:endCxn id="87" idx="6"/>
           </p:cNvCxnSpPr>
           <p:nvPr/>
         </p:nvCxnSpPr>
         <p:spPr>
           <a:xfrm flipH="1" flipV="1">
-            <a:off x="5040052" y="2122341"/>
-            <a:ext cx="895819" cy="559689"/>
+            <a:off x="5292080" y="2626397"/>
+            <a:ext cx="792088" cy="240479"/>
           </a:xfrm>
           <a:prstGeom prst="line">
             <a:avLst/>
@@ -9399,77 +9523,13 @@
       </p:sp>
       <p:sp>
         <p:nvSpPr>
-          <p:cNvPr id="9" name="직사각형 8"/>
+          <p:cNvPr id="10" name="직사각형 9"/>
           <p:cNvSpPr/>
           <p:nvPr/>
         </p:nvSpPr>
         <p:spPr>
           <a:xfrm>
             <a:off x="5076056" y="735546"/>
-            <a:ext cx="720080" cy="378042"/>
-          </a:xfrm>
-          <a:prstGeom prst="rect">
-            <a:avLst/>
-          </a:prstGeom>
-          <a:solidFill>
-            <a:schemeClr val="tx2"/>
-          </a:solidFill>
-          <a:ln>
-            <a:solidFill>
-              <a:schemeClr val="tx2"/>
-            </a:solidFill>
-          </a:ln>
-        </p:spPr>
-        <p:style>
-          <a:lnRef idx="2">
-            <a:schemeClr val="accent1">
-              <a:shade val="50000"/>
-            </a:schemeClr>
-          </a:lnRef>
-          <a:fillRef idx="1">
-            <a:schemeClr val="accent1"/>
-          </a:fillRef>
-          <a:effectRef idx="0">
-            <a:schemeClr val="accent1"/>
-          </a:effectRef>
-          <a:fontRef idx="minor">
-            <a:schemeClr val="lt1"/>
-          </a:fontRef>
-        </p:style>
-        <p:txBody>
-          <a:bodyPr rot="0" spcFirstLastPara="0" vertOverflow="overflow" horzOverflow="overflow" vert="horz" wrap="square" lIns="0" tIns="0" rIns="0" bIns="0" numCol="1" spcCol="0" rtlCol="0" fromWordArt="0" anchor="ctr" anchorCtr="0" forceAA="0" compatLnSpc="1">
-            <a:prstTxWarp prst="textNoShape">
-              <a:avLst/>
-            </a:prstTxWarp>
-            <a:noAutofit/>
-          </a:bodyPr>
-          <a:lstStyle/>
-          <a:p>
-            <a:pPr algn="ctr"/>
-            <a:r>
-              <a:rPr lang="ko-KR" altLang="en-US" sz="1000" b="1" dirty="0"/>
-              <a:t>상담</a:t>
-            </a:r>
-            <a:r>
-              <a:rPr lang="en-US" altLang="ko-KR" sz="1000" b="1" dirty="0"/>
-              <a:t>/</a:t>
-            </a:r>
-            <a:r>
-              <a:rPr lang="ko-KR" altLang="en-US" sz="1000" b="1" dirty="0"/>
-              <a:t>문의</a:t>
-            </a:r>
-          </a:p>
-        </p:txBody>
-      </p:sp>
-      <p:sp>
-        <p:nvSpPr>
-          <p:cNvPr id="10" name="직사각형 9"/>
-          <p:cNvSpPr/>
-          <p:nvPr/>
-        </p:nvSpPr>
-        <p:spPr>
-          <a:xfrm>
-            <a:off x="6012160" y="735546"/>
             <a:ext cx="720080" cy="378042"/>
           </a:xfrm>
           <a:prstGeom prst="rect">
@@ -9775,44 +9835,6 @@
         <p:spPr>
           <a:xfrm>
             <a:off x="5436096" y="1113589"/>
-            <a:ext cx="0" cy="3618402"/>
-          </a:xfrm>
-          <a:prstGeom prst="line">
-            <a:avLst/>
-          </a:prstGeom>
-          <a:ln w="25400">
-            <a:solidFill>
-              <a:srgbClr val="756B5F"/>
-            </a:solidFill>
-            <a:prstDash val="dash"/>
-            <a:headEnd type="none"/>
-            <a:tailEnd type="none"/>
-          </a:ln>
-        </p:spPr>
-        <p:style>
-          <a:lnRef idx="1">
-            <a:schemeClr val="accent1"/>
-          </a:lnRef>
-          <a:fillRef idx="0">
-            <a:schemeClr val="accent1"/>
-          </a:fillRef>
-          <a:effectRef idx="0">
-            <a:schemeClr val="accent1"/>
-          </a:effectRef>
-          <a:fontRef idx="minor">
-            <a:schemeClr val="tx1"/>
-          </a:fontRef>
-        </p:style>
-      </p:cxnSp>
-      <p:cxnSp>
-        <p:nvCxnSpPr>
-          <p:cNvPr id="24" name="직선 연결선 23"/>
-          <p:cNvCxnSpPr/>
-          <p:nvPr/>
-        </p:nvCxnSpPr>
-        <p:spPr>
-          <a:xfrm>
-            <a:off x="6372200" y="1113589"/>
             <a:ext cx="0" cy="3618402"/>
           </a:xfrm>
           <a:prstGeom prst="line">
@@ -10656,13 +10678,15 @@
       <p:cxnSp>
         <p:nvCxnSpPr>
           <p:cNvPr id="64" name="직선 화살표 연결선 63"/>
-          <p:cNvCxnSpPr/>
+          <p:cNvCxnSpPr>
+            <a:endCxn id="77" idx="1"/>
+          </p:cNvCxnSpPr>
           <p:nvPr/>
         </p:nvCxnSpPr>
         <p:spPr>
-          <a:xfrm>
-            <a:off x="3727328" y="2927275"/>
-            <a:ext cx="1548000" cy="0"/>
+          <a:xfrm flipV="1">
+            <a:off x="3788146" y="2940791"/>
+            <a:ext cx="567830" cy="9457"/>
           </a:xfrm>
           <a:prstGeom prst="straightConnector1">
             <a:avLst/>
@@ -10697,97 +10721,7 @@
         </p:nvSpPr>
         <p:spPr>
           <a:xfrm>
-            <a:off x="3419872" y="2879426"/>
-            <a:ext cx="288032" cy="162018"/>
-          </a:xfrm>
-          <a:prstGeom prst="rect">
-            <a:avLst/>
-          </a:prstGeom>
-          <a:solidFill>
-            <a:schemeClr val="tx2"/>
-          </a:solidFill>
-          <a:ln>
-            <a:solidFill>
-              <a:schemeClr val="tx2"/>
-            </a:solidFill>
-          </a:ln>
-        </p:spPr>
-        <p:style>
-          <a:lnRef idx="2">
-            <a:schemeClr val="accent1">
-              <a:shade val="50000"/>
-            </a:schemeClr>
-          </a:lnRef>
-          <a:fillRef idx="1">
-            <a:schemeClr val="accent1"/>
-          </a:fillRef>
-          <a:effectRef idx="0">
-            <a:schemeClr val="accent1"/>
-          </a:effectRef>
-          <a:fontRef idx="minor">
-            <a:schemeClr val="lt1"/>
-          </a:fontRef>
-        </p:style>
-        <p:txBody>
-          <a:bodyPr rot="0" spcFirstLastPara="0" vertOverflow="overflow" horzOverflow="overflow" vert="horz" wrap="square" lIns="0" tIns="0" rIns="0" bIns="0" numCol="1" spcCol="0" rtlCol="0" fromWordArt="0" anchor="ctr" anchorCtr="0" forceAA="0" compatLnSpc="1">
-            <a:prstTxWarp prst="textNoShape">
-              <a:avLst/>
-            </a:prstTxWarp>
-            <a:noAutofit/>
-          </a:bodyPr>
-          <a:lstStyle/>
-          <a:p>
-            <a:pPr algn="ctr"/>
-            <a:endParaRPr lang="ko-KR" altLang="en-US" sz="1000" b="1" dirty="0"/>
-          </a:p>
-        </p:txBody>
-      </p:sp>
-      <p:cxnSp>
-        <p:nvCxnSpPr>
-          <p:cNvPr id="66" name="직선 화살표 연결선 65"/>
-          <p:cNvCxnSpPr/>
-          <p:nvPr/>
-        </p:nvCxnSpPr>
-        <p:spPr>
-          <a:xfrm flipH="1">
-            <a:off x="3707904" y="3003388"/>
-            <a:ext cx="1548000" cy="0"/>
-          </a:xfrm>
-          <a:prstGeom prst="straightConnector1">
-            <a:avLst/>
-          </a:prstGeom>
-          <a:ln w="12700">
-            <a:solidFill>
-              <a:schemeClr val="tx1"/>
-            </a:solidFill>
-            <a:prstDash val="dash"/>
-            <a:tailEnd type="arrow"/>
-          </a:ln>
-        </p:spPr>
-        <p:style>
-          <a:lnRef idx="1">
-            <a:schemeClr val="accent1"/>
-          </a:lnRef>
-          <a:fillRef idx="0">
-            <a:schemeClr val="accent1"/>
-          </a:fillRef>
-          <a:effectRef idx="0">
-            <a:schemeClr val="accent1"/>
-          </a:effectRef>
-          <a:fontRef idx="minor">
-            <a:schemeClr val="tx1"/>
-          </a:fontRef>
-        </p:style>
-      </p:cxnSp>
-      <p:sp>
-        <p:nvSpPr>
-          <p:cNvPr id="67" name="직사각형 66"/>
-          <p:cNvSpPr/>
-          <p:nvPr/>
-        </p:nvSpPr>
-        <p:spPr>
-          <a:xfrm>
-            <a:off x="5292080" y="2879426"/>
+            <a:off x="3419872" y="2841780"/>
             <a:ext cx="288032" cy="162018"/>
           </a:xfrm>
           <a:prstGeom prst="rect">
@@ -10835,13 +10769,16 @@
       <p:cxnSp>
         <p:nvCxnSpPr>
           <p:cNvPr id="72" name="직선 화살표 연결선 71"/>
-          <p:cNvCxnSpPr/>
+          <p:cNvCxnSpPr>
+            <a:stCxn id="73" idx="3"/>
+            <a:endCxn id="75" idx="1"/>
+          </p:cNvCxnSpPr>
           <p:nvPr/>
         </p:nvCxnSpPr>
         <p:spPr>
           <a:xfrm>
-            <a:off x="3708184" y="3375683"/>
-            <a:ext cx="2520000" cy="0"/>
+            <a:off x="3707904" y="3408843"/>
+            <a:ext cx="1584176" cy="0"/>
           </a:xfrm>
           <a:prstGeom prst="straightConnector1">
             <a:avLst/>
@@ -10921,43 +10858,6 @@
           </a:p>
         </p:txBody>
       </p:sp>
-      <p:cxnSp>
-        <p:nvCxnSpPr>
-          <p:cNvPr id="74" name="직선 화살표 연결선 73"/>
-          <p:cNvCxnSpPr/>
-          <p:nvPr/>
-        </p:nvCxnSpPr>
-        <p:spPr>
-          <a:xfrm flipH="1">
-            <a:off x="3688760" y="3451796"/>
-            <a:ext cx="2520000" cy="0"/>
-          </a:xfrm>
-          <a:prstGeom prst="straightConnector1">
-            <a:avLst/>
-          </a:prstGeom>
-          <a:ln w="12700">
-            <a:solidFill>
-              <a:schemeClr val="tx1"/>
-            </a:solidFill>
-            <a:prstDash val="dash"/>
-            <a:tailEnd type="arrow"/>
-          </a:ln>
-        </p:spPr>
-        <p:style>
-          <a:lnRef idx="1">
-            <a:schemeClr val="accent1"/>
-          </a:lnRef>
-          <a:fillRef idx="0">
-            <a:schemeClr val="accent1"/>
-          </a:fillRef>
-          <a:effectRef idx="0">
-            <a:schemeClr val="accent1"/>
-          </a:effectRef>
-          <a:fontRef idx="minor">
-            <a:schemeClr val="tx1"/>
-          </a:fontRef>
-        </p:style>
-      </p:cxnSp>
       <p:sp>
         <p:nvSpPr>
           <p:cNvPr id="75" name="직사각형 74"/>
@@ -10966,365 +10866,7 @@
         </p:nvSpPr>
         <p:spPr>
           <a:xfrm>
-            <a:off x="6228184" y="3327834"/>
-            <a:ext cx="288032" cy="162018"/>
-          </a:xfrm>
-          <a:prstGeom prst="rect">
-            <a:avLst/>
-          </a:prstGeom>
-          <a:solidFill>
-            <a:schemeClr val="tx2"/>
-          </a:solidFill>
-          <a:ln>
-            <a:solidFill>
-              <a:schemeClr val="tx2"/>
-            </a:solidFill>
-          </a:ln>
-        </p:spPr>
-        <p:style>
-          <a:lnRef idx="2">
-            <a:schemeClr val="accent1">
-              <a:shade val="50000"/>
-            </a:schemeClr>
-          </a:lnRef>
-          <a:fillRef idx="1">
-            <a:schemeClr val="accent1"/>
-          </a:fillRef>
-          <a:effectRef idx="0">
-            <a:schemeClr val="accent1"/>
-          </a:effectRef>
-          <a:fontRef idx="minor">
-            <a:schemeClr val="lt1"/>
-          </a:fontRef>
-        </p:style>
-        <p:txBody>
-          <a:bodyPr rot="0" spcFirstLastPara="0" vertOverflow="overflow" horzOverflow="overflow" vert="horz" wrap="square" lIns="0" tIns="0" rIns="0" bIns="0" numCol="1" spcCol="0" rtlCol="0" fromWordArt="0" anchor="ctr" anchorCtr="0" forceAA="0" compatLnSpc="1">
-            <a:prstTxWarp prst="textNoShape">
-              <a:avLst/>
-            </a:prstTxWarp>
-            <a:noAutofit/>
-          </a:bodyPr>
-          <a:lstStyle/>
-          <a:p>
-            <a:pPr algn="ctr"/>
-            <a:endParaRPr lang="ko-KR" altLang="en-US" sz="1000" b="1" dirty="0"/>
-          </a:p>
-        </p:txBody>
-      </p:sp>
-      <p:cxnSp>
-        <p:nvCxnSpPr>
-          <p:cNvPr id="83" name="직선 화살표 연결선 82"/>
-          <p:cNvCxnSpPr/>
-          <p:nvPr/>
-        </p:nvCxnSpPr>
-        <p:spPr>
-          <a:xfrm>
-            <a:off x="899872" y="3861737"/>
-            <a:ext cx="6300000" cy="0"/>
-          </a:xfrm>
-          <a:prstGeom prst="straightConnector1">
-            <a:avLst/>
-          </a:prstGeom>
-          <a:ln w="12700">
-            <a:solidFill>
-              <a:schemeClr val="tx1"/>
-            </a:solidFill>
-            <a:tailEnd type="triangle"/>
-          </a:ln>
-        </p:spPr>
-        <p:style>
-          <a:lnRef idx="1">
-            <a:schemeClr val="accent1"/>
-          </a:lnRef>
-          <a:fillRef idx="0">
-            <a:schemeClr val="accent1"/>
-          </a:fillRef>
-          <a:effectRef idx="0">
-            <a:schemeClr val="accent1"/>
-          </a:effectRef>
-          <a:fontRef idx="minor">
-            <a:schemeClr val="tx1"/>
-          </a:fontRef>
-        </p:style>
-      </p:cxnSp>
-      <p:sp>
-        <p:nvSpPr>
-          <p:cNvPr id="84" name="직사각형 83"/>
-          <p:cNvSpPr/>
-          <p:nvPr/>
-        </p:nvSpPr>
-        <p:spPr>
-          <a:xfrm>
-            <a:off x="611560" y="3813888"/>
-            <a:ext cx="288032" cy="162018"/>
-          </a:xfrm>
-          <a:prstGeom prst="rect">
-            <a:avLst/>
-          </a:prstGeom>
-          <a:solidFill>
-            <a:schemeClr val="tx2"/>
-          </a:solidFill>
-          <a:ln>
-            <a:solidFill>
-              <a:schemeClr val="tx2"/>
-            </a:solidFill>
-          </a:ln>
-        </p:spPr>
-        <p:style>
-          <a:lnRef idx="2">
-            <a:schemeClr val="accent1">
-              <a:shade val="50000"/>
-            </a:schemeClr>
-          </a:lnRef>
-          <a:fillRef idx="1">
-            <a:schemeClr val="accent1"/>
-          </a:fillRef>
-          <a:effectRef idx="0">
-            <a:schemeClr val="accent1"/>
-          </a:effectRef>
-          <a:fontRef idx="minor">
-            <a:schemeClr val="lt1"/>
-          </a:fontRef>
-        </p:style>
-        <p:txBody>
-          <a:bodyPr rot="0" spcFirstLastPara="0" vertOverflow="overflow" horzOverflow="overflow" vert="horz" wrap="square" lIns="0" tIns="0" rIns="0" bIns="0" numCol="1" spcCol="0" rtlCol="0" fromWordArt="0" anchor="ctr" anchorCtr="0" forceAA="0" compatLnSpc="1">
-            <a:prstTxWarp prst="textNoShape">
-              <a:avLst/>
-            </a:prstTxWarp>
-            <a:noAutofit/>
-          </a:bodyPr>
-          <a:lstStyle/>
-          <a:p>
-            <a:pPr algn="ctr"/>
-            <a:endParaRPr lang="ko-KR" altLang="en-US" sz="1000" b="1" dirty="0"/>
-          </a:p>
-        </p:txBody>
-      </p:sp>
-      <p:cxnSp>
-        <p:nvCxnSpPr>
-          <p:cNvPr id="85" name="직선 화살표 연결선 84"/>
-          <p:cNvCxnSpPr/>
-          <p:nvPr/>
-        </p:nvCxnSpPr>
-        <p:spPr>
-          <a:xfrm flipH="1">
-            <a:off x="880448" y="3937850"/>
-            <a:ext cx="6300000" cy="0"/>
-          </a:xfrm>
-          <a:prstGeom prst="straightConnector1">
-            <a:avLst/>
-          </a:prstGeom>
-          <a:ln w="12700">
-            <a:solidFill>
-              <a:schemeClr val="tx1"/>
-            </a:solidFill>
-            <a:prstDash val="dash"/>
-            <a:tailEnd type="arrow"/>
-          </a:ln>
-        </p:spPr>
-        <p:style>
-          <a:lnRef idx="1">
-            <a:schemeClr val="accent1"/>
-          </a:lnRef>
-          <a:fillRef idx="0">
-            <a:schemeClr val="accent1"/>
-          </a:fillRef>
-          <a:effectRef idx="0">
-            <a:schemeClr val="accent1"/>
-          </a:effectRef>
-          <a:fontRef idx="minor">
-            <a:schemeClr val="tx1"/>
-          </a:fontRef>
-        </p:style>
-      </p:cxnSp>
-      <p:sp>
-        <p:nvSpPr>
-          <p:cNvPr id="86" name="직사각형 85"/>
-          <p:cNvSpPr/>
-          <p:nvPr/>
-        </p:nvSpPr>
-        <p:spPr>
-          <a:xfrm>
-            <a:off x="7164288" y="3813888"/>
-            <a:ext cx="288032" cy="162018"/>
-          </a:xfrm>
-          <a:prstGeom prst="rect">
-            <a:avLst/>
-          </a:prstGeom>
-          <a:solidFill>
-            <a:schemeClr val="tx2"/>
-          </a:solidFill>
-          <a:ln>
-            <a:solidFill>
-              <a:schemeClr val="tx2"/>
-            </a:solidFill>
-          </a:ln>
-        </p:spPr>
-        <p:style>
-          <a:lnRef idx="2">
-            <a:schemeClr val="accent1">
-              <a:shade val="50000"/>
-            </a:schemeClr>
-          </a:lnRef>
-          <a:fillRef idx="1">
-            <a:schemeClr val="accent1"/>
-          </a:fillRef>
-          <a:effectRef idx="0">
-            <a:schemeClr val="accent1"/>
-          </a:effectRef>
-          <a:fontRef idx="minor">
-            <a:schemeClr val="lt1"/>
-          </a:fontRef>
-        </p:style>
-        <p:txBody>
-          <a:bodyPr rot="0" spcFirstLastPara="0" vertOverflow="overflow" horzOverflow="overflow" vert="horz" wrap="square" lIns="0" tIns="0" rIns="0" bIns="0" numCol="1" spcCol="0" rtlCol="0" fromWordArt="0" anchor="ctr" anchorCtr="0" forceAA="0" compatLnSpc="1">
-            <a:prstTxWarp prst="textNoShape">
-              <a:avLst/>
-            </a:prstTxWarp>
-            <a:noAutofit/>
-          </a:bodyPr>
-          <a:lstStyle/>
-          <a:p>
-            <a:pPr algn="ctr"/>
-            <a:endParaRPr lang="ko-KR" altLang="en-US" sz="1000" b="1" dirty="0"/>
-          </a:p>
-        </p:txBody>
-      </p:sp>
-      <p:cxnSp>
-        <p:nvCxnSpPr>
-          <p:cNvPr id="89" name="직선 화살표 연결선 88"/>
-          <p:cNvCxnSpPr/>
-          <p:nvPr/>
-        </p:nvCxnSpPr>
-        <p:spPr>
-          <a:xfrm>
-            <a:off x="899872" y="4401797"/>
-            <a:ext cx="7200000" cy="0"/>
-          </a:xfrm>
-          <a:prstGeom prst="straightConnector1">
-            <a:avLst/>
-          </a:prstGeom>
-          <a:ln w="12700">
-            <a:solidFill>
-              <a:schemeClr val="tx1"/>
-            </a:solidFill>
-            <a:tailEnd type="triangle"/>
-          </a:ln>
-        </p:spPr>
-        <p:style>
-          <a:lnRef idx="1">
-            <a:schemeClr val="accent1"/>
-          </a:lnRef>
-          <a:fillRef idx="0">
-            <a:schemeClr val="accent1"/>
-          </a:fillRef>
-          <a:effectRef idx="0">
-            <a:schemeClr val="accent1"/>
-          </a:effectRef>
-          <a:fontRef idx="minor">
-            <a:schemeClr val="tx1"/>
-          </a:fontRef>
-        </p:style>
-      </p:cxnSp>
-      <p:sp>
-        <p:nvSpPr>
-          <p:cNvPr id="90" name="직사각형 89"/>
-          <p:cNvSpPr/>
-          <p:nvPr/>
-        </p:nvSpPr>
-        <p:spPr>
-          <a:xfrm>
-            <a:off x="611560" y="4353948"/>
-            <a:ext cx="288032" cy="162018"/>
-          </a:xfrm>
-          <a:prstGeom prst="rect">
-            <a:avLst/>
-          </a:prstGeom>
-          <a:solidFill>
-            <a:schemeClr val="tx2"/>
-          </a:solidFill>
-          <a:ln>
-            <a:solidFill>
-              <a:schemeClr val="tx2"/>
-            </a:solidFill>
-          </a:ln>
-        </p:spPr>
-        <p:style>
-          <a:lnRef idx="2">
-            <a:schemeClr val="accent1">
-              <a:shade val="50000"/>
-            </a:schemeClr>
-          </a:lnRef>
-          <a:fillRef idx="1">
-            <a:schemeClr val="accent1"/>
-          </a:fillRef>
-          <a:effectRef idx="0">
-            <a:schemeClr val="accent1"/>
-          </a:effectRef>
-          <a:fontRef idx="minor">
-            <a:schemeClr val="lt1"/>
-          </a:fontRef>
-        </p:style>
-        <p:txBody>
-          <a:bodyPr rot="0" spcFirstLastPara="0" vertOverflow="overflow" horzOverflow="overflow" vert="horz" wrap="square" lIns="0" tIns="0" rIns="0" bIns="0" numCol="1" spcCol="0" rtlCol="0" fromWordArt="0" anchor="ctr" anchorCtr="0" forceAA="0" compatLnSpc="1">
-            <a:prstTxWarp prst="textNoShape">
-              <a:avLst/>
-            </a:prstTxWarp>
-            <a:noAutofit/>
-          </a:bodyPr>
-          <a:lstStyle/>
-          <a:p>
-            <a:pPr algn="ctr"/>
-            <a:endParaRPr lang="ko-KR" altLang="en-US" sz="1000" b="1" dirty="0"/>
-          </a:p>
-        </p:txBody>
-      </p:sp>
-      <p:cxnSp>
-        <p:nvCxnSpPr>
-          <p:cNvPr id="91" name="직선 화살표 연결선 90"/>
-          <p:cNvCxnSpPr/>
-          <p:nvPr/>
-        </p:nvCxnSpPr>
-        <p:spPr>
-          <a:xfrm flipH="1">
-            <a:off x="880448" y="4477910"/>
-            <a:ext cx="7200000" cy="0"/>
-          </a:xfrm>
-          <a:prstGeom prst="straightConnector1">
-            <a:avLst/>
-          </a:prstGeom>
-          <a:ln w="12700">
-            <a:solidFill>
-              <a:schemeClr val="tx1"/>
-            </a:solidFill>
-            <a:prstDash val="dash"/>
-            <a:tailEnd type="arrow"/>
-          </a:ln>
-        </p:spPr>
-        <p:style>
-          <a:lnRef idx="1">
-            <a:schemeClr val="accent1"/>
-          </a:lnRef>
-          <a:fillRef idx="0">
-            <a:schemeClr val="accent1"/>
-          </a:fillRef>
-          <a:effectRef idx="0">
-            <a:schemeClr val="accent1"/>
-          </a:effectRef>
-          <a:fontRef idx="minor">
-            <a:schemeClr val="tx1"/>
-          </a:fontRef>
-        </p:style>
-      </p:cxnSp>
-      <p:sp>
-        <p:nvSpPr>
-          <p:cNvPr id="92" name="직사각형 91"/>
-          <p:cNvSpPr/>
-          <p:nvPr/>
-        </p:nvSpPr>
-        <p:spPr>
-          <a:xfrm>
-            <a:off x="8100392" y="4353948"/>
+            <a:off x="5292080" y="3327834"/>
             <a:ext cx="288032" cy="162018"/>
           </a:xfrm>
           <a:prstGeom prst="rect">
@@ -11550,7 +11092,7 @@
         <p:spPr>
           <a:xfrm>
             <a:off x="2404434" y="2322565"/>
-            <a:ext cx="1284326" cy="246221"/>
+            <a:ext cx="1383712" cy="246221"/>
           </a:xfrm>
           <a:prstGeom prst="rect">
             <a:avLst/>
@@ -11568,11 +11110,11 @@
               <a:t>5. </a:t>
             </a:r>
             <a:r>
-              <a:rPr lang="ko-KR" altLang="en-US" sz="1000" dirty="0" err="1"/>
-              <a:t>내정보</a:t>
-            </a:r>
-            <a:r>
-              <a:rPr lang="en-US" altLang="ko-KR" sz="1000" dirty="0"/>
+              <a:rPr lang="ko-KR" altLang="en-US" sz="1000" dirty="0" smtClean="0"/>
+              <a:t>정보수정</a:t>
+            </a:r>
+            <a:r>
+              <a:rPr lang="en-US" altLang="ko-KR" sz="1000" dirty="0" smtClean="0"/>
               <a:t>,</a:t>
             </a:r>
             <a:r>
@@ -11596,8 +11138,8 @@
         </p:nvSpPr>
         <p:spPr>
           <a:xfrm>
-            <a:off x="3580964" y="2613081"/>
-            <a:ext cx="1316386" cy="246221"/>
+            <a:off x="3419872" y="2613561"/>
+            <a:ext cx="1271502" cy="246221"/>
           </a:xfrm>
           <a:prstGeom prst="rect">
             <a:avLst/>
@@ -11616,8 +11158,118 @@
             </a:r>
             <a:r>
               <a:rPr lang="ko-KR" altLang="en-US" sz="1000" dirty="0"/>
-              <a:t>진료예약 글 신청</a:t>
-            </a:r>
+              <a:t>진료예약 </a:t>
+            </a:r>
+            <a:r>
+              <a:rPr lang="ko-KR" altLang="en-US" sz="1000" dirty="0" err="1" smtClean="0"/>
+              <a:t>글작성</a:t>
+            </a:r>
+            <a:endParaRPr lang="ko-KR" altLang="en-US" sz="1000" dirty="0"/>
+          </a:p>
+        </p:txBody>
+      </p:sp>
+      <p:sp>
+        <p:nvSpPr>
+          <p:cNvPr id="76" name="TextBox 75">
+            <a:extLst>
+              <a:ext uri="{FF2B5EF4-FFF2-40B4-BE49-F238E27FC236}">
+                <a16:creationId xmlns:a16="http://schemas.microsoft.com/office/drawing/2014/main" id="{B94AC019-F21B-C429-5C50-486240EFF991}"/>
+              </a:ext>
+            </a:extLst>
+          </p:cNvPr>
+          <p:cNvSpPr txBox="1"/>
+          <p:nvPr/>
+        </p:nvSpPr>
+        <p:spPr>
+          <a:xfrm>
+            <a:off x="4644008" y="3075806"/>
+            <a:ext cx="1440160" cy="246221"/>
+          </a:xfrm>
+          <a:prstGeom prst="rect">
+            <a:avLst/>
+          </a:prstGeom>
+          <a:noFill/>
+        </p:spPr>
+        <p:txBody>
+          <a:bodyPr wrap="square" rtlCol="0">
+            <a:spAutoFit/>
+          </a:bodyPr>
+          <a:lstStyle/>
+          <a:p>
+            <a:r>
+              <a:rPr lang="en-US" altLang="ko-KR" sz="1000" dirty="0"/>
+              <a:t>7</a:t>
+            </a:r>
+            <a:r>
+              <a:rPr lang="en-US" altLang="ko-KR" sz="1000" dirty="0" smtClean="0"/>
+              <a:t>. </a:t>
+            </a:r>
+            <a:r>
+              <a:rPr lang="ko-KR" altLang="en-US" sz="1000" dirty="0" err="1" smtClean="0"/>
+              <a:t>후기게시판</a:t>
+            </a:r>
+            <a:r>
+              <a:rPr lang="ko-KR" altLang="en-US" sz="1000" dirty="0" smtClean="0"/>
+              <a:t> </a:t>
+            </a:r>
+            <a:r>
+              <a:rPr lang="ko-KR" altLang="en-US" sz="1000" dirty="0" err="1" smtClean="0"/>
+              <a:t>글작성</a:t>
+            </a:r>
+            <a:endParaRPr lang="ko-KR" altLang="en-US" sz="1000" dirty="0"/>
+          </a:p>
+        </p:txBody>
+      </p:sp>
+      <p:sp>
+        <p:nvSpPr>
+          <p:cNvPr id="77" name="직사각형 76"/>
+          <p:cNvSpPr/>
+          <p:nvPr/>
+        </p:nvSpPr>
+        <p:spPr>
+          <a:xfrm>
+            <a:off x="4355976" y="2859782"/>
+            <a:ext cx="288032" cy="162018"/>
+          </a:xfrm>
+          <a:prstGeom prst="rect">
+            <a:avLst/>
+          </a:prstGeom>
+          <a:solidFill>
+            <a:schemeClr val="tx2"/>
+          </a:solidFill>
+          <a:ln>
+            <a:solidFill>
+              <a:schemeClr val="tx2"/>
+            </a:solidFill>
+          </a:ln>
+        </p:spPr>
+        <p:style>
+          <a:lnRef idx="2">
+            <a:schemeClr val="accent1">
+              <a:shade val="50000"/>
+            </a:schemeClr>
+          </a:lnRef>
+          <a:fillRef idx="1">
+            <a:schemeClr val="accent1"/>
+          </a:fillRef>
+          <a:effectRef idx="0">
+            <a:schemeClr val="accent1"/>
+          </a:effectRef>
+          <a:fontRef idx="minor">
+            <a:schemeClr val="lt1"/>
+          </a:fontRef>
+        </p:style>
+        <p:txBody>
+          <a:bodyPr rot="0" spcFirstLastPara="0" vertOverflow="overflow" horzOverflow="overflow" vert="horz" wrap="square" lIns="0" tIns="0" rIns="0" bIns="0" numCol="1" spcCol="0" rtlCol="0" fromWordArt="0" anchor="ctr" anchorCtr="0" forceAA="0" compatLnSpc="1">
+            <a:prstTxWarp prst="textNoShape">
+              <a:avLst/>
+            </a:prstTxWarp>
+            <a:noAutofit/>
+          </a:bodyPr>
+          <a:lstStyle/>
+          <a:p>
+            <a:pPr algn="ctr"/>
+            <a:endParaRPr lang="ko-KR" altLang="en-US" sz="1000" b="1" dirty="0"/>
           </a:p>
         </p:txBody>
       </p:sp>
@@ -11823,7 +11475,7 @@
         </p:nvGrpSpPr>
         <p:grpSpPr>
           <a:xfrm>
-            <a:off x="971600" y="892884"/>
+            <a:off x="936280" y="892884"/>
             <a:ext cx="6660056" cy="3618042"/>
             <a:chOff x="899592" y="1197232"/>
             <a:chExt cx="6660056" cy="4824056"/>
@@ -12149,8 +11801,8 @@
             <a:p>
               <a:pPr algn="ctr"/>
               <a:r>
-                <a:rPr lang="ko-KR" altLang="en-US" sz="1000" b="1" dirty="0" err="1"/>
-                <a:t>문의답글</a:t>
+                <a:rPr lang="ko-KR" altLang="en-US" sz="1000" b="1" dirty="0" smtClean="0"/>
+                <a:t>답글</a:t>
               </a:r>
               <a:endParaRPr lang="ko-KR" altLang="en-US" sz="1000" b="1" dirty="0"/>
             </a:p>
@@ -12461,8 +12113,8 @@
           </p:nvSpPr>
           <p:spPr>
             <a:xfrm>
-              <a:off x="1104983" y="2061328"/>
-              <a:ext cx="268607" cy="267126"/>
+              <a:off x="1078928" y="2061328"/>
+              <a:ext cx="268607" cy="267127"/>
             </a:xfrm>
             <a:prstGeom prst="rect">
               <a:avLst/>
@@ -13414,7 +13066,7 @@
         </p:nvSpPr>
         <p:spPr>
           <a:xfrm>
-            <a:off x="1115616" y="1977685"/>
+            <a:off x="1135041" y="1977685"/>
             <a:ext cx="268607" cy="200345"/>
           </a:xfrm>
           <a:prstGeom prst="rect">
@@ -13633,7 +13285,7 @@
         <p:spPr>
           <a:xfrm>
             <a:off x="3347864" y="3189625"/>
-            <a:ext cx="1271502" cy="246221"/>
+            <a:ext cx="1015021" cy="246221"/>
           </a:xfrm>
           <a:prstGeom prst="rect">
             <a:avLst/>
@@ -13651,12 +13303,12 @@
               <a:t>8. </a:t>
             </a:r>
             <a:r>
-              <a:rPr lang="ko-KR" altLang="en-US" sz="1000" dirty="0" err="1"/>
-              <a:t>문의글</a:t>
+              <a:rPr lang="ko-KR" altLang="en-US" sz="1000" dirty="0" smtClean="0"/>
+              <a:t>글 </a:t>
             </a:r>
             <a:r>
               <a:rPr lang="ko-KR" altLang="en-US" sz="1000" dirty="0"/>
-              <a:t> 목록확인</a:t>
+              <a:t>목록확인</a:t>
             </a:r>
           </a:p>
         </p:txBody>
@@ -13676,7 +13328,7 @@
         <p:spPr>
           <a:xfrm>
             <a:off x="3347864" y="3405649"/>
-            <a:ext cx="2066591" cy="246221"/>
+            <a:ext cx="1810111" cy="246221"/>
           </a:xfrm>
           <a:prstGeom prst="rect">
             <a:avLst/>
@@ -13694,12 +13346,12 @@
               <a:t>9. </a:t>
             </a:r>
             <a:r>
-              <a:rPr lang="ko-KR" altLang="en-US" sz="1000" dirty="0" err="1"/>
-              <a:t>문의답글</a:t>
+              <a:rPr lang="ko-KR" altLang="en-US" sz="1000" dirty="0" smtClean="0"/>
+              <a:t>답글 </a:t>
             </a:r>
             <a:r>
               <a:rPr lang="ko-KR" altLang="en-US" sz="1000" dirty="0"/>
-              <a:t> 작성</a:t>
+              <a:t>작성</a:t>
             </a:r>
             <a:r>
               <a:rPr lang="en-US" altLang="ko-KR" sz="1000" dirty="0"/>
@@ -13882,9 +13534,9 @@
       </p:sp>
       <p:pic>
         <p:nvPicPr>
-          <p:cNvPr id="6" name="Picture 2"/>
+          <p:cNvPr id="4" name="그림 3"/>
           <p:cNvPicPr>
-            <a:picLocks noChangeAspect="1" noChangeArrowheads="1"/>
+            <a:picLocks noChangeAspect="1"/>
           </p:cNvPicPr>
           <p:nvPr/>
         </p:nvPicPr>
@@ -13896,42 +13548,18 @@
               </a:ext>
             </a:extLst>
           </a:blip>
-          <a:srcRect/>
           <a:stretch>
             <a:fillRect/>
           </a:stretch>
         </p:blipFill>
-        <p:spPr bwMode="auto">
+        <p:spPr>
           <a:xfrm>
-            <a:off x="251520" y="699542"/>
-            <a:ext cx="8496944" cy="4260124"/>
+            <a:off x="179512" y="614014"/>
+            <a:ext cx="8712967" cy="4478016"/>
           </a:xfrm>
           <a:prstGeom prst="rect">
             <a:avLst/>
           </a:prstGeom>
-          <a:noFill/>
-          <a:ln>
-            <a:noFill/>
-          </a:ln>
-          <a:extLst>
-            <a:ext uri="{909E8E84-426E-40DD-AFC4-6F175D3DCCD1}">
-              <a14:hiddenFill xmlns:a14="http://schemas.microsoft.com/office/drawing/2010/main">
-                <a:solidFill>
-                  <a:schemeClr val="accent1"/>
-                </a:solidFill>
-              </a14:hiddenFill>
-            </a:ext>
-            <a:ext uri="{91240B29-F687-4F45-9708-019B960494DF}">
-              <a14:hiddenLine xmlns:a14="http://schemas.microsoft.com/office/drawing/2010/main" w="9525">
-                <a:solidFill>
-                  <a:schemeClr val="tx1"/>
-                </a:solidFill>
-                <a:miter lim="800000"/>
-                <a:headEnd/>
-                <a:tailEnd/>
-              </a14:hiddenLine>
-            </a:ext>
-          </a:extLst>
         </p:spPr>
       </p:pic>
     </p:spTree>
@@ -14289,7 +13917,7 @@
           <p:nvPr>
             <p:extLst>
               <p:ext uri="{D42A27DB-BD31-4B8C-83A1-F6EECF244321}">
-                <p14:modId xmlns:p14="http://schemas.microsoft.com/office/powerpoint/2010/main" val="2815767509"/>
+                <p14:modId xmlns:p14="http://schemas.microsoft.com/office/powerpoint/2010/main" val="1485892516"/>
               </p:ext>
             </p:extLst>
           </p:nvPr>
@@ -14962,7 +14590,7 @@
                     <a:bodyPr/>
                     <a:lstStyle/>
                     <a:p>
-                      <a:pPr marL="108000" lvl="0" algn="l" fontAlgn="ctr"/>
+                      <a:pPr marL="108000" lvl="0" algn="ctr" fontAlgn="ctr"/>
                       <a:r>
                         <a:rPr lang="ko-KR" altLang="en-US" sz="700" b="0" i="0" u="none" strike="noStrike" dirty="0">
                           <a:solidFill>
@@ -15008,7 +14636,7 @@
                         <a:t>), </a:t>
                       </a:r>
                       <a:r>
-                        <a:rPr lang="ko-KR" altLang="en-US" sz="700" b="0" i="0" u="none" strike="noStrike" dirty="0">
+                        <a:rPr lang="ko-KR" altLang="en-US" sz="700" b="0" i="0" u="none" strike="noStrike" dirty="0" smtClean="0">
                           <a:solidFill>
                             <a:srgbClr val="3F3F48"/>
                           </a:solidFill>
@@ -15019,7 +14647,7 @@
                         <a:t>관리자</a:t>
                       </a:r>
                       <a:r>
-                        <a:rPr lang="en-US" altLang="ko-KR" sz="700" b="0" i="0" u="none" strike="noStrike" dirty="0">
+                        <a:rPr lang="en-US" altLang="ko-KR" sz="700" b="0" i="0" u="none" strike="noStrike" dirty="0" smtClean="0">
                           <a:solidFill>
                             <a:srgbClr val="3F3F48"/>
                           </a:solidFill>
@@ -15027,30 +14655,16 @@
                           <a:latin typeface="+mn-ea"/>
                           <a:ea typeface="+mn-ea"/>
                         </a:rPr>
-                        <a:t>(</a:t>
+                        <a:t> </a:t>
                       </a:r>
-                      <a:r>
-                        <a:rPr lang="ko-KR" altLang="en-US" sz="700" b="0" i="0" u="none" strike="noStrike" dirty="0">
-                          <a:solidFill>
-                            <a:srgbClr val="3F3F48"/>
-                          </a:solidFill>
-                          <a:effectLst/>
-                          <a:latin typeface="+mn-ea"/>
-                          <a:ea typeface="+mn-ea"/>
-                        </a:rPr>
-                        <a:t>사서</a:t>
-                      </a:r>
-                      <a:r>
-                        <a:rPr lang="en-US" altLang="ko-KR" sz="700" b="0" i="0" u="none" strike="noStrike" dirty="0">
-                          <a:solidFill>
-                            <a:srgbClr val="3F3F48"/>
-                          </a:solidFill>
-                          <a:effectLst/>
-                          <a:latin typeface="+mn-ea"/>
-                          <a:ea typeface="+mn-ea"/>
-                        </a:rPr>
-                        <a:t>) </a:t>
-                      </a:r>
+                      <a:endParaRPr lang="en-US" altLang="ko-KR" sz="700" b="0" i="0" u="none" strike="noStrike" dirty="0">
+                        <a:solidFill>
+                          <a:srgbClr val="3F3F48"/>
+                        </a:solidFill>
+                        <a:effectLst/>
+                        <a:latin typeface="+mn-ea"/>
+                        <a:ea typeface="+mn-ea"/>
+                      </a:endParaRPr>
                     </a:p>
                   </a:txBody>
                   <a:tcPr marL="5173" marR="5173" marT="3881" marB="0" anchor="ctr">
@@ -15305,9 +14919,9 @@
                     <a:bodyPr/>
                     <a:lstStyle/>
                     <a:p>
-                      <a:pPr marL="108000" lvl="0" algn="l" fontAlgn="ctr"/>
+                      <a:pPr marL="108000" lvl="0" algn="ctr" fontAlgn="ctr"/>
                       <a:r>
-                        <a:rPr lang="ko-KR" altLang="en-US" sz="700" b="0" i="0" u="none" strike="noStrike" dirty="0" err="1">
+                        <a:rPr lang="ko-KR" altLang="en-US" sz="700" b="0" i="0" u="none" strike="noStrike" dirty="0" err="1" smtClean="0">
                           <a:solidFill>
                             <a:srgbClr val="3F3F48"/>
                           </a:solidFill>
@@ -15315,7 +14929,18 @@
                           <a:latin typeface="+mn-ea"/>
                           <a:ea typeface="+mn-ea"/>
                         </a:rPr>
-                        <a:t>웹페이지이용을</a:t>
+                        <a:t>웹페이지</a:t>
+                      </a:r>
+                      <a:r>
+                        <a:rPr lang="ko-KR" altLang="en-US" sz="700" b="0" i="0" u="none" strike="noStrike" dirty="0" smtClean="0">
+                          <a:solidFill>
+                            <a:srgbClr val="3F3F48"/>
+                          </a:solidFill>
+                          <a:effectLst/>
+                          <a:latin typeface="+mn-ea"/>
+                          <a:ea typeface="+mn-ea"/>
+                        </a:rPr>
+                        <a:t> 이용을 </a:t>
                       </a:r>
                       <a:r>
                         <a:rPr lang="ko-KR" altLang="en-US" sz="700" b="0" i="0" u="none" strike="noStrike" dirty="0">
@@ -15326,7 +14951,7 @@
                           <a:latin typeface="+mn-ea"/>
                           <a:ea typeface="+mn-ea"/>
                         </a:rPr>
-                        <a:t> 위한 회원가입</a:t>
+                        <a:t>위한 회원가입</a:t>
                       </a:r>
                       <a:endParaRPr lang="en-US" altLang="ko-KR" sz="700" b="0" i="0" u="none" strike="noStrike" dirty="0">
                         <a:solidFill>
@@ -15491,17 +15116,14 @@
                     <a:lstStyle/>
                     <a:p>
                       <a:pPr algn="ctr" fontAlgn="ctr"/>
-                      <a:r>
-                        <a:rPr lang="ko-KR" altLang="en-US" sz="700" b="0" i="0" u="none" strike="noStrike" dirty="0">
-                          <a:solidFill>
-                            <a:srgbClr val="3F3F48"/>
-                          </a:solidFill>
-                          <a:effectLst/>
-                          <a:latin typeface="+mn-ea"/>
-                          <a:ea typeface="+mn-ea"/>
-                        </a:rPr>
-                        <a:t>도서검색</a:t>
-                      </a:r>
+                      <a:endParaRPr lang="ko-KR" altLang="en-US" sz="700" b="0" i="0" u="none" strike="noStrike" dirty="0">
+                        <a:solidFill>
+                          <a:srgbClr val="3F3F48"/>
+                        </a:solidFill>
+                        <a:effectLst/>
+                        <a:latin typeface="+mn-ea"/>
+                        <a:ea typeface="+mn-ea"/>
+                      </a:endParaRPr>
                     </a:p>
                   </a:txBody>
                   <a:tcPr marL="5173" marR="5173" marT="3881" marB="0" anchor="ctr">
@@ -15572,17 +15194,6 @@
                     <a:lstStyle/>
                     <a:p>
                       <a:pPr algn="ctr" fontAlgn="ctr"/>
-                      <a:r>
-                        <a:rPr lang="ko-KR" altLang="en-US" sz="700" u="none" strike="noStrike" dirty="0">
-                          <a:solidFill>
-                            <a:srgbClr val="3F3F48"/>
-                          </a:solidFill>
-                          <a:effectLst/>
-                          <a:latin typeface="+mn-ea"/>
-                          <a:ea typeface="+mn-ea"/>
-                        </a:rPr>
-                        <a:t>　</a:t>
-                      </a:r>
                       <a:endParaRPr lang="ko-KR" altLang="en-US" sz="700" b="0" i="0" u="none" strike="noStrike" dirty="0">
                         <a:solidFill>
                           <a:srgbClr val="3F3F48"/>
@@ -15660,18 +15271,7 @@
                     <a:bodyPr/>
                     <a:lstStyle/>
                     <a:p>
-                      <a:pPr marL="108000" lvl="0" algn="l" fontAlgn="ctr"/>
-                      <a:r>
-                        <a:rPr lang="ko-KR" altLang="en-US" sz="700" b="0" i="0" u="none" strike="noStrike" dirty="0">
-                          <a:solidFill>
-                            <a:srgbClr val="3F3F48"/>
-                          </a:solidFill>
-                          <a:effectLst/>
-                          <a:latin typeface="+mn-ea"/>
-                          <a:ea typeface="+mn-ea"/>
-                        </a:rPr>
-                        <a:t>입력한 값에 근접한 도서들의 목록 출력</a:t>
-                      </a:r>
+                      <a:pPr marL="108000" lvl="0" algn="ctr" fontAlgn="ctr"/>
                       <a:endParaRPr lang="en-US" altLang="ko-KR" sz="700" b="0" i="0" u="none" strike="noStrike" dirty="0">
                         <a:solidFill>
                           <a:srgbClr val="3F3F48"/>
@@ -15838,18 +15438,7 @@
                     <a:lstStyle/>
                     <a:p>
                       <a:pPr algn="ctr" fontAlgn="ctr"/>
-                      <a:r>
-                        <a:rPr lang="ko-KR" altLang="en-US" sz="700" b="0" i="0" u="none" strike="noStrike" dirty="0">
-                          <a:solidFill>
-                            <a:srgbClr val="3F3F48"/>
-                          </a:solidFill>
-                          <a:effectLst/>
-                          <a:latin typeface="+mn-ea"/>
-                          <a:ea typeface="+mn-ea"/>
-                        </a:rPr>
-                        <a:t>관리자</a:t>
-                      </a:r>
-                      <a:endParaRPr lang="en-US" altLang="ko-KR" sz="700" b="0" i="0" u="none" strike="noStrike" dirty="0">
+                      <a:endParaRPr lang="ko-KR" altLang="en-US" sz="700" b="0" i="0" u="none" strike="noStrike" dirty="0">
                         <a:solidFill>
                           <a:srgbClr val="3F3F48"/>
                         </a:solidFill>
@@ -15857,20 +15446,6 @@
                         <a:latin typeface="+mn-ea"/>
                         <a:ea typeface="+mn-ea"/>
                       </a:endParaRPr>
-                    </a:p>
-                    <a:p>
-                      <a:pPr algn="ctr" fontAlgn="ctr"/>
-                      <a:r>
-                        <a:rPr lang="ko-KR" altLang="en-US" sz="700" b="0" i="0" u="none" strike="noStrike" dirty="0">
-                          <a:solidFill>
-                            <a:srgbClr val="3F3F48"/>
-                          </a:solidFill>
-                          <a:effectLst/>
-                          <a:latin typeface="+mn-ea"/>
-                          <a:ea typeface="+mn-ea"/>
-                        </a:rPr>
-                        <a:t>관리</a:t>
-                      </a:r>
                     </a:p>
                   </a:txBody>
                   <a:tcPr marL="5173" marR="5173" marT="3881" marB="0" anchor="ctr">
@@ -15941,17 +15516,14 @@
                     <a:lstStyle/>
                     <a:p>
                       <a:pPr algn="ctr" fontAlgn="ctr"/>
-                      <a:r>
-                        <a:rPr lang="ko-KR" altLang="en-US" sz="700" b="0" i="0" u="none" strike="noStrike" dirty="0">
-                          <a:solidFill>
-                            <a:srgbClr val="3F3F48"/>
-                          </a:solidFill>
-                          <a:effectLst/>
-                          <a:latin typeface="+mn-ea"/>
-                          <a:ea typeface="+mn-ea"/>
-                        </a:rPr>
-                        <a:t>사서등록</a:t>
-                      </a:r>
+                      <a:endParaRPr lang="ko-KR" altLang="en-US" sz="700" b="0" i="0" u="none" strike="noStrike" dirty="0">
+                        <a:solidFill>
+                          <a:srgbClr val="3F3F48"/>
+                        </a:solidFill>
+                        <a:effectLst/>
+                        <a:latin typeface="+mn-ea"/>
+                        <a:ea typeface="+mn-ea"/>
+                      </a:endParaRPr>
                     </a:p>
                   </a:txBody>
                   <a:tcPr marL="5173" marR="5173" marT="3881" marB="0" anchor="ctr">
@@ -16021,40 +15593,7 @@
                     <a:bodyPr/>
                     <a:lstStyle/>
                     <a:p>
-                      <a:pPr marL="108000" lvl="0" algn="l" fontAlgn="ctr"/>
-                      <a:r>
-                        <a:rPr lang="ko-KR" altLang="en-US" sz="700" b="0" i="0" u="none" strike="noStrike" dirty="0">
-                          <a:solidFill>
-                            <a:srgbClr val="3F3F48"/>
-                          </a:solidFill>
-                          <a:effectLst/>
-                          <a:latin typeface="+mn-ea"/>
-                          <a:ea typeface="+mn-ea"/>
-                        </a:rPr>
-                        <a:t>새로운 관리자 </a:t>
-                      </a:r>
-                      <a:r>
-                        <a:rPr lang="en-US" altLang="ko-KR" sz="700" b="0" i="0" u="none" strike="noStrike" dirty="0">
-                          <a:solidFill>
-                            <a:srgbClr val="3F3F48"/>
-                          </a:solidFill>
-                          <a:effectLst/>
-                          <a:latin typeface="+mn-ea"/>
-                          <a:ea typeface="+mn-ea"/>
-                        </a:rPr>
-                        <a:t>id</a:t>
-                      </a:r>
-                      <a:r>
-                        <a:rPr lang="ko-KR" altLang="en-US" sz="700" b="0" i="0" u="none" strike="noStrike" dirty="0">
-                          <a:solidFill>
-                            <a:srgbClr val="3F3F48"/>
-                          </a:solidFill>
-                          <a:effectLst/>
-                          <a:latin typeface="+mn-ea"/>
-                          <a:ea typeface="+mn-ea"/>
-                        </a:rPr>
-                        <a:t>를 추가 등록한다</a:t>
-                      </a:r>
+                      <a:pPr marL="108000" lvl="0" algn="ctr" fontAlgn="ctr"/>
                       <a:endParaRPr lang="en-US" altLang="ko-KR" sz="700" b="0" i="0" u="none" strike="noStrike" dirty="0">
                         <a:solidFill>
                           <a:srgbClr val="3F3F48"/>
@@ -16296,17 +15835,14 @@
                     <a:lstStyle/>
                     <a:p>
                       <a:pPr algn="ctr" fontAlgn="ctr"/>
-                      <a:r>
-                        <a:rPr lang="ko-KR" altLang="en-US" sz="700" b="0" i="0" u="none" strike="noStrike" dirty="0">
-                          <a:solidFill>
-                            <a:srgbClr val="3F3F48"/>
-                          </a:solidFill>
-                          <a:effectLst/>
-                          <a:latin typeface="+mn-ea"/>
-                          <a:ea typeface="+mn-ea"/>
-                        </a:rPr>
-                        <a:t>사서삭제</a:t>
-                      </a:r>
+                      <a:endParaRPr lang="ko-KR" altLang="en-US" sz="700" b="0" i="0" u="none" strike="noStrike" dirty="0">
+                        <a:solidFill>
+                          <a:srgbClr val="3F3F48"/>
+                        </a:solidFill>
+                        <a:effectLst/>
+                        <a:latin typeface="+mn-ea"/>
+                        <a:ea typeface="+mn-ea"/>
+                      </a:endParaRPr>
                     </a:p>
                   </a:txBody>
                   <a:tcPr marL="5173" marR="5173" marT="3881" marB="0" anchor="ctr">
@@ -16376,40 +15912,7 @@
                     <a:bodyPr/>
                     <a:lstStyle/>
                     <a:p>
-                      <a:pPr marL="108000" lvl="0" algn="l" fontAlgn="ctr"/>
-                      <a:r>
-                        <a:rPr lang="ko-KR" altLang="en-US" sz="700" b="0" i="0" u="none" strike="noStrike" dirty="0">
-                          <a:solidFill>
-                            <a:srgbClr val="3F3F48"/>
-                          </a:solidFill>
-                          <a:effectLst/>
-                          <a:latin typeface="+mn-ea"/>
-                          <a:ea typeface="+mn-ea"/>
-                        </a:rPr>
-                        <a:t>퇴사한 관리자 </a:t>
-                      </a:r>
-                      <a:r>
-                        <a:rPr lang="en-US" altLang="ko-KR" sz="700" b="0" i="0" u="none" strike="noStrike" dirty="0">
-                          <a:solidFill>
-                            <a:srgbClr val="3F3F48"/>
-                          </a:solidFill>
-                          <a:effectLst/>
-                          <a:latin typeface="+mn-ea"/>
-                          <a:ea typeface="+mn-ea"/>
-                        </a:rPr>
-                        <a:t>id</a:t>
-                      </a:r>
-                      <a:r>
-                        <a:rPr lang="ko-KR" altLang="en-US" sz="700" b="0" i="0" u="none" strike="noStrike" dirty="0">
-                          <a:solidFill>
-                            <a:srgbClr val="3F3F48"/>
-                          </a:solidFill>
-                          <a:effectLst/>
-                          <a:latin typeface="+mn-ea"/>
-                          <a:ea typeface="+mn-ea"/>
-                        </a:rPr>
-                        <a:t>를 삭제한다</a:t>
-                      </a:r>
+                      <a:pPr marL="108000" lvl="0" algn="ctr" fontAlgn="ctr"/>
                       <a:endParaRPr lang="en-US" altLang="ko-KR" sz="700" b="0" i="0" u="none" strike="noStrike" dirty="0">
                         <a:solidFill>
                           <a:srgbClr val="3F3F48"/>
@@ -16573,17 +16076,6 @@
                     <a:lstStyle/>
                     <a:p>
                       <a:pPr algn="ctr" fontAlgn="ctr"/>
-                      <a:r>
-                        <a:rPr lang="ko-KR" altLang="en-US" sz="700" u="none" strike="noStrike" dirty="0">
-                          <a:solidFill>
-                            <a:srgbClr val="3F3F48"/>
-                          </a:solidFill>
-                          <a:effectLst/>
-                          <a:latin typeface="+mn-ea"/>
-                          <a:ea typeface="+mn-ea"/>
-                        </a:rPr>
-                        <a:t>회원관리</a:t>
-                      </a:r>
                       <a:endParaRPr lang="ko-KR" altLang="en-US" sz="700" b="0" i="0" u="none" strike="noStrike" dirty="0">
                         <a:solidFill>
                           <a:srgbClr val="3F3F48"/>
@@ -16662,17 +16154,14 @@
                     <a:lstStyle/>
                     <a:p>
                       <a:pPr algn="ctr" fontAlgn="ctr"/>
-                      <a:r>
-                        <a:rPr lang="ko-KR" altLang="en-US" sz="700" b="0" i="0" u="none" strike="noStrike" dirty="0">
-                          <a:solidFill>
-                            <a:srgbClr val="3F3F48"/>
-                          </a:solidFill>
-                          <a:effectLst/>
-                          <a:latin typeface="+mn-ea"/>
-                          <a:ea typeface="+mn-ea"/>
-                        </a:rPr>
-                        <a:t>회원검색</a:t>
-                      </a:r>
+                      <a:endParaRPr lang="ko-KR" altLang="en-US" sz="700" b="0" i="0" u="none" strike="noStrike" dirty="0">
+                        <a:solidFill>
+                          <a:srgbClr val="3F3F48"/>
+                        </a:solidFill>
+                        <a:effectLst/>
+                        <a:latin typeface="+mn-ea"/>
+                        <a:ea typeface="+mn-ea"/>
+                      </a:endParaRPr>
                     </a:p>
                   </a:txBody>
                   <a:tcPr marL="5173" marR="5173" marT="3881" marB="0" anchor="ctr">
@@ -16742,62 +16231,7 @@
                     <a:bodyPr/>
                     <a:lstStyle/>
                     <a:p>
-                      <a:pPr marL="108000" lvl="0" algn="l" fontAlgn="ctr"/>
-                      <a:r>
-                        <a:rPr lang="ko-KR" altLang="en-US" sz="700" b="0" i="0" u="none" strike="noStrike" dirty="0">
-                          <a:solidFill>
-                            <a:srgbClr val="3F3F48"/>
-                          </a:solidFill>
-                          <a:effectLst/>
-                          <a:latin typeface="+mn-ea"/>
-                          <a:ea typeface="+mn-ea"/>
-                        </a:rPr>
-                        <a:t>회원아이디를 </a:t>
-                      </a:r>
-                      <a:r>
-                        <a:rPr lang="ko-KR" altLang="en-US" sz="700" b="0" i="0" u="none" strike="noStrike" dirty="0" err="1">
-                          <a:solidFill>
-                            <a:srgbClr val="3F3F48"/>
-                          </a:solidFill>
-                          <a:effectLst/>
-                          <a:latin typeface="+mn-ea"/>
-                          <a:ea typeface="+mn-ea"/>
-                        </a:rPr>
-                        <a:t>입력받아</a:t>
-                      </a:r>
-                      <a:r>
-                        <a:rPr lang="ko-KR" altLang="en-US" sz="700" b="0" i="0" u="none" strike="noStrike" dirty="0">
-                          <a:solidFill>
-                            <a:srgbClr val="3F3F48"/>
-                          </a:solidFill>
-                          <a:effectLst/>
-                          <a:latin typeface="+mn-ea"/>
-                          <a:ea typeface="+mn-ea"/>
-                        </a:rPr>
-                        <a:t> 상세보기</a:t>
-                      </a:r>
-                      <a:r>
-                        <a:rPr lang="en-US" altLang="ko-KR" sz="700" b="0" i="0" u="none" strike="noStrike" dirty="0">
-                          <a:solidFill>
-                            <a:srgbClr val="3F3F48"/>
-                          </a:solidFill>
-                          <a:effectLst/>
-                          <a:latin typeface="+mn-ea"/>
-                          <a:ea typeface="+mn-ea"/>
-                        </a:rPr>
-                        <a:t>,</a:t>
-                      </a:r>
-                      <a:r>
-                        <a:rPr lang="ko-KR" altLang="en-US" sz="700" b="0" i="0" u="none" strike="noStrike" dirty="0">
-                          <a:solidFill>
-                            <a:srgbClr val="3F3F48"/>
-                          </a:solidFill>
-                          <a:effectLst/>
-                          <a:latin typeface="+mn-ea"/>
-                          <a:ea typeface="+mn-ea"/>
-                        </a:rPr>
-                        <a:t> 강등</a:t>
-                      </a:r>
+                      <a:pPr marL="108000" lvl="0" algn="ctr" fontAlgn="ctr"/>
                       <a:endParaRPr lang="en-US" altLang="ko-KR" sz="700" b="0" i="0" u="none" strike="noStrike" dirty="0">
                         <a:solidFill>
                           <a:srgbClr val="3F3F48"/>
@@ -16905,17 +16339,6 @@
                     <a:lstStyle/>
                     <a:p>
                       <a:pPr algn="ctr" fontAlgn="ctr"/>
-                      <a:r>
-                        <a:rPr lang="ko-KR" altLang="en-US" sz="700" b="0" i="0" u="none" strike="noStrike" dirty="0" err="1">
-                          <a:solidFill>
-                            <a:srgbClr val="3F3F48"/>
-                          </a:solidFill>
-                          <a:effectLst/>
-                          <a:latin typeface="+mn-ea"/>
-                          <a:ea typeface="+mn-ea"/>
-                        </a:rPr>
-                        <a:t>레벨별검색</a:t>
-                      </a:r>
                       <a:endParaRPr lang="ko-KR" altLang="en-US" sz="700" b="0" i="0" u="none" strike="noStrike" dirty="0">
                         <a:solidFill>
                           <a:srgbClr val="3F3F48"/>
@@ -16993,40 +16416,7 @@
                     <a:bodyPr/>
                     <a:lstStyle/>
                     <a:p>
-                      <a:pPr marL="108000" lvl="0" algn="l" fontAlgn="ctr"/>
-                      <a:r>
-                        <a:rPr lang="ko-KR" altLang="en-US" sz="700" b="0" i="0" u="none" strike="noStrike" dirty="0">
-                          <a:solidFill>
-                            <a:srgbClr val="3F3F48"/>
-                          </a:solidFill>
-                          <a:effectLst/>
-                          <a:latin typeface="+mn-ea"/>
-                          <a:ea typeface="+mn-ea"/>
-                        </a:rPr>
-                        <a:t>가입된 회원들의 </a:t>
-                      </a:r>
-                      <a:r>
-                        <a:rPr lang="ko-KR" altLang="en-US" sz="700" b="0" i="0" u="none" strike="noStrike" dirty="0" err="1">
-                          <a:solidFill>
-                            <a:srgbClr val="3F3F48"/>
-                          </a:solidFill>
-                          <a:effectLst/>
-                          <a:latin typeface="+mn-ea"/>
-                          <a:ea typeface="+mn-ea"/>
-                        </a:rPr>
-                        <a:t>레벨별</a:t>
-                      </a:r>
-                      <a:r>
-                        <a:rPr lang="ko-KR" altLang="en-US" sz="700" b="0" i="0" u="none" strike="noStrike" dirty="0">
-                          <a:solidFill>
-                            <a:srgbClr val="3F3F48"/>
-                          </a:solidFill>
-                          <a:effectLst/>
-                          <a:latin typeface="+mn-ea"/>
-                          <a:ea typeface="+mn-ea"/>
-                        </a:rPr>
-                        <a:t> 목록 출력</a:t>
-                      </a:r>
+                      <a:pPr marL="108000" lvl="0" algn="ctr" fontAlgn="ctr"/>
                       <a:endParaRPr lang="en-US" altLang="ko-KR" sz="700" b="0" i="0" u="none" strike="noStrike" dirty="0">
                         <a:solidFill>
                           <a:srgbClr val="3F3F48"/>
@@ -17123,39 +16513,14 @@
                     <a:lstStyle/>
                     <a:p>
                       <a:pPr algn="ctr" fontAlgn="ctr"/>
-                      <a:r>
-                        <a:rPr lang="ko-KR" altLang="en-US" sz="700" b="0" i="0" u="none" strike="noStrike" dirty="0">
-                          <a:solidFill>
-                            <a:srgbClr val="3F3F48"/>
-                          </a:solidFill>
-                          <a:effectLst/>
-                          <a:latin typeface="+mn-ea"/>
-                          <a:ea typeface="+mn-ea"/>
-                        </a:rPr>
-                        <a:t>대출</a:t>
-                      </a:r>
-                      <a:r>
-                        <a:rPr lang="en-US" altLang="ko-KR" sz="700" b="0" i="0" u="none" strike="noStrike" dirty="0">
-                          <a:solidFill>
-                            <a:srgbClr val="3F3F48"/>
-                          </a:solidFill>
-                          <a:effectLst/>
-                          <a:latin typeface="+mn-ea"/>
-                          <a:ea typeface="+mn-ea"/>
-                        </a:rPr>
-                        <a:t>/</a:t>
-                      </a:r>
-                      <a:r>
-                        <a:rPr lang="ko-KR" altLang="en-US" sz="700" b="0" i="0" u="none" strike="noStrike" dirty="0">
-                          <a:solidFill>
-                            <a:srgbClr val="3F3F48"/>
-                          </a:solidFill>
-                          <a:effectLst/>
-                          <a:latin typeface="+mn-ea"/>
-                          <a:ea typeface="+mn-ea"/>
-                        </a:rPr>
-                        <a:t>반납</a:t>
-                      </a:r>
+                      <a:endParaRPr lang="ko-KR" altLang="en-US" sz="700" b="0" i="0" u="none" strike="noStrike" dirty="0">
+                        <a:solidFill>
+                          <a:srgbClr val="3F3F48"/>
+                        </a:solidFill>
+                        <a:effectLst/>
+                        <a:latin typeface="+mn-ea"/>
+                        <a:ea typeface="+mn-ea"/>
+                      </a:endParaRPr>
                     </a:p>
                   </a:txBody>
                   <a:tcPr marL="5173" marR="5173" marT="3881" marB="0" anchor="ctr">
@@ -17226,17 +16591,14 @@
                     <a:lstStyle/>
                     <a:p>
                       <a:pPr algn="ctr" fontAlgn="ctr"/>
-                      <a:r>
-                        <a:rPr lang="ko-KR" altLang="en-US" sz="700" b="0" i="0" u="none" strike="noStrike" dirty="0">
-                          <a:solidFill>
-                            <a:srgbClr val="3F3F48"/>
-                          </a:solidFill>
-                          <a:effectLst/>
-                          <a:latin typeface="+mn-ea"/>
-                          <a:ea typeface="+mn-ea"/>
-                        </a:rPr>
-                        <a:t>대출</a:t>
-                      </a:r>
+                      <a:endParaRPr lang="ko-KR" altLang="en-US" sz="700" b="0" i="0" u="none" strike="noStrike" dirty="0">
+                        <a:solidFill>
+                          <a:srgbClr val="3F3F48"/>
+                        </a:solidFill>
+                        <a:effectLst/>
+                        <a:latin typeface="+mn-ea"/>
+                        <a:ea typeface="+mn-ea"/>
+                      </a:endParaRPr>
                     </a:p>
                   </a:txBody>
                   <a:tcPr marL="5173" marR="5173" marT="3881" marB="0" anchor="ctr">
@@ -17306,62 +16668,7 @@
                     <a:bodyPr/>
                     <a:lstStyle/>
                     <a:p>
-                      <a:pPr marL="108000" lvl="0" algn="l" fontAlgn="ctr"/>
-                      <a:r>
-                        <a:rPr lang="ko-KR" altLang="en-US" sz="700" b="0" i="0" u="none" strike="noStrike" dirty="0">
-                          <a:solidFill>
-                            <a:srgbClr val="3F3F48"/>
-                          </a:solidFill>
-                          <a:effectLst/>
-                          <a:latin typeface="+mn-ea"/>
-                          <a:ea typeface="+mn-ea"/>
-                        </a:rPr>
-                        <a:t>회원</a:t>
-                      </a:r>
-                      <a:r>
-                        <a:rPr lang="en-US" altLang="ko-KR" sz="700" b="0" i="0" u="none" strike="noStrike" baseline="0" dirty="0">
-                          <a:solidFill>
-                            <a:srgbClr val="3F3F48"/>
-                          </a:solidFill>
-                          <a:effectLst/>
-                          <a:latin typeface="+mn-ea"/>
-                          <a:ea typeface="+mn-ea"/>
-                        </a:rPr>
-                        <a:t>id</a:t>
-                      </a:r>
-                      <a:r>
-                        <a:rPr lang="ko-KR" altLang="en-US" sz="700" b="0" i="0" u="none" strike="noStrike" baseline="0" dirty="0">
-                          <a:solidFill>
-                            <a:srgbClr val="3F3F48"/>
-                          </a:solidFill>
-                          <a:effectLst/>
-                          <a:latin typeface="+mn-ea"/>
-                          <a:ea typeface="+mn-ea"/>
-                        </a:rPr>
-                        <a:t>와 도서번호를 </a:t>
-                      </a:r>
-                      <a:r>
-                        <a:rPr lang="ko-KR" altLang="en-US" sz="700" b="0" i="0" u="none" strike="noStrike" baseline="0" dirty="0" err="1">
-                          <a:solidFill>
-                            <a:srgbClr val="3F3F48"/>
-                          </a:solidFill>
-                          <a:effectLst/>
-                          <a:latin typeface="+mn-ea"/>
-                          <a:ea typeface="+mn-ea"/>
-                        </a:rPr>
-                        <a:t>입력받아</a:t>
-                      </a:r>
-                      <a:r>
-                        <a:rPr lang="ko-KR" altLang="en-US" sz="700" b="0" i="0" u="none" strike="noStrike" baseline="0" dirty="0">
-                          <a:solidFill>
-                            <a:srgbClr val="3F3F48"/>
-                          </a:solidFill>
-                          <a:effectLst/>
-                          <a:latin typeface="+mn-ea"/>
-                          <a:ea typeface="+mn-ea"/>
-                        </a:rPr>
-                        <a:t> 대출처리</a:t>
-                      </a:r>
+                      <a:pPr marL="108000" lvl="0" algn="ctr" fontAlgn="ctr"/>
                       <a:endParaRPr lang="en-US" altLang="ko-KR" sz="700" b="0" i="0" u="none" strike="noStrike" dirty="0">
                         <a:solidFill>
                           <a:srgbClr val="3F3F48"/>
@@ -17536,17 +16843,14 @@
                     <a:lstStyle/>
                     <a:p>
                       <a:pPr algn="ctr" fontAlgn="ctr"/>
-                      <a:r>
-                        <a:rPr lang="ko-KR" altLang="en-US" sz="700" b="0" i="0" u="none" strike="noStrike" dirty="0">
-                          <a:solidFill>
-                            <a:srgbClr val="3F3F48"/>
-                          </a:solidFill>
-                          <a:effectLst/>
-                          <a:latin typeface="+mn-ea"/>
-                          <a:ea typeface="+mn-ea"/>
-                        </a:rPr>
-                        <a:t>반납</a:t>
-                      </a:r>
+                      <a:endParaRPr lang="ko-KR" altLang="en-US" sz="700" b="0" i="0" u="none" strike="noStrike" dirty="0">
+                        <a:solidFill>
+                          <a:srgbClr val="3F3F48"/>
+                        </a:solidFill>
+                        <a:effectLst/>
+                        <a:latin typeface="+mn-ea"/>
+                        <a:ea typeface="+mn-ea"/>
+                      </a:endParaRPr>
                     </a:p>
                   </a:txBody>
                   <a:tcPr marL="5173" marR="5173" marT="3881" marB="0" anchor="ctr">
@@ -17616,18 +16920,7 @@
                     <a:bodyPr/>
                     <a:lstStyle/>
                     <a:p>
-                      <a:pPr marL="108000" lvl="0" algn="l" fontAlgn="ctr"/>
-                      <a:r>
-                        <a:rPr lang="ko-KR" altLang="en-US" sz="700" b="0" i="0" u="none" strike="noStrike" dirty="0">
-                          <a:solidFill>
-                            <a:srgbClr val="3F3F48"/>
-                          </a:solidFill>
-                          <a:effectLst/>
-                          <a:latin typeface="+mn-ea"/>
-                          <a:ea typeface="+mn-ea"/>
-                        </a:rPr>
-                        <a:t>도서번호를 입력 받아 반납처리</a:t>
-                      </a:r>
+                      <a:pPr marL="108000" lvl="0" algn="ctr" fontAlgn="ctr"/>
                       <a:endParaRPr lang="en-US" altLang="ko-KR" sz="700" b="0" i="0" u="none" strike="noStrike" dirty="0">
                         <a:solidFill>
                           <a:srgbClr val="3F3F48"/>
@@ -17724,17 +17017,14 @@
                     <a:lstStyle/>
                     <a:p>
                       <a:pPr algn="ctr" fontAlgn="ctr"/>
-                      <a:r>
-                        <a:rPr lang="ko-KR" altLang="en-US" sz="700" b="0" i="0" u="none" strike="noStrike" dirty="0">
-                          <a:solidFill>
-                            <a:srgbClr val="3F3F48"/>
-                          </a:solidFill>
-                          <a:effectLst/>
-                          <a:latin typeface="+mn-ea"/>
-                          <a:ea typeface="+mn-ea"/>
-                        </a:rPr>
-                        <a:t>도서관리</a:t>
-                      </a:r>
+                      <a:endParaRPr lang="ko-KR" altLang="en-US" sz="700" b="0" i="0" u="none" strike="noStrike" dirty="0">
+                        <a:solidFill>
+                          <a:srgbClr val="3F3F48"/>
+                        </a:solidFill>
+                        <a:effectLst/>
+                        <a:latin typeface="+mn-ea"/>
+                        <a:ea typeface="+mn-ea"/>
+                      </a:endParaRPr>
                     </a:p>
                   </a:txBody>
                   <a:tcPr marL="5173" marR="5173" marT="3881" marB="0" anchor="ctr">
@@ -17805,17 +17095,14 @@
                     <a:lstStyle/>
                     <a:p>
                       <a:pPr algn="ctr" fontAlgn="ctr"/>
-                      <a:r>
-                        <a:rPr lang="ko-KR" altLang="en-US" sz="700" b="0" i="0" u="none" strike="noStrike" dirty="0">
-                          <a:solidFill>
-                            <a:srgbClr val="3F3F48"/>
-                          </a:solidFill>
-                          <a:effectLst/>
-                          <a:latin typeface="+mn-ea"/>
-                          <a:ea typeface="+mn-ea"/>
-                        </a:rPr>
-                        <a:t>도서목록</a:t>
-                      </a:r>
+                      <a:endParaRPr lang="ko-KR" altLang="en-US" sz="700" b="0" i="0" u="none" strike="noStrike" dirty="0">
+                        <a:solidFill>
+                          <a:srgbClr val="3F3F48"/>
+                        </a:solidFill>
+                        <a:effectLst/>
+                        <a:latin typeface="+mn-ea"/>
+                        <a:ea typeface="+mn-ea"/>
+                      </a:endParaRPr>
                     </a:p>
                   </a:txBody>
                   <a:tcPr marL="5173" marR="5173" marT="3881" marB="0" anchor="ctr">
@@ -17885,18 +17172,7 @@
                     <a:bodyPr/>
                     <a:lstStyle/>
                     <a:p>
-                      <a:pPr marL="108000" lvl="0" algn="l" fontAlgn="ctr"/>
-                      <a:r>
-                        <a:rPr lang="ko-KR" altLang="en-US" sz="700" b="0" i="0" u="none" strike="noStrike" dirty="0">
-                          <a:solidFill>
-                            <a:srgbClr val="3F3F48"/>
-                          </a:solidFill>
-                          <a:effectLst/>
-                          <a:latin typeface="+mn-ea"/>
-                          <a:ea typeface="+mn-ea"/>
-                        </a:rPr>
-                        <a:t> 등록된 도서목록 출력</a:t>
-                      </a:r>
+                      <a:pPr marL="108000" lvl="0" algn="ctr" fontAlgn="ctr"/>
                       <a:endParaRPr lang="en-US" altLang="ko-KR" sz="700" b="0" i="0" u="none" strike="noStrike" dirty="0">
                         <a:solidFill>
                           <a:srgbClr val="3F3F48"/>
@@ -18071,17 +17347,6 @@
                     <a:lstStyle/>
                     <a:p>
                       <a:pPr algn="ctr" fontAlgn="ctr"/>
-                      <a:r>
-                        <a:rPr lang="ko-KR" altLang="en-US" sz="700" b="0" i="0" u="none" strike="noStrike" dirty="0">
-                          <a:solidFill>
-                            <a:srgbClr val="3F3F48"/>
-                          </a:solidFill>
-                          <a:effectLst/>
-                          <a:latin typeface="+mn-ea"/>
-                          <a:ea typeface="+mn-ea"/>
-                        </a:rPr>
-                        <a:t>도서등록</a:t>
-                      </a:r>
                       <a:endParaRPr lang="en-US" sz="700" b="0" i="0" u="none" strike="noStrike" dirty="0">
                         <a:solidFill>
                           <a:srgbClr val="3F3F48"/>
@@ -18159,29 +17424,7 @@
                     <a:bodyPr/>
                     <a:lstStyle/>
                     <a:p>
-                      <a:pPr marL="108000" lvl="0" algn="l" fontAlgn="ctr"/>
-                      <a:r>
-                        <a:rPr lang="en-US" altLang="ko-KR" sz="700" b="0" i="0" u="none" strike="noStrike" dirty="0">
-                          <a:solidFill>
-                            <a:srgbClr val="3F3F48"/>
-                          </a:solidFill>
-                          <a:effectLst/>
-                          <a:latin typeface="+mn-ea"/>
-                          <a:ea typeface="+mn-ea"/>
-                        </a:rPr>
-                        <a:t>DB</a:t>
-                      </a:r>
-                      <a:r>
-                        <a:rPr lang="ko-KR" altLang="en-US" sz="700" b="0" i="0" u="none" strike="noStrike" dirty="0">
-                          <a:solidFill>
-                            <a:srgbClr val="3F3F48"/>
-                          </a:solidFill>
-                          <a:effectLst/>
-                          <a:latin typeface="+mn-ea"/>
-                          <a:ea typeface="+mn-ea"/>
-                        </a:rPr>
-                        <a:t>에 새 도서 등록</a:t>
-                      </a:r>
+                      <a:pPr marL="108000" lvl="0" algn="ctr" fontAlgn="ctr"/>
                       <a:endParaRPr lang="en-US" altLang="ko-KR" sz="700" b="0" i="0" u="none" strike="noStrike" dirty="0">
                         <a:solidFill>
                           <a:srgbClr val="3F3F48"/>
@@ -18356,17 +17599,6 @@
                     <a:lstStyle/>
                     <a:p>
                       <a:pPr algn="ctr" fontAlgn="ctr"/>
-                      <a:r>
-                        <a:rPr lang="ko-KR" altLang="en-US" sz="700" b="0" i="0" u="none" strike="noStrike" dirty="0">
-                          <a:solidFill>
-                            <a:srgbClr val="3F3F48"/>
-                          </a:solidFill>
-                          <a:effectLst/>
-                          <a:latin typeface="+mn-ea"/>
-                          <a:ea typeface="+mn-ea"/>
-                        </a:rPr>
-                        <a:t>상세보기</a:t>
-                      </a:r>
                       <a:endParaRPr lang="en-US" sz="700" b="0" i="0" u="none" strike="noStrike" dirty="0">
                         <a:solidFill>
                           <a:srgbClr val="3F3F48"/>
@@ -18444,18 +17676,7 @@
                     <a:bodyPr/>
                     <a:lstStyle/>
                     <a:p>
-                      <a:pPr marL="108000" lvl="0" algn="l" fontAlgn="ctr"/>
-                      <a:r>
-                        <a:rPr lang="ko-KR" altLang="en-US" sz="700" b="0" i="0" u="none" strike="noStrike" dirty="0">
-                          <a:solidFill>
-                            <a:srgbClr val="3F3F48"/>
-                          </a:solidFill>
-                          <a:effectLst/>
-                          <a:latin typeface="+mn-ea"/>
-                          <a:ea typeface="+mn-ea"/>
-                        </a:rPr>
-                        <a:t>목록에서 선택한 도서의 상세정보</a:t>
-                      </a:r>
+                      <a:pPr marL="108000" lvl="0" algn="ctr" fontAlgn="ctr"/>
                       <a:endParaRPr lang="en-US" altLang="ko-KR" sz="700" b="0" i="0" u="none" strike="noStrike" dirty="0">
                         <a:solidFill>
                           <a:srgbClr val="3F3F48"/>
@@ -18630,17 +17851,6 @@
                     <a:lstStyle/>
                     <a:p>
                       <a:pPr algn="ctr" fontAlgn="ctr"/>
-                      <a:r>
-                        <a:rPr lang="ko-KR" altLang="en-US" sz="700" b="0" i="0" u="none" strike="noStrike" dirty="0">
-                          <a:solidFill>
-                            <a:srgbClr val="3F3F48"/>
-                          </a:solidFill>
-                          <a:effectLst/>
-                          <a:latin typeface="+mn-ea"/>
-                          <a:ea typeface="+mn-ea"/>
-                        </a:rPr>
-                        <a:t>도서수정</a:t>
-                      </a:r>
                       <a:endParaRPr lang="en-US" sz="700" b="0" i="0" u="none" strike="noStrike" dirty="0">
                         <a:solidFill>
                           <a:srgbClr val="3F3F48"/>
@@ -18718,18 +17928,7 @@
                     <a:bodyPr/>
                     <a:lstStyle/>
                     <a:p>
-                      <a:pPr marL="108000" lvl="0" algn="l" fontAlgn="ctr"/>
-                      <a:r>
-                        <a:rPr lang="ko-KR" altLang="en-US" sz="700" b="0" i="0" u="none" strike="noStrike" dirty="0">
-                          <a:solidFill>
-                            <a:srgbClr val="3F3F48"/>
-                          </a:solidFill>
-                          <a:effectLst/>
-                          <a:latin typeface="+mn-ea"/>
-                          <a:ea typeface="+mn-ea"/>
-                        </a:rPr>
-                        <a:t>도서의 정보를 수정</a:t>
-                      </a:r>
+                      <a:pPr marL="108000" lvl="0" algn="ctr" fontAlgn="ctr"/>
                       <a:endParaRPr lang="en-US" altLang="ko-KR" sz="700" b="0" i="0" u="none" strike="noStrike" dirty="0">
                         <a:solidFill>
                           <a:srgbClr val="3F3F48"/>
@@ -18897,17 +18096,14 @@
                     <a:lstStyle/>
                     <a:p>
                       <a:pPr algn="ctr" fontAlgn="ctr"/>
-                      <a:r>
-                        <a:rPr lang="ko-KR" altLang="en-US" sz="700" b="0" i="0" u="none" strike="noStrike" dirty="0">
-                          <a:solidFill>
-                            <a:srgbClr val="3F3F48"/>
-                          </a:solidFill>
-                          <a:effectLst/>
-                          <a:latin typeface="+mn-ea"/>
-                          <a:ea typeface="+mn-ea"/>
-                        </a:rPr>
-                        <a:t>도서삭제</a:t>
-                      </a:r>
+                      <a:endParaRPr lang="ko-KR" altLang="en-US" sz="700" b="0" i="0" u="none" strike="noStrike" dirty="0">
+                        <a:solidFill>
+                          <a:srgbClr val="3F3F48"/>
+                        </a:solidFill>
+                        <a:effectLst/>
+                        <a:latin typeface="+mn-ea"/>
+                        <a:ea typeface="+mn-ea"/>
+                      </a:endParaRPr>
                     </a:p>
                   </a:txBody>
                   <a:tcPr marL="5173" marR="5173" marT="3881" marB="0" anchor="ctr">
@@ -18977,29 +18173,7 @@
                     <a:bodyPr/>
                     <a:lstStyle/>
                     <a:p>
-                      <a:pPr marL="108000" lvl="0" algn="l" fontAlgn="ctr"/>
-                      <a:r>
-                        <a:rPr lang="en-US" altLang="ko-KR" sz="700" b="0" i="0" u="none" strike="noStrike" dirty="0">
-                          <a:solidFill>
-                            <a:srgbClr val="3F3F48"/>
-                          </a:solidFill>
-                          <a:effectLst/>
-                          <a:latin typeface="+mn-ea"/>
-                          <a:ea typeface="+mn-ea"/>
-                        </a:rPr>
-                        <a:t>DB</a:t>
-                      </a:r>
-                      <a:r>
-                        <a:rPr lang="ko-KR" altLang="en-US" sz="700" b="0" i="0" u="none" strike="noStrike" dirty="0">
-                          <a:solidFill>
-                            <a:srgbClr val="3F3F48"/>
-                          </a:solidFill>
-                          <a:effectLst/>
-                          <a:latin typeface="+mn-ea"/>
-                          <a:ea typeface="+mn-ea"/>
-                        </a:rPr>
-                        <a:t>에서 도서 정보 삭제</a:t>
-                      </a:r>
+                      <a:pPr marL="108000" lvl="0" algn="ctr" fontAlgn="ctr"/>
                       <a:endParaRPr lang="en-US" altLang="ko-KR" sz="700" b="0" i="0" u="none" strike="noStrike" dirty="0">
                         <a:solidFill>
                           <a:srgbClr val="3F3F48"/>
@@ -19163,17 +18337,14 @@
                     <a:lstStyle/>
                     <a:p>
                       <a:pPr algn="ctr" fontAlgn="ctr"/>
-                      <a:r>
-                        <a:rPr lang="ko-KR" altLang="en-US" sz="700" b="0" i="0" u="none" strike="noStrike" dirty="0">
-                          <a:solidFill>
-                            <a:srgbClr val="3F3F48"/>
-                          </a:solidFill>
-                          <a:effectLst/>
-                          <a:latin typeface="+mn-ea"/>
-                          <a:ea typeface="+mn-ea"/>
-                        </a:rPr>
-                        <a:t>공지사항</a:t>
-                      </a:r>
+                      <a:endParaRPr lang="ko-KR" altLang="en-US" sz="700" b="0" i="0" u="none" strike="noStrike" dirty="0">
+                        <a:solidFill>
+                          <a:srgbClr val="3F3F48"/>
+                        </a:solidFill>
+                        <a:effectLst/>
+                        <a:latin typeface="+mn-ea"/>
+                        <a:ea typeface="+mn-ea"/>
+                      </a:endParaRPr>
                     </a:p>
                   </a:txBody>
                   <a:tcPr marL="5173" marR="5173" marT="3881" marB="0" anchor="ctr">
@@ -19244,17 +18415,6 @@
                     <a:lstStyle/>
                     <a:p>
                       <a:pPr algn="ctr" fontAlgn="ctr"/>
-                      <a:r>
-                        <a:rPr lang="ko-KR" altLang="en-US" sz="700" b="0" i="0" u="none" strike="noStrike" dirty="0" err="1">
-                          <a:solidFill>
-                            <a:srgbClr val="3F3F48"/>
-                          </a:solidFill>
-                          <a:effectLst/>
-                          <a:latin typeface="+mn-ea"/>
-                          <a:ea typeface="+mn-ea"/>
-                        </a:rPr>
-                        <a:t>글작성</a:t>
-                      </a:r>
                       <a:endParaRPr lang="ko-KR" altLang="en-US" sz="700" b="0" i="0" u="none" strike="noStrike" dirty="0">
                         <a:solidFill>
                           <a:srgbClr val="3F3F48"/>
@@ -19332,18 +18492,7 @@
                     <a:bodyPr/>
                     <a:lstStyle/>
                     <a:p>
-                      <a:pPr marL="108000" lvl="0" algn="l" fontAlgn="ctr"/>
-                      <a:r>
-                        <a:rPr lang="ko-KR" altLang="en-US" sz="700" b="0" i="0" u="none" strike="noStrike" dirty="0">
-                          <a:solidFill>
-                            <a:srgbClr val="3F3F48"/>
-                          </a:solidFill>
-                          <a:effectLst/>
-                          <a:latin typeface="+mn-ea"/>
-                          <a:ea typeface="+mn-ea"/>
-                        </a:rPr>
-                        <a:t>공지사항 게시판 글 추가</a:t>
-                      </a:r>
+                      <a:pPr marL="108000" lvl="0" algn="ctr" fontAlgn="ctr"/>
                       <a:endParaRPr lang="en-US" altLang="ko-KR" sz="700" b="0" i="0" u="none" strike="noStrike" dirty="0">
                         <a:solidFill>
                           <a:srgbClr val="3F3F48"/>
@@ -19518,17 +18667,6 @@
                     <a:lstStyle/>
                     <a:p>
                       <a:pPr algn="ctr" fontAlgn="ctr"/>
-                      <a:r>
-                        <a:rPr lang="ko-KR" altLang="en-US" sz="700" b="0" i="0" u="none" strike="noStrike" dirty="0" err="1">
-                          <a:solidFill>
-                            <a:srgbClr val="3F3F48"/>
-                          </a:solidFill>
-                          <a:effectLst/>
-                          <a:latin typeface="+mn-ea"/>
-                          <a:ea typeface="+mn-ea"/>
-                        </a:rPr>
-                        <a:t>글수정</a:t>
-                      </a:r>
                       <a:endParaRPr lang="ko-KR" altLang="en-US" sz="700" b="0" i="0" u="none" strike="noStrike" dirty="0">
                         <a:solidFill>
                           <a:srgbClr val="3F3F48"/>
@@ -19606,18 +18744,7 @@
                     <a:bodyPr/>
                     <a:lstStyle/>
                     <a:p>
-                      <a:pPr marL="108000" lvl="0" algn="l" fontAlgn="ctr"/>
-                      <a:r>
-                        <a:rPr lang="ko-KR" altLang="en-US" sz="700" b="0" i="0" u="none" strike="noStrike" dirty="0">
-                          <a:solidFill>
-                            <a:srgbClr val="3F3F48"/>
-                          </a:solidFill>
-                          <a:effectLst/>
-                          <a:latin typeface="+mn-ea"/>
-                          <a:ea typeface="+mn-ea"/>
-                        </a:rPr>
-                        <a:t>공지사항 게시판 글 수정</a:t>
-                      </a:r>
+                      <a:pPr marL="108000" lvl="0" algn="ctr" fontAlgn="ctr"/>
                       <a:endParaRPr lang="en-US" altLang="ko-KR" sz="700" b="0" i="0" u="none" strike="noStrike" dirty="0">
                         <a:solidFill>
                           <a:srgbClr val="3F3F48"/>
@@ -19792,17 +18919,6 @@
                     <a:lstStyle/>
                     <a:p>
                       <a:pPr algn="ctr" fontAlgn="ctr"/>
-                      <a:r>
-                        <a:rPr lang="ko-KR" altLang="en-US" sz="700" b="0" i="0" u="none" strike="noStrike" dirty="0" err="1">
-                          <a:solidFill>
-                            <a:srgbClr val="3F3F48"/>
-                          </a:solidFill>
-                          <a:effectLst/>
-                          <a:latin typeface="+mn-ea"/>
-                          <a:ea typeface="+mn-ea"/>
-                        </a:rPr>
-                        <a:t>글삭제</a:t>
-                      </a:r>
                       <a:endParaRPr lang="ko-KR" altLang="en-US" sz="700" b="0" i="0" u="none" strike="noStrike" dirty="0">
                         <a:solidFill>
                           <a:srgbClr val="3F3F48"/>
@@ -19880,18 +18996,7 @@
                     <a:bodyPr/>
                     <a:lstStyle/>
                     <a:p>
-                      <a:pPr marL="108000" lvl="0" algn="l" fontAlgn="ctr"/>
-                      <a:r>
-                        <a:rPr lang="ko-KR" altLang="en-US" sz="700" b="0" i="0" u="none" strike="noStrike" dirty="0">
-                          <a:solidFill>
-                            <a:srgbClr val="3F3F48"/>
-                          </a:solidFill>
-                          <a:effectLst/>
-                          <a:latin typeface="+mn-ea"/>
-                          <a:ea typeface="+mn-ea"/>
-                        </a:rPr>
-                        <a:t>공지사항 게시판 글 삭제</a:t>
-                      </a:r>
+                      <a:pPr marL="108000" lvl="0" algn="ctr" fontAlgn="ctr"/>
                       <a:endParaRPr lang="en-US" altLang="ko-KR" sz="700" b="0" i="0" u="none" strike="noStrike" dirty="0">
                         <a:solidFill>
                           <a:srgbClr val="3F3F48"/>
@@ -20066,17 +19171,6 @@
                     <a:lstStyle/>
                     <a:p>
                       <a:pPr algn="ctr" fontAlgn="ctr"/>
-                      <a:r>
-                        <a:rPr lang="ko-KR" altLang="en-US" sz="700" b="0" i="0" u="none" strike="noStrike" dirty="0" err="1">
-                          <a:solidFill>
-                            <a:srgbClr val="3F3F48"/>
-                          </a:solidFill>
-                          <a:effectLst/>
-                          <a:latin typeface="+mn-ea"/>
-                          <a:ea typeface="+mn-ea"/>
-                        </a:rPr>
-                        <a:t>글보기</a:t>
-                      </a:r>
                       <a:endParaRPr lang="ko-KR" altLang="en-US" sz="700" b="0" i="0" u="none" strike="noStrike" dirty="0">
                         <a:solidFill>
                           <a:srgbClr val="3F3F48"/>
@@ -20154,18 +19248,7 @@
                     <a:bodyPr/>
                     <a:lstStyle/>
                     <a:p>
-                      <a:pPr marL="108000" lvl="0" algn="l" fontAlgn="ctr"/>
-                      <a:r>
-                        <a:rPr lang="ko-KR" altLang="en-US" sz="700" b="0" i="0" u="none" strike="noStrike" dirty="0">
-                          <a:solidFill>
-                            <a:srgbClr val="3F3F48"/>
-                          </a:solidFill>
-                          <a:effectLst/>
-                          <a:latin typeface="+mn-ea"/>
-                          <a:ea typeface="+mn-ea"/>
-                        </a:rPr>
-                        <a:t>공지사항 게시판 글 상세보기</a:t>
-                      </a:r>
+                      <a:pPr marL="108000" lvl="0" algn="ctr" fontAlgn="ctr"/>
                       <a:endParaRPr lang="en-US" altLang="ko-KR" sz="700" b="0" i="0" u="none" strike="noStrike" dirty="0">
                         <a:solidFill>
                           <a:srgbClr val="3F3F48"/>
@@ -20262,17 +19345,14 @@
                     <a:lstStyle/>
                     <a:p>
                       <a:pPr algn="ctr" fontAlgn="ctr"/>
-                      <a:r>
-                        <a:rPr lang="ko-KR" altLang="en-US" sz="700" b="0" i="0" u="none" strike="noStrike" dirty="0">
-                          <a:solidFill>
-                            <a:srgbClr val="3F3F48"/>
-                          </a:solidFill>
-                          <a:effectLst/>
-                          <a:latin typeface="+mn-ea"/>
-                          <a:ea typeface="+mn-ea"/>
-                        </a:rPr>
-                        <a:t>통계</a:t>
-                      </a:r>
+                      <a:endParaRPr lang="ko-KR" altLang="en-US" sz="700" b="0" i="0" u="none" strike="noStrike" dirty="0">
+                        <a:solidFill>
+                          <a:srgbClr val="3F3F48"/>
+                        </a:solidFill>
+                        <a:effectLst/>
+                        <a:latin typeface="+mn-ea"/>
+                        <a:ea typeface="+mn-ea"/>
+                      </a:endParaRPr>
                     </a:p>
                   </a:txBody>
                   <a:tcPr marL="5173" marR="5173" marT="3881" marB="0" anchor="ctr">
@@ -20343,17 +19423,14 @@
                     <a:lstStyle/>
                     <a:p>
                       <a:pPr algn="ctr" fontAlgn="ctr"/>
-                      <a:r>
-                        <a:rPr lang="ko-KR" altLang="en-US" sz="700" b="0" i="0" u="none" strike="noStrike" dirty="0">
-                          <a:solidFill>
-                            <a:srgbClr val="3F3F48"/>
-                          </a:solidFill>
-                          <a:effectLst/>
-                          <a:latin typeface="+mn-ea"/>
-                          <a:ea typeface="+mn-ea"/>
-                        </a:rPr>
-                        <a:t>도서통계</a:t>
-                      </a:r>
+                      <a:endParaRPr lang="ko-KR" altLang="en-US" sz="700" b="0" i="0" u="none" strike="noStrike" dirty="0">
+                        <a:solidFill>
+                          <a:srgbClr val="3F3F48"/>
+                        </a:solidFill>
+                        <a:effectLst/>
+                        <a:latin typeface="+mn-ea"/>
+                        <a:ea typeface="+mn-ea"/>
+                      </a:endParaRPr>
                     </a:p>
                   </a:txBody>
                   <a:tcPr marL="5173" marR="5173" marT="3881" marB="0" anchor="ctr">
@@ -20423,7 +19500,7 @@
                     <a:bodyPr/>
                     <a:lstStyle/>
                     <a:p>
-                      <a:pPr marL="108000" lvl="0" algn="l" fontAlgn="ctr"/>
+                      <a:pPr marL="108000" lvl="0" algn="ctr" fontAlgn="ctr"/>
                       <a:endParaRPr lang="en-US" altLang="ko-KR" sz="700" b="0" i="0" u="none" strike="noStrike" dirty="0">
                         <a:solidFill>
                           <a:srgbClr val="3F3F48"/>
@@ -20598,17 +19675,14 @@
                     <a:lstStyle/>
                     <a:p>
                       <a:pPr algn="ctr" fontAlgn="ctr"/>
-                      <a:r>
-                        <a:rPr lang="ko-KR" altLang="en-US" sz="700" b="0" i="0" u="none" strike="noStrike" dirty="0">
-                          <a:solidFill>
-                            <a:srgbClr val="3F3F48"/>
-                          </a:solidFill>
-                          <a:effectLst/>
-                          <a:latin typeface="+mn-ea"/>
-                          <a:ea typeface="+mn-ea"/>
-                        </a:rPr>
-                        <a:t>도서추천</a:t>
-                      </a:r>
+                      <a:endParaRPr lang="ko-KR" altLang="en-US" sz="700" b="0" i="0" u="none" strike="noStrike" dirty="0">
+                        <a:solidFill>
+                          <a:srgbClr val="3F3F48"/>
+                        </a:solidFill>
+                        <a:effectLst/>
+                        <a:latin typeface="+mn-ea"/>
+                        <a:ea typeface="+mn-ea"/>
+                      </a:endParaRPr>
                     </a:p>
                   </a:txBody>
                   <a:tcPr marL="5173" marR="5173" marT="3881" marB="0" anchor="ctr">
@@ -20678,7 +19752,7 @@
                     <a:bodyPr/>
                     <a:lstStyle/>
                     <a:p>
-                      <a:pPr marL="108000" lvl="0" algn="l" fontAlgn="ctr"/>
+                      <a:pPr marL="108000" lvl="0" algn="ctr" fontAlgn="ctr"/>
                       <a:endParaRPr lang="en-US" altLang="ko-KR" sz="700" b="0" i="0" u="none" strike="noStrike" dirty="0">
                         <a:solidFill>
                           <a:srgbClr val="3F3F48"/>
@@ -20770,7 +19844,7 @@
           <p:nvPr>
             <p:extLst>
               <p:ext uri="{D42A27DB-BD31-4B8C-83A1-F6EECF244321}">
-                <p14:modId xmlns:p14="http://schemas.microsoft.com/office/powerpoint/2010/main" val="324123382"/>
+                <p14:modId xmlns:p14="http://schemas.microsoft.com/office/powerpoint/2010/main" val="851962431"/>
               </p:ext>
             </p:extLst>
           </p:nvPr>
@@ -21443,7 +20517,7 @@
                     <a:bodyPr/>
                     <a:lstStyle/>
                     <a:p>
-                      <a:pPr marL="108000" lvl="0" algn="l" fontAlgn="ctr"/>
+                      <a:pPr marL="108000" lvl="0" algn="ctr" fontAlgn="ctr"/>
                       <a:r>
                         <a:rPr lang="ko-KR" altLang="en-US" sz="700" b="0" i="0" u="none" strike="noStrike" dirty="0">
                           <a:solidFill>
@@ -21697,7 +20771,7 @@
                     <a:p>
                       <a:pPr algn="ctr" fontAlgn="ctr"/>
                       <a:r>
-                        <a:rPr lang="ko-KR" altLang="en-US" sz="700" b="0" i="0" u="none" strike="noStrike" dirty="0">
+                        <a:rPr lang="ko-KR" altLang="en-US" sz="700" b="0" i="0" u="none" strike="noStrike" dirty="0" smtClean="0">
                           <a:solidFill>
                             <a:srgbClr val="3F3F48"/>
                           </a:solidFill>
@@ -21705,8 +20779,16 @@
                           <a:latin typeface="+mn-ea"/>
                           <a:ea typeface="+mn-ea"/>
                         </a:rPr>
-                        <a:t>회원탈퇴</a:t>
+                        <a:t>  회원탈퇴</a:t>
                       </a:r>
+                      <a:endParaRPr lang="ko-KR" altLang="en-US" sz="700" b="0" i="0" u="none" strike="noStrike" dirty="0">
+                        <a:solidFill>
+                          <a:srgbClr val="3F3F48"/>
+                        </a:solidFill>
+                        <a:effectLst/>
+                        <a:latin typeface="+mn-ea"/>
+                        <a:ea typeface="+mn-ea"/>
+                      </a:endParaRPr>
                     </a:p>
                   </a:txBody>
                   <a:tcPr marL="5173" marR="5173" marT="3881" marB="0" anchor="ctr">
@@ -21776,7 +20858,7 @@
                     <a:bodyPr/>
                     <a:lstStyle/>
                     <a:p>
-                      <a:pPr marL="108000" lvl="0" algn="l" fontAlgn="ctr"/>
+                      <a:pPr marL="108000" lvl="0" algn="ctr" fontAlgn="ctr"/>
                       <a:r>
                         <a:rPr lang="ko-KR" altLang="en-US" sz="700" b="0" i="0" u="none" strike="noStrike" dirty="0">
                           <a:solidFill>
@@ -21951,17 +21033,14 @@
                     <a:lstStyle/>
                     <a:p>
                       <a:pPr algn="ctr" fontAlgn="ctr"/>
-                      <a:r>
-                        <a:rPr lang="ko-KR" altLang="en-US" sz="700" b="0" i="0" u="none" strike="noStrike" dirty="0">
-                          <a:solidFill>
-                            <a:srgbClr val="3F3F48"/>
-                          </a:solidFill>
-                          <a:effectLst/>
-                          <a:latin typeface="+mn-ea"/>
-                          <a:ea typeface="+mn-ea"/>
-                        </a:rPr>
-                        <a:t>나의 서재</a:t>
-                      </a:r>
+                      <a:endParaRPr lang="ko-KR" altLang="en-US" sz="700" b="0" i="0" u="none" strike="noStrike" dirty="0">
+                        <a:solidFill>
+                          <a:srgbClr val="3F3F48"/>
+                        </a:solidFill>
+                        <a:effectLst/>
+                        <a:latin typeface="+mn-ea"/>
+                        <a:ea typeface="+mn-ea"/>
+                      </a:endParaRPr>
                     </a:p>
                   </a:txBody>
                   <a:tcPr marL="5173" marR="5173" marT="3881" marB="0" anchor="ctr">
@@ -22032,17 +21111,14 @@
                     <a:lstStyle/>
                     <a:p>
                       <a:pPr algn="ctr" fontAlgn="ctr"/>
-                      <a:r>
-                        <a:rPr lang="ko-KR" altLang="en-US" sz="700" b="0" i="0" u="none" strike="noStrike" dirty="0">
-                          <a:solidFill>
-                            <a:srgbClr val="3F3F48"/>
-                          </a:solidFill>
-                          <a:effectLst/>
-                          <a:latin typeface="+mn-ea"/>
-                          <a:ea typeface="+mn-ea"/>
-                        </a:rPr>
-                        <a:t>대출현황</a:t>
-                      </a:r>
+                      <a:endParaRPr lang="ko-KR" altLang="en-US" sz="700" b="0" i="0" u="none" strike="noStrike" dirty="0">
+                        <a:solidFill>
+                          <a:srgbClr val="3F3F48"/>
+                        </a:solidFill>
+                        <a:effectLst/>
+                        <a:latin typeface="+mn-ea"/>
+                        <a:ea typeface="+mn-ea"/>
+                      </a:endParaRPr>
                     </a:p>
                   </a:txBody>
                   <a:tcPr marL="5173" marR="5173" marT="3881" marB="0" anchor="ctr">
@@ -22112,18 +21188,7 @@
                     <a:bodyPr/>
                     <a:lstStyle/>
                     <a:p>
-                      <a:pPr marL="108000" lvl="0" algn="l" fontAlgn="ctr"/>
-                      <a:r>
-                        <a:rPr lang="ko-KR" altLang="en-US" sz="700" b="0" i="0" u="none" strike="noStrike" dirty="0">
-                          <a:solidFill>
-                            <a:srgbClr val="3F3F48"/>
-                          </a:solidFill>
-                          <a:effectLst/>
-                          <a:latin typeface="+mn-ea"/>
-                          <a:ea typeface="+mn-ea"/>
-                        </a:rPr>
-                        <a:t>내가 대출한 도서 목록</a:t>
-                      </a:r>
+                      <a:pPr marL="108000" lvl="0" algn="ctr" fontAlgn="ctr"/>
                       <a:endParaRPr lang="en-US" altLang="ko-KR" sz="700" b="0" i="0" u="none" strike="noStrike" dirty="0">
                         <a:solidFill>
                           <a:srgbClr val="3F3F48"/>
@@ -22231,17 +21296,14 @@
                     <a:lstStyle/>
                     <a:p>
                       <a:pPr algn="ctr" fontAlgn="ctr"/>
-                      <a:r>
-                        <a:rPr lang="ko-KR" altLang="en-US" sz="700" b="0" i="0" u="none" strike="noStrike" dirty="0">
-                          <a:solidFill>
-                            <a:srgbClr val="3F3F48"/>
-                          </a:solidFill>
-                          <a:effectLst/>
-                          <a:latin typeface="+mn-ea"/>
-                          <a:ea typeface="+mn-ea"/>
-                        </a:rPr>
-                        <a:t>예약현황</a:t>
-                      </a:r>
+                      <a:endParaRPr lang="ko-KR" altLang="en-US" sz="700" b="0" i="0" u="none" strike="noStrike" dirty="0">
+                        <a:solidFill>
+                          <a:srgbClr val="3F3F48"/>
+                        </a:solidFill>
+                        <a:effectLst/>
+                        <a:latin typeface="+mn-ea"/>
+                        <a:ea typeface="+mn-ea"/>
+                      </a:endParaRPr>
                     </a:p>
                   </a:txBody>
                   <a:tcPr marL="5173" marR="5173" marT="3881" marB="0" anchor="ctr">
@@ -22311,18 +21373,7 @@
                     <a:bodyPr/>
                     <a:lstStyle/>
                     <a:p>
-                      <a:pPr marL="108000" lvl="0" algn="l" fontAlgn="ctr"/>
-                      <a:r>
-                        <a:rPr lang="ko-KR" altLang="en-US" sz="700" b="0" i="0" u="none" strike="noStrike" dirty="0">
-                          <a:solidFill>
-                            <a:srgbClr val="3F3F48"/>
-                          </a:solidFill>
-                          <a:effectLst/>
-                          <a:latin typeface="+mn-ea"/>
-                          <a:ea typeface="+mn-ea"/>
-                        </a:rPr>
-                        <a:t>내가 예약한 도서 목록</a:t>
-                      </a:r>
+                      <a:pPr marL="108000" lvl="0" algn="ctr" fontAlgn="ctr"/>
                       <a:endParaRPr lang="en-US" altLang="ko-KR" sz="700" b="0" i="0" u="none" strike="noStrike" dirty="0">
                         <a:solidFill>
                           <a:srgbClr val="3F3F48"/>
@@ -22430,17 +21481,14 @@
                     <a:lstStyle/>
                     <a:p>
                       <a:pPr algn="ctr" fontAlgn="ctr"/>
-                      <a:r>
-                        <a:rPr lang="ko-KR" altLang="en-US" sz="700" b="0" i="0" u="none" strike="noStrike" dirty="0">
-                          <a:solidFill>
-                            <a:srgbClr val="3F3F48"/>
-                          </a:solidFill>
-                          <a:effectLst/>
-                          <a:latin typeface="+mn-ea"/>
-                          <a:ea typeface="+mn-ea"/>
-                        </a:rPr>
-                        <a:t>신청현황</a:t>
-                      </a:r>
+                      <a:endParaRPr lang="ko-KR" altLang="en-US" sz="700" b="0" i="0" u="none" strike="noStrike" dirty="0">
+                        <a:solidFill>
+                          <a:srgbClr val="3F3F48"/>
+                        </a:solidFill>
+                        <a:effectLst/>
+                        <a:latin typeface="+mn-ea"/>
+                        <a:ea typeface="+mn-ea"/>
+                      </a:endParaRPr>
                     </a:p>
                   </a:txBody>
                   <a:tcPr marL="5173" marR="5173" marT="3881" marB="0" anchor="ctr">
@@ -22510,40 +21558,7 @@
                     <a:bodyPr/>
                     <a:lstStyle/>
                     <a:p>
-                      <a:pPr marL="108000" lvl="0" algn="l" fontAlgn="ctr"/>
-                      <a:r>
-                        <a:rPr lang="ko-KR" altLang="en-US" sz="700" b="0" i="0" u="none" strike="noStrike" dirty="0">
-                          <a:solidFill>
-                            <a:srgbClr val="3F3F48"/>
-                          </a:solidFill>
-                          <a:effectLst/>
-                          <a:latin typeface="+mn-ea"/>
-                          <a:ea typeface="+mn-ea"/>
-                        </a:rPr>
-                        <a:t>내가 신청한 도서</a:t>
-                      </a:r>
-                      <a:r>
-                        <a:rPr lang="ko-KR" altLang="en-US" sz="700" b="0" i="0" u="none" strike="noStrike" baseline="0" dirty="0">
-                          <a:solidFill>
-                            <a:srgbClr val="3F3F48"/>
-                          </a:solidFill>
-                          <a:effectLst/>
-                          <a:latin typeface="+mn-ea"/>
-                          <a:ea typeface="+mn-ea"/>
-                        </a:rPr>
-                        <a:t> 구입 요청 현</a:t>
-                      </a:r>
-                      <a:r>
-                        <a:rPr lang="ko-KR" altLang="en-US" sz="700" b="0" i="0" u="none" strike="noStrike" dirty="0">
-                          <a:solidFill>
-                            <a:srgbClr val="3F3F48"/>
-                          </a:solidFill>
-                          <a:effectLst/>
-                          <a:latin typeface="+mn-ea"/>
-                          <a:ea typeface="+mn-ea"/>
-                        </a:rPr>
-                        <a:t>황</a:t>
-                      </a:r>
+                      <a:pPr marL="108000" lvl="0" algn="ctr" fontAlgn="ctr"/>
                       <a:endParaRPr lang="en-US" altLang="ko-KR" sz="700" b="0" i="0" u="none" strike="noStrike" dirty="0">
                         <a:solidFill>
                           <a:srgbClr val="3F3F48"/>
@@ -22640,17 +21655,14 @@
                     <a:lstStyle/>
                     <a:p>
                       <a:pPr algn="ctr" fontAlgn="ctr"/>
-                      <a:r>
-                        <a:rPr lang="ko-KR" altLang="en-US" sz="700" b="0" i="0" u="none" strike="noStrike" dirty="0">
-                          <a:solidFill>
-                            <a:srgbClr val="3F3F48"/>
-                          </a:solidFill>
-                          <a:effectLst/>
-                          <a:latin typeface="+mn-ea"/>
-                          <a:ea typeface="+mn-ea"/>
-                        </a:rPr>
-                        <a:t>도서검색</a:t>
-                      </a:r>
+                      <a:endParaRPr lang="ko-KR" altLang="en-US" sz="700" b="0" i="0" u="none" strike="noStrike" dirty="0">
+                        <a:solidFill>
+                          <a:srgbClr val="3F3F48"/>
+                        </a:solidFill>
+                        <a:effectLst/>
+                        <a:latin typeface="+mn-ea"/>
+                        <a:ea typeface="+mn-ea"/>
+                      </a:endParaRPr>
                     </a:p>
                   </a:txBody>
                   <a:tcPr marL="5173" marR="5173" marT="3881" marB="0" anchor="ctr">
@@ -22721,17 +21733,14 @@
                     <a:lstStyle/>
                     <a:p>
                       <a:pPr algn="ctr" fontAlgn="ctr"/>
-                      <a:r>
-                        <a:rPr lang="ko-KR" altLang="en-US" sz="700" b="0" i="0" u="none" strike="noStrike" dirty="0">
-                          <a:solidFill>
-                            <a:srgbClr val="3F3F48"/>
-                          </a:solidFill>
-                          <a:effectLst/>
-                          <a:latin typeface="+mn-ea"/>
-                          <a:ea typeface="+mn-ea"/>
-                        </a:rPr>
-                        <a:t>일반검색</a:t>
-                      </a:r>
+                      <a:endParaRPr lang="ko-KR" altLang="en-US" sz="700" b="0" i="0" u="none" strike="noStrike" dirty="0">
+                        <a:solidFill>
+                          <a:srgbClr val="3F3F48"/>
+                        </a:solidFill>
+                        <a:effectLst/>
+                        <a:latin typeface="+mn-ea"/>
+                        <a:ea typeface="+mn-ea"/>
+                      </a:endParaRPr>
                     </a:p>
                   </a:txBody>
                   <a:tcPr marL="5173" marR="5173" marT="3881" marB="0" anchor="ctr">
@@ -22801,62 +21810,7 @@
                     <a:bodyPr/>
                     <a:lstStyle/>
                     <a:p>
-                      <a:pPr marL="108000" lvl="0" algn="l" fontAlgn="ctr"/>
-                      <a:r>
-                        <a:rPr lang="ko-KR" altLang="en-US" sz="700" b="0" i="0" u="none" strike="noStrike" dirty="0">
-                          <a:solidFill>
-                            <a:srgbClr val="3F3F48"/>
-                          </a:solidFill>
-                          <a:effectLst/>
-                          <a:latin typeface="+mn-ea"/>
-                          <a:ea typeface="+mn-ea"/>
-                        </a:rPr>
-                        <a:t>서명</a:t>
-                      </a:r>
-                      <a:r>
-                        <a:rPr lang="en-US" altLang="ko-KR" sz="700" b="0" i="0" u="none" strike="noStrike" dirty="0">
-                          <a:solidFill>
-                            <a:srgbClr val="3F3F48"/>
-                          </a:solidFill>
-                          <a:effectLst/>
-                          <a:latin typeface="+mn-ea"/>
-                          <a:ea typeface="+mn-ea"/>
-                        </a:rPr>
-                        <a:t>,</a:t>
-                      </a:r>
-                      <a:r>
-                        <a:rPr lang="ko-KR" altLang="en-US" sz="700" b="0" i="0" u="none" strike="noStrike" dirty="0">
-                          <a:solidFill>
-                            <a:srgbClr val="3F3F48"/>
-                          </a:solidFill>
-                          <a:effectLst/>
-                          <a:latin typeface="+mn-ea"/>
-                          <a:ea typeface="+mn-ea"/>
-                        </a:rPr>
-                        <a:t>저자</a:t>
-                      </a:r>
-                      <a:r>
-                        <a:rPr lang="en-US" altLang="ko-KR" sz="700" b="0" i="0" u="none" strike="noStrike" dirty="0">
-                          <a:solidFill>
-                            <a:srgbClr val="3F3F48"/>
-                          </a:solidFill>
-                          <a:effectLst/>
-                          <a:latin typeface="+mn-ea"/>
-                          <a:ea typeface="+mn-ea"/>
-                        </a:rPr>
-                        <a:t>,</a:t>
-                      </a:r>
-                      <a:r>
-                        <a:rPr lang="ko-KR" altLang="en-US" sz="700" b="0" i="0" u="none" strike="noStrike" dirty="0">
-                          <a:solidFill>
-                            <a:srgbClr val="3F3F48"/>
-                          </a:solidFill>
-                          <a:effectLst/>
-                          <a:latin typeface="+mn-ea"/>
-                          <a:ea typeface="+mn-ea"/>
-                        </a:rPr>
-                        <a:t>출판사 중 한가지 조건 검색</a:t>
-                      </a:r>
+                      <a:pPr marL="108000" lvl="0" algn="ctr" fontAlgn="ctr"/>
                       <a:endParaRPr lang="en-US" altLang="ko-KR" sz="700" b="0" i="0" u="none" strike="noStrike" dirty="0">
                         <a:solidFill>
                           <a:srgbClr val="3F3F48"/>
@@ -23031,17 +21985,14 @@
                     <a:lstStyle/>
                     <a:p>
                       <a:pPr algn="ctr" fontAlgn="ctr"/>
-                      <a:r>
-                        <a:rPr lang="ko-KR" altLang="en-US" sz="700" b="0" i="0" u="none" strike="noStrike" dirty="0">
-                          <a:solidFill>
-                            <a:srgbClr val="3F3F48"/>
-                          </a:solidFill>
-                          <a:effectLst/>
-                          <a:latin typeface="+mn-ea"/>
-                          <a:ea typeface="+mn-ea"/>
-                        </a:rPr>
-                        <a:t>상세검색</a:t>
-                      </a:r>
+                      <a:endParaRPr lang="ko-KR" altLang="en-US" sz="700" b="0" i="0" u="none" strike="noStrike" dirty="0">
+                        <a:solidFill>
+                          <a:srgbClr val="3F3F48"/>
+                        </a:solidFill>
+                        <a:effectLst/>
+                        <a:latin typeface="+mn-ea"/>
+                        <a:ea typeface="+mn-ea"/>
+                      </a:endParaRPr>
                     </a:p>
                   </a:txBody>
                   <a:tcPr marL="5173" marR="5173" marT="3881" marB="0" anchor="ctr">
@@ -23111,73 +22062,7 @@
                     <a:bodyPr/>
                     <a:lstStyle/>
                     <a:p>
-                      <a:pPr marL="108000" lvl="0" algn="l" fontAlgn="ctr"/>
-                      <a:r>
-                        <a:rPr lang="ko-KR" altLang="en-US" sz="700" b="0" i="0" u="none" strike="noStrike" dirty="0">
-                          <a:solidFill>
-                            <a:srgbClr val="3F3F48"/>
-                          </a:solidFill>
-                          <a:effectLst/>
-                          <a:latin typeface="+mn-ea"/>
-                          <a:ea typeface="+mn-ea"/>
-                        </a:rPr>
-                        <a:t>서명</a:t>
-                      </a:r>
-                      <a:r>
-                        <a:rPr lang="en-US" altLang="ko-KR" sz="700" b="0" i="0" u="none" strike="noStrike" dirty="0">
-                          <a:solidFill>
-                            <a:srgbClr val="3F3F48"/>
-                          </a:solidFill>
-                          <a:effectLst/>
-                          <a:latin typeface="+mn-ea"/>
-                          <a:ea typeface="+mn-ea"/>
-                        </a:rPr>
-                        <a:t>,</a:t>
-                      </a:r>
-                      <a:r>
-                        <a:rPr lang="ko-KR" altLang="en-US" sz="700" b="0" i="0" u="none" strike="noStrike" dirty="0">
-                          <a:solidFill>
-                            <a:srgbClr val="3F3F48"/>
-                          </a:solidFill>
-                          <a:effectLst/>
-                          <a:latin typeface="+mn-ea"/>
-                          <a:ea typeface="+mn-ea"/>
-                        </a:rPr>
-                        <a:t>저자</a:t>
-                      </a:r>
-                      <a:r>
-                        <a:rPr lang="en-US" altLang="ko-KR" sz="700" b="0" i="0" u="none" strike="noStrike" dirty="0">
-                          <a:solidFill>
-                            <a:srgbClr val="3F3F48"/>
-                          </a:solidFill>
-                          <a:effectLst/>
-                          <a:latin typeface="+mn-ea"/>
-                          <a:ea typeface="+mn-ea"/>
-                        </a:rPr>
-                        <a:t>,</a:t>
-                      </a:r>
-                      <a:r>
-                        <a:rPr lang="ko-KR" altLang="en-US" sz="700" b="0" i="0" u="none" strike="noStrike" dirty="0">
-                          <a:solidFill>
-                            <a:srgbClr val="3F3F48"/>
-                          </a:solidFill>
-                          <a:effectLst/>
-                          <a:latin typeface="+mn-ea"/>
-                          <a:ea typeface="+mn-ea"/>
-                        </a:rPr>
-                        <a:t>출판사 등 여러 조건</a:t>
-                      </a:r>
-                      <a:r>
-                        <a:rPr lang="ko-KR" altLang="en-US" sz="700" b="0" i="0" u="none" strike="noStrike" baseline="0" dirty="0">
-                          <a:solidFill>
-                            <a:srgbClr val="3F3F48"/>
-                          </a:solidFill>
-                          <a:effectLst/>
-                          <a:latin typeface="+mn-ea"/>
-                          <a:ea typeface="+mn-ea"/>
-                        </a:rPr>
-                        <a:t> 상세검색</a:t>
-                      </a:r>
+                      <a:pPr marL="108000" lvl="0" algn="ctr" fontAlgn="ctr"/>
                       <a:endParaRPr lang="en-US" altLang="ko-KR" sz="700" b="0" i="0" u="none" strike="noStrike" dirty="0">
                         <a:solidFill>
                           <a:srgbClr val="3F3F48"/>
@@ -23274,18 +22159,7 @@
                     <a:lstStyle/>
                     <a:p>
                       <a:pPr algn="ctr" fontAlgn="ctr"/>
-                      <a:r>
-                        <a:rPr lang="ko-KR" altLang="en-US" sz="700" b="0" i="0" u="none" strike="noStrike" dirty="0">
-                          <a:solidFill>
-                            <a:srgbClr val="3F3F48"/>
-                          </a:solidFill>
-                          <a:effectLst/>
-                          <a:latin typeface="+mn-ea"/>
-                          <a:ea typeface="+mn-ea"/>
-                        </a:rPr>
-                        <a:t>자유</a:t>
-                      </a:r>
-                      <a:endParaRPr lang="en-US" altLang="ko-KR" sz="700" b="0" i="0" u="none" strike="noStrike" dirty="0">
+                      <a:endParaRPr lang="ko-KR" altLang="en-US" sz="700" b="0" i="0" u="none" strike="noStrike" dirty="0">
                         <a:solidFill>
                           <a:srgbClr val="3F3F48"/>
                         </a:solidFill>
@@ -23293,20 +22167,6 @@
                         <a:latin typeface="+mn-ea"/>
                         <a:ea typeface="+mn-ea"/>
                       </a:endParaRPr>
-                    </a:p>
-                    <a:p>
-                      <a:pPr algn="ctr" fontAlgn="ctr"/>
-                      <a:r>
-                        <a:rPr lang="ko-KR" altLang="en-US" sz="700" b="0" i="0" u="none" strike="noStrike" dirty="0">
-                          <a:solidFill>
-                            <a:srgbClr val="3F3F48"/>
-                          </a:solidFill>
-                          <a:effectLst/>
-                          <a:latin typeface="+mn-ea"/>
-                          <a:ea typeface="+mn-ea"/>
-                        </a:rPr>
-                        <a:t>게시판</a:t>
-                      </a:r>
                     </a:p>
                   </a:txBody>
                   <a:tcPr marL="5173" marR="5173" marT="3881" marB="0" anchor="ctr">
@@ -23377,17 +22237,6 @@
                     <a:lstStyle/>
                     <a:p>
                       <a:pPr algn="ctr" fontAlgn="ctr"/>
-                      <a:r>
-                        <a:rPr lang="ko-KR" altLang="en-US" sz="700" b="0" i="0" u="none" strike="noStrike" dirty="0" err="1">
-                          <a:solidFill>
-                            <a:srgbClr val="3F3F48"/>
-                          </a:solidFill>
-                          <a:effectLst/>
-                          <a:latin typeface="+mn-ea"/>
-                          <a:ea typeface="+mn-ea"/>
-                        </a:rPr>
-                        <a:t>글목록</a:t>
-                      </a:r>
                       <a:endParaRPr lang="ko-KR" altLang="en-US" sz="700" b="0" i="0" u="none" strike="noStrike" dirty="0">
                         <a:solidFill>
                           <a:srgbClr val="3F3F48"/>
@@ -23465,84 +22314,7 @@
                     <a:bodyPr/>
                     <a:lstStyle/>
                     <a:p>
-                      <a:pPr marL="108000" lvl="0" algn="l" fontAlgn="ctr"/>
-                      <a:r>
-                        <a:rPr lang="en-US" altLang="ko-KR" sz="700" b="0" i="0" u="none" strike="noStrike" dirty="0">
-                          <a:solidFill>
-                            <a:srgbClr val="3F3F48"/>
-                          </a:solidFill>
-                          <a:effectLst/>
-                          <a:latin typeface="+mn-ea"/>
-                          <a:ea typeface="+mn-ea"/>
-                        </a:rPr>
-                        <a:t>1</a:t>
-                      </a:r>
-                      <a:r>
-                        <a:rPr lang="ko-KR" altLang="en-US" sz="700" b="0" i="0" u="none" strike="noStrike" dirty="0">
-                          <a:solidFill>
-                            <a:srgbClr val="3F3F48"/>
-                          </a:solidFill>
-                          <a:effectLst/>
-                          <a:latin typeface="+mn-ea"/>
-                          <a:ea typeface="+mn-ea"/>
-                        </a:rPr>
-                        <a:t>페이지에 </a:t>
-                      </a:r>
-                      <a:r>
-                        <a:rPr lang="en-US" altLang="ko-KR" sz="700" b="0" i="0" u="none" strike="noStrike" dirty="0">
-                          <a:solidFill>
-                            <a:srgbClr val="3F3F48"/>
-                          </a:solidFill>
-                          <a:effectLst/>
-                          <a:latin typeface="+mn-ea"/>
-                          <a:ea typeface="+mn-ea"/>
-                        </a:rPr>
-                        <a:t>10</a:t>
-                      </a:r>
-                      <a:r>
-                        <a:rPr lang="ko-KR" altLang="en-US" sz="700" b="0" i="0" u="none" strike="noStrike" dirty="0" err="1">
-                          <a:solidFill>
-                            <a:srgbClr val="3F3F48"/>
-                          </a:solidFill>
-                          <a:effectLst/>
-                          <a:latin typeface="+mn-ea"/>
-                          <a:ea typeface="+mn-ea"/>
-                        </a:rPr>
-                        <a:t>개글만</a:t>
-                      </a:r>
-                      <a:r>
-                        <a:rPr lang="ko-KR" altLang="en-US" sz="700" b="0" i="0" u="none" strike="noStrike" baseline="0" dirty="0">
-                          <a:solidFill>
-                            <a:srgbClr val="3F3F48"/>
-                          </a:solidFill>
-                          <a:effectLst/>
-                          <a:latin typeface="+mn-ea"/>
-                          <a:ea typeface="+mn-ea"/>
-                        </a:rPr>
-                        <a:t> </a:t>
-                      </a:r>
-                      <a:r>
-                        <a:rPr lang="ko-KR" altLang="en-US" sz="700" b="0" i="0" u="none" strike="noStrike" baseline="0" dirty="0" err="1">
-                          <a:solidFill>
-                            <a:srgbClr val="3F3F48"/>
-                          </a:solidFill>
-                          <a:effectLst/>
-                          <a:latin typeface="+mn-ea"/>
-                          <a:ea typeface="+mn-ea"/>
-                        </a:rPr>
-                        <a:t>페이징</a:t>
-                      </a:r>
-                      <a:r>
-                        <a:rPr lang="ko-KR" altLang="en-US" sz="700" b="0" i="0" u="none" strike="noStrike" baseline="0" dirty="0">
-                          <a:solidFill>
-                            <a:srgbClr val="3F3F48"/>
-                          </a:solidFill>
-                          <a:effectLst/>
-                          <a:latin typeface="+mn-ea"/>
-                          <a:ea typeface="+mn-ea"/>
-                        </a:rPr>
-                        <a:t> 기법으로 출력</a:t>
-                      </a:r>
+                      <a:pPr marL="108000" lvl="0" algn="ctr" fontAlgn="ctr"/>
                       <a:endParaRPr lang="en-US" altLang="ko-KR" sz="700" b="0" i="0" u="none" strike="noStrike" dirty="0">
                         <a:solidFill>
                           <a:srgbClr val="3F3F48"/>
@@ -23717,17 +22489,6 @@
                     <a:lstStyle/>
                     <a:p>
                       <a:pPr algn="ctr" fontAlgn="ctr"/>
-                      <a:r>
-                        <a:rPr lang="ko-KR" altLang="en-US" sz="700" b="0" i="0" u="none" strike="noStrike" dirty="0" err="1">
-                          <a:solidFill>
-                            <a:srgbClr val="3F3F48"/>
-                          </a:solidFill>
-                          <a:effectLst/>
-                          <a:latin typeface="+mn-ea"/>
-                          <a:ea typeface="+mn-ea"/>
-                        </a:rPr>
-                        <a:t>글작성</a:t>
-                      </a:r>
                       <a:endParaRPr lang="ko-KR" altLang="en-US" sz="700" b="0" i="0" u="none" strike="noStrike" dirty="0">
                         <a:solidFill>
                           <a:srgbClr val="3F3F48"/>
@@ -23805,18 +22566,7 @@
                     <a:bodyPr/>
                     <a:lstStyle/>
                     <a:p>
-                      <a:pPr marL="108000" lvl="0" algn="l" fontAlgn="ctr"/>
-                      <a:r>
-                        <a:rPr lang="ko-KR" altLang="en-US" sz="700" b="0" i="0" u="none" strike="noStrike" dirty="0">
-                          <a:solidFill>
-                            <a:srgbClr val="3F3F48"/>
-                          </a:solidFill>
-                          <a:effectLst/>
-                          <a:latin typeface="+mn-ea"/>
-                          <a:ea typeface="+mn-ea"/>
-                        </a:rPr>
-                        <a:t>자유게시판 글 추가</a:t>
-                      </a:r>
+                      <a:pPr marL="108000" lvl="0" algn="ctr" fontAlgn="ctr"/>
                       <a:endParaRPr lang="en-US" altLang="ko-KR" sz="700" b="0" i="0" u="none" strike="noStrike" dirty="0">
                         <a:solidFill>
                           <a:srgbClr val="3F3F48"/>
@@ -23991,17 +22741,6 @@
                     <a:lstStyle/>
                     <a:p>
                       <a:pPr algn="ctr" fontAlgn="ctr"/>
-                      <a:r>
-                        <a:rPr lang="ko-KR" altLang="en-US" sz="700" b="0" i="0" u="none" strike="noStrike" dirty="0" err="1">
-                          <a:solidFill>
-                            <a:srgbClr val="3F3F48"/>
-                          </a:solidFill>
-                          <a:effectLst/>
-                          <a:latin typeface="+mn-ea"/>
-                          <a:ea typeface="+mn-ea"/>
-                        </a:rPr>
-                        <a:t>글수정</a:t>
-                      </a:r>
                       <a:endParaRPr lang="ko-KR" altLang="en-US" sz="700" b="0" i="0" u="none" strike="noStrike" dirty="0">
                         <a:solidFill>
                           <a:srgbClr val="3F3F48"/>
@@ -24079,18 +22818,7 @@
                     <a:bodyPr/>
                     <a:lstStyle/>
                     <a:p>
-                      <a:pPr marL="108000" lvl="0" algn="l" fontAlgn="ctr"/>
-                      <a:r>
-                        <a:rPr lang="ko-KR" altLang="en-US" sz="700" b="0" i="0" u="none" strike="noStrike" dirty="0">
-                          <a:solidFill>
-                            <a:srgbClr val="3F3F48"/>
-                          </a:solidFill>
-                          <a:effectLst/>
-                          <a:latin typeface="+mn-ea"/>
-                          <a:ea typeface="+mn-ea"/>
-                        </a:rPr>
-                        <a:t>자유게시판 글 수정</a:t>
-                      </a:r>
+                      <a:pPr marL="108000" lvl="0" algn="ctr" fontAlgn="ctr"/>
                       <a:endParaRPr lang="en-US" altLang="ko-KR" sz="700" b="0" i="0" u="none" strike="noStrike" dirty="0">
                         <a:solidFill>
                           <a:srgbClr val="3F3F48"/>
@@ -24265,17 +22993,6 @@
                     <a:lstStyle/>
                     <a:p>
                       <a:pPr algn="ctr" fontAlgn="ctr"/>
-                      <a:r>
-                        <a:rPr lang="ko-KR" altLang="en-US" sz="700" b="0" i="0" u="none" strike="noStrike" dirty="0" err="1">
-                          <a:solidFill>
-                            <a:srgbClr val="3F3F48"/>
-                          </a:solidFill>
-                          <a:effectLst/>
-                          <a:latin typeface="+mn-ea"/>
-                          <a:ea typeface="+mn-ea"/>
-                        </a:rPr>
-                        <a:t>글삭제</a:t>
-                      </a:r>
                       <a:endParaRPr lang="ko-KR" altLang="en-US" sz="700" b="0" i="0" u="none" strike="noStrike" dirty="0">
                         <a:solidFill>
                           <a:srgbClr val="3F3F48"/>
@@ -24353,18 +23070,7 @@
                     <a:bodyPr/>
                     <a:lstStyle/>
                     <a:p>
-                      <a:pPr marL="108000" lvl="0" algn="l" fontAlgn="ctr"/>
-                      <a:r>
-                        <a:rPr lang="ko-KR" altLang="en-US" sz="700" b="0" i="0" u="none" strike="noStrike" dirty="0">
-                          <a:solidFill>
-                            <a:srgbClr val="3F3F48"/>
-                          </a:solidFill>
-                          <a:effectLst/>
-                          <a:latin typeface="+mn-ea"/>
-                          <a:ea typeface="+mn-ea"/>
-                        </a:rPr>
-                        <a:t>자유게시판 글 삭제</a:t>
-                      </a:r>
+                      <a:pPr marL="108000" lvl="0" algn="ctr" fontAlgn="ctr"/>
                       <a:endParaRPr lang="en-US" altLang="ko-KR" sz="700" b="0" i="0" u="none" strike="noStrike" dirty="0">
                         <a:solidFill>
                           <a:srgbClr val="3F3F48"/>
@@ -24539,17 +23245,6 @@
                     <a:lstStyle/>
                     <a:p>
                       <a:pPr algn="ctr" fontAlgn="ctr"/>
-                      <a:r>
-                        <a:rPr lang="ko-KR" altLang="en-US" sz="700" b="0" i="0" u="none" strike="noStrike" dirty="0" err="1">
-                          <a:solidFill>
-                            <a:srgbClr val="3F3F48"/>
-                          </a:solidFill>
-                          <a:effectLst/>
-                          <a:latin typeface="+mn-ea"/>
-                          <a:ea typeface="+mn-ea"/>
-                        </a:rPr>
-                        <a:t>글보기</a:t>
-                      </a:r>
                       <a:endParaRPr lang="ko-KR" altLang="en-US" sz="700" b="0" i="0" u="none" strike="noStrike" dirty="0">
                         <a:solidFill>
                           <a:srgbClr val="3F3F48"/>
@@ -24627,18 +23322,7 @@
                     <a:bodyPr/>
                     <a:lstStyle/>
                     <a:p>
-                      <a:pPr marL="108000" lvl="0" algn="l" fontAlgn="ctr"/>
-                      <a:r>
-                        <a:rPr lang="ko-KR" altLang="en-US" sz="700" b="0" i="0" u="none" strike="noStrike" dirty="0">
-                          <a:solidFill>
-                            <a:srgbClr val="3F3F48"/>
-                          </a:solidFill>
-                          <a:effectLst/>
-                          <a:latin typeface="+mn-ea"/>
-                          <a:ea typeface="+mn-ea"/>
-                        </a:rPr>
-                        <a:t>자유게시판 글 상세보기</a:t>
-                      </a:r>
+                      <a:pPr marL="108000" lvl="0" algn="ctr" fontAlgn="ctr"/>
                       <a:endParaRPr lang="en-US" altLang="ko-KR" sz="700" b="0" i="0" u="none" strike="noStrike" dirty="0">
                         <a:solidFill>
                           <a:srgbClr val="3F3F48"/>
@@ -24806,17 +23490,6 @@
                     <a:lstStyle/>
                     <a:p>
                       <a:pPr algn="ctr" fontAlgn="ctr"/>
-                      <a:r>
-                        <a:rPr lang="ko-KR" altLang="en-US" sz="700" b="0" i="0" u="none" strike="noStrike" dirty="0" err="1">
-                          <a:solidFill>
-                            <a:srgbClr val="3F3F48"/>
-                          </a:solidFill>
-                          <a:effectLst/>
-                          <a:latin typeface="+mn-ea"/>
-                          <a:ea typeface="+mn-ea"/>
-                        </a:rPr>
-                        <a:t>답변달기</a:t>
-                      </a:r>
                       <a:endParaRPr lang="ko-KR" altLang="en-US" sz="700" b="0" i="0" u="none" strike="noStrike" dirty="0">
                         <a:solidFill>
                           <a:srgbClr val="3F3F48"/>
@@ -24894,29 +23567,7 @@
                     <a:bodyPr/>
                     <a:lstStyle/>
                     <a:p>
-                      <a:pPr marL="108000" lvl="0" algn="l" fontAlgn="ctr"/>
-                      <a:r>
-                        <a:rPr lang="ko-KR" altLang="en-US" sz="700" b="0" i="0" u="none" strike="noStrike" dirty="0" err="1">
-                          <a:solidFill>
-                            <a:srgbClr val="3F3F48"/>
-                          </a:solidFill>
-                          <a:effectLst/>
-                          <a:latin typeface="+mn-ea"/>
-                          <a:ea typeface="+mn-ea"/>
-                        </a:rPr>
-                        <a:t>답변글</a:t>
-                      </a:r>
-                      <a:r>
-                        <a:rPr lang="ko-KR" altLang="en-US" sz="700" b="0" i="0" u="none" strike="noStrike" dirty="0">
-                          <a:solidFill>
-                            <a:srgbClr val="3F3F48"/>
-                          </a:solidFill>
-                          <a:effectLst/>
-                          <a:latin typeface="+mn-ea"/>
-                          <a:ea typeface="+mn-ea"/>
-                        </a:rPr>
-                        <a:t> 작성하기</a:t>
-                      </a:r>
+                      <a:pPr marL="108000" lvl="0" algn="ctr" fontAlgn="ctr"/>
                       <a:endParaRPr lang="en-US" altLang="ko-KR" sz="700" b="0" i="0" u="none" strike="noStrike" dirty="0">
                         <a:solidFill>
                           <a:srgbClr val="3F3F48"/>
@@ -25080,17 +23731,14 @@
                     <a:lstStyle/>
                     <a:p>
                       <a:pPr algn="ctr" fontAlgn="ctr"/>
-                      <a:r>
-                        <a:rPr lang="ko-KR" altLang="en-US" sz="700" b="0" i="0" u="none" strike="noStrike" dirty="0">
-                          <a:solidFill>
-                            <a:srgbClr val="3F3F48"/>
-                          </a:solidFill>
-                          <a:effectLst/>
-                          <a:latin typeface="+mn-ea"/>
-                          <a:ea typeface="+mn-ea"/>
-                        </a:rPr>
-                        <a:t>도서신청</a:t>
-                      </a:r>
+                      <a:endParaRPr lang="ko-KR" altLang="en-US" sz="700" b="0" i="0" u="none" strike="noStrike" dirty="0">
+                        <a:solidFill>
+                          <a:srgbClr val="3F3F48"/>
+                        </a:solidFill>
+                        <a:effectLst/>
+                        <a:latin typeface="+mn-ea"/>
+                        <a:ea typeface="+mn-ea"/>
+                      </a:endParaRPr>
                     </a:p>
                   </a:txBody>
                   <a:tcPr marL="5173" marR="5173" marT="3881" marB="0" anchor="ctr">
@@ -25161,17 +23809,14 @@
                     <a:lstStyle/>
                     <a:p>
                       <a:pPr algn="ctr" fontAlgn="ctr"/>
-                      <a:r>
-                        <a:rPr lang="ko-KR" altLang="en-US" sz="700" b="0" i="0" u="none" strike="noStrike" dirty="0">
-                          <a:solidFill>
-                            <a:srgbClr val="3F3F48"/>
-                          </a:solidFill>
-                          <a:effectLst/>
-                          <a:latin typeface="+mn-ea"/>
-                          <a:ea typeface="+mn-ea"/>
-                        </a:rPr>
-                        <a:t>신청작성</a:t>
-                      </a:r>
+                      <a:endParaRPr lang="ko-KR" altLang="en-US" sz="700" b="0" i="0" u="none" strike="noStrike" dirty="0">
+                        <a:solidFill>
+                          <a:srgbClr val="3F3F48"/>
+                        </a:solidFill>
+                        <a:effectLst/>
+                        <a:latin typeface="+mn-ea"/>
+                        <a:ea typeface="+mn-ea"/>
+                      </a:endParaRPr>
                     </a:p>
                   </a:txBody>
                   <a:tcPr marL="5173" marR="5173" marT="3881" marB="0" anchor="ctr">
@@ -25241,18 +23886,7 @@
                     <a:bodyPr/>
                     <a:lstStyle/>
                     <a:p>
-                      <a:pPr marL="108000" lvl="0" algn="l" fontAlgn="ctr"/>
-                      <a:r>
-                        <a:rPr lang="ko-KR" altLang="en-US" sz="700" b="0" i="0" u="none" strike="noStrike" dirty="0">
-                          <a:solidFill>
-                            <a:srgbClr val="3F3F48"/>
-                          </a:solidFill>
-                          <a:effectLst/>
-                          <a:latin typeface="+mn-ea"/>
-                          <a:ea typeface="+mn-ea"/>
-                        </a:rPr>
-                        <a:t>도서이미지를 파일첨부 가능하게 작성</a:t>
-                      </a:r>
+                      <a:pPr marL="108000" lvl="0" algn="ctr" fontAlgn="ctr"/>
                       <a:endParaRPr lang="en-US" altLang="ko-KR" sz="700" b="0" i="0" u="none" strike="noStrike" dirty="0">
                         <a:solidFill>
                           <a:srgbClr val="3F3F48"/>
@@ -25427,17 +24061,14 @@
                     <a:lstStyle/>
                     <a:p>
                       <a:pPr algn="ctr" fontAlgn="ctr"/>
-                      <a:r>
-                        <a:rPr lang="ko-KR" altLang="en-US" sz="700" b="0" i="0" u="none" strike="noStrike" dirty="0">
-                          <a:solidFill>
-                            <a:srgbClr val="3F3F48"/>
-                          </a:solidFill>
-                          <a:effectLst/>
-                          <a:latin typeface="+mn-ea"/>
-                          <a:ea typeface="+mn-ea"/>
-                        </a:rPr>
-                        <a:t>신청수정</a:t>
-                      </a:r>
+                      <a:endParaRPr lang="ko-KR" altLang="en-US" sz="700" b="0" i="0" u="none" strike="noStrike" dirty="0">
+                        <a:solidFill>
+                          <a:srgbClr val="3F3F48"/>
+                        </a:solidFill>
+                        <a:effectLst/>
+                        <a:latin typeface="+mn-ea"/>
+                        <a:ea typeface="+mn-ea"/>
+                      </a:endParaRPr>
                     </a:p>
                   </a:txBody>
                   <a:tcPr marL="5173" marR="5173" marT="3881" marB="0" anchor="ctr">
@@ -25507,18 +24138,7 @@
                     <a:bodyPr/>
                     <a:lstStyle/>
                     <a:p>
-                      <a:pPr marL="108000" lvl="0" algn="l" fontAlgn="ctr"/>
-                      <a:r>
-                        <a:rPr lang="ko-KR" altLang="en-US" sz="700" b="0" i="0" u="none" strike="noStrike" dirty="0">
-                          <a:solidFill>
-                            <a:srgbClr val="3F3F48"/>
-                          </a:solidFill>
-                          <a:effectLst/>
-                          <a:latin typeface="+mn-ea"/>
-                          <a:ea typeface="+mn-ea"/>
-                        </a:rPr>
-                        <a:t>파일첨부 게시판 수정</a:t>
-                      </a:r>
+                      <a:pPr marL="108000" lvl="0" algn="ctr" fontAlgn="ctr"/>
                       <a:endParaRPr lang="en-US" altLang="ko-KR" sz="700" b="0" i="0" u="none" strike="noStrike" dirty="0">
                         <a:solidFill>
                           <a:srgbClr val="3F3F48"/>
@@ -25693,17 +24313,14 @@
                     <a:lstStyle/>
                     <a:p>
                       <a:pPr algn="ctr" fontAlgn="ctr"/>
-                      <a:r>
-                        <a:rPr lang="ko-KR" altLang="en-US" sz="700" b="0" i="0" u="none" strike="noStrike" dirty="0">
-                          <a:solidFill>
-                            <a:srgbClr val="3F3F48"/>
-                          </a:solidFill>
-                          <a:effectLst/>
-                          <a:latin typeface="+mn-ea"/>
-                          <a:ea typeface="+mn-ea"/>
-                        </a:rPr>
-                        <a:t>신청삭제</a:t>
-                      </a:r>
+                      <a:endParaRPr lang="ko-KR" altLang="en-US" sz="700" b="0" i="0" u="none" strike="noStrike" dirty="0">
+                        <a:solidFill>
+                          <a:srgbClr val="3F3F48"/>
+                        </a:solidFill>
+                        <a:effectLst/>
+                        <a:latin typeface="+mn-ea"/>
+                        <a:ea typeface="+mn-ea"/>
+                      </a:endParaRPr>
                     </a:p>
                   </a:txBody>
                   <a:tcPr marL="5173" marR="5173" marT="3881" marB="0" anchor="ctr">
@@ -25773,18 +24390,7 @@
                     <a:bodyPr/>
                     <a:lstStyle/>
                     <a:p>
-                      <a:pPr marL="108000" lvl="0" algn="l" fontAlgn="ctr"/>
-                      <a:r>
-                        <a:rPr lang="ko-KR" altLang="en-US" sz="700" b="0" i="0" u="none" strike="noStrike" dirty="0">
-                          <a:solidFill>
-                            <a:srgbClr val="3F3F48"/>
-                          </a:solidFill>
-                          <a:effectLst/>
-                          <a:latin typeface="+mn-ea"/>
-                          <a:ea typeface="+mn-ea"/>
-                        </a:rPr>
-                        <a:t>파일첨부 게시판 글 삭제</a:t>
-                      </a:r>
+                      <a:pPr marL="108000" lvl="0" algn="ctr" fontAlgn="ctr"/>
                       <a:endParaRPr lang="en-US" altLang="ko-KR" sz="700" b="0" i="0" u="none" strike="noStrike" dirty="0">
                         <a:solidFill>
                           <a:srgbClr val="3F3F48"/>
@@ -25959,17 +24565,14 @@
                     <a:lstStyle/>
                     <a:p>
                       <a:pPr algn="ctr" fontAlgn="ctr"/>
-                      <a:r>
-                        <a:rPr lang="ko-KR" altLang="en-US" sz="700" b="0" i="0" u="none" strike="noStrike" dirty="0">
-                          <a:solidFill>
-                            <a:srgbClr val="3F3F48"/>
-                          </a:solidFill>
-                          <a:effectLst/>
-                          <a:latin typeface="+mn-ea"/>
-                          <a:ea typeface="+mn-ea"/>
-                        </a:rPr>
-                        <a:t>신청보기</a:t>
-                      </a:r>
+                      <a:endParaRPr lang="ko-KR" altLang="en-US" sz="700" b="0" i="0" u="none" strike="noStrike" dirty="0">
+                        <a:solidFill>
+                          <a:srgbClr val="3F3F48"/>
+                        </a:solidFill>
+                        <a:effectLst/>
+                        <a:latin typeface="+mn-ea"/>
+                        <a:ea typeface="+mn-ea"/>
+                      </a:endParaRPr>
                     </a:p>
                   </a:txBody>
                   <a:tcPr marL="5173" marR="5173" marT="3881" marB="0" anchor="ctr">
@@ -26039,18 +24642,7 @@
                     <a:bodyPr/>
                     <a:lstStyle/>
                     <a:p>
-                      <a:pPr marL="108000" lvl="0" algn="l" fontAlgn="ctr"/>
-                      <a:r>
-                        <a:rPr lang="ko-KR" altLang="en-US" sz="700" b="0" i="0" u="none" strike="noStrike" dirty="0">
-                          <a:solidFill>
-                            <a:srgbClr val="3F3F48"/>
-                          </a:solidFill>
-                          <a:effectLst/>
-                          <a:latin typeface="+mn-ea"/>
-                          <a:ea typeface="+mn-ea"/>
-                        </a:rPr>
-                        <a:t>파일첨부 게시판 글 상세보기</a:t>
-                      </a:r>
+                      <a:pPr marL="108000" lvl="0" algn="ctr" fontAlgn="ctr"/>
                       <a:endParaRPr lang="en-US" altLang="ko-KR" sz="700" b="0" i="0" u="none" strike="noStrike" dirty="0">
                         <a:solidFill>
                           <a:srgbClr val="3F3F48"/>
@@ -26225,17 +24817,6 @@
                     <a:lstStyle/>
                     <a:p>
                       <a:pPr algn="ctr" fontAlgn="ctr"/>
-                      <a:r>
-                        <a:rPr lang="ko-KR" altLang="en-US" sz="700" b="0" i="0" u="none" strike="noStrike" dirty="0" err="1">
-                          <a:solidFill>
-                            <a:srgbClr val="3F3F48"/>
-                          </a:solidFill>
-                          <a:effectLst/>
-                          <a:latin typeface="+mn-ea"/>
-                          <a:ea typeface="+mn-ea"/>
-                        </a:rPr>
-                        <a:t>답변달기</a:t>
-                      </a:r>
                       <a:endParaRPr lang="ko-KR" altLang="en-US" sz="700" b="0" i="0" u="none" strike="noStrike" dirty="0">
                         <a:solidFill>
                           <a:srgbClr val="3F3F48"/>
@@ -26313,73 +24894,15 @@
                     <a:bodyPr/>
                     <a:lstStyle/>
                     <a:p>
-                      <a:pPr marL="108000" lvl="0" algn="l" fontAlgn="ctr"/>
-                      <a:r>
-                        <a:rPr lang="ko-KR" altLang="en-US" sz="700" b="0" i="0" u="none" strike="noStrike" dirty="0" err="1">
-                          <a:solidFill>
-                            <a:srgbClr val="3F3F48"/>
-                          </a:solidFill>
-                          <a:effectLst/>
-                          <a:latin typeface="+mn-ea"/>
-                          <a:ea typeface="+mn-ea"/>
-                        </a:rPr>
-                        <a:t>답변글</a:t>
-                      </a:r>
-                      <a:r>
-                        <a:rPr lang="ko-KR" altLang="en-US" sz="700" b="0" i="0" u="none" strike="noStrike" dirty="0">
-                          <a:solidFill>
-                            <a:srgbClr val="3F3F48"/>
-                          </a:solidFill>
-                          <a:effectLst/>
-                          <a:latin typeface="+mn-ea"/>
-                          <a:ea typeface="+mn-ea"/>
-                        </a:rPr>
-                        <a:t> 달기</a:t>
-                      </a:r>
-                      <a:r>
-                        <a:rPr lang="en-US" altLang="ko-KR" sz="700" b="0" i="0" u="none" strike="noStrike" dirty="0">
-                          <a:solidFill>
-                            <a:srgbClr val="3F3F48"/>
-                          </a:solidFill>
-                          <a:effectLst/>
-                          <a:latin typeface="+mn-ea"/>
-                          <a:ea typeface="+mn-ea"/>
-                        </a:rPr>
-                        <a:t>(</a:t>
-                      </a:r>
-                      <a:r>
-                        <a:rPr lang="ko-KR" altLang="en-US" sz="700" b="0" i="0" u="none" strike="noStrike" dirty="0" err="1">
-                          <a:solidFill>
-                            <a:srgbClr val="3F3F48"/>
-                          </a:solidFill>
-                          <a:effectLst/>
-                          <a:latin typeface="+mn-ea"/>
-                          <a:ea typeface="+mn-ea"/>
-                        </a:rPr>
-                        <a:t>답변글은</a:t>
-                      </a:r>
-                      <a:r>
-                        <a:rPr lang="ko-KR" altLang="en-US" sz="700" b="0" i="0" u="none" strike="noStrike" dirty="0">
-                          <a:solidFill>
-                            <a:srgbClr val="3F3F48"/>
-                          </a:solidFill>
-                          <a:effectLst/>
-                          <a:latin typeface="+mn-ea"/>
-                          <a:ea typeface="+mn-ea"/>
-                        </a:rPr>
-                        <a:t> 들여쓰기</a:t>
-                      </a:r>
-                      <a:r>
-                        <a:rPr lang="en-US" altLang="ko-KR" sz="700" b="0" i="0" u="none" strike="noStrike" dirty="0">
-                          <a:solidFill>
-                            <a:srgbClr val="3F3F48"/>
-                          </a:solidFill>
-                          <a:effectLst/>
-                          <a:latin typeface="+mn-ea"/>
-                          <a:ea typeface="+mn-ea"/>
-                        </a:rPr>
-                        <a:t>)</a:t>
-                      </a:r>
+                      <a:pPr marL="108000" lvl="0" algn="ctr" fontAlgn="ctr"/>
+                      <a:endParaRPr lang="en-US" altLang="ko-KR" sz="700" b="0" i="0" u="none" strike="noStrike" dirty="0">
+                        <a:solidFill>
+                          <a:srgbClr val="3F3F48"/>
+                        </a:solidFill>
+                        <a:effectLst/>
+                        <a:latin typeface="+mn-ea"/>
+                        <a:ea typeface="+mn-ea"/>
+                      </a:endParaRPr>
                     </a:p>
                   </a:txBody>
                   <a:tcPr marL="5173" marR="5173" marT="3881" marB="0" anchor="ctr">
@@ -26546,17 +25069,6 @@
                     <a:lstStyle/>
                     <a:p>
                       <a:pPr algn="ctr" fontAlgn="ctr"/>
-                      <a:r>
-                        <a:rPr lang="ko-KR" altLang="en-US" sz="700" b="0" i="0" u="none" strike="noStrike" dirty="0" err="1">
-                          <a:solidFill>
-                            <a:srgbClr val="3F3F48"/>
-                          </a:solidFill>
-                          <a:effectLst/>
-                          <a:latin typeface="+mn-ea"/>
-                          <a:ea typeface="+mn-ea"/>
-                        </a:rPr>
-                        <a:t>한줄평달기</a:t>
-                      </a:r>
                       <a:endParaRPr lang="ko-KR" altLang="en-US" sz="700" b="0" i="0" u="none" strike="noStrike" dirty="0">
                         <a:solidFill>
                           <a:srgbClr val="3F3F48"/>
@@ -26634,40 +25146,7 @@
                     <a:bodyPr/>
                     <a:lstStyle/>
                     <a:p>
-                      <a:pPr marL="108000" lvl="0" algn="l" fontAlgn="ctr"/>
-                      <a:r>
-                        <a:rPr lang="ko-KR" altLang="en-US" sz="700" b="0" i="0" u="none" strike="noStrike" dirty="0" err="1">
-                          <a:solidFill>
-                            <a:srgbClr val="3F3F48"/>
-                          </a:solidFill>
-                          <a:effectLst/>
-                          <a:latin typeface="+mn-ea"/>
-                          <a:ea typeface="+mn-ea"/>
-                        </a:rPr>
-                        <a:t>한줄평</a:t>
-                      </a:r>
-                      <a:r>
-                        <a:rPr lang="ko-KR" altLang="en-US" sz="700" b="0" i="0" u="none" strike="noStrike" dirty="0">
-                          <a:solidFill>
-                            <a:srgbClr val="3F3F48"/>
-                          </a:solidFill>
-                          <a:effectLst/>
-                          <a:latin typeface="+mn-ea"/>
-                          <a:ea typeface="+mn-ea"/>
-                        </a:rPr>
-                        <a:t> </a:t>
-                      </a:r>
-                      <a:r>
-                        <a:rPr lang="ko-KR" altLang="en-US" sz="700" b="0" i="0" u="none" strike="noStrike" dirty="0" err="1">
-                          <a:solidFill>
-                            <a:srgbClr val="3F3F48"/>
-                          </a:solidFill>
-                          <a:effectLst/>
-                          <a:latin typeface="+mn-ea"/>
-                          <a:ea typeface="+mn-ea"/>
-                        </a:rPr>
-                        <a:t>댓글달기</a:t>
-                      </a:r>
+                      <a:pPr marL="108000" lvl="0" algn="ctr" fontAlgn="ctr"/>
                       <a:endParaRPr lang="en-US" altLang="ko-KR" sz="700" b="0" i="0" u="none" strike="noStrike" dirty="0">
                         <a:solidFill>
                           <a:srgbClr val="3F3F48"/>
@@ -26764,17 +25243,14 @@
                     <a:lstStyle/>
                     <a:p>
                       <a:pPr algn="ctr" fontAlgn="ctr"/>
-                      <a:r>
-                        <a:rPr lang="ko-KR" altLang="en-US" sz="700" b="0" i="0" u="none" strike="noStrike" dirty="0">
-                          <a:solidFill>
-                            <a:srgbClr val="3F3F48"/>
-                          </a:solidFill>
-                          <a:effectLst/>
-                          <a:latin typeface="+mn-ea"/>
-                          <a:ea typeface="+mn-ea"/>
-                        </a:rPr>
-                        <a:t>자리예약</a:t>
-                      </a:r>
+                      <a:endParaRPr lang="ko-KR" altLang="en-US" sz="700" b="0" i="0" u="none" strike="noStrike" dirty="0">
+                        <a:solidFill>
+                          <a:srgbClr val="3F3F48"/>
+                        </a:solidFill>
+                        <a:effectLst/>
+                        <a:latin typeface="+mn-ea"/>
+                        <a:ea typeface="+mn-ea"/>
+                      </a:endParaRPr>
                     </a:p>
                   </a:txBody>
                   <a:tcPr marL="5173" marR="5173" marT="3881" marB="0" anchor="ctr">
@@ -26845,39 +25321,14 @@
                     <a:lstStyle/>
                     <a:p>
                       <a:pPr algn="ctr" fontAlgn="ctr"/>
-                      <a:r>
-                        <a:rPr lang="ko-KR" altLang="en-US" sz="700" b="0" i="0" u="none" strike="noStrike" dirty="0">
-                          <a:solidFill>
-                            <a:srgbClr val="3F3F48"/>
-                          </a:solidFill>
-                          <a:effectLst/>
-                          <a:latin typeface="+mn-ea"/>
-                          <a:ea typeface="+mn-ea"/>
-                        </a:rPr>
-                        <a:t>자리예약</a:t>
-                      </a:r>
-                      <a:r>
-                        <a:rPr lang="en-US" altLang="ko-KR" sz="700" b="0" i="0" u="none" strike="noStrike" dirty="0">
-                          <a:solidFill>
-                            <a:srgbClr val="3F3F48"/>
-                          </a:solidFill>
-                          <a:effectLst/>
-                          <a:latin typeface="+mn-ea"/>
-                          <a:ea typeface="+mn-ea"/>
-                        </a:rPr>
-                        <a:t>/</a:t>
-                      </a:r>
-                      <a:r>
-                        <a:rPr lang="ko-KR" altLang="en-US" sz="700" b="0" i="0" u="none" strike="noStrike" dirty="0">
-                          <a:solidFill>
-                            <a:srgbClr val="3F3F48"/>
-                          </a:solidFill>
-                          <a:effectLst/>
-                          <a:latin typeface="+mn-ea"/>
-                          <a:ea typeface="+mn-ea"/>
-                        </a:rPr>
-                        <a:t>반납</a:t>
-                      </a:r>
+                      <a:endParaRPr lang="ko-KR" altLang="en-US" sz="700" b="0" i="0" u="none" strike="noStrike" dirty="0">
+                        <a:solidFill>
+                          <a:srgbClr val="3F3F48"/>
+                        </a:solidFill>
+                        <a:effectLst/>
+                        <a:latin typeface="+mn-ea"/>
+                        <a:ea typeface="+mn-ea"/>
+                      </a:endParaRPr>
                     </a:p>
                   </a:txBody>
                   <a:tcPr marL="5173" marR="5173" marT="3881" marB="0" anchor="ctr">
@@ -26947,40 +25398,7 @@
                     <a:bodyPr/>
                     <a:lstStyle/>
                     <a:p>
-                      <a:pPr marL="108000" lvl="0" algn="l" fontAlgn="ctr"/>
-                      <a:r>
-                        <a:rPr lang="ko-KR" altLang="en-US" sz="700" b="0" i="0" u="none" strike="noStrike" dirty="0">
-                          <a:solidFill>
-                            <a:srgbClr val="3F3F48"/>
-                          </a:solidFill>
-                          <a:effectLst/>
-                          <a:latin typeface="+mn-ea"/>
-                          <a:ea typeface="+mn-ea"/>
-                        </a:rPr>
-                        <a:t>자리를 예약하거나 반납하는 것은 </a:t>
-                      </a:r>
-                      <a:r>
-                        <a:rPr lang="en-US" altLang="ko-KR" sz="700" b="0" i="0" u="none" strike="noStrike" dirty="0">
-                          <a:solidFill>
-                            <a:srgbClr val="3F3F48"/>
-                          </a:solidFill>
-                          <a:effectLst/>
-                          <a:latin typeface="+mn-ea"/>
-                          <a:ea typeface="+mn-ea"/>
-                        </a:rPr>
-                        <a:t>1</a:t>
-                      </a:r>
-                      <a:r>
-                        <a:rPr lang="ko-KR" altLang="en-US" sz="700" b="0" i="0" u="none" strike="noStrike" dirty="0">
-                          <a:solidFill>
-                            <a:srgbClr val="3F3F48"/>
-                          </a:solidFill>
-                          <a:effectLst/>
-                          <a:latin typeface="+mn-ea"/>
-                          <a:ea typeface="+mn-ea"/>
-                        </a:rPr>
-                        <a:t>일 기준</a:t>
-                      </a:r>
+                      <a:pPr marL="108000" lvl="0" algn="ctr" fontAlgn="ctr"/>
                       <a:endParaRPr lang="en-US" altLang="ko-KR" sz="700" b="0" i="0" u="none" strike="noStrike" dirty="0">
                         <a:solidFill>
                           <a:srgbClr val="3F3F48"/>
@@ -27095,6 +25513,63 @@
       </p:grpSpPr>
       <p:sp>
         <p:nvSpPr>
+          <p:cNvPr id="5" name="직사각형 4">
+            <a:extLst>
+              <a:ext uri="{FF2B5EF4-FFF2-40B4-BE49-F238E27FC236}">
+                <a16:creationId xmlns:a16="http://schemas.microsoft.com/office/drawing/2014/main" id="{50B1E11F-5F9E-9F86-3DF7-4C4BD388D51A}"/>
+              </a:ext>
+            </a:extLst>
+          </p:cNvPr>
+          <p:cNvSpPr/>
+          <p:nvPr/>
+        </p:nvSpPr>
+        <p:spPr>
+          <a:xfrm>
+            <a:off x="0" y="-20538"/>
+            <a:ext cx="9144000" cy="540061"/>
+          </a:xfrm>
+          <a:prstGeom prst="rect">
+            <a:avLst/>
+          </a:prstGeom>
+          <a:solidFill>
+            <a:schemeClr val="tx2"/>
+          </a:solidFill>
+          <a:ln>
+            <a:noFill/>
+          </a:ln>
+        </p:spPr>
+        <p:style>
+          <a:lnRef idx="2">
+            <a:schemeClr val="accent1">
+              <a:shade val="50000"/>
+            </a:schemeClr>
+          </a:lnRef>
+          <a:fillRef idx="1">
+            <a:schemeClr val="accent1"/>
+          </a:fillRef>
+          <a:effectRef idx="0">
+            <a:schemeClr val="accent1"/>
+          </a:effectRef>
+          <a:fontRef idx="minor">
+            <a:schemeClr val="lt1"/>
+          </a:fontRef>
+        </p:style>
+        <p:txBody>
+          <a:bodyPr rot="0" spcFirstLastPara="0" vertOverflow="overflow" horzOverflow="overflow" vert="horz" wrap="square" lIns="0" tIns="0" rIns="0" bIns="0" numCol="1" spcCol="0" rtlCol="0" fromWordArt="0" anchor="ctr" anchorCtr="0" forceAA="0" compatLnSpc="1">
+            <a:prstTxWarp prst="textNoShape">
+              <a:avLst/>
+            </a:prstTxWarp>
+            <a:noAutofit/>
+          </a:bodyPr>
+          <a:lstStyle/>
+          <a:p>
+            <a:pPr algn="ctr"/>
+            <a:endParaRPr lang="ko-KR" altLang="en-US" sz="1000" b="1" dirty="0"/>
+          </a:p>
+        </p:txBody>
+      </p:sp>
+      <p:sp>
+        <p:nvSpPr>
           <p:cNvPr id="2" name="슬라이드 번호 개체 틀 1"/>
           <p:cNvSpPr>
             <a:spLocks noGrp="1"/>
@@ -27142,14 +25617,14 @@
             <a:r>
               <a:rPr lang="en-US" altLang="ko-KR" b="1" dirty="0">
                 <a:solidFill>
-                  <a:srgbClr val="756B5F"/>
+                  <a:schemeClr val="bg1"/>
                 </a:solidFill>
               </a:rPr>
               <a:t>10. Project Source Explorer</a:t>
             </a:r>
             <a:endParaRPr lang="ko-KR" altLang="en-US" b="1" dirty="0">
               <a:solidFill>
-                <a:srgbClr val="756B5F"/>
+                <a:schemeClr val="bg1"/>
               </a:solidFill>
             </a:endParaRPr>
           </a:p>
@@ -38749,13 +37224,15 @@
           </p:cNvPr>
           <p:cNvCxnSpPr>
             <a:cxnSpLocks/>
+            <a:stCxn id="324" idx="1"/>
+            <a:endCxn id="103" idx="3"/>
           </p:cNvCxnSpPr>
           <p:nvPr/>
         </p:nvCxnSpPr>
         <p:spPr>
           <a:xfrm flipH="1">
             <a:off x="7236295" y="3363838"/>
-            <a:ext cx="288031" cy="0"/>
+            <a:ext cx="504058" cy="0"/>
           </a:xfrm>
           <a:prstGeom prst="line">
             <a:avLst/>
@@ -38796,7 +37273,7 @@
         </p:nvSpPr>
         <p:spPr>
           <a:xfrm>
-            <a:off x="7524329" y="3219822"/>
+            <a:off x="7740353" y="3219822"/>
             <a:ext cx="720079" cy="288032"/>
           </a:xfrm>
           <a:prstGeom prst="roundRect">
@@ -38846,13 +37323,15 @@
           </p:cNvPr>
           <p:cNvCxnSpPr>
             <a:cxnSpLocks/>
+            <a:stCxn id="326" idx="1"/>
+            <a:endCxn id="104" idx="3"/>
           </p:cNvCxnSpPr>
           <p:nvPr/>
         </p:nvCxnSpPr>
         <p:spPr>
           <a:xfrm flipH="1">
             <a:off x="7164289" y="4011910"/>
-            <a:ext cx="288031" cy="0"/>
+            <a:ext cx="648071" cy="0"/>
           </a:xfrm>
           <a:prstGeom prst="line">
             <a:avLst/>
@@ -38893,7 +37372,7 @@
         </p:nvSpPr>
         <p:spPr>
           <a:xfrm>
-            <a:off x="7452321" y="3867894"/>
+            <a:off x="7812360" y="3867894"/>
             <a:ext cx="576064" cy="288032"/>
           </a:xfrm>
           <a:prstGeom prst="roundRect">
@@ -39032,7 +37511,7 @@
         </p:nvSpPr>
         <p:spPr>
           <a:xfrm>
-            <a:off x="7452320" y="1671650"/>
+            <a:off x="7740353" y="2859782"/>
             <a:ext cx="720079" cy="288032"/>
           </a:xfrm>
           <a:prstGeom prst="roundRect">
@@ -39072,51 +37551,6 @@
           </a:p>
         </p:txBody>
       </p:sp>
-      <p:cxnSp>
-        <p:nvCxnSpPr>
-          <p:cNvPr id="335" name="직선 연결선 334">
-            <a:extLst>
-              <a:ext uri="{FF2B5EF4-FFF2-40B4-BE49-F238E27FC236}">
-                <a16:creationId xmlns:a16="http://schemas.microsoft.com/office/drawing/2014/main" id="{F0AA9E0B-BB9E-39C0-F7FF-A11516316A49}"/>
-              </a:ext>
-            </a:extLst>
-          </p:cNvPr>
-          <p:cNvCxnSpPr>
-            <a:cxnSpLocks/>
-            <a:stCxn id="3" idx="1"/>
-          </p:cNvCxnSpPr>
-          <p:nvPr/>
-        </p:nvCxnSpPr>
-        <p:spPr>
-          <a:xfrm flipH="1">
-            <a:off x="7183366" y="2787774"/>
-            <a:ext cx="340962" cy="0"/>
-          </a:xfrm>
-          <a:prstGeom prst="line">
-            <a:avLst/>
-          </a:prstGeom>
-          <a:ln w="19050">
-            <a:solidFill>
-              <a:schemeClr val="tx1"/>
-            </a:solidFill>
-            <a:tailEnd type="none"/>
-          </a:ln>
-        </p:spPr>
-        <p:style>
-          <a:lnRef idx="1">
-            <a:schemeClr val="accent1"/>
-          </a:lnRef>
-          <a:fillRef idx="0">
-            <a:schemeClr val="accent1"/>
-          </a:fillRef>
-          <a:effectRef idx="0">
-            <a:schemeClr val="accent1"/>
-          </a:effectRef>
-          <a:fontRef idx="minor">
-            <a:schemeClr val="tx1"/>
-          </a:fontRef>
-        </p:style>
-      </p:cxnSp>
       <p:cxnSp>
         <p:nvCxnSpPr>
           <p:cNvPr id="348" name="직선 연결선 347">
@@ -39175,7 +37609,7 @@
         </p:nvSpPr>
         <p:spPr>
           <a:xfrm>
-            <a:off x="7524328" y="2643758"/>
+            <a:off x="7740352" y="2355726"/>
             <a:ext cx="576064" cy="288032"/>
           </a:xfrm>
           <a:prstGeom prst="roundRect">
@@ -39656,6 +38090,183 @@
           <a:xfrm>
             <a:off x="2483768" y="3795886"/>
             <a:ext cx="288032" cy="0"/>
+          </a:xfrm>
+          <a:prstGeom prst="line">
+            <a:avLst/>
+          </a:prstGeom>
+          <a:ln w="19050">
+            <a:solidFill>
+              <a:schemeClr val="tx1"/>
+            </a:solidFill>
+            <a:tailEnd type="none"/>
+          </a:ln>
+        </p:spPr>
+        <p:style>
+          <a:lnRef idx="1">
+            <a:schemeClr val="accent1"/>
+          </a:lnRef>
+          <a:fillRef idx="0">
+            <a:schemeClr val="accent1"/>
+          </a:fillRef>
+          <a:effectRef idx="0">
+            <a:schemeClr val="accent1"/>
+          </a:effectRef>
+          <a:fontRef idx="minor">
+            <a:schemeClr val="tx1"/>
+          </a:fontRef>
+        </p:style>
+      </p:cxnSp>
+      <p:cxnSp>
+        <p:nvCxnSpPr>
+          <p:cNvPr id="74" name="직선 연결선 73">
+            <a:extLst>
+              <a:ext uri="{FF2B5EF4-FFF2-40B4-BE49-F238E27FC236}">
+                <a16:creationId xmlns:a16="http://schemas.microsoft.com/office/drawing/2014/main" id="{2FBD29E1-FCD5-3A36-826A-79A3151DD612}"/>
+              </a:ext>
+            </a:extLst>
+          </p:cNvPr>
+          <p:cNvCxnSpPr>
+            <a:cxnSpLocks/>
+          </p:cNvCxnSpPr>
+          <p:nvPr/>
+        </p:nvCxnSpPr>
+        <p:spPr>
+          <a:xfrm flipH="1">
+            <a:off x="7164290" y="2787774"/>
+            <a:ext cx="288030" cy="0"/>
+          </a:xfrm>
+          <a:prstGeom prst="line">
+            <a:avLst/>
+          </a:prstGeom>
+          <a:ln w="19050">
+            <a:solidFill>
+              <a:schemeClr val="tx1"/>
+            </a:solidFill>
+            <a:tailEnd type="none"/>
+          </a:ln>
+        </p:spPr>
+        <p:style>
+          <a:lnRef idx="1">
+            <a:schemeClr val="accent1"/>
+          </a:lnRef>
+          <a:fillRef idx="0">
+            <a:schemeClr val="accent1"/>
+          </a:fillRef>
+          <a:effectRef idx="0">
+            <a:schemeClr val="accent1"/>
+          </a:effectRef>
+          <a:fontRef idx="minor">
+            <a:schemeClr val="tx1"/>
+          </a:fontRef>
+        </p:style>
+      </p:cxnSp>
+      <p:cxnSp>
+        <p:nvCxnSpPr>
+          <p:cNvPr id="79" name="직선 연결선 78">
+            <a:extLst>
+              <a:ext uri="{FF2B5EF4-FFF2-40B4-BE49-F238E27FC236}">
+                <a16:creationId xmlns:a16="http://schemas.microsoft.com/office/drawing/2014/main" id="{69A7D1A7-B76F-0EF5-71A8-7A18958780E8}"/>
+              </a:ext>
+            </a:extLst>
+          </p:cNvPr>
+          <p:cNvCxnSpPr>
+            <a:cxnSpLocks/>
+          </p:cNvCxnSpPr>
+          <p:nvPr/>
+        </p:nvCxnSpPr>
+        <p:spPr>
+          <a:xfrm flipV="1">
+            <a:off x="7452320" y="2499742"/>
+            <a:ext cx="0" cy="504056"/>
+          </a:xfrm>
+          <a:prstGeom prst="line">
+            <a:avLst/>
+          </a:prstGeom>
+          <a:ln w="19050">
+            <a:solidFill>
+              <a:schemeClr val="tx1"/>
+            </a:solidFill>
+            <a:tailEnd type="none"/>
+          </a:ln>
+        </p:spPr>
+        <p:style>
+          <a:lnRef idx="1">
+            <a:schemeClr val="accent1"/>
+          </a:lnRef>
+          <a:fillRef idx="0">
+            <a:schemeClr val="accent1"/>
+          </a:fillRef>
+          <a:effectRef idx="0">
+            <a:schemeClr val="accent1"/>
+          </a:effectRef>
+          <a:fontRef idx="minor">
+            <a:schemeClr val="tx1"/>
+          </a:fontRef>
+        </p:style>
+      </p:cxnSp>
+      <p:cxnSp>
+        <p:nvCxnSpPr>
+          <p:cNvPr id="81" name="직선 연결선 80">
+            <a:extLst>
+              <a:ext uri="{FF2B5EF4-FFF2-40B4-BE49-F238E27FC236}">
+                <a16:creationId xmlns:a16="http://schemas.microsoft.com/office/drawing/2014/main" id="{A34F4908-AC16-B4D6-CAB5-18DC4592747A}"/>
+              </a:ext>
+            </a:extLst>
+          </p:cNvPr>
+          <p:cNvCxnSpPr>
+            <a:cxnSpLocks/>
+          </p:cNvCxnSpPr>
+          <p:nvPr/>
+        </p:nvCxnSpPr>
+        <p:spPr>
+          <a:xfrm>
+            <a:off x="7452320" y="2499742"/>
+            <a:ext cx="288032" cy="0"/>
+          </a:xfrm>
+          <a:prstGeom prst="line">
+            <a:avLst/>
+          </a:prstGeom>
+          <a:ln w="19050">
+            <a:solidFill>
+              <a:schemeClr val="tx1"/>
+            </a:solidFill>
+            <a:tailEnd type="none"/>
+          </a:ln>
+        </p:spPr>
+        <p:style>
+          <a:lnRef idx="1">
+            <a:schemeClr val="accent1"/>
+          </a:lnRef>
+          <a:fillRef idx="0">
+            <a:schemeClr val="accent1"/>
+          </a:fillRef>
+          <a:effectRef idx="0">
+            <a:schemeClr val="accent1"/>
+          </a:effectRef>
+          <a:fontRef idx="minor">
+            <a:schemeClr val="tx1"/>
+          </a:fontRef>
+        </p:style>
+      </p:cxnSp>
+      <p:cxnSp>
+        <p:nvCxnSpPr>
+          <p:cNvPr id="86" name="직선 연결선 85">
+            <a:extLst>
+              <a:ext uri="{FF2B5EF4-FFF2-40B4-BE49-F238E27FC236}">
+                <a16:creationId xmlns:a16="http://schemas.microsoft.com/office/drawing/2014/main" id="{A34F4908-AC16-B4D6-CAB5-18DC4592747A}"/>
+              </a:ext>
+            </a:extLst>
+          </p:cNvPr>
+          <p:cNvCxnSpPr>
+            <a:cxnSpLocks/>
+            <a:endCxn id="334" idx="1"/>
+          </p:cNvCxnSpPr>
+          <p:nvPr/>
+        </p:nvCxnSpPr>
+        <p:spPr>
+          <a:xfrm>
+            <a:off x="7452320" y="3003798"/>
+            <a:ext cx="288033" cy="0"/>
           </a:xfrm>
           <a:prstGeom prst="line">
             <a:avLst/>
@@ -39836,6 +38447,36 @@
           </a:p>
         </p:txBody>
       </p:sp>
+      <p:pic>
+        <p:nvPicPr>
+          <p:cNvPr id="6" name="그림 5"/>
+          <p:cNvPicPr>
+            <a:picLocks noChangeAspect="1"/>
+          </p:cNvPicPr>
+          <p:nvPr/>
+        </p:nvPicPr>
+        <p:blipFill>
+          <a:blip r:embed="rId2">
+            <a:extLst>
+              <a:ext uri="{28A0092B-C50C-407E-A947-70E740481C1C}">
+                <a14:useLocalDpi xmlns:a14="http://schemas.microsoft.com/office/drawing/2010/main" val="0"/>
+              </a:ext>
+            </a:extLst>
+          </a:blip>
+          <a:stretch>
+            <a:fillRect/>
+          </a:stretch>
+        </p:blipFill>
+        <p:spPr>
+          <a:xfrm>
+            <a:off x="683568" y="789662"/>
+            <a:ext cx="7992888" cy="4353838"/>
+          </a:xfrm>
+          <a:prstGeom prst="rect">
+            <a:avLst/>
+          </a:prstGeom>
+        </p:spPr>
+      </p:pic>
     </p:spTree>
     <p:extLst>
       <p:ext uri="{BB962C8B-B14F-4D97-AF65-F5344CB8AC3E}">
@@ -40171,14 +38812,28 @@
                 <a:latin typeface="한컴 윤고딕 230" panose="02020603020101020101" pitchFamily="18" charset="-127"/>
                 <a:ea typeface="한컴 윤고딕 230" panose="02020603020101020101" pitchFamily="18" charset="-127"/>
               </a:rPr>
-              <a:t>진료게시판에 글을 작성해 예약을 할 수 있고</a:t>
+              <a:t>진료게시판에 글을 </a:t>
+            </a:r>
+            <a:r>
+              <a:rPr lang="ko-KR" altLang="en-US" sz="1600" dirty="0" smtClean="0">
+                <a:latin typeface="한컴 윤고딕 230" panose="02020603020101020101" pitchFamily="18" charset="-127"/>
+                <a:ea typeface="한컴 윤고딕 230" panose="02020603020101020101" pitchFamily="18" charset="-127"/>
+              </a:rPr>
+              <a:t>작성할 수 있다</a:t>
+            </a:r>
+            <a:r>
+              <a:rPr lang="en-US" altLang="ko-KR" sz="1600" dirty="0" smtClean="0">
+                <a:latin typeface="한컴 윤고딕 230" panose="02020603020101020101" pitchFamily="18" charset="-127"/>
+                <a:ea typeface="한컴 윤고딕 230" panose="02020603020101020101" pitchFamily="18" charset="-127"/>
+              </a:rPr>
+              <a:t>, </a:t>
             </a:r>
             <a:r>
               <a:rPr lang="en-US" altLang="ko-KR" sz="1600" dirty="0">
                 <a:latin typeface="한컴 윤고딕 230" panose="02020603020101020101" pitchFamily="18" charset="-127"/>
                 <a:ea typeface="한컴 윤고딕 230" panose="02020603020101020101" pitchFamily="18" charset="-127"/>
               </a:rPr>
-              <a:t>, (</a:t>
+              <a:t>(</a:t>
             </a:r>
             <a:r>
               <a:rPr lang="ko-KR" altLang="en-US" sz="1600" dirty="0">
@@ -40199,15 +38854,47 @@
                 <a:latin typeface="한컴 윤고딕 230" panose="02020603020101020101" pitchFamily="18" charset="-127"/>
                 <a:ea typeface="한컴 윤고딕 230" panose="02020603020101020101" pitchFamily="18" charset="-127"/>
               </a:rPr>
-              <a:t>삭제 가능</a:t>
-            </a:r>
-            <a:r>
-              <a:rPr lang="en-US" altLang="ko-KR" sz="1600" dirty="0">
+              <a:t>삭제 </a:t>
+            </a:r>
+            <a:r>
+              <a:rPr lang="ko-KR" altLang="en-US" sz="1600" dirty="0" smtClean="0">
                 <a:latin typeface="한컴 윤고딕 230" panose="02020603020101020101" pitchFamily="18" charset="-127"/>
                 <a:ea typeface="한컴 윤고딕 230" panose="02020603020101020101" pitchFamily="18" charset="-127"/>
               </a:rPr>
-              <a:t>)</a:t>
-            </a:r>
+              <a:t>가능</a:t>
+            </a:r>
+            <a:r>
+              <a:rPr lang="en-US" altLang="ko-KR" sz="1600" dirty="0" smtClean="0">
+                <a:latin typeface="한컴 윤고딕 230" panose="02020603020101020101" pitchFamily="18" charset="-127"/>
+                <a:ea typeface="한컴 윤고딕 230" panose="02020603020101020101" pitchFamily="18" charset="-127"/>
+              </a:rPr>
+              <a:t>) </a:t>
+            </a:r>
+            <a:r>
+              <a:rPr lang="ko-KR" altLang="en-US" sz="1600" dirty="0" err="1" smtClean="0">
+                <a:latin typeface="한컴 윤고딕 230" panose="02020603020101020101" pitchFamily="18" charset="-127"/>
+                <a:ea typeface="한컴 윤고딕 230" panose="02020603020101020101" pitchFamily="18" charset="-127"/>
+              </a:rPr>
+              <a:t>본인글만</a:t>
+            </a:r>
+            <a:r>
+              <a:rPr lang="ko-KR" altLang="en-US" sz="1600" dirty="0" smtClean="0">
+                <a:latin typeface="한컴 윤고딕 230" panose="02020603020101020101" pitchFamily="18" charset="-127"/>
+                <a:ea typeface="한컴 윤고딕 230" panose="02020603020101020101" pitchFamily="18" charset="-127"/>
+              </a:rPr>
+              <a:t> 볼 수 있다</a:t>
+            </a:r>
+            <a:r>
+              <a:rPr lang="en-US" altLang="ko-KR" sz="1600" dirty="0" smtClean="0">
+                <a:latin typeface="한컴 윤고딕 230" panose="02020603020101020101" pitchFamily="18" charset="-127"/>
+                <a:ea typeface="한컴 윤고딕 230" panose="02020603020101020101" pitchFamily="18" charset="-127"/>
+              </a:rPr>
+              <a:t>.</a:t>
+            </a:r>
+            <a:endParaRPr lang="en-US" altLang="ko-KR" sz="1600" dirty="0">
+              <a:latin typeface="한컴 윤고딕 230" panose="02020603020101020101" pitchFamily="18" charset="-127"/>
+              <a:ea typeface="한컴 윤고딕 230" panose="02020603020101020101" pitchFamily="18" charset="-127"/>
+            </a:endParaRPr>
           </a:p>
           <a:p>
             <a:pPr marL="285750" indent="-285750" algn="just">
@@ -40487,7 +39174,7 @@
         <p:spPr>
           <a:xfrm>
             <a:off x="323528" y="1846665"/>
-            <a:ext cx="8620573" cy="1343381"/>
+            <a:ext cx="8620573" cy="1708160"/>
           </a:xfrm>
           <a:prstGeom prst="rect">
             <a:avLst/>
@@ -40569,7 +39256,14 @@
                 <a:latin typeface="한컴 윤고딕 230" panose="02020603020101020101" pitchFamily="18" charset="-127"/>
                 <a:ea typeface="한컴 윤고딕 230" panose="02020603020101020101" pitchFamily="18" charset="-127"/>
               </a:rPr>
-              <a:t>회원들이 남긴 문의게시판에 </a:t>
+              <a:t>회원들이 남긴 </a:t>
+            </a:r>
+            <a:r>
+              <a:rPr lang="ko-KR" altLang="en-US" sz="1400" dirty="0" smtClean="0">
+                <a:latin typeface="한컴 윤고딕 230" panose="02020603020101020101" pitchFamily="18" charset="-127"/>
+                <a:ea typeface="한컴 윤고딕 230" panose="02020603020101020101" pitchFamily="18" charset="-127"/>
+              </a:rPr>
+              <a:t>게시판에 </a:t>
             </a:r>
             <a:r>
               <a:rPr lang="ko-KR" altLang="en-US" sz="1400" dirty="0" err="1">
@@ -40586,12 +39280,39 @@
               <a:t> 관리자만이 답변을 달 수 있다</a:t>
             </a:r>
             <a:r>
-              <a:rPr lang="en-US" altLang="ko-KR" sz="1400" dirty="0">
+              <a:rPr lang="en-US" altLang="ko-KR" sz="1400" dirty="0" smtClean="0">
                 <a:latin typeface="한컴 윤고딕 230" panose="02020603020101020101" pitchFamily="18" charset="-127"/>
                 <a:ea typeface="한컴 윤고딕 230" panose="02020603020101020101" pitchFamily="18" charset="-127"/>
               </a:rPr>
               <a:t>.</a:t>
             </a:r>
+          </a:p>
+          <a:p>
+            <a:pPr marL="285750" indent="-285750" algn="just">
+              <a:lnSpc>
+                <a:spcPct val="150000"/>
+              </a:lnSpc>
+              <a:buFont typeface="한컴 윤고딕 230" panose="02020603020101020101" pitchFamily="18" charset="-127"/>
+              <a:buChar char="-"/>
+            </a:pPr>
+            <a:r>
+              <a:rPr lang="ko-KR" altLang="en-US" sz="1400" dirty="0" smtClean="0">
+                <a:latin typeface="한컴 윤고딕 230" panose="02020603020101020101" pitchFamily="18" charset="-127"/>
+                <a:ea typeface="한컴 윤고딕 230" panose="02020603020101020101" pitchFamily="18" charset="-127"/>
+              </a:rPr>
+              <a:t>회원들이 남긴 글을 삭제 할 수 있다</a:t>
+            </a:r>
+            <a:r>
+              <a:rPr lang="en-US" altLang="ko-KR" sz="1400" dirty="0" smtClean="0">
+                <a:latin typeface="한컴 윤고딕 230" panose="02020603020101020101" pitchFamily="18" charset="-127"/>
+                <a:ea typeface="한컴 윤고딕 230" panose="02020603020101020101" pitchFamily="18" charset="-127"/>
+              </a:rPr>
+              <a:t>.</a:t>
+            </a:r>
+            <a:endParaRPr lang="en-US" altLang="ko-KR" sz="1400" dirty="0">
+              <a:latin typeface="한컴 윤고딕 230" panose="02020603020101020101" pitchFamily="18" charset="-127"/>
+              <a:ea typeface="한컴 윤고딕 230" panose="02020603020101020101" pitchFamily="18" charset="-127"/>
+            </a:endParaRPr>
           </a:p>
           <a:p>
             <a:pPr marL="285750" indent="-285750" algn="just">

--- a/0317_치카치카치과.pptx
+++ b/0317_치카치카치과.pptx
@@ -788,7 +788,7 @@
           <a:p>
             <a:fld id="{0231EE08-D29B-4EEA-AE59-EA43F352A71D}" type="slidenum">
               <a:rPr lang="ko-KR" altLang="en-US" smtClean="0"/>
-              <a:t>26</a:t>
+              <a:t>1</a:t>
             </a:fld>
             <a:endParaRPr lang="ko-KR" altLang="en-US"/>
           </a:p>
@@ -797,7 +797,7 @@
     </p:spTree>
     <p:extLst>
       <p:ext uri="{BB962C8B-B14F-4D97-AF65-F5344CB8AC3E}">
-        <p14:creationId xmlns:p14="http://schemas.microsoft.com/office/powerpoint/2010/main" val="2365996225"/>
+        <p14:creationId xmlns:p14="http://schemas.microsoft.com/office/powerpoint/2010/main" val="3558483351"/>
       </p:ext>
     </p:extLst>
   </p:cSld>
@@ -872,7 +872,7 @@
           <a:p>
             <a:fld id="{0231EE08-D29B-4EEA-AE59-EA43F352A71D}" type="slidenum">
               <a:rPr lang="ko-KR" altLang="en-US" smtClean="0"/>
-              <a:t>27</a:t>
+              <a:t>26</a:t>
             </a:fld>
             <a:endParaRPr lang="ko-KR" altLang="en-US"/>
           </a:p>
@@ -881,7 +881,7 @@
     </p:spTree>
     <p:extLst>
       <p:ext uri="{BB962C8B-B14F-4D97-AF65-F5344CB8AC3E}">
-        <p14:creationId xmlns:p14="http://schemas.microsoft.com/office/powerpoint/2010/main" val="1945656664"/>
+        <p14:creationId xmlns:p14="http://schemas.microsoft.com/office/powerpoint/2010/main" val="2365996225"/>
       </p:ext>
     </p:extLst>
   </p:cSld>
@@ -956,6 +956,90 @@
           <a:p>
             <a:fld id="{0231EE08-D29B-4EEA-AE59-EA43F352A71D}" type="slidenum">
               <a:rPr lang="ko-KR" altLang="en-US" smtClean="0"/>
+              <a:t>27</a:t>
+            </a:fld>
+            <a:endParaRPr lang="ko-KR" altLang="en-US"/>
+          </a:p>
+        </p:txBody>
+      </p:sp>
+    </p:spTree>
+    <p:extLst>
+      <p:ext uri="{BB962C8B-B14F-4D97-AF65-F5344CB8AC3E}">
+        <p14:creationId xmlns:p14="http://schemas.microsoft.com/office/powerpoint/2010/main" val="1945656664"/>
+      </p:ext>
+    </p:extLst>
+  </p:cSld>
+  <p:clrMapOvr>
+    <a:masterClrMapping/>
+  </p:clrMapOvr>
+</p:notes>
+</file>
+
+<file path=ppt/notesSlides/notesSlide4.xml><?xml version="1.0" encoding="utf-8"?>
+<p:notes xmlns:a="http://schemas.openxmlformats.org/drawingml/2006/main" xmlns:r="http://schemas.openxmlformats.org/officeDocument/2006/relationships" xmlns:p="http://schemas.openxmlformats.org/presentationml/2006/main">
+  <p:cSld>
+    <p:spTree>
+      <p:nvGrpSpPr>
+        <p:cNvPr id="1" name=""/>
+        <p:cNvGrpSpPr/>
+        <p:nvPr/>
+      </p:nvGrpSpPr>
+      <p:grpSpPr>
+        <a:xfrm>
+          <a:off x="0" y="0"/>
+          <a:ext cx="0" cy="0"/>
+          <a:chOff x="0" y="0"/>
+          <a:chExt cx="0" cy="0"/>
+        </a:xfrm>
+      </p:grpSpPr>
+      <p:sp>
+        <p:nvSpPr>
+          <p:cNvPr id="2" name="슬라이드 이미지 개체 틀 1"/>
+          <p:cNvSpPr>
+            <a:spLocks noGrp="1" noRot="1" noChangeAspect="1"/>
+          </p:cNvSpPr>
+          <p:nvPr>
+            <p:ph type="sldImg"/>
+          </p:nvPr>
+        </p:nvSpPr>
+        <p:spPr/>
+      </p:sp>
+      <p:sp>
+        <p:nvSpPr>
+          <p:cNvPr id="3" name="슬라이드 노트 개체 틀 2"/>
+          <p:cNvSpPr>
+            <a:spLocks noGrp="1"/>
+          </p:cNvSpPr>
+          <p:nvPr>
+            <p:ph type="body" idx="1"/>
+          </p:nvPr>
+        </p:nvSpPr>
+        <p:spPr/>
+        <p:txBody>
+          <a:bodyPr/>
+          <a:lstStyle/>
+          <a:p>
+            <a:endParaRPr lang="ko-KR" altLang="en-US" dirty="0"/>
+          </a:p>
+        </p:txBody>
+      </p:sp>
+      <p:sp>
+        <p:nvSpPr>
+          <p:cNvPr id="4" name="슬라이드 번호 개체 틀 3"/>
+          <p:cNvSpPr>
+            <a:spLocks noGrp="1"/>
+          </p:cNvSpPr>
+          <p:nvPr>
+            <p:ph type="sldNum" sz="quarter" idx="10"/>
+          </p:nvPr>
+        </p:nvSpPr>
+        <p:spPr/>
+        <p:txBody>
+          <a:bodyPr/>
+          <a:lstStyle/>
+          <a:p>
+            <a:fld id="{0231EE08-D29B-4EEA-AE59-EA43F352A71D}" type="slidenum">
+              <a:rPr lang="ko-KR" altLang="en-US" smtClean="0"/>
               <a:t>28</a:t>
             </a:fld>
             <a:endParaRPr lang="ko-KR" altLang="en-US"/>
@@ -975,7 +1059,7 @@
 </p:notes>
 </file>
 
-<file path=ppt/notesSlides/notesSlide4.xml><?xml version="1.0" encoding="utf-8"?>
+<file path=ppt/notesSlides/notesSlide5.xml><?xml version="1.0" encoding="utf-8"?>
 <p:notes xmlns:a="http://schemas.openxmlformats.org/drawingml/2006/main" xmlns:r="http://schemas.openxmlformats.org/officeDocument/2006/relationships" xmlns:p="http://schemas.openxmlformats.org/presentationml/2006/main">
   <p:cSld>
     <p:spTree>
@@ -4397,7 +4481,7 @@
           <p:nvPr/>
         </p:nvPicPr>
         <p:blipFill>
-          <a:blip r:embed="rId2" cstate="print">
+          <a:blip r:embed="rId3" cstate="print">
             <a:extLst>
               <a:ext uri="{28A0092B-C50C-407E-A947-70E740481C1C}">
                 <a14:useLocalDpi xmlns:a14="http://schemas.microsoft.com/office/drawing/2010/main" val="0"/>
@@ -4433,7 +4517,7 @@
           <p:nvPr/>
         </p:nvPicPr>
         <p:blipFill>
-          <a:blip r:embed="rId3" cstate="print">
+          <a:blip r:embed="rId4" cstate="print">
             <a:extLst>
               <a:ext uri="{28A0092B-C50C-407E-A947-70E740481C1C}">
                 <a14:useLocalDpi xmlns:a14="http://schemas.microsoft.com/office/drawing/2010/main" val="0"/>
@@ -7954,11 +8038,7 @@
             <a:pPr algn="ctr"/>
             <a:r>
               <a:rPr lang="ko-KR" altLang="en-US" sz="1000" b="1" dirty="0" err="1" smtClean="0"/>
-              <a:t>후기</a:t>
-            </a:r>
-            <a:r>
-              <a:rPr lang="ko-KR" altLang="en-US" sz="1000" b="1" dirty="0" err="1" smtClean="0"/>
-              <a:t>게시판</a:t>
+              <a:t>후기게시판</a:t>
             </a:r>
             <a:endParaRPr lang="ko-KR" altLang="en-US" sz="1000" b="1" dirty="0"/>
           </a:p>
@@ -15471,18 +15551,7 @@
                           <a:latin typeface="+mn-ea"/>
                           <a:ea typeface="+mn-ea"/>
                         </a:rPr>
-                        <a:t>웹 페이지 </a:t>
-                      </a:r>
-                      <a:r>
-                        <a:rPr lang="ko-KR" altLang="en-US" sz="800" b="0" i="0" u="none" strike="noStrike" dirty="0" smtClean="0">
-                          <a:solidFill>
-                            <a:srgbClr val="3F3F48"/>
-                          </a:solidFill>
-                          <a:effectLst/>
-                          <a:latin typeface="+mn-ea"/>
-                          <a:ea typeface="+mn-ea"/>
-                        </a:rPr>
-                        <a:t>이용을 </a:t>
+                        <a:t>웹 페이지 이용을 </a:t>
                       </a:r>
                       <a:r>
                         <a:rPr lang="ko-KR" altLang="en-US" sz="800" b="0" i="0" u="none" strike="noStrike" dirty="0">
@@ -16904,29 +16973,7 @@
                           <a:latin typeface="+mn-ea"/>
                           <a:ea typeface="+mn-ea"/>
                         </a:rPr>
-                        <a:t>가입한 </a:t>
-                      </a:r>
-                      <a:r>
-                        <a:rPr lang="ko-KR" altLang="en-US" sz="800" b="0" i="0" u="none" strike="noStrike" dirty="0" smtClean="0">
-                          <a:solidFill>
-                            <a:srgbClr val="3F3F48"/>
-                          </a:solidFill>
-                          <a:effectLst/>
-                          <a:latin typeface="+mn-ea"/>
-                          <a:ea typeface="+mn-ea"/>
-                        </a:rPr>
-                        <a:t>전체 회원의 </a:t>
-                      </a:r>
-                      <a:r>
-                        <a:rPr lang="ko-KR" altLang="en-US" sz="800" b="0" i="0" u="none" strike="noStrike" dirty="0" smtClean="0">
-                          <a:solidFill>
-                            <a:srgbClr val="3F3F48"/>
-                          </a:solidFill>
-                          <a:effectLst/>
-                          <a:latin typeface="+mn-ea"/>
-                          <a:ea typeface="+mn-ea"/>
-                        </a:rPr>
-                        <a:t>목록을 출력</a:t>
+                        <a:t>가입한 전체 회원의 목록을 출력</a:t>
                       </a:r>
                       <a:endParaRPr lang="en-US" altLang="ko-KR" sz="800" b="0" i="0" u="none" strike="noStrike" dirty="0">
                         <a:solidFill>
@@ -23321,505 +23368,6 @@
           <a:chExt cx="0" cy="0"/>
         </a:xfrm>
       </p:grpSpPr>
-      <p:sp>
-        <p:nvSpPr>
-          <p:cNvPr id="44" name="직사각형 43">
-            <a:extLst>
-              <a:ext uri="{FF2B5EF4-FFF2-40B4-BE49-F238E27FC236}">
-                <a16:creationId xmlns:a16="http://schemas.microsoft.com/office/drawing/2014/main" id="{50B1E11F-5F9E-9F86-3DF7-4C4BD388D51A}"/>
-              </a:ext>
-            </a:extLst>
-          </p:cNvPr>
-          <p:cNvSpPr/>
-          <p:nvPr/>
-        </p:nvSpPr>
-        <p:spPr>
-          <a:xfrm>
-            <a:off x="0" y="-20538"/>
-            <a:ext cx="9144000" cy="461663"/>
-          </a:xfrm>
-          <a:prstGeom prst="rect">
-            <a:avLst/>
-          </a:prstGeom>
-          <a:solidFill>
-            <a:schemeClr val="tx2"/>
-          </a:solidFill>
-          <a:ln>
-            <a:noFill/>
-          </a:ln>
-        </p:spPr>
-        <p:style>
-          <a:lnRef idx="2">
-            <a:schemeClr val="accent1">
-              <a:shade val="50000"/>
-            </a:schemeClr>
-          </a:lnRef>
-          <a:fillRef idx="1">
-            <a:schemeClr val="accent1"/>
-          </a:fillRef>
-          <a:effectRef idx="0">
-            <a:schemeClr val="accent1"/>
-          </a:effectRef>
-          <a:fontRef idx="minor">
-            <a:schemeClr val="lt1"/>
-          </a:fontRef>
-        </p:style>
-        <p:txBody>
-          <a:bodyPr rot="0" spcFirstLastPara="0" vertOverflow="overflow" horzOverflow="overflow" vert="horz" wrap="square" lIns="0" tIns="0" rIns="0" bIns="0" numCol="1" spcCol="0" rtlCol="0" fromWordArt="0" anchor="ctr" anchorCtr="0" forceAA="0" compatLnSpc="1">
-            <a:prstTxWarp prst="textNoShape">
-              <a:avLst/>
-            </a:prstTxWarp>
-            <a:noAutofit/>
-          </a:bodyPr>
-          <a:lstStyle/>
-          <a:p>
-            <a:pPr algn="ctr"/>
-            <a:endParaRPr lang="ko-KR" altLang="en-US" sz="1000" b="1" dirty="0"/>
-          </a:p>
-        </p:txBody>
-      </p:sp>
-      <p:sp>
-        <p:nvSpPr>
-          <p:cNvPr id="2" name="슬라이드 번호 개체 틀 1"/>
-          <p:cNvSpPr>
-            <a:spLocks noGrp="1"/>
-          </p:cNvSpPr>
-          <p:nvPr>
-            <p:ph type="sldNum" sz="quarter" idx="12"/>
-          </p:nvPr>
-        </p:nvSpPr>
-        <p:spPr/>
-        <p:txBody>
-          <a:bodyPr/>
-          <a:lstStyle/>
-          <a:p>
-            <a:fld id="{8E974B11-60DB-405B-8211-256C6E064270}" type="slidenum">
-              <a:rPr lang="ko-KR" altLang="en-US" smtClean="0"/>
-              <a:pPr/>
-              <a:t>18</a:t>
-            </a:fld>
-            <a:endParaRPr lang="ko-KR" altLang="en-US" dirty="0"/>
-          </a:p>
-        </p:txBody>
-      </p:sp>
-      <p:sp>
-        <p:nvSpPr>
-          <p:cNvPr id="45" name="TextBox 44"/>
-          <p:cNvSpPr txBox="1"/>
-          <p:nvPr/>
-        </p:nvSpPr>
-        <p:spPr>
-          <a:xfrm>
-            <a:off x="323528" y="80505"/>
-            <a:ext cx="4464497" cy="369332"/>
-          </a:xfrm>
-          <a:prstGeom prst="rect">
-            <a:avLst/>
-          </a:prstGeom>
-          <a:noFill/>
-        </p:spPr>
-        <p:txBody>
-          <a:bodyPr wrap="square" rtlCol="0">
-            <a:spAutoFit/>
-          </a:bodyPr>
-          <a:lstStyle/>
-          <a:p>
-            <a:r>
-              <a:rPr lang="en-US" altLang="ko-KR" b="1" dirty="0">
-                <a:solidFill>
-                  <a:schemeClr val="bg1"/>
-                </a:solidFill>
-              </a:rPr>
-              <a:t>11. UI </a:t>
-            </a:r>
-            <a:r>
-              <a:rPr lang="ko-KR" altLang="en-US" b="1" dirty="0">
-                <a:solidFill>
-                  <a:schemeClr val="bg1"/>
-                </a:solidFill>
-              </a:rPr>
-              <a:t>시연 및 핵심기능 </a:t>
-            </a:r>
-            <a:r>
-              <a:rPr lang="en-US" altLang="ko-KR" b="1" dirty="0">
-                <a:solidFill>
-                  <a:schemeClr val="bg1"/>
-                </a:solidFill>
-              </a:rPr>
-              <a:t>– </a:t>
-            </a:r>
-            <a:r>
-              <a:rPr lang="ko-KR" altLang="en-US" b="1" dirty="0" smtClean="0">
-                <a:solidFill>
-                  <a:schemeClr val="bg1"/>
-                </a:solidFill>
-              </a:rPr>
-              <a:t>메인 페이지</a:t>
-            </a:r>
-            <a:endParaRPr lang="ko-KR" altLang="en-US" b="1" dirty="0">
-              <a:solidFill>
-                <a:schemeClr val="bg1"/>
-              </a:solidFill>
-            </a:endParaRPr>
-          </a:p>
-        </p:txBody>
-      </p:sp>
-      <p:sp>
-        <p:nvSpPr>
-          <p:cNvPr id="39" name="모서리가 둥근 직사각형 38"/>
-          <p:cNvSpPr/>
-          <p:nvPr/>
-        </p:nvSpPr>
-        <p:spPr>
-          <a:xfrm>
-            <a:off x="5436096" y="555526"/>
-            <a:ext cx="3539617" cy="4392488"/>
-          </a:xfrm>
-          <a:prstGeom prst="roundRect">
-            <a:avLst>
-              <a:gd name="adj" fmla="val 10188"/>
-            </a:avLst>
-          </a:prstGeom>
-          <a:noFill/>
-          <a:ln w="38100">
-            <a:solidFill>
-              <a:srgbClr val="E02F2F"/>
-            </a:solidFill>
-          </a:ln>
-        </p:spPr>
-        <p:style>
-          <a:lnRef idx="2">
-            <a:schemeClr val="accent1">
-              <a:shade val="50000"/>
-            </a:schemeClr>
-          </a:lnRef>
-          <a:fillRef idx="1">
-            <a:schemeClr val="accent1"/>
-          </a:fillRef>
-          <a:effectRef idx="0">
-            <a:schemeClr val="accent1"/>
-          </a:effectRef>
-          <a:fontRef idx="minor">
-            <a:schemeClr val="lt1"/>
-          </a:fontRef>
-        </p:style>
-        <p:txBody>
-          <a:bodyPr rot="0" spcFirstLastPara="0" vertOverflow="overflow" horzOverflow="overflow" vert="horz" wrap="square" lIns="0" tIns="0" rIns="0" bIns="0" numCol="1" spcCol="0" rtlCol="0" fromWordArt="0" anchor="ctr" anchorCtr="0" forceAA="0" compatLnSpc="1">
-            <a:prstTxWarp prst="textNoShape">
-              <a:avLst/>
-            </a:prstTxWarp>
-            <a:noAutofit/>
-          </a:bodyPr>
-          <a:lstStyle/>
-          <a:p>
-            <a:pPr marL="228600" indent="-228600">
-              <a:lnSpc>
-                <a:spcPct val="200000"/>
-              </a:lnSpc>
-              <a:buFont typeface="+mj-ea"/>
-              <a:buAutoNum type="circleNumDbPlain"/>
-            </a:pPr>
-            <a:r>
-              <a:rPr lang="ko-KR" altLang="en-US" sz="1100" b="1" dirty="0" err="1" smtClean="0">
-                <a:solidFill>
-                  <a:schemeClr val="tx1"/>
-                </a:solidFill>
-              </a:rPr>
-              <a:t>로그인전</a:t>
-            </a:r>
-            <a:r>
-              <a:rPr lang="en-US" altLang="ko-KR" sz="1100" b="1" dirty="0">
-                <a:solidFill>
-                  <a:schemeClr val="tx1"/>
-                </a:solidFill>
-              </a:rPr>
-              <a:t>, </a:t>
-            </a:r>
-            <a:r>
-              <a:rPr lang="ko-KR" altLang="en-US" sz="1100" b="1" dirty="0">
-                <a:solidFill>
-                  <a:schemeClr val="tx1"/>
-                </a:solidFill>
-              </a:rPr>
-              <a:t>회원로그인후</a:t>
-            </a:r>
-            <a:r>
-              <a:rPr lang="en-US" altLang="ko-KR" sz="1100" b="1" dirty="0">
-                <a:solidFill>
-                  <a:schemeClr val="tx1"/>
-                </a:solidFill>
-              </a:rPr>
-              <a:t>, </a:t>
-            </a:r>
-            <a:r>
-              <a:rPr lang="ko-KR" altLang="en-US" sz="1100" b="1" dirty="0">
-                <a:solidFill>
-                  <a:schemeClr val="tx1"/>
-                </a:solidFill>
-              </a:rPr>
-              <a:t>관리자로그인 후</a:t>
-            </a:r>
-            <a:r>
-              <a:rPr lang="en-US" altLang="ko-KR" sz="1100" b="1" dirty="0">
-                <a:solidFill>
-                  <a:schemeClr val="tx1"/>
-                </a:solidFill>
-              </a:rPr>
-              <a:t> </a:t>
-            </a:r>
-            <a:r>
-              <a:rPr lang="ko-KR" altLang="en-US" sz="1100" b="1" dirty="0">
-                <a:solidFill>
-                  <a:schemeClr val="tx1"/>
-                </a:solidFill>
-              </a:rPr>
-              <a:t>헤</a:t>
-            </a:r>
-            <a:r>
-              <a:rPr lang="ko-KR" altLang="en-US" sz="1100" b="1" dirty="0" smtClean="0">
-                <a:solidFill>
-                  <a:schemeClr val="tx1"/>
-                </a:solidFill>
-              </a:rPr>
-              <a:t>더의 </a:t>
-            </a:r>
-            <a:r>
-              <a:rPr lang="ko-KR" altLang="en-US" sz="1100" b="1" dirty="0">
-                <a:solidFill>
-                  <a:schemeClr val="tx1"/>
-                </a:solidFill>
-              </a:rPr>
-              <a:t>메뉴가 다르게 보인다</a:t>
-            </a:r>
-            <a:endParaRPr lang="en-US" altLang="ko-KR" sz="1100" b="1" dirty="0">
-              <a:solidFill>
-                <a:schemeClr val="tx1"/>
-              </a:solidFill>
-            </a:endParaRPr>
-          </a:p>
-          <a:p>
-            <a:pPr marL="228600" indent="-228600">
-              <a:lnSpc>
-                <a:spcPct val="200000"/>
-              </a:lnSpc>
-              <a:buFont typeface="+mj-ea"/>
-              <a:buAutoNum type="circleNumDbPlain"/>
-            </a:pPr>
-            <a:r>
-              <a:rPr lang="en-US" altLang="ko-KR" sz="1100" b="1" dirty="0" smtClean="0">
-                <a:solidFill>
-                  <a:schemeClr val="tx1"/>
-                </a:solidFill>
-              </a:rPr>
-              <a:t>submenu</a:t>
-            </a:r>
-          </a:p>
-          <a:p>
-            <a:pPr marL="360000" lvl="1" indent="-228600">
-              <a:lnSpc>
-                <a:spcPct val="200000"/>
-              </a:lnSpc>
-              <a:buFont typeface="Wingdings" panose="05000000000000000000" pitchFamily="2" charset="2"/>
-              <a:buChar char="§"/>
-            </a:pPr>
-            <a:r>
-              <a:rPr lang="ko-KR" altLang="en-US" sz="1100" b="1" dirty="0" smtClean="0">
-                <a:solidFill>
-                  <a:schemeClr val="tx1"/>
-                </a:solidFill>
-              </a:rPr>
-              <a:t>진료예약</a:t>
-            </a:r>
-            <a:r>
-              <a:rPr lang="en-US" altLang="ko-KR" sz="1100" b="1" dirty="0" smtClean="0">
-                <a:solidFill>
-                  <a:schemeClr val="tx1"/>
-                </a:solidFill>
-              </a:rPr>
-              <a:t>, </a:t>
-            </a:r>
-            <a:r>
-              <a:rPr lang="ko-KR" altLang="en-US" sz="1100" b="1" dirty="0" smtClean="0">
-                <a:solidFill>
-                  <a:schemeClr val="tx1"/>
-                </a:solidFill>
-              </a:rPr>
-              <a:t>후기게시판은 회원만 이용가</a:t>
-            </a:r>
-            <a:r>
-              <a:rPr lang="ko-KR" altLang="en-US" sz="1100" b="1" dirty="0" smtClean="0">
-                <a:solidFill>
-                  <a:schemeClr val="tx1"/>
-                </a:solidFill>
-              </a:rPr>
-              <a:t>능</a:t>
-            </a:r>
-            <a:endParaRPr lang="en-US" altLang="ko-KR" sz="1100" b="1" dirty="0" smtClean="0">
-              <a:solidFill>
-                <a:schemeClr val="tx1"/>
-              </a:solidFill>
-            </a:endParaRPr>
-          </a:p>
-          <a:p>
-            <a:pPr marL="360000" lvl="1" indent="-228600">
-              <a:lnSpc>
-                <a:spcPct val="200000"/>
-              </a:lnSpc>
-              <a:buFont typeface="Wingdings" panose="05000000000000000000" pitchFamily="2" charset="2"/>
-              <a:buChar char="§"/>
-            </a:pPr>
-            <a:r>
-              <a:rPr lang="ko-KR" altLang="en-US" sz="1100" b="1" dirty="0" smtClean="0">
-                <a:solidFill>
-                  <a:schemeClr val="tx1"/>
-                </a:solidFill>
-              </a:rPr>
-              <a:t>로고를 클릭하면 </a:t>
-            </a:r>
-            <a:r>
-              <a:rPr lang="en-US" altLang="ko-KR" sz="1100" b="1" dirty="0" smtClean="0">
-                <a:solidFill>
-                  <a:schemeClr val="tx1"/>
-                </a:solidFill>
-              </a:rPr>
-              <a:t>main </a:t>
-            </a:r>
-            <a:r>
-              <a:rPr lang="ko-KR" altLang="en-US" sz="1100" b="1" dirty="0" smtClean="0">
-                <a:solidFill>
-                  <a:schemeClr val="tx1"/>
-                </a:solidFill>
-              </a:rPr>
-              <a:t>페이지로 이동</a:t>
-            </a:r>
-            <a:endParaRPr lang="en-US" altLang="ko-KR" sz="1100" b="1" dirty="0" smtClean="0">
-              <a:solidFill>
-                <a:schemeClr val="tx1"/>
-              </a:solidFill>
-            </a:endParaRPr>
-          </a:p>
-          <a:p>
-            <a:pPr marL="228600" indent="-228600">
-              <a:lnSpc>
-                <a:spcPct val="200000"/>
-              </a:lnSpc>
-              <a:buFont typeface="+mj-ea"/>
-              <a:buAutoNum type="circleNumDbPlain"/>
-            </a:pPr>
-            <a:r>
-              <a:rPr lang="en-US" altLang="ko-KR" sz="1100" b="1" dirty="0" smtClean="0">
-                <a:solidFill>
-                  <a:schemeClr val="tx1"/>
-                </a:solidFill>
-              </a:rPr>
-              <a:t>main</a:t>
-            </a:r>
-            <a:endParaRPr lang="en-US" altLang="ko-KR" sz="1100" b="1" dirty="0">
-              <a:solidFill>
-                <a:schemeClr val="tx1"/>
-              </a:solidFill>
-            </a:endParaRPr>
-          </a:p>
-          <a:p>
-            <a:pPr marL="360000" lvl="1" indent="-228600">
-              <a:lnSpc>
-                <a:spcPct val="200000"/>
-              </a:lnSpc>
-              <a:buFont typeface="Wingdings" panose="05000000000000000000" pitchFamily="2" charset="2"/>
-              <a:buChar char="§"/>
-            </a:pPr>
-            <a:r>
-              <a:rPr lang="ko-KR" altLang="en-US" sz="1100" b="1" dirty="0" smtClean="0">
-                <a:solidFill>
-                  <a:schemeClr val="tx1"/>
-                </a:solidFill>
-              </a:rPr>
-              <a:t>치과에서 서비스 하는 메뉴들 보기</a:t>
-            </a:r>
-            <a:endParaRPr lang="en-US" altLang="ko-KR" sz="1100" b="1" dirty="0" smtClean="0">
-              <a:solidFill>
-                <a:schemeClr val="tx1"/>
-              </a:solidFill>
-            </a:endParaRPr>
-          </a:p>
-          <a:p>
-            <a:pPr marL="360000" lvl="1" indent="-228600">
-              <a:lnSpc>
-                <a:spcPct val="200000"/>
-              </a:lnSpc>
-              <a:buFont typeface="Wingdings" panose="05000000000000000000" pitchFamily="2" charset="2"/>
-              <a:buChar char="§"/>
-            </a:pPr>
-            <a:r>
-              <a:rPr lang="ko-KR" altLang="en-US" sz="1100" b="1" dirty="0" smtClean="0">
-                <a:solidFill>
-                  <a:schemeClr val="tx1"/>
-                </a:solidFill>
-              </a:rPr>
-              <a:t>비회원</a:t>
-            </a:r>
-            <a:r>
-              <a:rPr lang="en-US" altLang="ko-KR" sz="1100" b="1" dirty="0" smtClean="0">
-                <a:solidFill>
-                  <a:schemeClr val="tx1"/>
-                </a:solidFill>
-              </a:rPr>
-              <a:t>, </a:t>
-            </a:r>
-            <a:r>
-              <a:rPr lang="ko-KR" altLang="en-US" sz="1100" b="1" dirty="0" smtClean="0">
-                <a:solidFill>
-                  <a:schemeClr val="tx1"/>
-                </a:solidFill>
-              </a:rPr>
-              <a:t>회원</a:t>
-            </a:r>
-            <a:r>
-              <a:rPr lang="en-US" altLang="ko-KR" sz="1100" b="1" dirty="0" smtClean="0">
-                <a:solidFill>
-                  <a:schemeClr val="tx1"/>
-                </a:solidFill>
-              </a:rPr>
-              <a:t>, </a:t>
-            </a:r>
-            <a:r>
-              <a:rPr lang="ko-KR" altLang="en-US" sz="1100" b="1" dirty="0" smtClean="0">
-                <a:solidFill>
-                  <a:schemeClr val="tx1"/>
-                </a:solidFill>
-              </a:rPr>
-              <a:t>관리자 모두 이용 가능</a:t>
-            </a:r>
-            <a:endParaRPr lang="en-US" altLang="ko-KR" sz="1100" b="1" dirty="0" smtClean="0">
-              <a:solidFill>
-                <a:schemeClr val="tx1"/>
-              </a:solidFill>
-            </a:endParaRPr>
-          </a:p>
-          <a:p>
-            <a:pPr marL="228600" indent="-228600">
-              <a:lnSpc>
-                <a:spcPct val="200000"/>
-              </a:lnSpc>
-              <a:buFont typeface="+mj-ea"/>
-              <a:buAutoNum type="circleNumDbPlain"/>
-            </a:pPr>
-            <a:r>
-              <a:rPr lang="ko-KR" altLang="en-US" sz="1100" b="1" smtClean="0">
-                <a:solidFill>
-                  <a:schemeClr val="tx1"/>
-                </a:solidFill>
-              </a:rPr>
-              <a:t>관리자 전용 로그인</a:t>
-            </a:r>
-            <a:endParaRPr lang="en-US" altLang="ko-KR" sz="1100" b="1" dirty="0" smtClean="0">
-              <a:solidFill>
-                <a:schemeClr val="tx1"/>
-              </a:solidFill>
-            </a:endParaRPr>
-          </a:p>
-        </p:txBody>
-      </p:sp>
       <p:pic>
         <p:nvPicPr>
           <p:cNvPr id="4" name="그림 3"/>
@@ -23842,8 +23390,8 @@
         </p:blipFill>
         <p:spPr>
           <a:xfrm>
-            <a:off x="323528" y="555526"/>
-            <a:ext cx="4968552" cy="4392488"/>
+            <a:off x="323528" y="591820"/>
+            <a:ext cx="5493285" cy="4392488"/>
           </a:xfrm>
           <a:prstGeom prst="rect">
             <a:avLst/>
@@ -23852,23 +23400,29 @@
       </p:pic>
       <p:sp>
         <p:nvSpPr>
-          <p:cNvPr id="24" name="직사각형 23"/>
+          <p:cNvPr id="44" name="직사각형 43">
+            <a:extLst>
+              <a:ext uri="{FF2B5EF4-FFF2-40B4-BE49-F238E27FC236}">
+                <a16:creationId xmlns:a16="http://schemas.microsoft.com/office/drawing/2014/main" id="{50B1E11F-5F9E-9F86-3DF7-4C4BD388D51A}"/>
+              </a:ext>
+            </a:extLst>
+          </p:cNvPr>
           <p:cNvSpPr/>
           <p:nvPr/>
         </p:nvSpPr>
         <p:spPr>
           <a:xfrm>
-            <a:off x="3131840" y="555526"/>
-            <a:ext cx="1296144" cy="144016"/>
+            <a:off x="0" y="-20538"/>
+            <a:ext cx="9144000" cy="461663"/>
           </a:xfrm>
           <a:prstGeom prst="rect">
             <a:avLst/>
           </a:prstGeom>
-          <a:noFill/>
-          <a:ln w="38100">
-            <a:solidFill>
-              <a:srgbClr val="FF0000"/>
-            </a:solidFill>
+          <a:solidFill>
+            <a:schemeClr val="tx2"/>
+          </a:solidFill>
+          <a:ln>
+            <a:noFill/>
           </a:ln>
         </p:spPr>
         <p:style>
@@ -23897,28 +23451,116 @@
           <a:lstStyle/>
           <a:p>
             <a:pPr algn="ctr"/>
-            <a:endParaRPr lang="ko-KR" altLang="en-US" sz="1000" b="1" dirty="0" smtClean="0"/>
+            <a:endParaRPr lang="ko-KR" altLang="en-US" sz="1000" b="1" dirty="0"/>
           </a:p>
         </p:txBody>
       </p:sp>
       <p:sp>
         <p:nvSpPr>
-          <p:cNvPr id="25" name="직사각형 24"/>
-          <p:cNvSpPr/>
+          <p:cNvPr id="2" name="슬라이드 번호 개체 틀 1"/>
+          <p:cNvSpPr>
+            <a:spLocks noGrp="1"/>
+          </p:cNvSpPr>
+          <p:nvPr>
+            <p:ph type="sldNum" sz="quarter" idx="12"/>
+          </p:nvPr>
+        </p:nvSpPr>
+        <p:spPr/>
+        <p:txBody>
+          <a:bodyPr/>
+          <a:lstStyle/>
+          <a:p>
+            <a:fld id="{8E974B11-60DB-405B-8211-256C6E064270}" type="slidenum">
+              <a:rPr lang="ko-KR" altLang="en-US" smtClean="0"/>
+              <a:pPr/>
+              <a:t>18</a:t>
+            </a:fld>
+            <a:endParaRPr lang="ko-KR" altLang="en-US" dirty="0"/>
+          </a:p>
+        </p:txBody>
+      </p:sp>
+      <p:sp>
+        <p:nvSpPr>
+          <p:cNvPr id="45" name="TextBox 44"/>
+          <p:cNvSpPr txBox="1"/>
           <p:nvPr/>
         </p:nvSpPr>
         <p:spPr>
           <a:xfrm>
-            <a:off x="611560" y="732060"/>
-            <a:ext cx="3960440" cy="327521"/>
+            <a:off x="323528" y="80505"/>
+            <a:ext cx="4464497" cy="369332"/>
           </a:xfrm>
           <a:prstGeom prst="rect">
             <a:avLst/>
           </a:prstGeom>
           <a:noFill/>
+        </p:spPr>
+        <p:txBody>
+          <a:bodyPr wrap="square" rtlCol="0">
+            <a:spAutoFit/>
+          </a:bodyPr>
+          <a:lstStyle/>
+          <a:p>
+            <a:r>
+              <a:rPr lang="en-US" altLang="ko-KR" b="1" dirty="0">
+                <a:solidFill>
+                  <a:schemeClr val="bg1"/>
+                </a:solidFill>
+              </a:rPr>
+              <a:t>11. UI </a:t>
+            </a:r>
+            <a:r>
+              <a:rPr lang="ko-KR" altLang="en-US" b="1" dirty="0">
+                <a:solidFill>
+                  <a:schemeClr val="bg1"/>
+                </a:solidFill>
+              </a:rPr>
+              <a:t>시연 및 핵심기능 </a:t>
+            </a:r>
+            <a:r>
+              <a:rPr lang="en-US" altLang="ko-KR" b="1" dirty="0">
+                <a:solidFill>
+                  <a:schemeClr val="bg1"/>
+                </a:solidFill>
+              </a:rPr>
+              <a:t>– </a:t>
+            </a:r>
+            <a:r>
+              <a:rPr lang="ko-KR" altLang="en-US" b="1" dirty="0" smtClean="0">
+                <a:solidFill>
+                  <a:schemeClr val="bg1"/>
+                </a:solidFill>
+              </a:rPr>
+              <a:t>메인 페이지</a:t>
+            </a:r>
+            <a:endParaRPr lang="ko-KR" altLang="en-US" b="1" dirty="0">
+              <a:solidFill>
+                <a:schemeClr val="bg1"/>
+              </a:solidFill>
+            </a:endParaRPr>
+          </a:p>
+        </p:txBody>
+      </p:sp>
+      <p:sp>
+        <p:nvSpPr>
+          <p:cNvPr id="39" name="모서리가 둥근 직사각형 38"/>
+          <p:cNvSpPr/>
+          <p:nvPr/>
+        </p:nvSpPr>
+        <p:spPr>
+          <a:xfrm>
+            <a:off x="5868144" y="771550"/>
+            <a:ext cx="3107569" cy="4176464"/>
+          </a:xfrm>
+          <a:prstGeom prst="roundRect">
+            <a:avLst>
+              <a:gd name="adj" fmla="val 10188"/>
+            </a:avLst>
+          </a:prstGeom>
+          <a:noFill/>
           <a:ln w="38100">
             <a:solidFill>
-              <a:srgbClr val="FF0000"/>
+              <a:srgbClr val="E02F2F"/>
             </a:solidFill>
           </a:ln>
         </p:spPr>
@@ -23947,97 +23589,278 @@
           </a:bodyPr>
           <a:lstStyle/>
           <a:p>
-            <a:pPr algn="ctr"/>
-            <a:endParaRPr lang="ko-KR" altLang="en-US" sz="1000" b="1" dirty="0" smtClean="0"/>
+            <a:pPr marL="228600" indent="-228600">
+              <a:lnSpc>
+                <a:spcPct val="200000"/>
+              </a:lnSpc>
+              <a:buFont typeface="+mj-ea"/>
+              <a:buAutoNum type="circleNumDbPlain"/>
+            </a:pPr>
+            <a:r>
+              <a:rPr lang="ko-KR" altLang="en-US" sz="1100" b="1" dirty="0" err="1" smtClean="0">
+                <a:solidFill>
+                  <a:schemeClr val="tx1"/>
+                </a:solidFill>
+              </a:rPr>
+              <a:t>로그인전</a:t>
+            </a:r>
+            <a:r>
+              <a:rPr lang="en-US" altLang="ko-KR" sz="1100" b="1" dirty="0">
+                <a:solidFill>
+                  <a:schemeClr val="tx1"/>
+                </a:solidFill>
+              </a:rPr>
+              <a:t>, </a:t>
+            </a:r>
+            <a:r>
+              <a:rPr lang="ko-KR" altLang="en-US" sz="1100" b="1" dirty="0">
+                <a:solidFill>
+                  <a:schemeClr val="tx1"/>
+                </a:solidFill>
+              </a:rPr>
+              <a:t>회원로그인후</a:t>
+            </a:r>
+            <a:r>
+              <a:rPr lang="en-US" altLang="ko-KR" sz="1100" b="1" dirty="0">
+                <a:solidFill>
+                  <a:schemeClr val="tx1"/>
+                </a:solidFill>
+              </a:rPr>
+              <a:t>, </a:t>
+            </a:r>
+            <a:r>
+              <a:rPr lang="ko-KR" altLang="en-US" sz="1100" b="1" dirty="0">
+                <a:solidFill>
+                  <a:schemeClr val="tx1"/>
+                </a:solidFill>
+              </a:rPr>
+              <a:t>관리자로그인 후</a:t>
+            </a:r>
+            <a:r>
+              <a:rPr lang="en-US" altLang="ko-KR" sz="1100" b="1" dirty="0">
+                <a:solidFill>
+                  <a:schemeClr val="tx1"/>
+                </a:solidFill>
+              </a:rPr>
+              <a:t> </a:t>
+            </a:r>
+            <a:r>
+              <a:rPr lang="ko-KR" altLang="en-US" sz="1100" b="1" dirty="0">
+                <a:solidFill>
+                  <a:schemeClr val="tx1"/>
+                </a:solidFill>
+              </a:rPr>
+              <a:t>헤</a:t>
+            </a:r>
+            <a:r>
+              <a:rPr lang="ko-KR" altLang="en-US" sz="1100" b="1" dirty="0" smtClean="0">
+                <a:solidFill>
+                  <a:schemeClr val="tx1"/>
+                </a:solidFill>
+              </a:rPr>
+              <a:t>더의 </a:t>
+            </a:r>
+            <a:r>
+              <a:rPr lang="ko-KR" altLang="en-US" sz="1100" b="1" dirty="0">
+                <a:solidFill>
+                  <a:schemeClr val="tx1"/>
+                </a:solidFill>
+              </a:rPr>
+              <a:t>메뉴가 다르게 보인다</a:t>
+            </a:r>
+            <a:endParaRPr lang="en-US" altLang="ko-KR" sz="1100" b="1" dirty="0">
+              <a:solidFill>
+                <a:schemeClr val="tx1"/>
+              </a:solidFill>
+            </a:endParaRPr>
+          </a:p>
+          <a:p>
+            <a:pPr marL="228600" indent="-228600">
+              <a:lnSpc>
+                <a:spcPct val="200000"/>
+              </a:lnSpc>
+              <a:buFont typeface="+mj-ea"/>
+              <a:buAutoNum type="circleNumDbPlain"/>
+            </a:pPr>
+            <a:r>
+              <a:rPr lang="en-US" altLang="ko-KR" sz="1100" b="1" dirty="0" smtClean="0">
+                <a:solidFill>
+                  <a:schemeClr val="tx1"/>
+                </a:solidFill>
+              </a:rPr>
+              <a:t>submenu</a:t>
+            </a:r>
+          </a:p>
+          <a:p>
+            <a:pPr marL="360000" lvl="1" indent="-228600">
+              <a:lnSpc>
+                <a:spcPct val="200000"/>
+              </a:lnSpc>
+              <a:buFont typeface="Wingdings" panose="05000000000000000000" pitchFamily="2" charset="2"/>
+              <a:buChar char="§"/>
+            </a:pPr>
+            <a:r>
+              <a:rPr lang="ko-KR" altLang="en-US" sz="1100" b="1" dirty="0" smtClean="0">
+                <a:solidFill>
+                  <a:schemeClr val="tx1"/>
+                </a:solidFill>
+              </a:rPr>
+              <a:t>진료예약</a:t>
+            </a:r>
+            <a:r>
+              <a:rPr lang="en-US" altLang="ko-KR" sz="1100" b="1" dirty="0" smtClean="0">
+                <a:solidFill>
+                  <a:schemeClr val="tx1"/>
+                </a:solidFill>
+              </a:rPr>
+              <a:t>, </a:t>
+            </a:r>
+            <a:r>
+              <a:rPr lang="ko-KR" altLang="en-US" sz="1100" b="1" dirty="0" smtClean="0">
+                <a:solidFill>
+                  <a:schemeClr val="tx1"/>
+                </a:solidFill>
+              </a:rPr>
+              <a:t>후기게시판은 회원만 이용가능</a:t>
+            </a:r>
+            <a:endParaRPr lang="en-US" altLang="ko-KR" sz="1100" b="1" dirty="0" smtClean="0">
+              <a:solidFill>
+                <a:schemeClr val="tx1"/>
+              </a:solidFill>
+            </a:endParaRPr>
+          </a:p>
+          <a:p>
+            <a:pPr marL="228600" indent="-228600">
+              <a:lnSpc>
+                <a:spcPct val="200000"/>
+              </a:lnSpc>
+              <a:buFont typeface="+mj-ea"/>
+              <a:buAutoNum type="circleNumDbPlain"/>
+            </a:pPr>
+            <a:r>
+              <a:rPr lang="en-US" altLang="ko-KR" sz="1100" b="1" dirty="0" smtClean="0">
+                <a:solidFill>
+                  <a:schemeClr val="tx1"/>
+                </a:solidFill>
+              </a:rPr>
+              <a:t>main</a:t>
+            </a:r>
+            <a:endParaRPr lang="en-US" altLang="ko-KR" sz="1100" b="1" dirty="0">
+              <a:solidFill>
+                <a:schemeClr val="tx1"/>
+              </a:solidFill>
+            </a:endParaRPr>
+          </a:p>
+          <a:p>
+            <a:pPr marL="360000" lvl="1" indent="-228600">
+              <a:lnSpc>
+                <a:spcPct val="200000"/>
+              </a:lnSpc>
+              <a:buFont typeface="Wingdings" panose="05000000000000000000" pitchFamily="2" charset="2"/>
+              <a:buChar char="§"/>
+            </a:pPr>
+            <a:r>
+              <a:rPr lang="ko-KR" altLang="en-US" sz="1100" b="1" dirty="0" smtClean="0">
+                <a:solidFill>
+                  <a:schemeClr val="tx1"/>
+                </a:solidFill>
+              </a:rPr>
+              <a:t>치과에서 서비스 하는 메뉴들 보기</a:t>
+            </a:r>
+            <a:endParaRPr lang="en-US" altLang="ko-KR" sz="1100" b="1" dirty="0" smtClean="0">
+              <a:solidFill>
+                <a:schemeClr val="tx1"/>
+              </a:solidFill>
+            </a:endParaRPr>
+          </a:p>
+          <a:p>
+            <a:pPr marL="360000" lvl="1" indent="-228600">
+              <a:lnSpc>
+                <a:spcPct val="200000"/>
+              </a:lnSpc>
+              <a:buFont typeface="Wingdings" panose="05000000000000000000" pitchFamily="2" charset="2"/>
+              <a:buChar char="§"/>
+            </a:pPr>
+            <a:r>
+              <a:rPr lang="ko-KR" altLang="en-US" sz="1100" b="1" dirty="0" smtClean="0">
+                <a:solidFill>
+                  <a:schemeClr val="tx1"/>
+                </a:solidFill>
+              </a:rPr>
+              <a:t>비회원</a:t>
+            </a:r>
+            <a:r>
+              <a:rPr lang="en-US" altLang="ko-KR" sz="1100" b="1" dirty="0" smtClean="0">
+                <a:solidFill>
+                  <a:schemeClr val="tx1"/>
+                </a:solidFill>
+              </a:rPr>
+              <a:t>, </a:t>
+            </a:r>
+            <a:r>
+              <a:rPr lang="ko-KR" altLang="en-US" sz="1100" b="1" dirty="0" smtClean="0">
+                <a:solidFill>
+                  <a:schemeClr val="tx1"/>
+                </a:solidFill>
+              </a:rPr>
+              <a:t>회원</a:t>
+            </a:r>
+            <a:r>
+              <a:rPr lang="en-US" altLang="ko-KR" sz="1100" b="1" dirty="0" smtClean="0">
+                <a:solidFill>
+                  <a:schemeClr val="tx1"/>
+                </a:solidFill>
+              </a:rPr>
+              <a:t>, </a:t>
+            </a:r>
+            <a:r>
+              <a:rPr lang="ko-KR" altLang="en-US" sz="1100" b="1" dirty="0" smtClean="0">
+                <a:solidFill>
+                  <a:schemeClr val="tx1"/>
+                </a:solidFill>
+              </a:rPr>
+              <a:t>관리자 모두 이용 가능</a:t>
+            </a:r>
+            <a:endParaRPr lang="en-US" altLang="ko-KR" sz="1100" b="1" dirty="0" smtClean="0">
+              <a:solidFill>
+                <a:schemeClr val="tx1"/>
+              </a:solidFill>
+            </a:endParaRPr>
+          </a:p>
+          <a:p>
+            <a:pPr marL="228600" indent="-228600">
+              <a:lnSpc>
+                <a:spcPct val="200000"/>
+              </a:lnSpc>
+              <a:buFont typeface="+mj-ea"/>
+              <a:buAutoNum type="circleNumDbPlain"/>
+            </a:pPr>
+            <a:r>
+              <a:rPr lang="ko-KR" altLang="en-US" sz="1100" b="1" dirty="0" smtClean="0">
+                <a:solidFill>
+                  <a:schemeClr val="tx1"/>
+                </a:solidFill>
+              </a:rPr>
+              <a:t>관리자 전용 로그인</a:t>
+            </a:r>
+            <a:endParaRPr lang="en-US" altLang="ko-KR" sz="1100" b="1" dirty="0" smtClean="0">
+              <a:solidFill>
+                <a:schemeClr val="tx1"/>
+              </a:solidFill>
+            </a:endParaRPr>
           </a:p>
         </p:txBody>
       </p:sp>
       <p:sp>
         <p:nvSpPr>
-          <p:cNvPr id="26" name="TextBox 25"/>
-          <p:cNvSpPr txBox="1"/>
-          <p:nvPr/>
-        </p:nvSpPr>
-        <p:spPr>
-          <a:xfrm>
-            <a:off x="2762702" y="371441"/>
-            <a:ext cx="441146" cy="400109"/>
-          </a:xfrm>
-          <a:prstGeom prst="rect">
-            <a:avLst/>
-          </a:prstGeom>
-          <a:noFill/>
-        </p:spPr>
-        <p:txBody>
-          <a:bodyPr wrap="none" rtlCol="0">
-            <a:spAutoFit/>
-          </a:bodyPr>
-          <a:lstStyle/>
-          <a:p>
-            <a:r>
-              <a:rPr lang="ko-KR" altLang="en-US" sz="2000" b="1" dirty="0" smtClean="0">
-                <a:solidFill>
-                  <a:srgbClr val="FF0000"/>
-                </a:solidFill>
-              </a:rPr>
-              <a:t>①</a:t>
-            </a:r>
-            <a:endParaRPr lang="ko-KR" altLang="en-US" sz="2000" b="1" dirty="0">
-              <a:solidFill>
-                <a:srgbClr val="FF0000"/>
-              </a:solidFill>
-            </a:endParaRPr>
-          </a:p>
-        </p:txBody>
-      </p:sp>
-      <p:sp>
-        <p:nvSpPr>
-          <p:cNvPr id="27" name="TextBox 26"/>
-          <p:cNvSpPr txBox="1"/>
-          <p:nvPr/>
-        </p:nvSpPr>
-        <p:spPr>
-          <a:xfrm>
-            <a:off x="119117" y="627534"/>
-            <a:ext cx="492443" cy="461664"/>
-          </a:xfrm>
-          <a:prstGeom prst="rect">
-            <a:avLst/>
-          </a:prstGeom>
-          <a:noFill/>
-        </p:spPr>
-        <p:txBody>
-          <a:bodyPr wrap="none" rtlCol="0">
-            <a:spAutoFit/>
-          </a:bodyPr>
-          <a:lstStyle/>
-          <a:p>
-            <a:r>
-              <a:rPr lang="ko-KR" altLang="en-US" sz="2400" b="1" dirty="0" smtClean="0">
-                <a:solidFill>
-                  <a:srgbClr val="FF0000"/>
-                </a:solidFill>
-              </a:rPr>
-              <a:t>②</a:t>
-            </a:r>
-            <a:endParaRPr lang="ko-KR" altLang="en-US" sz="2400" b="1" dirty="0">
-              <a:solidFill>
-                <a:srgbClr val="FF0000"/>
-              </a:solidFill>
-            </a:endParaRPr>
-          </a:p>
-        </p:txBody>
-      </p:sp>
-      <p:sp>
-        <p:nvSpPr>
-          <p:cNvPr id="30" name="직사각형 29"/>
+          <p:cNvPr id="25" name="직사각형 24"/>
           <p:cNvSpPr/>
           <p:nvPr/>
         </p:nvSpPr>
         <p:spPr>
           <a:xfrm>
-            <a:off x="611560" y="2211710"/>
-            <a:ext cx="3600400" cy="2160240"/>
+            <a:off x="683568" y="780842"/>
+            <a:ext cx="4392488" cy="251448"/>
           </a:xfrm>
           <a:prstGeom prst="rect">
             <a:avLst/>
@@ -24081,14 +23904,14 @@
       </p:sp>
       <p:sp>
         <p:nvSpPr>
-          <p:cNvPr id="32" name="TextBox 31"/>
+          <p:cNvPr id="26" name="TextBox 25"/>
           <p:cNvSpPr txBox="1"/>
           <p:nvPr/>
         </p:nvSpPr>
         <p:spPr>
           <a:xfrm>
-            <a:off x="107505" y="2931790"/>
-            <a:ext cx="452724" cy="461665"/>
+            <a:off x="3122742" y="411510"/>
+            <a:ext cx="441146" cy="400109"/>
           </a:xfrm>
           <a:prstGeom prst="rect">
             <a:avLst/>
@@ -24096,18 +23919,56 @@
           <a:noFill/>
         </p:spPr>
         <p:txBody>
-          <a:bodyPr wrap="square" rtlCol="0">
+          <a:bodyPr wrap="none" rtlCol="0">
             <a:spAutoFit/>
           </a:bodyPr>
           <a:lstStyle/>
           <a:p>
             <a:r>
+              <a:rPr lang="ko-KR" altLang="en-US" sz="2000" b="1" dirty="0" smtClean="0">
+                <a:solidFill>
+                  <a:srgbClr val="FF0000"/>
+                </a:solidFill>
+              </a:rPr>
+              <a:t>①</a:t>
+            </a:r>
+            <a:endParaRPr lang="ko-KR" altLang="en-US" sz="2000" b="1" dirty="0">
+              <a:solidFill>
+                <a:srgbClr val="FF0000"/>
+              </a:solidFill>
+            </a:endParaRPr>
+          </a:p>
+        </p:txBody>
+      </p:sp>
+      <p:sp>
+        <p:nvSpPr>
+          <p:cNvPr id="27" name="TextBox 26"/>
+          <p:cNvSpPr txBox="1"/>
+          <p:nvPr/>
+        </p:nvSpPr>
+        <p:spPr>
+          <a:xfrm>
+            <a:off x="251520" y="627534"/>
+            <a:ext cx="492443" cy="461664"/>
+          </a:xfrm>
+          <a:prstGeom prst="rect">
+            <a:avLst/>
+          </a:prstGeom>
+          <a:noFill/>
+        </p:spPr>
+        <p:txBody>
+          <a:bodyPr wrap="none" rtlCol="0">
+            <a:spAutoFit/>
+          </a:bodyPr>
+          <a:lstStyle/>
+          <a:p>
+            <a:r>
               <a:rPr lang="ko-KR" altLang="en-US" sz="2400" b="1" dirty="0" smtClean="0">
                 <a:solidFill>
                   <a:srgbClr val="FF0000"/>
                 </a:solidFill>
               </a:rPr>
-              <a:t>③</a:t>
+              <a:t>②</a:t>
             </a:r>
             <a:endParaRPr lang="ko-KR" altLang="en-US" sz="2400" b="1" dirty="0">
               <a:solidFill>
@@ -24119,14 +23980,14 @@
       </p:sp>
       <p:sp>
         <p:nvSpPr>
-          <p:cNvPr id="41" name="직사각형 40"/>
+          <p:cNvPr id="30" name="직사각형 29"/>
           <p:cNvSpPr/>
           <p:nvPr/>
         </p:nvSpPr>
         <p:spPr>
           <a:xfrm>
-            <a:off x="2564160" y="4803998"/>
-            <a:ext cx="423664" cy="78223"/>
+            <a:off x="611560" y="2211710"/>
+            <a:ext cx="4104456" cy="2160240"/>
           </a:xfrm>
           <a:prstGeom prst="rect">
             <a:avLst/>
@@ -24170,6 +24031,44 @@
       </p:sp>
       <p:sp>
         <p:nvSpPr>
+          <p:cNvPr id="32" name="TextBox 31"/>
+          <p:cNvSpPr txBox="1"/>
+          <p:nvPr/>
+        </p:nvSpPr>
+        <p:spPr>
+          <a:xfrm>
+            <a:off x="107505" y="2931790"/>
+            <a:ext cx="452724" cy="461665"/>
+          </a:xfrm>
+          <a:prstGeom prst="rect">
+            <a:avLst/>
+          </a:prstGeom>
+          <a:noFill/>
+        </p:spPr>
+        <p:txBody>
+          <a:bodyPr wrap="square" rtlCol="0">
+            <a:spAutoFit/>
+          </a:bodyPr>
+          <a:lstStyle/>
+          <a:p>
+            <a:r>
+              <a:rPr lang="ko-KR" altLang="en-US" sz="2400" b="1" dirty="0" smtClean="0">
+                <a:solidFill>
+                  <a:srgbClr val="FF0000"/>
+                </a:solidFill>
+              </a:rPr>
+              <a:t>③</a:t>
+            </a:r>
+            <a:endParaRPr lang="ko-KR" altLang="en-US" sz="2400" b="1" dirty="0">
+              <a:solidFill>
+                <a:srgbClr val="FF0000"/>
+              </a:solidFill>
+            </a:endParaRPr>
+          </a:p>
+        </p:txBody>
+      </p:sp>
+      <p:sp>
+        <p:nvSpPr>
           <p:cNvPr id="43" name="TextBox 42"/>
           <p:cNvSpPr txBox="1"/>
           <p:nvPr/>
@@ -24203,6 +24102,55 @@
                 <a:srgbClr val="FF0000"/>
               </a:solidFill>
             </a:endParaRPr>
+          </a:p>
+        </p:txBody>
+      </p:sp>
+      <p:sp>
+        <p:nvSpPr>
+          <p:cNvPr id="15" name="직사각형 14"/>
+          <p:cNvSpPr/>
+          <p:nvPr/>
+        </p:nvSpPr>
+        <p:spPr>
+          <a:xfrm>
+            <a:off x="3491880" y="555525"/>
+            <a:ext cx="1296144" cy="146049"/>
+          </a:xfrm>
+          <a:prstGeom prst="rect">
+            <a:avLst/>
+          </a:prstGeom>
+          <a:noFill/>
+          <a:ln>
+            <a:solidFill>
+              <a:srgbClr val="FF0000"/>
+            </a:solidFill>
+          </a:ln>
+        </p:spPr>
+        <p:style>
+          <a:lnRef idx="2">
+            <a:schemeClr val="accent2"/>
+          </a:lnRef>
+          <a:fillRef idx="1">
+            <a:schemeClr val="lt1"/>
+          </a:fillRef>
+          <a:effectRef idx="0">
+            <a:schemeClr val="accent2"/>
+          </a:effectRef>
+          <a:fontRef idx="minor">
+            <a:schemeClr val="dk1"/>
+          </a:fontRef>
+        </p:style>
+        <p:txBody>
+          <a:bodyPr rot="0" spcFirstLastPara="0" vertOverflow="overflow" horzOverflow="overflow" vert="horz" wrap="square" lIns="0" tIns="0" rIns="0" bIns="0" numCol="1" spcCol="0" rtlCol="0" fromWordArt="0" anchor="ctr" anchorCtr="0" forceAA="0" compatLnSpc="1">
+            <a:prstTxWarp prst="textNoShape">
+              <a:avLst/>
+            </a:prstTxWarp>
+            <a:noAutofit/>
+          </a:bodyPr>
+          <a:lstStyle/>
+          <a:p>
+            <a:pPr algn="ctr"/>
+            <a:endParaRPr lang="ko-KR" altLang="en-US" sz="1000" b="1" dirty="0" smtClean="0"/>
           </a:p>
         </p:txBody>
       </p:sp>
@@ -24394,8 +24342,8 @@
         </p:nvSpPr>
         <p:spPr>
           <a:xfrm>
-            <a:off x="5508104" y="681539"/>
-            <a:ext cx="3539617" cy="4170331"/>
+            <a:off x="5868144" y="1131590"/>
+            <a:ext cx="3179577" cy="3720280"/>
           </a:xfrm>
           <a:prstGeom prst="roundRect">
             <a:avLst>
@@ -24521,11 +24469,6 @@
               </a:rPr>
               <a:t>)</a:t>
             </a:r>
-            <a:endParaRPr lang="en-US" altLang="ko-KR" sz="1100" b="1" dirty="0" smtClean="0">
-              <a:solidFill>
-                <a:schemeClr val="tx1"/>
-              </a:solidFill>
-            </a:endParaRPr>
           </a:p>
           <a:p>
             <a:pPr marL="228600" indent="-228600">
@@ -24774,8 +24717,8 @@
         </p:blipFill>
         <p:spPr>
           <a:xfrm>
-            <a:off x="107504" y="843558"/>
-            <a:ext cx="5219611" cy="3718149"/>
+            <a:off x="107504" y="630779"/>
+            <a:ext cx="5616624" cy="4389243"/>
           </a:xfrm>
           <a:prstGeom prst="rect">
             <a:avLst/>
@@ -24790,7 +24733,7 @@
         </p:nvSpPr>
         <p:spPr>
           <a:xfrm>
-            <a:off x="1835696" y="1779662"/>
+            <a:off x="1979712" y="1779662"/>
             <a:ext cx="864096" cy="216024"/>
           </a:xfrm>
           <a:prstGeom prst="rect">
@@ -24839,7 +24782,7 @@
         </p:nvSpPr>
         <p:spPr>
           <a:xfrm>
-            <a:off x="1835696" y="2067694"/>
+            <a:off x="1979712" y="2067694"/>
             <a:ext cx="1152128" cy="432048"/>
           </a:xfrm>
           <a:prstGeom prst="rect">
@@ -24888,8 +24831,8 @@
         </p:nvSpPr>
         <p:spPr>
           <a:xfrm>
-            <a:off x="1835696" y="2643758"/>
-            <a:ext cx="864096" cy="288032"/>
+            <a:off x="1979712" y="2571750"/>
+            <a:ext cx="1152128" cy="504056"/>
           </a:xfrm>
           <a:prstGeom prst="rect">
             <a:avLst/>
@@ -24937,7 +24880,7 @@
         </p:nvSpPr>
         <p:spPr>
           <a:xfrm>
-            <a:off x="1466558" y="1635646"/>
+            <a:off x="1547664" y="1635646"/>
             <a:ext cx="441146" cy="400109"/>
           </a:xfrm>
           <a:prstGeom prst="rect">
@@ -24975,7 +24918,7 @@
         </p:nvSpPr>
         <p:spPr>
           <a:xfrm>
-            <a:off x="1440621" y="2038078"/>
+            <a:off x="1547664" y="2038078"/>
             <a:ext cx="251059" cy="461665"/>
           </a:xfrm>
           <a:prstGeom prst="rect">
@@ -25013,7 +24956,7 @@
         </p:nvSpPr>
         <p:spPr>
           <a:xfrm>
-            <a:off x="1415261" y="2542133"/>
+            <a:off x="1547664" y="2542133"/>
             <a:ext cx="492443" cy="461665"/>
           </a:xfrm>
           <a:prstGeom prst="rect">
@@ -25051,7 +24994,7 @@
         </p:nvSpPr>
         <p:spPr>
           <a:xfrm>
-            <a:off x="1415261" y="3435846"/>
+            <a:off x="1547663" y="3781077"/>
             <a:ext cx="492443" cy="461665"/>
           </a:xfrm>
           <a:prstGeom prst="rect">
@@ -25076,63 +25019,6 @@
             <a:endParaRPr lang="ko-KR" altLang="en-US" sz="2400" b="1" dirty="0">
               <a:solidFill>
                 <a:srgbClr val="FF0000"/>
-              </a:solidFill>
-            </a:endParaRPr>
-          </a:p>
-        </p:txBody>
-      </p:sp>
-      <p:sp>
-        <p:nvSpPr>
-          <p:cNvPr id="13" name="오른쪽 화살표 12"/>
-          <p:cNvSpPr/>
-          <p:nvPr/>
-        </p:nvSpPr>
-        <p:spPr>
-          <a:xfrm>
-            <a:off x="6300192" y="2859782"/>
-            <a:ext cx="288032" cy="216024"/>
-          </a:xfrm>
-          <a:prstGeom prst="rightArrow">
-            <a:avLst/>
-          </a:prstGeom>
-          <a:solidFill>
-            <a:schemeClr val="tx1"/>
-          </a:solidFill>
-          <a:ln>
-            <a:solidFill>
-              <a:schemeClr val="bg1"/>
-            </a:solidFill>
-          </a:ln>
-        </p:spPr>
-        <p:style>
-          <a:lnRef idx="2">
-            <a:schemeClr val="accent1">
-              <a:shade val="50000"/>
-            </a:schemeClr>
-          </a:lnRef>
-          <a:fillRef idx="1">
-            <a:schemeClr val="accent1"/>
-          </a:fillRef>
-          <a:effectRef idx="0">
-            <a:schemeClr val="accent1"/>
-          </a:effectRef>
-          <a:fontRef idx="minor">
-            <a:schemeClr val="lt1"/>
-          </a:fontRef>
-        </p:style>
-        <p:txBody>
-          <a:bodyPr rot="0" spcFirstLastPara="0" vertOverflow="overflow" horzOverflow="overflow" vert="horz" wrap="square" lIns="0" tIns="0" rIns="0" bIns="0" numCol="1" spcCol="0" rtlCol="0" fromWordArt="0" anchor="ctr" anchorCtr="0" forceAA="0" compatLnSpc="1">
-            <a:prstTxWarp prst="textNoShape">
-              <a:avLst/>
-            </a:prstTxWarp>
-            <a:noAutofit/>
-          </a:bodyPr>
-          <a:lstStyle/>
-          <a:p>
-            <a:pPr algn="ctr"/>
-            <a:endParaRPr lang="ko-KR" altLang="en-US" sz="1000" b="1" dirty="0" smtClean="0">
-              <a:solidFill>
-                <a:schemeClr val="tx1"/>
               </a:solidFill>
             </a:endParaRPr>
           </a:p>
@@ -26384,11 +26270,6 @@
               </a:rPr>
               <a:t>)</a:t>
             </a:r>
-            <a:endParaRPr lang="en-US" altLang="ko-KR" sz="1100" b="1" dirty="0" smtClean="0">
-              <a:solidFill>
-                <a:schemeClr val="tx1"/>
-              </a:solidFill>
-            </a:endParaRPr>
           </a:p>
           <a:p>
             <a:pPr marL="228600" indent="-228600">
@@ -26448,12 +26329,12 @@
               <a:t>관리자코드가 일치하지 </a:t>
             </a:r>
             <a:r>
-              <a:rPr lang="ko-KR" altLang="en-US" sz="1100" b="1" dirty="0" err="1" smtClean="0">
+              <a:rPr lang="ko-KR" altLang="en-US" sz="1100" b="1" dirty="0" smtClean="0">
                 <a:solidFill>
                   <a:schemeClr val="tx1"/>
                 </a:solidFill>
               </a:rPr>
-              <a:t>않을시</a:t>
+              <a:t>않을 시 관리자 등록 </a:t>
             </a:r>
             <a:r>
               <a:rPr lang="ko-KR" altLang="en-US" sz="1100" b="1" dirty="0" smtClean="0">
@@ -26461,23 +26342,7 @@
                   <a:schemeClr val="tx1"/>
                 </a:solidFill>
               </a:rPr>
-              <a:t> </a:t>
-            </a:r>
-            <a:r>
-              <a:rPr lang="ko-KR" altLang="en-US" sz="1100" b="1" dirty="0" err="1" smtClean="0">
-                <a:solidFill>
-                  <a:schemeClr val="tx1"/>
-                </a:solidFill>
-              </a:rPr>
-              <a:t>관리자등록</a:t>
-            </a:r>
-            <a:r>
-              <a:rPr lang="ko-KR" altLang="en-US" sz="1100" b="1" dirty="0" smtClean="0">
-                <a:solidFill>
-                  <a:schemeClr val="tx1"/>
-                </a:solidFill>
-              </a:rPr>
-              <a:t> 불가</a:t>
+              <a:t>불가</a:t>
             </a:r>
             <a:endParaRPr lang="en-US" altLang="ko-KR" sz="1100" b="1" dirty="0" smtClean="0">
               <a:solidFill>
@@ -26763,8 +26628,8 @@
         </p:blipFill>
         <p:spPr>
           <a:xfrm>
-            <a:off x="3254950" y="3454255"/>
-            <a:ext cx="1945024" cy="604362"/>
+            <a:off x="3254950" y="3454254"/>
+            <a:ext cx="1945024" cy="622771"/>
           </a:xfrm>
           <a:prstGeom prst="rect">
             <a:avLst/>
@@ -27417,7 +27282,7 @@
       </p:grpSpPr>
       <p:pic>
         <p:nvPicPr>
-          <p:cNvPr id="3" name="그림 2"/>
+          <p:cNvPr id="7" name="그림 6"/>
           <p:cNvPicPr>
             <a:picLocks noChangeAspect="1"/>
           </p:cNvPicPr>
@@ -27437,8 +27302,8 @@
         </p:blipFill>
         <p:spPr>
           <a:xfrm>
-            <a:off x="346517" y="681538"/>
-            <a:ext cx="5096349" cy="4170331"/>
+            <a:off x="3968522" y="595316"/>
+            <a:ext cx="2475685" cy="1400370"/>
           </a:xfrm>
           <a:prstGeom prst="rect">
             <a:avLst/>
@@ -27447,7 +27312,7 @@
       </p:pic>
       <p:pic>
         <p:nvPicPr>
-          <p:cNvPr id="5" name="그림 4"/>
+          <p:cNvPr id="4" name="그림 3"/>
           <p:cNvPicPr>
             <a:picLocks noChangeAspect="1"/>
           </p:cNvPicPr>
@@ -27467,7 +27332,37 @@
         </p:blipFill>
         <p:spPr>
           <a:xfrm>
-            <a:off x="3923928" y="1797744"/>
+            <a:off x="107504" y="771550"/>
+            <a:ext cx="3816424" cy="4166795"/>
+          </a:xfrm>
+          <a:prstGeom prst="rect">
+            <a:avLst/>
+          </a:prstGeom>
+        </p:spPr>
+      </p:pic>
+      <p:pic>
+        <p:nvPicPr>
+          <p:cNvPr id="5" name="그림 4"/>
+          <p:cNvPicPr>
+            <a:picLocks noChangeAspect="1"/>
+          </p:cNvPicPr>
+          <p:nvPr/>
+        </p:nvPicPr>
+        <p:blipFill>
+          <a:blip r:embed="rId4">
+            <a:extLst>
+              <a:ext uri="{28A0092B-C50C-407E-A947-70E740481C1C}">
+                <a14:useLocalDpi xmlns:a14="http://schemas.microsoft.com/office/drawing/2010/main" val="0"/>
+              </a:ext>
+            </a:extLst>
+          </a:blip>
+          <a:stretch>
+            <a:fillRect/>
+          </a:stretch>
+        </p:blipFill>
+        <p:spPr>
+          <a:xfrm>
+            <a:off x="3923928" y="1923678"/>
             <a:ext cx="2448272" cy="3006253"/>
           </a:xfrm>
           <a:prstGeom prst="rect">
@@ -27705,30 +27600,11 @@
               </a:rPr>
               <a:t>비회원 </a:t>
             </a:r>
-            <a:r>
-              <a:rPr lang="en-US" altLang="ko-KR" sz="1050" b="1" dirty="0" smtClean="0">
-                <a:solidFill>
-                  <a:schemeClr val="tx1"/>
-                </a:solidFill>
-              </a:rPr>
-              <a:t>(</a:t>
-            </a:r>
-            <a:r>
-              <a:rPr lang="ko-KR" altLang="en-US" sz="1050" b="1" dirty="0" smtClean="0">
-                <a:solidFill>
-                  <a:schemeClr val="tx1"/>
-                </a:solidFill>
-              </a:rPr>
-              <a:t>로그인 안한 상태</a:t>
-            </a:r>
-            <a:r>
-              <a:rPr lang="en-US" altLang="ko-KR" sz="1050" b="1" dirty="0" smtClean="0">
-                <a:solidFill>
-                  <a:schemeClr val="tx1"/>
-                </a:solidFill>
-              </a:rPr>
-              <a:t>)</a:t>
-            </a:r>
+            <a:endParaRPr lang="en-US" altLang="ko-KR" sz="1050" b="1" dirty="0">
+              <a:solidFill>
+                <a:schemeClr val="tx1"/>
+              </a:solidFill>
+            </a:endParaRPr>
           </a:p>
           <a:p>
             <a:pPr marL="228600" indent="-228600">
@@ -27858,7 +27734,7 @@
         </p:nvSpPr>
         <p:spPr>
           <a:xfrm>
-            <a:off x="2195736" y="637912"/>
+            <a:off x="2339752" y="699542"/>
             <a:ext cx="864096" cy="216024"/>
           </a:xfrm>
           <a:prstGeom prst="rect">
@@ -27907,8 +27783,8 @@
         </p:nvSpPr>
         <p:spPr>
           <a:xfrm>
-            <a:off x="1008573" y="1923678"/>
-            <a:ext cx="899131" cy="495687"/>
+            <a:off x="1043608" y="2067694"/>
+            <a:ext cx="729756" cy="432048"/>
           </a:xfrm>
           <a:prstGeom prst="rect">
             <a:avLst/>
@@ -27956,7 +27832,7 @@
         </p:nvSpPr>
         <p:spPr>
           <a:xfrm>
-            <a:off x="1763688" y="515457"/>
+            <a:off x="1970614" y="587465"/>
             <a:ext cx="441146" cy="400109"/>
           </a:xfrm>
           <a:prstGeom prst="rect">
@@ -27994,7 +27870,7 @@
         </p:nvSpPr>
         <p:spPr>
           <a:xfrm>
-            <a:off x="611560" y="1966069"/>
+            <a:off x="611560" y="2038077"/>
             <a:ext cx="251059" cy="461665"/>
           </a:xfrm>
           <a:prstGeom prst="rect">
@@ -28032,7 +27908,7 @@
         </p:nvSpPr>
         <p:spPr>
           <a:xfrm>
-            <a:off x="3491880" y="1059582"/>
+            <a:off x="5004048" y="915566"/>
             <a:ext cx="251059" cy="461665"/>
           </a:xfrm>
           <a:prstGeom prst="rect">
@@ -28070,7 +27946,7 @@
         </p:nvSpPr>
         <p:spPr>
           <a:xfrm>
-            <a:off x="2555776" y="3622253"/>
+            <a:off x="2855421" y="3723878"/>
             <a:ext cx="492443" cy="461665"/>
           </a:xfrm>
           <a:prstGeom prst="rect">
@@ -28108,8 +27984,8 @@
         </p:nvSpPr>
         <p:spPr>
           <a:xfrm>
-            <a:off x="2946013" y="3723878"/>
-            <a:ext cx="689883" cy="288032"/>
+            <a:off x="3270482" y="3867894"/>
+            <a:ext cx="509430" cy="216024"/>
           </a:xfrm>
           <a:prstGeom prst="rect">
             <a:avLst/>
@@ -28226,7 +28102,7 @@
       </p:grpSpPr>
       <p:pic>
         <p:nvPicPr>
-          <p:cNvPr id="14" name="그림 13"/>
+          <p:cNvPr id="3" name="그림 2"/>
           <p:cNvPicPr>
             <a:picLocks noChangeAspect="1"/>
           </p:cNvPicPr>
@@ -28246,8 +28122,8 @@
         </p:blipFill>
         <p:spPr>
           <a:xfrm>
-            <a:off x="3539122" y="915566"/>
-            <a:ext cx="2689062" cy="3885406"/>
+            <a:off x="3555426" y="915566"/>
+            <a:ext cx="3176814" cy="3867894"/>
           </a:xfrm>
           <a:prstGeom prst="rect">
             <a:avLst/>
@@ -28459,8 +28335,8 @@
         </p:nvSpPr>
         <p:spPr>
           <a:xfrm>
-            <a:off x="6372200" y="681539"/>
-            <a:ext cx="2675521" cy="4170331"/>
+            <a:off x="6804248" y="1030889"/>
+            <a:ext cx="2243473" cy="3820981"/>
           </a:xfrm>
           <a:prstGeom prst="roundRect">
             <a:avLst>
@@ -28512,32 +28388,13 @@
                   <a:schemeClr val="tx1"/>
                 </a:solidFill>
               </a:rPr>
-              <a:t>로그인 후 </a:t>
-            </a:r>
-            <a:r>
-              <a:rPr lang="en-US" altLang="ko-KR" sz="1050" b="1" dirty="0" smtClean="0">
-                <a:solidFill>
-                  <a:schemeClr val="tx1"/>
-                </a:solidFill>
-              </a:rPr>
-              <a:t>(</a:t>
-            </a:r>
-            <a:r>
-              <a:rPr lang="ko-KR" altLang="en-US" sz="1050" b="1" dirty="0" smtClean="0">
-                <a:solidFill>
-                  <a:schemeClr val="tx1"/>
-                </a:solidFill>
-              </a:rPr>
               <a:t>회원</a:t>
             </a:r>
-            <a:r>
-              <a:rPr lang="en-US" altLang="ko-KR" sz="1050" b="1" dirty="0" smtClean="0">
-                <a:solidFill>
-                  <a:schemeClr val="tx1"/>
-                </a:solidFill>
-              </a:rPr>
-              <a:t>)</a:t>
-            </a:r>
+            <a:endParaRPr lang="en-US" altLang="ko-KR" sz="1050" b="1" dirty="0" smtClean="0">
+              <a:solidFill>
+                <a:schemeClr val="tx1"/>
+              </a:solidFill>
+            </a:endParaRPr>
           </a:p>
           <a:p>
             <a:pPr marL="228600" indent="-228600">
@@ -28553,7 +28410,15 @@
                   <a:schemeClr val="tx1"/>
                 </a:solidFill>
               </a:rPr>
-              <a:t>글 </a:t>
+              <a:t>후기게시판에 있는 </a:t>
+            </a:r>
+            <a:r>
+              <a:rPr lang="ko-KR" altLang="en-US" sz="1050" b="1" dirty="0" smtClean="0">
+                <a:solidFill>
+                  <a:schemeClr val="tx1"/>
+                </a:solidFill>
+              </a:rPr>
+              <a:t>모든 </a:t>
             </a:r>
             <a:r>
               <a:rPr lang="ko-KR" altLang="en-US" sz="1050" b="1" dirty="0" err="1" smtClean="0">
@@ -28561,15 +28426,15 @@
                   <a:schemeClr val="tx1"/>
                 </a:solidFill>
               </a:rPr>
-              <a:t>클릭시</a:t>
-            </a:r>
-            <a:r>
-              <a:rPr lang="en-US" altLang="ko-KR" sz="1050" b="1" dirty="0" smtClean="0">
+              <a:t>글</a:t>
+            </a:r>
+            <a:r>
+              <a:rPr lang="ko-KR" altLang="en-US" sz="1050" b="1" dirty="0" err="1" smtClean="0">
                 <a:solidFill>
                   <a:schemeClr val="tx1"/>
                 </a:solidFill>
               </a:rPr>
-              <a:t>, </a:t>
+              <a:t>상세보기</a:t>
             </a:r>
             <a:r>
               <a:rPr lang="ko-KR" altLang="en-US" sz="1050" b="1" dirty="0" smtClean="0">
@@ -28577,7 +28442,7 @@
                   <a:schemeClr val="tx1"/>
                 </a:solidFill>
               </a:rPr>
-              <a:t>상세내용 보기 가능</a:t>
+              <a:t> 가능</a:t>
             </a:r>
             <a:endParaRPr lang="en-US" altLang="ko-KR" sz="1050" b="1" dirty="0" smtClean="0">
               <a:solidFill>
@@ -28599,7 +28464,15 @@
                   <a:schemeClr val="tx1"/>
                 </a:solidFill>
               </a:rPr>
-              <a:t>일정 조회수 </a:t>
+              <a:t>일정 </a:t>
+            </a:r>
+            <a:r>
+              <a:rPr lang="ko-KR" altLang="en-US" sz="1050" b="1" dirty="0" smtClean="0">
+                <a:solidFill>
+                  <a:schemeClr val="tx1"/>
+                </a:solidFill>
+              </a:rPr>
+              <a:t>조회수 </a:t>
             </a:r>
             <a:r>
               <a:rPr lang="en-US" altLang="ko-KR" sz="1050" b="1" dirty="0" smtClean="0">
@@ -28631,7 +28504,61 @@
                   <a:schemeClr val="tx1"/>
                 </a:solidFill>
               </a:rPr>
-              <a:t>이미지 출력</a:t>
+              <a:t>이미지 </a:t>
+            </a:r>
+            <a:r>
+              <a:rPr lang="ko-KR" altLang="en-US" sz="1050" b="1" dirty="0" smtClean="0">
+                <a:solidFill>
+                  <a:schemeClr val="tx1"/>
+                </a:solidFill>
+              </a:rPr>
+              <a:t>출력</a:t>
+            </a:r>
+            <a:endParaRPr lang="en-US" altLang="ko-KR" sz="1050" b="1" dirty="0" smtClean="0">
+              <a:solidFill>
+                <a:schemeClr val="tx1"/>
+              </a:solidFill>
+            </a:endParaRPr>
+          </a:p>
+          <a:p>
+            <a:pPr marL="228600" indent="-228600">
+              <a:lnSpc>
+                <a:spcPct val="200000"/>
+              </a:lnSpc>
+              <a:buFont typeface="+mj-ea"/>
+              <a:buAutoNum type="circleNumDbPlain"/>
+            </a:pPr>
+            <a:r>
+              <a:rPr lang="ko-KR" altLang="en-US" sz="1050" b="1" dirty="0" err="1" smtClean="0">
+                <a:solidFill>
+                  <a:schemeClr val="tx1"/>
+                </a:solidFill>
+              </a:rPr>
+              <a:t>본인글만</a:t>
+            </a:r>
+            <a:r>
+              <a:rPr lang="ko-KR" altLang="en-US" sz="1050" b="1" dirty="0" smtClean="0">
+                <a:solidFill>
+                  <a:schemeClr val="tx1"/>
+                </a:solidFill>
+              </a:rPr>
+              <a:t> 수정 </a:t>
+            </a:r>
+            <a:r>
+              <a:rPr lang="en-US" altLang="ko-KR" sz="1050" b="1" dirty="0" smtClean="0">
+                <a:solidFill>
+                  <a:schemeClr val="tx1"/>
+                </a:solidFill>
+              </a:rPr>
+              <a:t>/</a:t>
+            </a:r>
+            <a:r>
+              <a:rPr lang="ko-KR" altLang="en-US" sz="1050" b="1" dirty="0" smtClean="0">
+                <a:solidFill>
+                  <a:schemeClr val="tx1"/>
+                </a:solidFill>
+              </a:rPr>
+              <a:t>삭제 가능하다</a:t>
             </a:r>
             <a:endParaRPr lang="en-US" altLang="ko-KR" sz="1050" b="1" dirty="0" smtClean="0">
               <a:solidFill>
@@ -29004,7 +28931,7 @@
         </p:nvSpPr>
         <p:spPr>
           <a:xfrm>
-            <a:off x="3503493" y="2355726"/>
+            <a:off x="4139952" y="3262213"/>
             <a:ext cx="492443" cy="461665"/>
           </a:xfrm>
           <a:prstGeom prst="rect">
@@ -29025,6 +28952,93 @@
                 </a:solidFill>
               </a:rPr>
               <a:t>④</a:t>
+            </a:r>
+            <a:endParaRPr lang="ko-KR" altLang="en-US" sz="2400" b="1" dirty="0">
+              <a:solidFill>
+                <a:srgbClr val="FF0000"/>
+              </a:solidFill>
+            </a:endParaRPr>
+          </a:p>
+        </p:txBody>
+      </p:sp>
+      <p:sp>
+        <p:nvSpPr>
+          <p:cNvPr id="18" name="직사각형 17"/>
+          <p:cNvSpPr/>
+          <p:nvPr/>
+        </p:nvSpPr>
+        <p:spPr>
+          <a:xfrm>
+            <a:off x="4716016" y="3385034"/>
+            <a:ext cx="648072" cy="266836"/>
+          </a:xfrm>
+          <a:prstGeom prst="rect">
+            <a:avLst/>
+          </a:prstGeom>
+          <a:noFill/>
+          <a:ln>
+            <a:solidFill>
+              <a:srgbClr val="00B0F0"/>
+            </a:solidFill>
+          </a:ln>
+        </p:spPr>
+        <p:style>
+          <a:lnRef idx="2">
+            <a:schemeClr val="accent2"/>
+          </a:lnRef>
+          <a:fillRef idx="1">
+            <a:schemeClr val="lt1"/>
+          </a:fillRef>
+          <a:effectRef idx="0">
+            <a:schemeClr val="accent2"/>
+          </a:effectRef>
+          <a:fontRef idx="minor">
+            <a:schemeClr val="dk1"/>
+          </a:fontRef>
+        </p:style>
+        <p:txBody>
+          <a:bodyPr rot="0" spcFirstLastPara="0" vertOverflow="overflow" horzOverflow="overflow" vert="horz" wrap="square" lIns="0" tIns="0" rIns="0" bIns="0" numCol="1" spcCol="0" rtlCol="0" fromWordArt="0" anchor="ctr" anchorCtr="0" forceAA="0" compatLnSpc="1">
+            <a:prstTxWarp prst="textNoShape">
+              <a:avLst/>
+            </a:prstTxWarp>
+            <a:noAutofit/>
+          </a:bodyPr>
+          <a:lstStyle/>
+          <a:p>
+            <a:pPr algn="ctr"/>
+            <a:endParaRPr lang="ko-KR" altLang="en-US" sz="1000" b="1" dirty="0" smtClean="0"/>
+          </a:p>
+        </p:txBody>
+      </p:sp>
+      <p:sp>
+        <p:nvSpPr>
+          <p:cNvPr id="19" name="TextBox 18"/>
+          <p:cNvSpPr txBox="1"/>
+          <p:nvPr/>
+        </p:nvSpPr>
+        <p:spPr>
+          <a:xfrm>
+            <a:off x="3491880" y="2326109"/>
+            <a:ext cx="492443" cy="461665"/>
+          </a:xfrm>
+          <a:prstGeom prst="rect">
+            <a:avLst/>
+          </a:prstGeom>
+          <a:noFill/>
+        </p:spPr>
+        <p:txBody>
+          <a:bodyPr wrap="none" rtlCol="0">
+            <a:spAutoFit/>
+          </a:bodyPr>
+          <a:lstStyle/>
+          <a:p>
+            <a:r>
+              <a:rPr lang="ko-KR" altLang="en-US" sz="2400" b="1" dirty="0" smtClean="0">
+                <a:solidFill>
+                  <a:srgbClr val="FF0000"/>
+                </a:solidFill>
+              </a:rPr>
+              <a:t>⑤</a:t>
             </a:r>
             <a:endParaRPr lang="ko-KR" altLang="en-US" sz="2400" b="1" dirty="0">
               <a:solidFill>
@@ -29362,7 +29376,15 @@
                   <a:schemeClr val="tx1"/>
                 </a:solidFill>
               </a:rPr>
-              <a:t>본인 글이 아닐 경우</a:t>
+              <a:t>본인 글이 아닐 </a:t>
+            </a:r>
+            <a:r>
+              <a:rPr lang="ko-KR" altLang="en-US" sz="1000" b="1" dirty="0" smtClean="0">
+                <a:solidFill>
+                  <a:schemeClr val="tx1"/>
+                </a:solidFill>
+              </a:rPr>
+              <a:t>경우</a:t>
             </a:r>
             <a:endParaRPr lang="en-US" altLang="ko-KR" sz="1000" b="1" dirty="0" smtClean="0">
               <a:solidFill>
@@ -30078,7 +30100,15 @@
                   <a:schemeClr val="tx1"/>
                 </a:solidFill>
               </a:rPr>
-              <a:t>로그인 후 </a:t>
+              <a:t>로그인 </a:t>
+            </a:r>
+            <a:r>
+              <a:rPr lang="ko-KR" altLang="en-US" sz="1000" b="1" dirty="0" smtClean="0">
+                <a:solidFill>
+                  <a:schemeClr val="tx1"/>
+                </a:solidFill>
+              </a:rPr>
+              <a:t>후</a:t>
             </a:r>
             <a:r>
               <a:rPr lang="en-US" altLang="ko-KR" sz="1000" b="1" dirty="0" smtClean="0">
@@ -30086,7 +30116,7 @@
                   <a:schemeClr val="tx1"/>
                 </a:solidFill>
               </a:rPr>
-              <a:t>(</a:t>
+              <a:t>, </a:t>
             </a:r>
             <a:r>
               <a:rPr lang="ko-KR" altLang="en-US" sz="1000" b="1" dirty="0" smtClean="0">
@@ -30094,23 +30124,15 @@
                   <a:schemeClr val="tx1"/>
                 </a:solidFill>
               </a:rPr>
-              <a:t>회원</a:t>
-            </a:r>
-            <a:r>
-              <a:rPr lang="en-US" altLang="ko-KR" sz="1000" b="1" dirty="0" smtClean="0">
+              <a:t>본인일 </a:t>
+            </a:r>
+            <a:r>
+              <a:rPr lang="ko-KR" altLang="en-US" sz="1000" b="1" dirty="0" smtClean="0">
                 <a:solidFill>
                   <a:schemeClr val="tx1"/>
                 </a:solidFill>
               </a:rPr>
-              <a:t>) </a:t>
-            </a:r>
-            <a:r>
-              <a:rPr lang="ko-KR" altLang="en-US" sz="1000" b="1" dirty="0" smtClean="0">
-                <a:solidFill>
-                  <a:schemeClr val="tx1"/>
-                </a:solidFill>
-              </a:rPr>
-              <a:t>본인일 경우</a:t>
+              <a:t>경우</a:t>
             </a:r>
             <a:endParaRPr lang="en-US" altLang="ko-KR" sz="1000" b="1" dirty="0" smtClean="0">
               <a:solidFill>
@@ -31862,6 +31884,11 @@
               </a:rPr>
               <a:t>)</a:t>
             </a:r>
+            <a:endParaRPr lang="en-US" altLang="ko-KR" sz="1000" b="1" dirty="0" smtClean="0">
+              <a:solidFill>
+                <a:schemeClr val="tx1"/>
+              </a:solidFill>
+            </a:endParaRPr>
           </a:p>
           <a:p>
             <a:pPr marL="228600" indent="-228600">
@@ -32167,7 +32194,7 @@
         </p:nvSpPr>
         <p:spPr>
           <a:xfrm>
-            <a:off x="5314822" y="785459"/>
+            <a:off x="5314822" y="771550"/>
             <a:ext cx="1368152" cy="185720"/>
           </a:xfrm>
           <a:prstGeom prst="rect">
@@ -34020,7 +34047,15 @@
                   <a:schemeClr val="tx2"/>
                 </a:solidFill>
               </a:rPr>
-              <a:t>치과 내 </a:t>
+              <a:t>치과 내 공지사항</a:t>
+            </a:r>
+            <a:r>
+              <a:rPr lang="en-US" altLang="ko-KR" sz="1400" b="1" dirty="0" smtClean="0">
+                <a:solidFill>
+                  <a:schemeClr val="tx2"/>
+                </a:solidFill>
+              </a:rPr>
+              <a:t>, </a:t>
             </a:r>
             <a:r>
               <a:rPr lang="ko-KR" altLang="en-US" sz="1400" b="1" dirty="0" smtClean="0">
@@ -34028,7 +34063,7 @@
                   <a:schemeClr val="tx2"/>
                 </a:solidFill>
               </a:rPr>
-              <a:t>공지사항</a:t>
+              <a:t>의료진 정보</a:t>
             </a:r>
             <a:r>
               <a:rPr lang="en-US" altLang="ko-KR" sz="1400" b="1" dirty="0" smtClean="0">
@@ -34044,39 +34079,7 @@
                   <a:schemeClr val="tx2"/>
                 </a:solidFill>
               </a:rPr>
-              <a:t>의료진 정보</a:t>
-            </a:r>
-            <a:r>
-              <a:rPr lang="en-US" altLang="ko-KR" sz="1400" b="1" dirty="0" smtClean="0">
-                <a:solidFill>
-                  <a:schemeClr val="tx2"/>
-                </a:solidFill>
-              </a:rPr>
-              <a:t>, </a:t>
-            </a:r>
-            <a:r>
-              <a:rPr lang="ko-KR" altLang="en-US" sz="1400" b="1" dirty="0" smtClean="0">
-                <a:solidFill>
-                  <a:schemeClr val="tx2"/>
-                </a:solidFill>
-              </a:rPr>
-              <a:t>서비스 하는 정보들을 </a:t>
-            </a:r>
-            <a:r>
-              <a:rPr lang="ko-KR" altLang="en-US" sz="1400" b="1" dirty="0" smtClean="0">
-                <a:solidFill>
-                  <a:schemeClr val="tx2"/>
-                </a:solidFill>
-              </a:rPr>
-              <a:t>확인 </a:t>
-            </a:r>
-            <a:r>
-              <a:rPr lang="ko-KR" altLang="en-US" sz="1400" b="1" dirty="0" smtClean="0">
-                <a:solidFill>
-                  <a:schemeClr val="tx2"/>
-                </a:solidFill>
-              </a:rPr>
-              <a:t>할 수 있습니다</a:t>
+              <a:t>서비스 하는 정보들을 확인 할 수 있습니다</a:t>
             </a:r>
             <a:r>
               <a:rPr lang="en-US" altLang="ko-KR" sz="1400" b="1" dirty="0" smtClean="0">
@@ -35135,15 +35138,7 @@
                   <a:schemeClr val="tx2"/>
                 </a:solidFill>
               </a:rPr>
-              <a:t>진료예약 </a:t>
-            </a:r>
-            <a:r>
-              <a:rPr lang="ko-KR" altLang="en-US" sz="1200" b="1" dirty="0" smtClean="0">
-                <a:solidFill>
-                  <a:schemeClr val="tx2"/>
-                </a:solidFill>
-              </a:rPr>
-              <a:t>게시판 </a:t>
+              <a:t>진료예약 게시판 </a:t>
             </a:r>
             <a:r>
               <a:rPr lang="ko-KR" altLang="en-US" sz="1200" b="1" dirty="0">
@@ -35283,10 +35278,9 @@
               </a:lnSpc>
             </a:pPr>
             <a:r>
-              <a:rPr lang="ko-KR" altLang="en-US" sz="2000" dirty="0"/>
-              <a:t>이용자 기반의 추천 플랫폼</a:t>
-            </a:r>
-            <a:endParaRPr lang="en-US" altLang="ko-KR" sz="2000" dirty="0"/>
+              <a:rPr lang="en-US" altLang="ko-KR" sz="2000" dirty="0" smtClean="0"/>
+              <a:t>????</a:t>
+            </a:r>
           </a:p>
           <a:p>
             <a:pPr>
@@ -35295,26 +35289,9 @@
               </a:lnSpc>
             </a:pPr>
             <a:r>
-              <a:rPr lang="ko-KR" altLang="en-US" sz="2000" dirty="0"/>
-              <a:t>예약 및 대출</a:t>
-            </a:r>
-            <a:r>
-              <a:rPr lang="en-US" altLang="ko-KR" sz="2000" dirty="0"/>
-              <a:t>, </a:t>
-            </a:r>
-            <a:r>
-              <a:rPr lang="ko-KR" altLang="en-US" sz="2000" dirty="0"/>
-              <a:t>반납기능을 </a:t>
-            </a:r>
-            <a:r>
-              <a:rPr lang="en-US" altLang="ko-KR" sz="2000" dirty="0"/>
-              <a:t>SNS</a:t>
-            </a:r>
-            <a:r>
-              <a:rPr lang="ko-KR" altLang="en-US" sz="2000" dirty="0"/>
-              <a:t>와 연동</a:t>
-            </a:r>
-            <a:endParaRPr lang="en-US" altLang="ko-KR" sz="2000" dirty="0"/>
+              <a:rPr lang="en-US" altLang="ko-KR" sz="2000" dirty="0" smtClean="0"/>
+              <a:t>???</a:t>
+            </a:r>
           </a:p>
           <a:p>
             <a:pPr>
@@ -35323,9 +35300,10 @@
               </a:lnSpc>
             </a:pPr>
             <a:r>
-              <a:rPr lang="ko-KR" altLang="en-US" sz="2000" dirty="0"/>
-              <a:t>연체 및 대출에 대한 점수 부여</a:t>
-            </a:r>
+              <a:rPr lang="en-US" altLang="ko-KR" sz="2000" dirty="0" smtClean="0"/>
+              <a:t>???</a:t>
+            </a:r>
+            <a:endParaRPr lang="ko-KR" altLang="en-US" sz="2000" dirty="0"/>
           </a:p>
         </p:txBody>
       </p:sp>
@@ -35637,7 +35615,6 @@
               <a:rPr lang="ko-KR" altLang="en-US" b="1" dirty="0" smtClean="0"/>
               <a:t>고맙습니다</a:t>
             </a:r>
-            <a:endParaRPr lang="ko-KR" altLang="en-US" b="1" dirty="0" smtClean="0"/>
           </a:p>
         </p:txBody>
       </p:sp>
@@ -43363,70 +43340,56 @@
                 <a:latin typeface="한컴 윤고딕 230" panose="02020603020101020101" pitchFamily="18" charset="-127"/>
                 <a:ea typeface="한컴 윤고딕 230" panose="02020603020101020101" pitchFamily="18" charset="-127"/>
               </a:rPr>
-              <a:t>작성할 수 </a:t>
+              <a:t>작성할 수 있고</a:t>
+            </a:r>
+            <a:r>
+              <a:rPr lang="en-US" altLang="ko-KR" sz="1600" dirty="0" smtClean="0">
+                <a:latin typeface="한컴 윤고딕 230" panose="02020603020101020101" pitchFamily="18" charset="-127"/>
+                <a:ea typeface="한컴 윤고딕 230" panose="02020603020101020101" pitchFamily="18" charset="-127"/>
+              </a:rPr>
+              <a:t>, </a:t>
+            </a:r>
+            <a:r>
+              <a:rPr lang="en-US" altLang="ko-KR" sz="1600" dirty="0">
+                <a:latin typeface="한컴 윤고딕 230" panose="02020603020101020101" pitchFamily="18" charset="-127"/>
+                <a:ea typeface="한컴 윤고딕 230" panose="02020603020101020101" pitchFamily="18" charset="-127"/>
+              </a:rPr>
+              <a:t>(</a:t>
+            </a:r>
+            <a:r>
+              <a:rPr lang="ko-KR" altLang="en-US" sz="1600" dirty="0">
+                <a:latin typeface="한컴 윤고딕 230" panose="02020603020101020101" pitchFamily="18" charset="-127"/>
+                <a:ea typeface="한컴 윤고딕 230" panose="02020603020101020101" pitchFamily="18" charset="-127"/>
+              </a:rPr>
+              <a:t>수정</a:t>
+            </a:r>
+            <a:r>
+              <a:rPr lang="en-US" altLang="ko-KR" sz="1600" dirty="0">
+                <a:latin typeface="한컴 윤고딕 230" panose="02020603020101020101" pitchFamily="18" charset="-127"/>
+                <a:ea typeface="한컴 윤고딕 230" panose="02020603020101020101" pitchFamily="18" charset="-127"/>
+              </a:rPr>
+              <a:t>,</a:t>
             </a:r>
             <a:r>
               <a:rPr lang="ko-KR" altLang="en-US" sz="1600" dirty="0" smtClean="0">
                 <a:latin typeface="한컴 윤고딕 230" panose="02020603020101020101" pitchFamily="18" charset="-127"/>
                 <a:ea typeface="한컴 윤고딕 230" panose="02020603020101020101" pitchFamily="18" charset="-127"/>
               </a:rPr>
-              <a:t>있고</a:t>
+              <a:t>삭제</a:t>
             </a:r>
             <a:r>
               <a:rPr lang="en-US" altLang="ko-KR" sz="1600" dirty="0" smtClean="0">
                 <a:latin typeface="한컴 윤고딕 230" panose="02020603020101020101" pitchFamily="18" charset="-127"/>
                 <a:ea typeface="한컴 윤고딕 230" panose="02020603020101020101" pitchFamily="18" charset="-127"/>
               </a:rPr>
-              <a:t>, </a:t>
-            </a:r>
-            <a:r>
-              <a:rPr lang="en-US" altLang="ko-KR" sz="1600" dirty="0">
-                <a:latin typeface="한컴 윤고딕 230" panose="02020603020101020101" pitchFamily="18" charset="-127"/>
-                <a:ea typeface="한컴 윤고딕 230" panose="02020603020101020101" pitchFamily="18" charset="-127"/>
-              </a:rPr>
-              <a:t>(</a:t>
-            </a:r>
-            <a:r>
-              <a:rPr lang="ko-KR" altLang="en-US" sz="1600" dirty="0">
-                <a:latin typeface="한컴 윤고딕 230" panose="02020603020101020101" pitchFamily="18" charset="-127"/>
-                <a:ea typeface="한컴 윤고딕 230" panose="02020603020101020101" pitchFamily="18" charset="-127"/>
-              </a:rPr>
-              <a:t>수정</a:t>
-            </a:r>
-            <a:r>
-              <a:rPr lang="en-US" altLang="ko-KR" sz="1600" dirty="0">
-                <a:latin typeface="한컴 윤고딕 230" panose="02020603020101020101" pitchFamily="18" charset="-127"/>
-                <a:ea typeface="한컴 윤고딕 230" panose="02020603020101020101" pitchFamily="18" charset="-127"/>
-              </a:rPr>
-              <a:t>,</a:t>
+              <a:t>) </a:t>
             </a:r>
             <a:r>
               <a:rPr lang="ko-KR" altLang="en-US" sz="1600" dirty="0" smtClean="0">
                 <a:latin typeface="한컴 윤고딕 230" panose="02020603020101020101" pitchFamily="18" charset="-127"/>
                 <a:ea typeface="한컴 윤고딕 230" panose="02020603020101020101" pitchFamily="18" charset="-127"/>
               </a:rPr>
-              <a:t>삭제</a:t>
-            </a:r>
-            <a:r>
-              <a:rPr lang="en-US" altLang="ko-KR" sz="1600" dirty="0" smtClean="0">
-                <a:latin typeface="한컴 윤고딕 230" panose="02020603020101020101" pitchFamily="18" charset="-127"/>
-                <a:ea typeface="한컴 윤고딕 230" panose="02020603020101020101" pitchFamily="18" charset="-127"/>
-              </a:rPr>
-              <a:t>) </a:t>
-            </a:r>
-            <a:r>
-              <a:rPr lang="ko-KR" altLang="en-US" sz="1600" dirty="0" smtClean="0">
-                <a:latin typeface="한컴 윤고딕 230" panose="02020603020101020101" pitchFamily="18" charset="-127"/>
-                <a:ea typeface="한컴 윤고딕 230" panose="02020603020101020101" pitchFamily="18" charset="-127"/>
-              </a:rPr>
-              <a:t>본인의 글 만 </a:t>
-            </a:r>
-            <a:r>
-              <a:rPr lang="ko-KR" altLang="en-US" sz="1600" dirty="0" smtClean="0">
-                <a:latin typeface="한컴 윤고딕 230" panose="02020603020101020101" pitchFamily="18" charset="-127"/>
-                <a:ea typeface="한컴 윤고딕 230" panose="02020603020101020101" pitchFamily="18" charset="-127"/>
-              </a:rPr>
-              <a:t>볼 수 있다</a:t>
+              <a:t>본인의 글 만 볼 수 있다</a:t>
             </a:r>
             <a:r>
               <a:rPr lang="en-US" altLang="ko-KR" sz="1600" dirty="0" smtClean="0">
@@ -43825,14 +43788,7 @@
                 <a:latin typeface="한컴 윤고딕 230" panose="02020603020101020101" pitchFamily="18" charset="-127"/>
                 <a:ea typeface="한컴 윤고딕 230" panose="02020603020101020101" pitchFamily="18" charset="-127"/>
               </a:rPr>
-              <a:t>가입한 모든 </a:t>
-            </a:r>
-            <a:r>
-              <a:rPr lang="ko-KR" altLang="en-US" sz="1400" dirty="0" smtClean="0">
-                <a:latin typeface="한컴 윤고딕 230" panose="02020603020101020101" pitchFamily="18" charset="-127"/>
-                <a:ea typeface="한컴 윤고딕 230" panose="02020603020101020101" pitchFamily="18" charset="-127"/>
-              </a:rPr>
-              <a:t>회원들의 정보를 볼 </a:t>
+              <a:t>가입한 모든 회원들의 정보를 볼 </a:t>
             </a:r>
             <a:r>
               <a:rPr lang="ko-KR" altLang="en-US" sz="1400" dirty="0">
@@ -43869,14 +43825,7 @@
                 <a:latin typeface="한컴 윤고딕 230" panose="02020603020101020101" pitchFamily="18" charset="-127"/>
                 <a:ea typeface="한컴 윤고딕 230" panose="02020603020101020101" pitchFamily="18" charset="-127"/>
               </a:rPr>
-              <a:t>게시판에 </a:t>
-            </a:r>
-            <a:r>
-              <a:rPr lang="ko-KR" altLang="en-US" sz="1400" dirty="0" smtClean="0">
-                <a:latin typeface="한컴 윤고딕 230" panose="02020603020101020101" pitchFamily="18" charset="-127"/>
-                <a:ea typeface="한컴 윤고딕 230" panose="02020603020101020101" pitchFamily="18" charset="-127"/>
-              </a:rPr>
-              <a:t>답변은 </a:t>
+              <a:t>게시판에 답변은 </a:t>
             </a:r>
             <a:r>
               <a:rPr lang="ko-KR" altLang="en-US" sz="1400" dirty="0">

--- a/0317_치카치카치과.pptx
+++ b/0317_치카치카치과.pptx
@@ -5,10 +5,10 @@
     <p:sldMasterId id="2147483648" r:id="rId1"/>
   </p:sldMasterIdLst>
   <p:notesMasterIdLst>
-    <p:notesMasterId r:id="rId33"/>
+    <p:notesMasterId r:id="rId32"/>
   </p:notesMasterIdLst>
   <p:handoutMasterIdLst>
-    <p:handoutMasterId r:id="rId34"/>
+    <p:handoutMasterId r:id="rId33"/>
   </p:handoutMasterIdLst>
   <p:sldIdLst>
     <p:sldId id="256" r:id="rId2"/>
@@ -39,9 +39,8 @@
     <p:sldId id="358" r:id="rId27"/>
     <p:sldId id="359" r:id="rId28"/>
     <p:sldId id="360" r:id="rId29"/>
-    <p:sldId id="361" r:id="rId30"/>
-    <p:sldId id="346" r:id="rId31"/>
-    <p:sldId id="341" r:id="rId32"/>
+    <p:sldId id="346" r:id="rId30"/>
+    <p:sldId id="341" r:id="rId31"/>
   </p:sldIdLst>
   <p:sldSz cx="9144000" cy="5143500" type="screen16x9"/>
   <p:notesSz cx="6858000" cy="9144000"/>
@@ -260,7 +259,7 @@
           <a:p>
             <a:fld id="{684ABEAC-FD1E-446D-854E-09142DFB339C}" type="datetimeFigureOut">
               <a:rPr lang="ko-KR" altLang="en-US" smtClean="0"/>
-              <a:t>2023-03-30</a:t>
+              <a:t>2023-03-31</a:t>
             </a:fld>
             <a:endParaRPr lang="ko-KR" altLang="en-US"/>
           </a:p>
@@ -456,7 +455,7 @@
           <a:p>
             <a:fld id="{E299D967-67B2-4132-B52D-A253871A1F24}" type="datetimeFigureOut">
               <a:rPr lang="ko-KR" altLang="en-US" smtClean="0"/>
-              <a:t>2023-03-30</a:t>
+              <a:t>2023-03-31</a:t>
             </a:fld>
             <a:endParaRPr lang="ko-KR" altLang="en-US"/>
           </a:p>
@@ -1059,90 +1058,6 @@
 </p:notes>
 </file>
 
-<file path=ppt/notesSlides/notesSlide5.xml><?xml version="1.0" encoding="utf-8"?>
-<p:notes xmlns:a="http://schemas.openxmlformats.org/drawingml/2006/main" xmlns:r="http://schemas.openxmlformats.org/officeDocument/2006/relationships" xmlns:p="http://schemas.openxmlformats.org/presentationml/2006/main">
-  <p:cSld>
-    <p:spTree>
-      <p:nvGrpSpPr>
-        <p:cNvPr id="1" name=""/>
-        <p:cNvGrpSpPr/>
-        <p:nvPr/>
-      </p:nvGrpSpPr>
-      <p:grpSpPr>
-        <a:xfrm>
-          <a:off x="0" y="0"/>
-          <a:ext cx="0" cy="0"/>
-          <a:chOff x="0" y="0"/>
-          <a:chExt cx="0" cy="0"/>
-        </a:xfrm>
-      </p:grpSpPr>
-      <p:sp>
-        <p:nvSpPr>
-          <p:cNvPr id="2" name="슬라이드 이미지 개체 틀 1"/>
-          <p:cNvSpPr>
-            <a:spLocks noGrp="1" noRot="1" noChangeAspect="1"/>
-          </p:cNvSpPr>
-          <p:nvPr>
-            <p:ph type="sldImg"/>
-          </p:nvPr>
-        </p:nvSpPr>
-        <p:spPr/>
-      </p:sp>
-      <p:sp>
-        <p:nvSpPr>
-          <p:cNvPr id="3" name="슬라이드 노트 개체 틀 2"/>
-          <p:cNvSpPr>
-            <a:spLocks noGrp="1"/>
-          </p:cNvSpPr>
-          <p:nvPr>
-            <p:ph type="body" idx="1"/>
-          </p:nvPr>
-        </p:nvSpPr>
-        <p:spPr/>
-        <p:txBody>
-          <a:bodyPr/>
-          <a:lstStyle/>
-          <a:p>
-            <a:endParaRPr lang="ko-KR" altLang="en-US" dirty="0"/>
-          </a:p>
-        </p:txBody>
-      </p:sp>
-      <p:sp>
-        <p:nvSpPr>
-          <p:cNvPr id="4" name="슬라이드 번호 개체 틀 3"/>
-          <p:cNvSpPr>
-            <a:spLocks noGrp="1"/>
-          </p:cNvSpPr>
-          <p:nvPr>
-            <p:ph type="sldNum" sz="quarter" idx="10"/>
-          </p:nvPr>
-        </p:nvSpPr>
-        <p:spPr/>
-        <p:txBody>
-          <a:bodyPr/>
-          <a:lstStyle/>
-          <a:p>
-            <a:fld id="{0231EE08-D29B-4EEA-AE59-EA43F352A71D}" type="slidenum">
-              <a:rPr lang="ko-KR" altLang="en-US" smtClean="0"/>
-              <a:t>29</a:t>
-            </a:fld>
-            <a:endParaRPr lang="ko-KR" altLang="en-US"/>
-          </a:p>
-        </p:txBody>
-      </p:sp>
-    </p:spTree>
-    <p:extLst>
-      <p:ext uri="{BB962C8B-B14F-4D97-AF65-F5344CB8AC3E}">
-        <p14:creationId xmlns:p14="http://schemas.microsoft.com/office/powerpoint/2010/main" val="4207783217"/>
-      </p:ext>
-    </p:extLst>
-  </p:cSld>
-  <p:clrMapOvr>
-    <a:masterClrMapping/>
-  </p:clrMapOvr>
-</p:notes>
-</file>
-
 <file path=ppt/slideLayouts/slideLayout1.xml><?xml version="1.0" encoding="utf-8"?>
 <p:sldLayout xmlns:a="http://schemas.openxmlformats.org/drawingml/2006/main" xmlns:r="http://schemas.openxmlformats.org/officeDocument/2006/relationships" xmlns:p="http://schemas.openxmlformats.org/presentationml/2006/main" type="title" preserve="1">
   <p:cSld name="제목 슬라이드">
@@ -1322,7 +1237,7 @@
           <a:p>
             <a:fld id="{20303F18-CB98-4E85-A37B-EF5A4E6C8DE7}" type="datetime1">
               <a:rPr lang="ko-KR" altLang="en-US" smtClean="0"/>
-              <a:t>2023-03-30</a:t>
+              <a:t>2023-03-31</a:t>
             </a:fld>
             <a:endParaRPr lang="ko-KR" altLang="en-US"/>
           </a:p>
@@ -1495,7 +1410,7 @@
           <a:p>
             <a:fld id="{CCA16C65-58A5-46D5-A762-12670B92641B}" type="datetime1">
               <a:rPr lang="ko-KR" altLang="en-US" smtClean="0"/>
-              <a:t>2023-03-30</a:t>
+              <a:t>2023-03-31</a:t>
             </a:fld>
             <a:endParaRPr lang="ko-KR" altLang="en-US"/>
           </a:p>
@@ -1673,7 +1588,7 @@
           <a:p>
             <a:fld id="{2D09A68A-AC6E-41FE-B28C-2BB812CC2E01}" type="datetime1">
               <a:rPr lang="ko-KR" altLang="en-US" smtClean="0"/>
-              <a:t>2023-03-30</a:t>
+              <a:t>2023-03-31</a:t>
             </a:fld>
             <a:endParaRPr lang="ko-KR" altLang="en-US"/>
           </a:p>
@@ -1841,7 +1756,7 @@
           <a:p>
             <a:fld id="{690B8B09-A0F3-4880-B090-7FDDEE5B5065}" type="datetime1">
               <a:rPr lang="ko-KR" altLang="en-US" smtClean="0"/>
-              <a:t>2023-03-30</a:t>
+              <a:t>2023-03-31</a:t>
             </a:fld>
             <a:endParaRPr lang="ko-KR" altLang="en-US"/>
           </a:p>
@@ -2086,7 +2001,7 @@
           <a:p>
             <a:fld id="{82F7D3F4-816B-4FA6-91FC-91836ECD0E53}" type="datetime1">
               <a:rPr lang="ko-KR" altLang="en-US" smtClean="0"/>
-              <a:t>2023-03-30</a:t>
+              <a:t>2023-03-31</a:t>
             </a:fld>
             <a:endParaRPr lang="ko-KR" altLang="en-US"/>
           </a:p>
@@ -2371,7 +2286,7 @@
           <a:p>
             <a:fld id="{2FB9FCFF-984A-4549-AB53-391F9EC1244A}" type="datetime1">
               <a:rPr lang="ko-KR" altLang="en-US" smtClean="0"/>
-              <a:t>2023-03-30</a:t>
+              <a:t>2023-03-31</a:t>
             </a:fld>
             <a:endParaRPr lang="ko-KR" altLang="en-US"/>
           </a:p>
@@ -2790,7 +2705,7 @@
           <a:p>
             <a:fld id="{94618DE4-C4FE-4171-90C7-38CF01638033}" type="datetime1">
               <a:rPr lang="ko-KR" altLang="en-US" smtClean="0"/>
-              <a:t>2023-03-30</a:t>
+              <a:t>2023-03-31</a:t>
             </a:fld>
             <a:endParaRPr lang="ko-KR" altLang="en-US"/>
           </a:p>
@@ -2907,7 +2822,7 @@
           <a:p>
             <a:fld id="{33587621-9D18-4C20-9B84-3E938621A025}" type="datetime1">
               <a:rPr lang="ko-KR" altLang="en-US" smtClean="0"/>
-              <a:t>2023-03-30</a:t>
+              <a:t>2023-03-31</a:t>
             </a:fld>
             <a:endParaRPr lang="ko-KR" altLang="en-US"/>
           </a:p>
@@ -3249,7 +3164,7 @@
           <a:p>
             <a:fld id="{B517649B-2577-404C-858E-51E9DEBB2548}" type="datetime1">
               <a:rPr lang="ko-KR" altLang="en-US" smtClean="0"/>
-              <a:t>2023-03-30</a:t>
+              <a:t>2023-03-31</a:t>
             </a:fld>
             <a:endParaRPr lang="ko-KR" altLang="en-US"/>
           </a:p>
@@ -3501,7 +3416,7 @@
           <a:p>
             <a:fld id="{8D84C674-EF46-4F27-9E3E-4F6A170B0DC6}" type="datetime1">
               <a:rPr lang="ko-KR" altLang="en-US" smtClean="0"/>
-              <a:t>2023-03-30</a:t>
+              <a:t>2023-03-31</a:t>
             </a:fld>
             <a:endParaRPr lang="ko-KR" altLang="en-US"/>
           </a:p>
@@ -3712,7 +3627,7 @@
           <a:p>
             <a:fld id="{B40F11ED-9D7B-4CCE-A57D-CC1D7760FB25}" type="datetime1">
               <a:rPr lang="ko-KR" altLang="en-US" smtClean="0"/>
-              <a:t>2023-03-30</a:t>
+              <a:t>2023-03-31</a:t>
             </a:fld>
             <a:endParaRPr lang="ko-KR" altLang="en-US"/>
           </a:p>
@@ -4548,13 +4463,6 @@
   <p:clrMapOvr>
     <a:masterClrMapping/>
   </p:clrMapOvr>
-  <p:timing>
-    <p:tnLst>
-      <p:par>
-        <p:cTn id="1" dur="indefinite" restart="never" nodeType="tmRoot"/>
-      </p:par>
-    </p:tnLst>
-  </p:timing>
 </p:sld>
 </file>
 
@@ -4959,16 +4867,7 @@
                   </a:solidFill>
                   <a:latin typeface="+mn-ea"/>
                 </a:rPr>
-                <a:t> 의료진 </a:t>
-              </a:r>
-              <a:r>
-                <a:rPr lang="ko-KR" altLang="en-US" sz="1100" b="1" dirty="0" smtClean="0">
-                  <a:solidFill>
-                    <a:srgbClr val="464646"/>
-                  </a:solidFill>
-                  <a:latin typeface="+mn-ea"/>
-                </a:rPr>
-                <a:t>소개</a:t>
+                <a:t> 의료진 소개</a:t>
               </a:r>
               <a:endParaRPr lang="en-US" altLang="ko-KR" sz="1100" b="1" dirty="0">
                 <a:solidFill>
@@ -5012,16 +4911,7 @@
                   </a:solidFill>
                   <a:latin typeface="+mn-ea"/>
                 </a:rPr>
-                <a:t>진료예약 </a:t>
-              </a:r>
-              <a:r>
-                <a:rPr lang="ko-KR" altLang="en-US" sz="1200" b="1" dirty="0" smtClean="0">
-                  <a:solidFill>
-                    <a:srgbClr val="464646"/>
-                  </a:solidFill>
-                  <a:latin typeface="+mn-ea"/>
-                </a:rPr>
-                <a:t>게시판</a:t>
+                <a:t>진료예약 게시판</a:t>
               </a:r>
               <a:endParaRPr lang="en-US" altLang="ko-KR" sz="1200" b="1" dirty="0">
                 <a:solidFill>
@@ -5042,16 +4932,7 @@
                   </a:solidFill>
                   <a:latin typeface="+mn-ea"/>
                 </a:rPr>
-                <a:t>후기 </a:t>
-              </a:r>
-              <a:r>
-                <a:rPr lang="ko-KR" altLang="en-US" sz="1200" b="1" dirty="0" smtClean="0">
-                  <a:solidFill>
-                    <a:srgbClr val="464646"/>
-                  </a:solidFill>
-                  <a:latin typeface="+mn-ea"/>
-                </a:rPr>
-                <a:t>게시판</a:t>
+                <a:t>후기 게시판</a:t>
               </a:r>
               <a:endParaRPr lang="en-US" altLang="ko-KR" sz="1200" b="1" dirty="0">
                 <a:solidFill>
@@ -5096,25 +4977,7 @@
                   </a:solidFill>
                   <a:latin typeface="+mn-ea"/>
                 </a:rPr>
-                <a:t>- </a:t>
-              </a:r>
-              <a:r>
-                <a:rPr lang="en-US" altLang="ko-KR" sz="1200" b="1" dirty="0" smtClean="0">
-                  <a:solidFill>
-                    <a:srgbClr val="464646"/>
-                  </a:solidFill>
-                  <a:latin typeface="+mn-ea"/>
-                </a:rPr>
-                <a:t> </a:t>
-              </a:r>
-              <a:r>
-                <a:rPr lang="ko-KR" altLang="en-US" sz="1200" b="1" dirty="0" smtClean="0">
-                  <a:solidFill>
-                    <a:srgbClr val="464646"/>
-                  </a:solidFill>
-                  <a:latin typeface="+mn-ea"/>
-                </a:rPr>
-                <a:t>공지사항 </a:t>
+                <a:t>-  </a:t>
               </a:r>
               <a:r>
                 <a:rPr lang="ko-KR" altLang="en-US" sz="1200" b="1" dirty="0">
@@ -5123,7 +4986,7 @@
                   </a:solidFill>
                   <a:latin typeface="+mn-ea"/>
                 </a:rPr>
-                <a:t>관리</a:t>
+                <a:t>공지사항 관리</a:t>
               </a:r>
               <a:endParaRPr lang="en-US" altLang="ko-KR" sz="1200" b="1" dirty="0">
                 <a:solidFill>
@@ -5145,19 +5008,10 @@
                   </a:solidFill>
                   <a:latin typeface="+mn-ea"/>
                 </a:rPr>
-                <a:t>- </a:t>
+                <a:t>-  </a:t>
               </a:r>
               <a:r>
-                <a:rPr lang="en-US" altLang="ko-KR" sz="1200" b="1" dirty="0" smtClean="0">
-                  <a:solidFill>
-                    <a:srgbClr val="464646"/>
-                  </a:solidFill>
-                  <a:latin typeface="+mn-ea"/>
-                </a:rPr>
-                <a:t> </a:t>
-              </a:r>
-              <a:r>
-                <a:rPr lang="ko-KR" altLang="en-US" sz="1200" b="1" dirty="0" smtClean="0">
+                <a:rPr lang="ko-KR" altLang="en-US" sz="1200" b="1" dirty="0">
                   <a:solidFill>
                     <a:srgbClr val="464646"/>
                   </a:solidFill>
@@ -5181,7 +5035,7 @@
                 <a:buChar char="-"/>
               </a:pPr>
               <a:r>
-                <a:rPr lang="ko-KR" altLang="en-US" sz="1200" b="1" dirty="0" err="1" smtClean="0">
+                <a:rPr lang="ko-KR" altLang="en-US" sz="1200" b="1" dirty="0" err="1">
                   <a:solidFill>
                     <a:srgbClr val="464646"/>
                   </a:solidFill>
@@ -5190,7 +5044,7 @@
                 <a:t>문의글</a:t>
               </a:r>
               <a:r>
-                <a:rPr lang="ko-KR" altLang="en-US" sz="1200" b="1" dirty="0" smtClean="0">
+                <a:rPr lang="ko-KR" altLang="en-US" sz="1200" b="1" dirty="0">
                   <a:solidFill>
                     <a:srgbClr val="464646"/>
                   </a:solidFill>
@@ -5198,7 +5052,7 @@
                 </a:rPr>
                 <a:t> 답변</a:t>
               </a:r>
-              <a:endParaRPr lang="en-US" altLang="ko-KR" sz="1200" b="1" dirty="0" smtClean="0">
+              <a:endParaRPr lang="en-US" altLang="ko-KR" sz="1200" b="1" dirty="0">
                 <a:solidFill>
                   <a:srgbClr val="464646"/>
                 </a:solidFill>
@@ -5214,7 +5068,7 @@
                 <a:buChar char="-"/>
               </a:pPr>
               <a:r>
-                <a:rPr lang="ko-KR" altLang="en-US" sz="1200" b="1" dirty="0" err="1" smtClean="0">
+                <a:rPr lang="ko-KR" altLang="en-US" sz="1200" b="1" dirty="0" err="1">
                   <a:solidFill>
                     <a:srgbClr val="464646"/>
                   </a:solidFill>
@@ -5223,7 +5077,7 @@
                 <a:t>게시글</a:t>
               </a:r>
               <a:r>
-                <a:rPr lang="ko-KR" altLang="en-US" sz="1200" b="1" dirty="0" smtClean="0">
+                <a:rPr lang="ko-KR" altLang="en-US" sz="1200" b="1" dirty="0">
                   <a:solidFill>
                     <a:srgbClr val="464646"/>
                   </a:solidFill>
@@ -5757,13 +5611,6 @@
   <p:clrMapOvr>
     <a:masterClrMapping/>
   </p:clrMapOvr>
-  <p:timing>
-    <p:tnLst>
-      <p:par>
-        <p:cTn id="1" dur="indefinite" restart="never" nodeType="tmRoot"/>
-      </p:par>
-    </p:tnLst>
-  </p:timing>
 </p:sld>
 </file>
 
@@ -7374,148 +7221,6 @@
           </a:p>
         </p:txBody>
       </p:sp>
-      <p:sp>
-        <p:nvSpPr>
-          <p:cNvPr id="4" name="TextBox 63">
-            <a:extLst>
-              <a:ext uri="{FF2B5EF4-FFF2-40B4-BE49-F238E27FC236}">
-                <a16:creationId xmlns:a16="http://schemas.microsoft.com/office/drawing/2014/main" id="{0BFD28BF-F916-DF4C-CBEF-00557AE5A745}"/>
-              </a:ext>
-            </a:extLst>
-          </p:cNvPr>
-          <p:cNvSpPr txBox="1"/>
-          <p:nvPr/>
-        </p:nvSpPr>
-        <p:spPr>
-          <a:xfrm>
-            <a:off x="7935383" y="1042862"/>
-            <a:ext cx="551433" cy="123111"/>
-          </a:xfrm>
-          <a:prstGeom prst="rect">
-            <a:avLst/>
-          </a:prstGeom>
-          <a:noFill/>
-        </p:spPr>
-        <p:txBody>
-          <a:bodyPr wrap="none" lIns="0" tIns="0" rIns="0" bIns="0" rtlCol="0">
-            <a:spAutoFit/>
-          </a:bodyPr>
-          <a:lstStyle>
-            <a:defPPr>
-              <a:defRPr lang="ko-KR"/>
-            </a:defPPr>
-            <a:lvl1pPr marL="0" algn="l" defTabSz="914400" rtl="0" eaLnBrk="1" latinLnBrk="1" hangingPunct="1">
-              <a:defRPr sz="1800" kern="1200">
-                <a:solidFill>
-                  <a:schemeClr val="tx1"/>
-                </a:solidFill>
-                <a:latin typeface="+mn-lt"/>
-                <a:ea typeface="+mn-ea"/>
-                <a:cs typeface="+mn-cs"/>
-              </a:defRPr>
-            </a:lvl1pPr>
-            <a:lvl2pPr marL="457200" algn="l" defTabSz="914400" rtl="0" eaLnBrk="1" latinLnBrk="1" hangingPunct="1">
-              <a:defRPr sz="1800" kern="1200">
-                <a:solidFill>
-                  <a:schemeClr val="tx1"/>
-                </a:solidFill>
-                <a:latin typeface="+mn-lt"/>
-                <a:ea typeface="+mn-ea"/>
-                <a:cs typeface="+mn-cs"/>
-              </a:defRPr>
-            </a:lvl2pPr>
-            <a:lvl3pPr marL="914400" algn="l" defTabSz="914400" rtl="0" eaLnBrk="1" latinLnBrk="1" hangingPunct="1">
-              <a:defRPr sz="1800" kern="1200">
-                <a:solidFill>
-                  <a:schemeClr val="tx1"/>
-                </a:solidFill>
-                <a:latin typeface="+mn-lt"/>
-                <a:ea typeface="+mn-ea"/>
-                <a:cs typeface="+mn-cs"/>
-              </a:defRPr>
-            </a:lvl3pPr>
-            <a:lvl4pPr marL="1371600" algn="l" defTabSz="914400" rtl="0" eaLnBrk="1" latinLnBrk="1" hangingPunct="1">
-              <a:defRPr sz="1800" kern="1200">
-                <a:solidFill>
-                  <a:schemeClr val="tx1"/>
-                </a:solidFill>
-                <a:latin typeface="+mn-lt"/>
-                <a:ea typeface="+mn-ea"/>
-                <a:cs typeface="+mn-cs"/>
-              </a:defRPr>
-            </a:lvl4pPr>
-            <a:lvl5pPr marL="1828800" algn="l" defTabSz="914400" rtl="0" eaLnBrk="1" latinLnBrk="1" hangingPunct="1">
-              <a:defRPr sz="1800" kern="1200">
-                <a:solidFill>
-                  <a:schemeClr val="tx1"/>
-                </a:solidFill>
-                <a:latin typeface="+mn-lt"/>
-                <a:ea typeface="+mn-ea"/>
-                <a:cs typeface="+mn-cs"/>
-              </a:defRPr>
-            </a:lvl5pPr>
-            <a:lvl6pPr marL="2286000" algn="l" defTabSz="914400" rtl="0" eaLnBrk="1" latinLnBrk="1" hangingPunct="1">
-              <a:defRPr sz="1800" kern="1200">
-                <a:solidFill>
-                  <a:schemeClr val="tx1"/>
-                </a:solidFill>
-                <a:latin typeface="+mn-lt"/>
-                <a:ea typeface="+mn-ea"/>
-                <a:cs typeface="+mn-cs"/>
-              </a:defRPr>
-            </a:lvl6pPr>
-            <a:lvl7pPr marL="2743200" algn="l" defTabSz="914400" rtl="0" eaLnBrk="1" latinLnBrk="1" hangingPunct="1">
-              <a:defRPr sz="1800" kern="1200">
-                <a:solidFill>
-                  <a:schemeClr val="tx1"/>
-                </a:solidFill>
-                <a:latin typeface="+mn-lt"/>
-                <a:ea typeface="+mn-ea"/>
-                <a:cs typeface="+mn-cs"/>
-              </a:defRPr>
-            </a:lvl7pPr>
-            <a:lvl8pPr marL="3200400" algn="l" defTabSz="914400" rtl="0" eaLnBrk="1" latinLnBrk="1" hangingPunct="1">
-              <a:defRPr sz="1800" kern="1200">
-                <a:solidFill>
-                  <a:schemeClr val="tx1"/>
-                </a:solidFill>
-                <a:latin typeface="+mn-lt"/>
-                <a:ea typeface="+mn-ea"/>
-                <a:cs typeface="+mn-cs"/>
-              </a:defRPr>
-            </a:lvl8pPr>
-            <a:lvl9pPr marL="3657600" algn="l" defTabSz="914400" rtl="0" eaLnBrk="1" latinLnBrk="1" hangingPunct="1">
-              <a:defRPr sz="1800" kern="1200">
-                <a:solidFill>
-                  <a:schemeClr val="tx1"/>
-                </a:solidFill>
-                <a:latin typeface="+mn-lt"/>
-                <a:ea typeface="+mn-ea"/>
-                <a:cs typeface="+mn-cs"/>
-              </a:defRPr>
-            </a:lvl9pPr>
-          </a:lstStyle>
-          <a:p>
-            <a:r>
-              <a:rPr lang="en-US" altLang="ko-KR" sz="800" dirty="0">
-                <a:solidFill>
-                  <a:schemeClr val="bg1">
-                    <a:lumMod val="50000"/>
-                  </a:schemeClr>
-                </a:solidFill>
-              </a:rPr>
-              <a:t>&lt;&lt;include&gt;</a:t>
-            </a:r>
-            <a:endParaRPr lang="ko-KR" altLang="en-US" sz="800" dirty="0">
-              <a:solidFill>
-                <a:schemeClr val="bg1">
-                  <a:lumMod val="50000"/>
-                </a:schemeClr>
-              </a:solidFill>
-            </a:endParaRPr>
-          </a:p>
-        </p:txBody>
-      </p:sp>
       <p:cxnSp>
         <p:nvCxnSpPr>
           <p:cNvPr id="56" name="직선 연결선 55">
@@ -8037,7 +7742,7 @@
           <a:p>
             <a:pPr algn="ctr"/>
             <a:r>
-              <a:rPr lang="ko-KR" altLang="en-US" sz="1000" b="1" dirty="0" err="1" smtClean="0"/>
+              <a:rPr lang="ko-KR" altLang="en-US" sz="1000" b="1" dirty="0" err="1"/>
               <a:t>후기게시판</a:t>
             </a:r>
             <a:endParaRPr lang="ko-KR" altLang="en-US" sz="1000" b="1" dirty="0"/>
@@ -9257,7 +8962,7 @@
           <a:p>
             <a:pPr algn="ctr"/>
             <a:r>
-              <a:rPr lang="ko-KR" altLang="en-US" sz="1000" b="1" dirty="0" err="1" smtClean="0"/>
+              <a:rPr lang="ko-KR" altLang="en-US" sz="1000" b="1" dirty="0" err="1"/>
               <a:t>회원글삭제</a:t>
             </a:r>
             <a:endParaRPr lang="ko-KR" altLang="en-US" sz="1000" b="1" dirty="0"/>
@@ -9595,10 +9300,9 @@
           <a:p>
             <a:pPr algn="ctr"/>
             <a:r>
-              <a:rPr lang="ko-KR" altLang="en-US" sz="1000" b="1" dirty="0" smtClean="0"/>
+              <a:rPr lang="ko-KR" altLang="en-US" sz="1000" b="1" dirty="0"/>
               <a:t>답변</a:t>
             </a:r>
-            <a:endParaRPr lang="ko-KR" altLang="en-US" sz="1000" b="1" dirty="0"/>
           </a:p>
         </p:txBody>
       </p:sp>
@@ -9701,13 +9405,6 @@
   <p:clrMapOvr>
     <a:masterClrMapping/>
   </p:clrMapOvr>
-  <p:timing>
-    <p:tnLst>
-      <p:par>
-        <p:cTn id="1" dur="indefinite" restart="never" nodeType="tmRoot"/>
-      </p:par>
-    </p:tnLst>
-  </p:timing>
 </p:sld>
 </file>
 
@@ -11712,11 +11409,11 @@
               <a:t>5. </a:t>
             </a:r>
             <a:r>
-              <a:rPr lang="ko-KR" altLang="en-US" sz="1000" dirty="0" smtClean="0"/>
+              <a:rPr lang="ko-KR" altLang="en-US" sz="1000" dirty="0"/>
               <a:t>정보수정</a:t>
             </a:r>
             <a:r>
-              <a:rPr lang="en-US" altLang="ko-KR" sz="1000" dirty="0" smtClean="0"/>
+              <a:rPr lang="en-US" altLang="ko-KR" sz="1000" dirty="0"/>
               <a:t>,</a:t>
             </a:r>
             <a:r>
@@ -11763,7 +11460,7 @@
               <a:t>진료예약 </a:t>
             </a:r>
             <a:r>
-              <a:rPr lang="ko-KR" altLang="en-US" sz="1000" dirty="0" err="1" smtClean="0"/>
+              <a:rPr lang="ko-KR" altLang="en-US" sz="1000" dirty="0" err="1"/>
               <a:t>글작성</a:t>
             </a:r>
             <a:endParaRPr lang="ko-KR" altLang="en-US" sz="1000" dirty="0"/>
@@ -11800,22 +11497,18 @@
           <a:p>
             <a:r>
               <a:rPr lang="en-US" altLang="ko-KR" sz="1000" dirty="0"/>
-              <a:t>7</a:t>
-            </a:r>
-            <a:r>
-              <a:rPr lang="en-US" altLang="ko-KR" sz="1000" dirty="0" smtClean="0"/>
-              <a:t>. </a:t>
-            </a:r>
-            <a:r>
-              <a:rPr lang="ko-KR" altLang="en-US" sz="1000" dirty="0" err="1" smtClean="0"/>
+              <a:t>7. </a:t>
+            </a:r>
+            <a:r>
+              <a:rPr lang="ko-KR" altLang="en-US" sz="1000" dirty="0" err="1"/>
               <a:t>후기게시판</a:t>
             </a:r>
             <a:r>
-              <a:rPr lang="ko-KR" altLang="en-US" sz="1000" dirty="0" smtClean="0"/>
+              <a:rPr lang="ko-KR" altLang="en-US" sz="1000" dirty="0"/>
               <a:t> </a:t>
             </a:r>
             <a:r>
-              <a:rPr lang="ko-KR" altLang="en-US" sz="1000" dirty="0" err="1" smtClean="0"/>
+              <a:rPr lang="ko-KR" altLang="en-US" sz="1000" dirty="0" err="1"/>
               <a:t>글작성</a:t>
             </a:r>
             <a:endParaRPr lang="ko-KR" altLang="en-US" sz="1000" dirty="0"/>
@@ -11885,13 +11578,6 @@
   <p:clrMapOvr>
     <a:masterClrMapping/>
   </p:clrMapOvr>
-  <p:timing>
-    <p:tnLst>
-      <p:par>
-        <p:cTn id="1" dur="indefinite" restart="never" nodeType="tmRoot"/>
-      </p:par>
-    </p:tnLst>
-  </p:timing>
 </p:sld>
 </file>
 
@@ -12410,10 +12096,9 @@
             <a:p>
               <a:pPr algn="ctr"/>
               <a:r>
-                <a:rPr lang="ko-KR" altLang="en-US" sz="1000" b="1" dirty="0" smtClean="0"/>
+                <a:rPr lang="ko-KR" altLang="en-US" sz="1000" b="1" dirty="0"/>
                 <a:t>답글</a:t>
               </a:r>
-              <a:endParaRPr lang="ko-KR" altLang="en-US" sz="1000" b="1" dirty="0"/>
             </a:p>
           </p:txBody>
         </p:sp>
@@ -13912,12 +13597,8 @@
               <a:t>8. </a:t>
             </a:r>
             <a:r>
-              <a:rPr lang="ko-KR" altLang="en-US" sz="1000" dirty="0" smtClean="0"/>
-              <a:t>글 </a:t>
-            </a:r>
-            <a:r>
               <a:rPr lang="ko-KR" altLang="en-US" sz="1000" dirty="0"/>
-              <a:t>목록확인</a:t>
+              <a:t>글 목록확인</a:t>
             </a:r>
           </a:p>
         </p:txBody>
@@ -13955,12 +13636,8 @@
               <a:t>9. </a:t>
             </a:r>
             <a:r>
-              <a:rPr lang="ko-KR" altLang="en-US" sz="1000" dirty="0" smtClean="0"/>
-              <a:t>답글 </a:t>
-            </a:r>
-            <a:r>
               <a:rPr lang="ko-KR" altLang="en-US" sz="1000" dirty="0"/>
-              <a:t>작성</a:t>
+              <a:t>답글 작성</a:t>
             </a:r>
             <a:r>
               <a:rPr lang="en-US" altLang="ko-KR" sz="1000" dirty="0"/>
@@ -13999,13 +13676,6 @@
   <p:clrMapOvr>
     <a:masterClrMapping/>
   </p:clrMapOvr>
-  <p:timing>
-    <p:tnLst>
-      <p:par>
-        <p:cTn id="1" dur="indefinite" restart="never" nodeType="tmRoot"/>
-      </p:par>
-    </p:tnLst>
-  </p:timing>
 </p:sld>
 </file>
 
@@ -14188,13 +13858,6 @@
   <p:clrMapOvr>
     <a:masterClrMapping/>
   </p:clrMapOvr>
-  <p:timing>
-    <p:tnLst>
-      <p:par>
-        <p:cTn id="1" dur="indefinite" restart="never" nodeType="tmRoot"/>
-      </p:par>
-    </p:tnLst>
-  </p:timing>
 </p:sld>
 </file>
 
@@ -14389,13 +14052,6 @@
   <p:clrMapOvr>
     <a:masterClrMapping/>
   </p:clrMapOvr>
-  <p:timing>
-    <p:tnLst>
-      <p:par>
-        <p:cTn id="1" dur="indefinite" restart="never" nodeType="tmRoot"/>
-      </p:par>
-    </p:tnLst>
-  </p:timing>
 </p:sld>
 </file>
 
@@ -14600,7 +14256,7 @@
                     <a:p>
                       <a:pPr algn="ctr" fontAlgn="ctr"/>
                       <a:r>
-                        <a:rPr lang="ko-KR" altLang="en-US" sz="800" b="1" u="none" strike="noStrike" dirty="0" err="1" smtClean="0">
+                        <a:rPr lang="ko-KR" altLang="en-US" sz="800" b="1" u="none" strike="noStrike" dirty="0" err="1">
                           <a:solidFill>
                             <a:schemeClr val="bg1"/>
                           </a:solidFill>
@@ -15258,7 +14914,7 @@
                         <a:t>), </a:t>
                       </a:r>
                       <a:r>
-                        <a:rPr lang="ko-KR" altLang="en-US" sz="800" b="0" i="0" u="none" strike="noStrike" dirty="0" smtClean="0">
+                        <a:rPr lang="ko-KR" altLang="en-US" sz="800" b="0" i="0" u="none" strike="noStrike" dirty="0">
                           <a:solidFill>
                             <a:srgbClr val="3F3F48"/>
                           </a:solidFill>
@@ -15269,7 +14925,7 @@
                         <a:t>관리자</a:t>
                       </a:r>
                       <a:r>
-                        <a:rPr lang="en-US" altLang="ko-KR" sz="800" b="0" i="0" u="none" strike="noStrike" dirty="0" smtClean="0">
+                        <a:rPr lang="en-US" altLang="ko-KR" sz="800" b="0" i="0" u="none" strike="noStrike" dirty="0">
                           <a:solidFill>
                             <a:srgbClr val="3F3F48"/>
                           </a:solidFill>
@@ -15279,14 +14935,6 @@
                         </a:rPr>
                         <a:t> </a:t>
                       </a:r>
-                      <a:endParaRPr lang="en-US" altLang="ko-KR" sz="800" b="0" i="0" u="none" strike="noStrike" dirty="0">
-                        <a:solidFill>
-                          <a:srgbClr val="3F3F48"/>
-                        </a:solidFill>
-                        <a:effectLst/>
-                        <a:latin typeface="+mn-ea"/>
-                        <a:ea typeface="+mn-ea"/>
-                      </a:endParaRPr>
                     </a:p>
                   </a:txBody>
                   <a:tcPr marL="5173" marR="5173" marT="3881" marB="0" anchor="ctr">
@@ -15454,7 +15102,7 @@
                     <a:p>
                       <a:pPr algn="ctr" fontAlgn="ctr"/>
                       <a:r>
-                        <a:rPr lang="ko-KR" altLang="en-US" sz="800" u="none" strike="noStrike" dirty="0" smtClean="0">
+                        <a:rPr lang="ko-KR" altLang="en-US" sz="800" u="none" strike="noStrike" dirty="0">
                           <a:solidFill>
                             <a:srgbClr val="3F3F48"/>
                           </a:solidFill>
@@ -15543,17 +15191,6 @@
                     <a:p>
                       <a:pPr marL="108000" lvl="0" algn="ctr" fontAlgn="ctr"/>
                       <a:r>
-                        <a:rPr lang="ko-KR" altLang="en-US" sz="800" b="0" i="0" u="none" strike="noStrike" dirty="0" smtClean="0">
-                          <a:solidFill>
-                            <a:srgbClr val="3F3F48"/>
-                          </a:solidFill>
-                          <a:effectLst/>
-                          <a:latin typeface="+mn-ea"/>
-                          <a:ea typeface="+mn-ea"/>
-                        </a:rPr>
-                        <a:t>웹 페이지 이용을 </a:t>
-                      </a:r>
-                      <a:r>
                         <a:rPr lang="ko-KR" altLang="en-US" sz="800" b="0" i="0" u="none" strike="noStrike" dirty="0">
                           <a:solidFill>
                             <a:srgbClr val="3F3F48"/>
@@ -15562,7 +15199,7 @@
                           <a:latin typeface="+mn-ea"/>
                           <a:ea typeface="+mn-ea"/>
                         </a:rPr>
-                        <a:t>위한 회원가입</a:t>
+                        <a:t>웹 페이지 이용을 위한 회원가입</a:t>
                       </a:r>
                       <a:endParaRPr lang="en-US" altLang="ko-KR" sz="800" b="0" i="0" u="none" strike="noStrike" dirty="0">
                         <a:solidFill>
@@ -15728,7 +15365,7 @@
                     <a:p>
                       <a:pPr algn="ctr" fontAlgn="ctr"/>
                       <a:r>
-                        <a:rPr lang="ko-KR" altLang="en-US" sz="800" b="0" i="0" u="none" strike="noStrike" dirty="0" smtClean="0">
+                        <a:rPr lang="ko-KR" altLang="en-US" sz="800" b="0" i="0" u="none" strike="noStrike" dirty="0">
                           <a:solidFill>
                             <a:srgbClr val="3F3F48"/>
                           </a:solidFill>
@@ -15738,14 +15375,6 @@
                         </a:rPr>
                         <a:t>공지사항</a:t>
                       </a:r>
-                      <a:endParaRPr lang="ko-KR" altLang="en-US" sz="800" b="0" i="0" u="none" strike="noStrike" dirty="0">
-                        <a:solidFill>
-                          <a:srgbClr val="3F3F48"/>
-                        </a:solidFill>
-                        <a:effectLst/>
-                        <a:latin typeface="+mn-ea"/>
-                        <a:ea typeface="+mn-ea"/>
-                      </a:endParaRPr>
                     </a:p>
                   </a:txBody>
                   <a:tcPr marL="5173" marR="5173" marT="3881" marB="0" anchor="ctr">
@@ -15895,7 +15524,7 @@
                     <a:p>
                       <a:pPr marL="108000" lvl="0" algn="ctr" fontAlgn="ctr"/>
                       <a:r>
-                        <a:rPr lang="ko-KR" altLang="en-US" sz="800" b="0" i="0" u="none" strike="noStrike" dirty="0" smtClean="0">
+                        <a:rPr lang="ko-KR" altLang="en-US" sz="800" b="0" i="0" u="none" strike="noStrike" dirty="0">
                           <a:solidFill>
                             <a:srgbClr val="3F3F48"/>
                           </a:solidFill>
@@ -16072,7 +15701,7 @@
                     <a:p>
                       <a:pPr algn="ctr" fontAlgn="ctr"/>
                       <a:r>
-                        <a:rPr lang="ko-KR" altLang="en-US" sz="800" b="0" i="0" u="none" strike="noStrike" dirty="0" smtClean="0">
+                        <a:rPr lang="ko-KR" altLang="en-US" sz="800" b="0" i="0" u="none" strike="noStrike" dirty="0">
                           <a:solidFill>
                             <a:srgbClr val="3F3F48"/>
                           </a:solidFill>
@@ -16082,7 +15711,7 @@
                         </a:rPr>
                         <a:t>관리자</a:t>
                       </a:r>
-                      <a:endParaRPr lang="en-US" altLang="ko-KR" sz="800" b="0" i="0" u="none" strike="noStrike" dirty="0" smtClean="0">
+                      <a:endParaRPr lang="en-US" altLang="ko-KR" sz="800" b="0" i="0" u="none" strike="noStrike" dirty="0">
                         <a:solidFill>
                           <a:srgbClr val="3F3F48"/>
                         </a:solidFill>
@@ -16094,7 +15723,7 @@
                     <a:p>
                       <a:pPr algn="ctr" fontAlgn="ctr"/>
                       <a:r>
-                        <a:rPr lang="ko-KR" altLang="en-US" sz="800" b="0" i="0" u="none" strike="noStrike" dirty="0" smtClean="0">
+                        <a:rPr lang="ko-KR" altLang="en-US" sz="800" b="0" i="0" u="none" strike="noStrike" dirty="0">
                           <a:solidFill>
                             <a:srgbClr val="3F3F48"/>
                           </a:solidFill>
@@ -16104,14 +15733,6 @@
                         </a:rPr>
                         <a:t>관리</a:t>
                       </a:r>
-                      <a:endParaRPr lang="ko-KR" altLang="en-US" sz="800" b="0" i="0" u="none" strike="noStrike" dirty="0">
-                        <a:solidFill>
-                          <a:srgbClr val="3F3F48"/>
-                        </a:solidFill>
-                        <a:effectLst/>
-                        <a:latin typeface="+mn-ea"/>
-                        <a:ea typeface="+mn-ea"/>
-                      </a:endParaRPr>
                     </a:p>
                   </a:txBody>
                   <a:tcPr marL="5173" marR="5173" marT="3881" marB="0" anchor="ctr">
@@ -16183,7 +15804,7 @@
                     <a:p>
                       <a:pPr algn="ctr" fontAlgn="ctr"/>
                       <a:r>
-                        <a:rPr lang="ko-KR" altLang="en-US" sz="800" b="0" i="0" u="none" strike="noStrike" dirty="0" smtClean="0">
+                        <a:rPr lang="ko-KR" altLang="en-US" sz="800" b="0" i="0" u="none" strike="noStrike" dirty="0">
                           <a:solidFill>
                             <a:srgbClr val="3F3F48"/>
                           </a:solidFill>
@@ -16193,14 +15814,6 @@
                         </a:rPr>
                         <a:t>관리자 등록</a:t>
                       </a:r>
-                      <a:endParaRPr lang="ko-KR" altLang="en-US" sz="800" b="0" i="0" u="none" strike="noStrike" dirty="0">
-                        <a:solidFill>
-                          <a:srgbClr val="3F3F48"/>
-                        </a:solidFill>
-                        <a:effectLst/>
-                        <a:latin typeface="+mn-ea"/>
-                        <a:ea typeface="+mn-ea"/>
-                      </a:endParaRPr>
                     </a:p>
                   </a:txBody>
                   <a:tcPr marL="5173" marR="5173" marT="3881" marB="0" anchor="ctr">
@@ -16272,7 +15885,7 @@
                     <a:p>
                       <a:pPr marL="108000" lvl="0" algn="ctr" fontAlgn="ctr"/>
                       <a:r>
-                        <a:rPr lang="ko-KR" altLang="en-US" sz="800" b="0" i="0" u="none" strike="noStrike" dirty="0" smtClean="0">
+                        <a:rPr lang="ko-KR" altLang="en-US" sz="800" b="0" i="0" u="none" strike="noStrike" dirty="0">
                           <a:solidFill>
                             <a:srgbClr val="3F3F48"/>
                           </a:solidFill>
@@ -16524,7 +16137,7 @@
                     <a:p>
                       <a:pPr algn="ctr" fontAlgn="ctr"/>
                       <a:r>
-                        <a:rPr lang="ko-KR" altLang="en-US" sz="800" b="0" i="0" u="none" strike="noStrike" dirty="0" smtClean="0">
+                        <a:rPr lang="ko-KR" altLang="en-US" sz="800" b="0" i="0" u="none" strike="noStrike" dirty="0">
                           <a:solidFill>
                             <a:srgbClr val="3F3F48"/>
                           </a:solidFill>
@@ -16534,14 +16147,6 @@
                         </a:rPr>
                         <a:t>관리자 탈퇴</a:t>
                       </a:r>
-                      <a:endParaRPr lang="ko-KR" altLang="en-US" sz="800" b="0" i="0" u="none" strike="noStrike" dirty="0">
-                        <a:solidFill>
-                          <a:srgbClr val="3F3F48"/>
-                        </a:solidFill>
-                        <a:effectLst/>
-                        <a:latin typeface="+mn-ea"/>
-                        <a:ea typeface="+mn-ea"/>
-                      </a:endParaRPr>
                     </a:p>
                   </a:txBody>
                   <a:tcPr marL="5173" marR="5173" marT="3881" marB="0" anchor="ctr">
@@ -16613,7 +16218,7 @@
                     <a:p>
                       <a:pPr marL="108000" lvl="0" algn="ctr" fontAlgn="ctr"/>
                       <a:r>
-                        <a:rPr lang="ko-KR" altLang="en-US" sz="800" b="0" i="0" u="none" strike="noStrike" dirty="0" smtClean="0">
+                        <a:rPr lang="ko-KR" altLang="en-US" sz="800" b="0" i="0" u="none" strike="noStrike" dirty="0">
                           <a:solidFill>
                             <a:srgbClr val="3F3F48"/>
                           </a:solidFill>
@@ -16787,7 +16392,7 @@
                     <a:p>
                       <a:pPr algn="ctr" fontAlgn="ctr"/>
                       <a:r>
-                        <a:rPr lang="ko-KR" altLang="en-US" sz="800" b="0" i="0" u="none" strike="noStrike" dirty="0" smtClean="0">
+                        <a:rPr lang="ko-KR" altLang="en-US" sz="800" b="0" i="0" u="none" strike="noStrike" dirty="0">
                           <a:solidFill>
                             <a:srgbClr val="3F3F48"/>
                           </a:solidFill>
@@ -16797,14 +16402,6 @@
                         </a:rPr>
                         <a:t>회원관리</a:t>
                       </a:r>
-                      <a:endParaRPr lang="ko-KR" altLang="en-US" sz="800" b="0" i="0" u="none" strike="noStrike" dirty="0">
-                        <a:solidFill>
-                          <a:srgbClr val="3F3F48"/>
-                        </a:solidFill>
-                        <a:effectLst/>
-                        <a:latin typeface="+mn-ea"/>
-                        <a:ea typeface="+mn-ea"/>
-                      </a:endParaRPr>
                     </a:p>
                   </a:txBody>
                   <a:tcPr marL="5173" marR="5173" marT="3881" marB="0" anchor="ctr">
@@ -16876,7 +16473,7 @@
                     <a:p>
                       <a:pPr algn="ctr" fontAlgn="ctr"/>
                       <a:r>
-                        <a:rPr lang="ko-KR" altLang="en-US" sz="800" b="0" i="0" u="none" strike="noStrike" dirty="0" smtClean="0">
+                        <a:rPr lang="ko-KR" altLang="en-US" sz="800" b="0" i="0" u="none" strike="noStrike" dirty="0">
                           <a:solidFill>
                             <a:srgbClr val="3F3F48"/>
                           </a:solidFill>
@@ -16886,14 +16483,6 @@
                         </a:rPr>
                         <a:t>회원 목록</a:t>
                       </a:r>
-                      <a:endParaRPr lang="ko-KR" altLang="en-US" sz="800" b="0" i="0" u="none" strike="noStrike" dirty="0">
-                        <a:solidFill>
-                          <a:srgbClr val="3F3F48"/>
-                        </a:solidFill>
-                        <a:effectLst/>
-                        <a:latin typeface="+mn-ea"/>
-                        <a:ea typeface="+mn-ea"/>
-                      </a:endParaRPr>
                     </a:p>
                   </a:txBody>
                   <a:tcPr marL="5173" marR="5173" marT="3881" marB="0" anchor="ctr">
@@ -16965,7 +16554,7 @@
                     <a:p>
                       <a:pPr marL="108000" lvl="0" algn="ctr" fontAlgn="ctr"/>
                       <a:r>
-                        <a:rPr lang="ko-KR" altLang="en-US" sz="800" b="0" i="0" u="none" strike="noStrike" dirty="0" smtClean="0">
+                        <a:rPr lang="ko-KR" altLang="en-US" sz="800" b="0" i="0" u="none" strike="noStrike" dirty="0">
                           <a:solidFill>
                             <a:srgbClr val="3F3F48"/>
                           </a:solidFill>
@@ -17083,7 +16672,7 @@
                     <a:p>
                       <a:pPr algn="ctr" fontAlgn="ctr"/>
                       <a:r>
-                        <a:rPr lang="ko-KR" altLang="en-US" sz="800" b="0" i="0" u="none" strike="noStrike" dirty="0" smtClean="0">
+                        <a:rPr lang="ko-KR" altLang="en-US" sz="800" b="0" i="0" u="none" strike="noStrike" dirty="0">
                           <a:solidFill>
                             <a:srgbClr val="3F3F48"/>
                           </a:solidFill>
@@ -17093,7 +16682,7 @@
                         </a:rPr>
                         <a:t>진료예약</a:t>
                       </a:r>
-                      <a:endParaRPr lang="en-US" altLang="ko-KR" sz="800" b="0" i="0" u="none" strike="noStrike" dirty="0" smtClean="0">
+                      <a:endParaRPr lang="en-US" altLang="ko-KR" sz="800" b="0" i="0" u="none" strike="noStrike" dirty="0">
                         <a:solidFill>
                           <a:srgbClr val="3F3F48"/>
                         </a:solidFill>
@@ -17105,7 +16694,7 @@
                     <a:p>
                       <a:pPr algn="ctr" fontAlgn="ctr"/>
                       <a:r>
-                        <a:rPr lang="ko-KR" altLang="en-US" sz="800" b="0" i="0" u="none" strike="noStrike" dirty="0" smtClean="0">
+                        <a:rPr lang="ko-KR" altLang="en-US" sz="800" b="0" i="0" u="none" strike="noStrike" dirty="0">
                           <a:solidFill>
                             <a:srgbClr val="3F3F48"/>
                           </a:solidFill>
@@ -17194,7 +16783,7 @@
                     <a:p>
                       <a:pPr marL="108000" lvl="0" algn="ctr" fontAlgn="ctr"/>
                       <a:r>
-                        <a:rPr lang="ko-KR" altLang="en-US" sz="800" b="0" i="0" u="none" strike="noStrike" dirty="0" smtClean="0">
+                        <a:rPr lang="ko-KR" altLang="en-US" sz="800" b="0" i="0" u="none" strike="noStrike" dirty="0">
                           <a:solidFill>
                             <a:srgbClr val="3F3F48"/>
                           </a:solidFill>
@@ -17379,7 +16968,7 @@
                     <a:p>
                       <a:pPr algn="ctr" fontAlgn="ctr"/>
                       <a:r>
-                        <a:rPr lang="ko-KR" altLang="en-US" sz="800" b="0" i="0" u="none" strike="noStrike" dirty="0" smtClean="0">
+                        <a:rPr lang="ko-KR" altLang="en-US" sz="800" b="0" i="0" u="none" strike="noStrike" dirty="0">
                           <a:solidFill>
                             <a:srgbClr val="3F3F48"/>
                           </a:solidFill>
@@ -17468,7 +17057,7 @@
                     <a:p>
                       <a:pPr marL="108000" lvl="0" algn="ctr" fontAlgn="ctr"/>
                       <a:r>
-                        <a:rPr lang="ko-KR" altLang="en-US" sz="800" b="0" i="0" u="none" strike="noStrike" dirty="0" smtClean="0">
+                        <a:rPr lang="ko-KR" altLang="en-US" sz="800" b="0" i="0" u="none" strike="noStrike" dirty="0">
                           <a:solidFill>
                             <a:srgbClr val="3F3F48"/>
                           </a:solidFill>
@@ -17642,7 +17231,7 @@
                     <a:p>
                       <a:pPr algn="ctr" fontAlgn="ctr"/>
                       <a:r>
-                        <a:rPr lang="ko-KR" altLang="en-US" sz="800" b="0" i="0" u="none" strike="noStrike" dirty="0" smtClean="0">
+                        <a:rPr lang="ko-KR" altLang="en-US" sz="800" b="0" i="0" u="none" strike="noStrike" dirty="0">
                           <a:solidFill>
                             <a:srgbClr val="3F3F48"/>
                           </a:solidFill>
@@ -17652,14 +17241,6 @@
                         </a:rPr>
                         <a:t>공지사항</a:t>
                       </a:r>
-                      <a:endParaRPr lang="ko-KR" altLang="en-US" sz="800" b="0" i="0" u="none" strike="noStrike" dirty="0">
-                        <a:solidFill>
-                          <a:srgbClr val="3F3F48"/>
-                        </a:solidFill>
-                        <a:effectLst/>
-                        <a:latin typeface="+mn-ea"/>
-                        <a:ea typeface="+mn-ea"/>
-                      </a:endParaRPr>
                     </a:p>
                   </a:txBody>
                   <a:tcPr marL="5173" marR="5173" marT="3881" marB="0" anchor="ctr">
@@ -17731,7 +17312,7 @@
                     <a:p>
                       <a:pPr algn="ctr" fontAlgn="ctr"/>
                       <a:r>
-                        <a:rPr lang="ko-KR" altLang="en-US" sz="800" b="0" i="0" u="none" strike="noStrike" dirty="0" smtClean="0">
+                        <a:rPr lang="ko-KR" altLang="en-US" sz="800" b="0" i="0" u="none" strike="noStrike" dirty="0">
                           <a:solidFill>
                             <a:srgbClr val="3F3F48"/>
                           </a:solidFill>
@@ -17741,14 +17322,6 @@
                         </a:rPr>
                         <a:t>글 작성</a:t>
                       </a:r>
-                      <a:endParaRPr lang="ko-KR" altLang="en-US" sz="800" b="0" i="0" u="none" strike="noStrike" dirty="0">
-                        <a:solidFill>
-                          <a:srgbClr val="3F3F48"/>
-                        </a:solidFill>
-                        <a:effectLst/>
-                        <a:latin typeface="+mn-ea"/>
-                        <a:ea typeface="+mn-ea"/>
-                      </a:endParaRPr>
                     </a:p>
                   </a:txBody>
                   <a:tcPr marL="5173" marR="5173" marT="3881" marB="0" anchor="ctr">
@@ -17820,7 +17393,7 @@
                     <a:p>
                       <a:pPr marL="108000" lvl="0" algn="ctr" fontAlgn="ctr"/>
                       <a:r>
-                        <a:rPr lang="ko-KR" altLang="en-US" sz="800" b="0" i="0" u="none" strike="noStrike" dirty="0" smtClean="0">
+                        <a:rPr lang="ko-KR" altLang="en-US" sz="800" b="0" i="0" u="none" strike="noStrike" dirty="0">
                           <a:solidFill>
                             <a:srgbClr val="3F3F48"/>
                           </a:solidFill>
@@ -18005,7 +17578,7 @@
                     <a:p>
                       <a:pPr algn="ctr" fontAlgn="ctr"/>
                       <a:r>
-                        <a:rPr lang="ko-KR" altLang="en-US" sz="800" b="0" i="0" u="none" strike="noStrike" dirty="0" smtClean="0">
+                        <a:rPr lang="ko-KR" altLang="en-US" sz="800" b="0" i="0" u="none" strike="noStrike" dirty="0">
                           <a:solidFill>
                             <a:srgbClr val="3F3F48"/>
                           </a:solidFill>
@@ -18015,14 +17588,6 @@
                         </a:rPr>
                         <a:t>글 수정</a:t>
                       </a:r>
-                      <a:endParaRPr lang="ko-KR" altLang="en-US" sz="800" b="0" i="0" u="none" strike="noStrike" dirty="0">
-                        <a:solidFill>
-                          <a:srgbClr val="3F3F48"/>
-                        </a:solidFill>
-                        <a:effectLst/>
-                        <a:latin typeface="+mn-ea"/>
-                        <a:ea typeface="+mn-ea"/>
-                      </a:endParaRPr>
                     </a:p>
                   </a:txBody>
                   <a:tcPr marL="5173" marR="5173" marT="3881" marB="0" anchor="ctr">
@@ -18094,7 +17659,7 @@
                     <a:p>
                       <a:pPr marL="108000" lvl="0" algn="ctr" fontAlgn="ctr"/>
                       <a:r>
-                        <a:rPr lang="ko-KR" altLang="en-US" sz="800" b="0" i="0" u="none" strike="noStrike" dirty="0" smtClean="0">
+                        <a:rPr lang="ko-KR" altLang="en-US" sz="800" b="0" i="0" u="none" strike="noStrike" dirty="0">
                           <a:solidFill>
                             <a:srgbClr val="3F3F48"/>
                           </a:solidFill>
@@ -18279,7 +17844,7 @@
                     <a:p>
                       <a:pPr algn="ctr" fontAlgn="ctr"/>
                       <a:r>
-                        <a:rPr lang="ko-KR" altLang="en-US" sz="800" b="0" i="0" u="none" strike="noStrike" dirty="0" smtClean="0">
+                        <a:rPr lang="ko-KR" altLang="en-US" sz="800" b="0" i="0" u="none" strike="noStrike" dirty="0">
                           <a:solidFill>
                             <a:srgbClr val="3F3F48"/>
                           </a:solidFill>
@@ -18289,14 +17854,6 @@
                         </a:rPr>
                         <a:t>글 삭제</a:t>
                       </a:r>
-                      <a:endParaRPr lang="ko-KR" altLang="en-US" sz="800" b="0" i="0" u="none" strike="noStrike" dirty="0">
-                        <a:solidFill>
-                          <a:srgbClr val="3F3F48"/>
-                        </a:solidFill>
-                        <a:effectLst/>
-                        <a:latin typeface="+mn-ea"/>
-                        <a:ea typeface="+mn-ea"/>
-                      </a:endParaRPr>
                     </a:p>
                   </a:txBody>
                   <a:tcPr marL="5173" marR="5173" marT="3881" marB="0" anchor="ctr">
@@ -18368,7 +17925,7 @@
                     <a:p>
                       <a:pPr marL="108000" lvl="0" algn="ctr" fontAlgn="ctr"/>
                       <a:r>
-                        <a:rPr lang="ko-KR" altLang="en-US" sz="800" b="0" i="0" u="none" strike="noStrike" dirty="0" smtClean="0">
+                        <a:rPr lang="ko-KR" altLang="en-US" sz="800" b="0" i="0" u="none" strike="noStrike" dirty="0">
                           <a:solidFill>
                             <a:srgbClr val="3F3F48"/>
                           </a:solidFill>
@@ -18553,7 +18110,7 @@
                     <a:p>
                       <a:pPr algn="ctr" fontAlgn="ctr"/>
                       <a:r>
-                        <a:rPr lang="ko-KR" altLang="en-US" sz="800" b="0" i="0" u="none" strike="noStrike" dirty="0" smtClean="0">
+                        <a:rPr lang="ko-KR" altLang="en-US" sz="800" b="0" i="0" u="none" strike="noStrike" dirty="0">
                           <a:solidFill>
                             <a:srgbClr val="3F3F48"/>
                           </a:solidFill>
@@ -18563,14 +18120,6 @@
                         </a:rPr>
                         <a:t>글 보기</a:t>
                       </a:r>
-                      <a:endParaRPr lang="ko-KR" altLang="en-US" sz="800" b="0" i="0" u="none" strike="noStrike" dirty="0">
-                        <a:solidFill>
-                          <a:srgbClr val="3F3F48"/>
-                        </a:solidFill>
-                        <a:effectLst/>
-                        <a:latin typeface="+mn-ea"/>
-                        <a:ea typeface="+mn-ea"/>
-                      </a:endParaRPr>
                     </a:p>
                   </a:txBody>
                   <a:tcPr marL="5173" marR="5173" marT="3881" marB="0" anchor="ctr">
@@ -18642,7 +18191,7 @@
                     <a:p>
                       <a:pPr marL="108000" lvl="0" algn="ctr" fontAlgn="ctr"/>
                       <a:r>
-                        <a:rPr lang="ko-KR" altLang="en-US" sz="800" b="0" i="0" u="none" strike="noStrike" dirty="0" smtClean="0">
+                        <a:rPr lang="ko-KR" altLang="en-US" sz="800" b="0" i="0" u="none" strike="noStrike" dirty="0">
                           <a:solidFill>
                             <a:srgbClr val="3F3F48"/>
                           </a:solidFill>
@@ -19349,7 +18898,7 @@
                         </a:lnSpc>
                       </a:pPr>
                       <a:r>
-                        <a:rPr lang="ko-KR" altLang="en-US" sz="800" u="none" strike="noStrike" dirty="0" smtClean="0">
+                        <a:rPr lang="ko-KR" altLang="en-US" sz="800" u="none" strike="noStrike" dirty="0">
                           <a:solidFill>
                             <a:srgbClr val="3F3F48"/>
                           </a:solidFill>
@@ -19698,7 +19247,7 @@
                         </a:lnSpc>
                       </a:pPr>
                       <a:r>
-                        <a:rPr lang="ko-KR" altLang="en-US" sz="800" b="0" i="0" u="none" strike="noStrike" dirty="0" smtClean="0">
+                        <a:rPr lang="ko-KR" altLang="en-US" sz="800" b="0" i="0" u="none" strike="noStrike" dirty="0">
                           <a:solidFill>
                             <a:srgbClr val="3F3F48"/>
                           </a:solidFill>
@@ -19708,14 +19257,6 @@
                         </a:rPr>
                         <a:t>회원탈퇴</a:t>
                       </a:r>
-                      <a:endParaRPr lang="ko-KR" altLang="en-US" sz="800" b="0" i="0" u="none" strike="noStrike" dirty="0">
-                        <a:solidFill>
-                          <a:srgbClr val="3F3F48"/>
-                        </a:solidFill>
-                        <a:effectLst/>
-                        <a:latin typeface="+mn-ea"/>
-                        <a:ea typeface="+mn-ea"/>
-                      </a:endParaRPr>
                     </a:p>
                   </a:txBody>
                   <a:tcPr marL="5173" marR="5173" marT="3881" marB="0" anchor="ctr">
@@ -19902,7 +19443,7 @@
                         </a:lnSpc>
                       </a:pPr>
                       <a:r>
-                        <a:rPr lang="ko-KR" altLang="en-US" sz="800" b="0" i="0" u="none" strike="noStrike" dirty="0" smtClean="0">
+                        <a:rPr lang="ko-KR" altLang="en-US" sz="800" b="0" i="0" u="none" strike="noStrike" dirty="0">
                           <a:solidFill>
                             <a:srgbClr val="3F3F48"/>
                           </a:solidFill>
@@ -19912,7 +19453,7 @@
                         </a:rPr>
                         <a:t>진료예약</a:t>
                       </a:r>
-                      <a:endParaRPr lang="en-US" altLang="ko-KR" sz="800" b="0" i="0" u="none" strike="noStrike" dirty="0" smtClean="0">
+                      <a:endParaRPr lang="en-US" altLang="ko-KR" sz="800" b="0" i="0" u="none" strike="noStrike" dirty="0">
                         <a:solidFill>
                           <a:srgbClr val="3F3F48"/>
                         </a:solidFill>
@@ -19928,7 +19469,7 @@
                         </a:lnSpc>
                       </a:pPr>
                       <a:r>
-                        <a:rPr lang="ko-KR" altLang="en-US" sz="800" b="0" i="0" u="none" strike="noStrike" dirty="0" smtClean="0">
+                        <a:rPr lang="ko-KR" altLang="en-US" sz="800" b="0" i="0" u="none" strike="noStrike" dirty="0">
                           <a:solidFill>
                             <a:srgbClr val="3F3F48"/>
                           </a:solidFill>
@@ -19938,14 +19479,6 @@
                         </a:rPr>
                         <a:t>게시판</a:t>
                       </a:r>
-                      <a:endParaRPr lang="ko-KR" altLang="en-US" sz="800" b="0" i="0" u="none" strike="noStrike" dirty="0">
-                        <a:solidFill>
-                          <a:srgbClr val="3F3F48"/>
-                        </a:solidFill>
-                        <a:effectLst/>
-                        <a:latin typeface="+mn-ea"/>
-                        <a:ea typeface="+mn-ea"/>
-                      </a:endParaRPr>
                     </a:p>
                   </a:txBody>
                   <a:tcPr marL="5173" marR="5173" marT="3881" marB="0" anchor="ctr">
@@ -20021,7 +19554,7 @@
                         </a:lnSpc>
                       </a:pPr>
                       <a:r>
-                        <a:rPr lang="ko-KR" altLang="en-US" sz="800" b="0" i="0" u="none" strike="noStrike" dirty="0" smtClean="0">
+                        <a:rPr lang="ko-KR" altLang="en-US" sz="800" b="0" i="0" u="none" strike="noStrike" dirty="0">
                           <a:solidFill>
                             <a:srgbClr val="3F3F48"/>
                           </a:solidFill>
@@ -20031,14 +19564,6 @@
                         </a:rPr>
                         <a:t>글 목록</a:t>
                       </a:r>
-                      <a:endParaRPr lang="ko-KR" altLang="en-US" sz="800" b="0" i="0" u="none" strike="noStrike" dirty="0">
-                        <a:solidFill>
-                          <a:srgbClr val="3F3F48"/>
-                        </a:solidFill>
-                        <a:effectLst/>
-                        <a:latin typeface="+mn-ea"/>
-                        <a:ea typeface="+mn-ea"/>
-                      </a:endParaRPr>
                     </a:p>
                   </a:txBody>
                   <a:tcPr marL="5173" marR="5173" marT="3881" marB="0" anchor="ctr">
@@ -20136,7 +19661,7 @@
                         <a:t>페이지에 </a:t>
                       </a:r>
                       <a:r>
-                        <a:rPr lang="en-US" altLang="ko-KR" sz="800" b="0" i="0" u="none" strike="noStrike" dirty="0" smtClean="0">
+                        <a:rPr lang="en-US" altLang="ko-KR" sz="800" b="0" i="0" u="none" strike="noStrike" dirty="0">
                           <a:solidFill>
                             <a:srgbClr val="3F3F48"/>
                           </a:solidFill>
@@ -20147,7 +19672,7 @@
                         <a:t>8</a:t>
                       </a:r>
                       <a:r>
-                        <a:rPr lang="ko-KR" altLang="en-US" sz="800" b="0" i="0" u="none" strike="noStrike" dirty="0" smtClean="0">
+                        <a:rPr lang="ko-KR" altLang="en-US" sz="800" b="0" i="0" u="none" strike="noStrike" dirty="0">
                           <a:solidFill>
                             <a:srgbClr val="3F3F48"/>
                           </a:solidFill>
@@ -20158,7 +19683,7 @@
                         <a:t>개 글만</a:t>
                       </a:r>
                       <a:r>
-                        <a:rPr lang="ko-KR" altLang="en-US" sz="800" b="0" i="0" u="none" strike="noStrike" baseline="0" dirty="0" smtClean="0">
+                        <a:rPr lang="ko-KR" altLang="en-US" sz="800" b="0" i="0" u="none" strike="noStrike" baseline="0" dirty="0">
                           <a:solidFill>
                             <a:srgbClr val="3F3F48"/>
                           </a:solidFill>
@@ -20169,7 +19694,7 @@
                         <a:t> </a:t>
                       </a:r>
                       <a:r>
-                        <a:rPr lang="ko-KR" altLang="en-US" sz="800" b="0" i="0" u="none" strike="noStrike" baseline="0" dirty="0" err="1" smtClean="0">
+                        <a:rPr lang="ko-KR" altLang="en-US" sz="800" b="0" i="0" u="none" strike="noStrike" baseline="0" dirty="0" err="1">
                           <a:solidFill>
                             <a:srgbClr val="3F3F48"/>
                           </a:solidFill>
@@ -20180,17 +19705,6 @@
                         <a:t>페이징</a:t>
                       </a:r>
                       <a:r>
-                        <a:rPr lang="ko-KR" altLang="en-US" sz="800" b="0" i="0" u="none" strike="noStrike" baseline="0" dirty="0" smtClean="0">
-                          <a:solidFill>
-                            <a:srgbClr val="3F3F48"/>
-                          </a:solidFill>
-                          <a:effectLst/>
-                          <a:latin typeface="+mn-ea"/>
-                          <a:ea typeface="+mn-ea"/>
-                        </a:rPr>
-                        <a:t> </a:t>
-                      </a:r>
-                      <a:r>
                         <a:rPr lang="ko-KR" altLang="en-US" sz="800" b="0" i="0" u="none" strike="noStrike" baseline="0" dirty="0">
                           <a:solidFill>
                             <a:srgbClr val="3F3F48"/>
@@ -20199,7 +19713,7 @@
                           <a:latin typeface="+mn-ea"/>
                           <a:ea typeface="+mn-ea"/>
                         </a:rPr>
-                        <a:t>기법으로 출력</a:t>
+                        <a:t> 기법으로 출력</a:t>
                       </a:r>
                       <a:endParaRPr lang="en-US" altLang="ko-KR" sz="800" b="0" i="0" u="none" strike="noStrike" dirty="0">
                         <a:solidFill>
@@ -20380,7 +19894,7 @@
                         </a:lnSpc>
                       </a:pPr>
                       <a:r>
-                        <a:rPr lang="ko-KR" altLang="en-US" sz="800" b="0" i="0" u="none" strike="noStrike" dirty="0" smtClean="0">
+                        <a:rPr lang="ko-KR" altLang="en-US" sz="800" b="0" i="0" u="none" strike="noStrike" dirty="0">
                           <a:solidFill>
                             <a:srgbClr val="3F3F48"/>
                           </a:solidFill>
@@ -20390,14 +19904,6 @@
                         </a:rPr>
                         <a:t>글 작성</a:t>
                       </a:r>
-                      <a:endParaRPr lang="ko-KR" altLang="en-US" sz="800" b="0" i="0" u="none" strike="noStrike" dirty="0">
-                        <a:solidFill>
-                          <a:srgbClr val="3F3F48"/>
-                        </a:solidFill>
-                        <a:effectLst/>
-                        <a:latin typeface="+mn-ea"/>
-                        <a:ea typeface="+mn-ea"/>
-                      </a:endParaRPr>
                     </a:p>
                   </a:txBody>
                   <a:tcPr marL="5173" marR="5173" marT="3881" marB="0" anchor="ctr">
@@ -20473,17 +19979,6 @@
                         </a:lnSpc>
                       </a:pPr>
                       <a:r>
-                        <a:rPr lang="ko-KR" altLang="en-US" sz="800" b="0" i="0" u="none" strike="noStrike" dirty="0" smtClean="0">
-                          <a:solidFill>
-                            <a:srgbClr val="3F3F48"/>
-                          </a:solidFill>
-                          <a:effectLst/>
-                          <a:latin typeface="+mn-ea"/>
-                          <a:ea typeface="+mn-ea"/>
-                        </a:rPr>
-                        <a:t>진료예약 게시판 </a:t>
-                      </a:r>
-                      <a:r>
                         <a:rPr lang="ko-KR" altLang="en-US" sz="800" b="0" i="0" u="none" strike="noStrike" dirty="0">
                           <a:solidFill>
                             <a:srgbClr val="3F3F48"/>
@@ -20492,7 +19987,7 @@
                           <a:latin typeface="+mn-ea"/>
                           <a:ea typeface="+mn-ea"/>
                         </a:rPr>
-                        <a:t>글 추가</a:t>
+                        <a:t>진료예약 게시판 글 추가</a:t>
                       </a:r>
                       <a:endParaRPr lang="en-US" altLang="ko-KR" sz="800" b="0" i="0" u="none" strike="noStrike" dirty="0">
                         <a:solidFill>
@@ -20673,7 +20168,7 @@
                         </a:lnSpc>
                       </a:pPr>
                       <a:r>
-                        <a:rPr lang="ko-KR" altLang="en-US" sz="800" b="0" i="0" u="none" strike="noStrike" dirty="0" smtClean="0">
+                        <a:rPr lang="ko-KR" altLang="en-US" sz="800" b="0" i="0" u="none" strike="noStrike" dirty="0">
                           <a:solidFill>
                             <a:srgbClr val="3F3F48"/>
                           </a:solidFill>
@@ -20683,14 +20178,6 @@
                         </a:rPr>
                         <a:t>글 수정</a:t>
                       </a:r>
-                      <a:endParaRPr lang="ko-KR" altLang="en-US" sz="800" b="0" i="0" u="none" strike="noStrike" dirty="0">
-                        <a:solidFill>
-                          <a:srgbClr val="3F3F48"/>
-                        </a:solidFill>
-                        <a:effectLst/>
-                        <a:latin typeface="+mn-ea"/>
-                        <a:ea typeface="+mn-ea"/>
-                      </a:endParaRPr>
                     </a:p>
                   </a:txBody>
                   <a:tcPr marL="5173" marR="5173" marT="3881" marB="0" anchor="ctr">
@@ -20766,17 +20253,6 @@
                         </a:lnSpc>
                       </a:pPr>
                       <a:r>
-                        <a:rPr lang="ko-KR" altLang="en-US" sz="800" b="0" i="0" u="none" strike="noStrike" dirty="0" smtClean="0">
-                          <a:solidFill>
-                            <a:srgbClr val="3F3F48"/>
-                          </a:solidFill>
-                          <a:effectLst/>
-                          <a:latin typeface="+mn-ea"/>
-                          <a:ea typeface="+mn-ea"/>
-                        </a:rPr>
-                        <a:t>진료예약 게시판 </a:t>
-                      </a:r>
-                      <a:r>
                         <a:rPr lang="ko-KR" altLang="en-US" sz="800" b="0" i="0" u="none" strike="noStrike" dirty="0">
                           <a:solidFill>
                             <a:srgbClr val="3F3F48"/>
@@ -20785,7 +20261,7 @@
                           <a:latin typeface="+mn-ea"/>
                           <a:ea typeface="+mn-ea"/>
                         </a:rPr>
-                        <a:t>글 수정</a:t>
+                        <a:t>진료예약 게시판 글 수정</a:t>
                       </a:r>
                       <a:endParaRPr lang="en-US" altLang="ko-KR" sz="800" b="0" i="0" u="none" strike="noStrike" dirty="0">
                         <a:solidFill>
@@ -20966,7 +20442,7 @@
                         </a:lnSpc>
                       </a:pPr>
                       <a:r>
-                        <a:rPr lang="ko-KR" altLang="en-US" sz="800" b="0" i="0" u="none" strike="noStrike" dirty="0" smtClean="0">
+                        <a:rPr lang="ko-KR" altLang="en-US" sz="800" b="0" i="0" u="none" strike="noStrike" dirty="0">
                           <a:solidFill>
                             <a:srgbClr val="3F3F48"/>
                           </a:solidFill>
@@ -20976,14 +20452,6 @@
                         </a:rPr>
                         <a:t>글 삭제</a:t>
                       </a:r>
-                      <a:endParaRPr lang="ko-KR" altLang="en-US" sz="800" b="0" i="0" u="none" strike="noStrike" dirty="0">
-                        <a:solidFill>
-                          <a:srgbClr val="3F3F48"/>
-                        </a:solidFill>
-                        <a:effectLst/>
-                        <a:latin typeface="+mn-ea"/>
-                        <a:ea typeface="+mn-ea"/>
-                      </a:endParaRPr>
                     </a:p>
                   </a:txBody>
                   <a:tcPr marL="5173" marR="5173" marT="3881" marB="0" anchor="ctr">
@@ -21059,17 +20527,6 @@
                         </a:lnSpc>
                       </a:pPr>
                       <a:r>
-                        <a:rPr lang="ko-KR" altLang="en-US" sz="800" b="0" i="0" u="none" strike="noStrike" dirty="0" smtClean="0">
-                          <a:solidFill>
-                            <a:srgbClr val="3F3F48"/>
-                          </a:solidFill>
-                          <a:effectLst/>
-                          <a:latin typeface="+mn-ea"/>
-                          <a:ea typeface="+mn-ea"/>
-                        </a:rPr>
-                        <a:t>진료예약 게시판 </a:t>
-                      </a:r>
-                      <a:r>
                         <a:rPr lang="ko-KR" altLang="en-US" sz="800" b="0" i="0" u="none" strike="noStrike" dirty="0">
                           <a:solidFill>
                             <a:srgbClr val="3F3F48"/>
@@ -21078,7 +20535,7 @@
                           <a:latin typeface="+mn-ea"/>
                           <a:ea typeface="+mn-ea"/>
                         </a:rPr>
-                        <a:t>글 삭제</a:t>
+                        <a:t>진료예약 게시판 글 삭제</a:t>
                       </a:r>
                       <a:endParaRPr lang="en-US" altLang="ko-KR" sz="800" b="0" i="0" u="none" strike="noStrike" dirty="0">
                         <a:solidFill>
@@ -21259,7 +20716,7 @@
                         </a:lnSpc>
                       </a:pPr>
                       <a:r>
-                        <a:rPr lang="ko-KR" altLang="en-US" sz="800" b="0" i="0" u="none" strike="noStrike" dirty="0" smtClean="0">
+                        <a:rPr lang="ko-KR" altLang="en-US" sz="800" b="0" i="0" u="none" strike="noStrike" dirty="0">
                           <a:solidFill>
                             <a:srgbClr val="3F3F48"/>
                           </a:solidFill>
@@ -21269,14 +20726,6 @@
                         </a:rPr>
                         <a:t>글 보기</a:t>
                       </a:r>
-                      <a:endParaRPr lang="ko-KR" altLang="en-US" sz="800" b="0" i="0" u="none" strike="noStrike" dirty="0">
-                        <a:solidFill>
-                          <a:srgbClr val="3F3F48"/>
-                        </a:solidFill>
-                        <a:effectLst/>
-                        <a:latin typeface="+mn-ea"/>
-                        <a:ea typeface="+mn-ea"/>
-                      </a:endParaRPr>
                     </a:p>
                   </a:txBody>
                   <a:tcPr marL="5173" marR="5173" marT="3881" marB="0" anchor="ctr">
@@ -21352,17 +20801,6 @@
                         </a:lnSpc>
                       </a:pPr>
                       <a:r>
-                        <a:rPr lang="ko-KR" altLang="en-US" sz="800" b="0" i="0" u="none" strike="noStrike" dirty="0" smtClean="0">
-                          <a:solidFill>
-                            <a:srgbClr val="3F3F48"/>
-                          </a:solidFill>
-                          <a:effectLst/>
-                          <a:latin typeface="+mn-ea"/>
-                          <a:ea typeface="+mn-ea"/>
-                        </a:rPr>
-                        <a:t>진료예약 게시판 </a:t>
-                      </a:r>
-                      <a:r>
                         <a:rPr lang="ko-KR" altLang="en-US" sz="800" b="0" i="0" u="none" strike="noStrike" dirty="0">
                           <a:solidFill>
                             <a:srgbClr val="3F3F48"/>
@@ -21371,7 +20809,7 @@
                           <a:latin typeface="+mn-ea"/>
                           <a:ea typeface="+mn-ea"/>
                         </a:rPr>
-                        <a:t>글 상세보기</a:t>
+                        <a:t>진료예약 게시판 글 상세보기</a:t>
                       </a:r>
                       <a:endParaRPr lang="en-US" altLang="ko-KR" sz="800" b="0" i="0" u="none" strike="noStrike" dirty="0">
                         <a:solidFill>
@@ -21541,7 +20979,7 @@
                         </a:lnSpc>
                       </a:pPr>
                       <a:r>
-                        <a:rPr lang="ko-KR" altLang="en-US" sz="800" b="0" i="0" u="none" strike="noStrike" dirty="0" smtClean="0">
+                        <a:rPr lang="ko-KR" altLang="en-US" sz="800" b="0" i="0" u="none" strike="noStrike" dirty="0">
                           <a:solidFill>
                             <a:srgbClr val="3F3F48"/>
                           </a:solidFill>
@@ -21551,7 +20989,7 @@
                         </a:rPr>
                         <a:t>후기</a:t>
                       </a:r>
-                      <a:endParaRPr lang="en-US" altLang="ko-KR" sz="800" b="0" i="0" u="none" strike="noStrike" dirty="0" smtClean="0">
+                      <a:endParaRPr lang="en-US" altLang="ko-KR" sz="800" b="0" i="0" u="none" strike="noStrike" dirty="0">
                         <a:solidFill>
                           <a:srgbClr val="3F3F48"/>
                         </a:solidFill>
@@ -21567,7 +21005,7 @@
                         </a:lnSpc>
                       </a:pPr>
                       <a:r>
-                        <a:rPr lang="ko-KR" altLang="en-US" sz="800" b="0" i="0" u="none" strike="noStrike" dirty="0" smtClean="0">
+                        <a:rPr lang="ko-KR" altLang="en-US" sz="800" b="0" i="0" u="none" strike="noStrike" dirty="0">
                           <a:solidFill>
                             <a:srgbClr val="3F3F48"/>
                           </a:solidFill>
@@ -21577,14 +21015,6 @@
                         </a:rPr>
                         <a:t>게시판</a:t>
                       </a:r>
-                      <a:endParaRPr lang="ko-KR" altLang="en-US" sz="800" b="0" i="0" u="none" strike="noStrike" dirty="0">
-                        <a:solidFill>
-                          <a:srgbClr val="3F3F48"/>
-                        </a:solidFill>
-                        <a:effectLst/>
-                        <a:latin typeface="+mn-ea"/>
-                        <a:ea typeface="+mn-ea"/>
-                      </a:endParaRPr>
                     </a:p>
                   </a:txBody>
                   <a:tcPr marL="5173" marR="5173" marT="3881" marB="0" anchor="ctr">
@@ -21660,7 +21090,7 @@
                         </a:lnSpc>
                       </a:pPr>
                       <a:r>
-                        <a:rPr lang="ko-KR" altLang="en-US" sz="800" b="0" i="0" u="none" strike="noStrike" dirty="0" smtClean="0">
+                        <a:rPr lang="ko-KR" altLang="en-US" sz="800" b="0" i="0" u="none" strike="noStrike" dirty="0">
                           <a:solidFill>
                             <a:srgbClr val="3F3F48"/>
                           </a:solidFill>
@@ -21670,14 +21100,6 @@
                         </a:rPr>
                         <a:t>글 목록</a:t>
                       </a:r>
-                      <a:endParaRPr lang="ko-KR" altLang="en-US" sz="800" b="0" i="0" u="none" strike="noStrike" dirty="0">
-                        <a:solidFill>
-                          <a:srgbClr val="3F3F48"/>
-                        </a:solidFill>
-                        <a:effectLst/>
-                        <a:latin typeface="+mn-ea"/>
-                        <a:ea typeface="+mn-ea"/>
-                      </a:endParaRPr>
                     </a:p>
                   </a:txBody>
                   <a:tcPr marL="5173" marR="5173" marT="3881" marB="0" anchor="ctr">
@@ -21765,7 +21187,7 @@
                         <a:defRPr/>
                       </a:pPr>
                       <a:r>
-                        <a:rPr lang="en-US" altLang="ko-KR" sz="800" b="0" i="0" u="none" strike="noStrike" dirty="0" smtClean="0">
+                        <a:rPr lang="en-US" altLang="ko-KR" sz="800" b="0" i="0" u="none" strike="noStrike" dirty="0">
                           <a:solidFill>
                             <a:srgbClr val="3F3F48"/>
                           </a:solidFill>
@@ -21776,7 +21198,7 @@
                         <a:t>1</a:t>
                       </a:r>
                       <a:r>
-                        <a:rPr lang="ko-KR" altLang="en-US" sz="800" b="0" i="0" u="none" strike="noStrike" dirty="0" smtClean="0">
+                        <a:rPr lang="ko-KR" altLang="en-US" sz="800" b="0" i="0" u="none" strike="noStrike" dirty="0">
                           <a:solidFill>
                             <a:srgbClr val="3F3F48"/>
                           </a:solidFill>
@@ -21787,7 +21209,7 @@
                         <a:t>페이지에 </a:t>
                       </a:r>
                       <a:r>
-                        <a:rPr lang="en-US" altLang="ko-KR" sz="800" b="0" i="0" u="none" strike="noStrike" dirty="0" smtClean="0">
+                        <a:rPr lang="en-US" altLang="ko-KR" sz="800" b="0" i="0" u="none" strike="noStrike" dirty="0">
                           <a:solidFill>
                             <a:srgbClr val="3F3F48"/>
                           </a:solidFill>
@@ -21798,7 +21220,7 @@
                         <a:t>6</a:t>
                       </a:r>
                       <a:r>
-                        <a:rPr lang="ko-KR" altLang="en-US" sz="800" b="0" i="0" u="none" strike="noStrike" dirty="0" smtClean="0">
+                        <a:rPr lang="ko-KR" altLang="en-US" sz="800" b="0" i="0" u="none" strike="noStrike" dirty="0">
                           <a:solidFill>
                             <a:srgbClr val="3F3F48"/>
                           </a:solidFill>
@@ -21809,7 +21231,7 @@
                         <a:t>개 글만</a:t>
                       </a:r>
                       <a:r>
-                        <a:rPr lang="ko-KR" altLang="en-US" sz="800" b="0" i="0" u="none" strike="noStrike" baseline="0" dirty="0" smtClean="0">
+                        <a:rPr lang="ko-KR" altLang="en-US" sz="800" b="0" i="0" u="none" strike="noStrike" baseline="0" dirty="0">
                           <a:solidFill>
                             <a:srgbClr val="3F3F48"/>
                           </a:solidFill>
@@ -21820,7 +21242,7 @@
                         <a:t> </a:t>
                       </a:r>
                       <a:r>
-                        <a:rPr lang="ko-KR" altLang="en-US" sz="800" b="0" i="0" u="none" strike="noStrike" baseline="0" dirty="0" err="1" smtClean="0">
+                        <a:rPr lang="ko-KR" altLang="en-US" sz="800" b="0" i="0" u="none" strike="noStrike" baseline="0" dirty="0" err="1">
                           <a:solidFill>
                             <a:srgbClr val="3F3F48"/>
                           </a:solidFill>
@@ -21831,7 +21253,7 @@
                         <a:t>페이징</a:t>
                       </a:r>
                       <a:r>
-                        <a:rPr lang="ko-KR" altLang="en-US" sz="800" b="0" i="0" u="none" strike="noStrike" baseline="0" dirty="0" smtClean="0">
+                        <a:rPr lang="ko-KR" altLang="en-US" sz="800" b="0" i="0" u="none" strike="noStrike" baseline="0" dirty="0">
                           <a:solidFill>
                             <a:srgbClr val="3F3F48"/>
                           </a:solidFill>
@@ -21841,7 +21263,7 @@
                         </a:rPr>
                         <a:t> 기법으로 출력</a:t>
                       </a:r>
-                      <a:endParaRPr lang="en-US" altLang="ko-KR" sz="800" b="0" i="0" u="none" strike="noStrike" dirty="0" smtClean="0">
+                      <a:endParaRPr lang="en-US" altLang="ko-KR" sz="800" b="0" i="0" u="none" strike="noStrike" dirty="0">
                         <a:solidFill>
                           <a:srgbClr val="3F3F48"/>
                         </a:solidFill>
@@ -22035,7 +21457,7 @@
                         </a:lnSpc>
                       </a:pPr>
                       <a:r>
-                        <a:rPr lang="ko-KR" altLang="en-US" sz="800" b="0" i="0" u="none" strike="noStrike" dirty="0" smtClean="0">
+                        <a:rPr lang="ko-KR" altLang="en-US" sz="800" b="0" i="0" u="none" strike="noStrike" dirty="0">
                           <a:solidFill>
                             <a:srgbClr val="3F3F48"/>
                           </a:solidFill>
@@ -22045,14 +21467,6 @@
                         </a:rPr>
                         <a:t>글 작성</a:t>
                       </a:r>
-                      <a:endParaRPr lang="ko-KR" altLang="en-US" sz="800" b="0" i="0" u="none" strike="noStrike" dirty="0">
-                        <a:solidFill>
-                          <a:srgbClr val="3F3F48"/>
-                        </a:solidFill>
-                        <a:effectLst/>
-                        <a:latin typeface="+mn-ea"/>
-                        <a:ea typeface="+mn-ea"/>
-                      </a:endParaRPr>
                     </a:p>
                   </a:txBody>
                   <a:tcPr marL="5173" marR="5173" marT="3881" marB="0" anchor="ctr">
@@ -22140,7 +21554,7 @@
                         <a:defRPr/>
                       </a:pPr>
                       <a:r>
-                        <a:rPr lang="ko-KR" altLang="en-US" sz="800" b="0" i="0" u="none" strike="noStrike" dirty="0" smtClean="0">
+                        <a:rPr lang="ko-KR" altLang="en-US" sz="800" b="0" i="0" u="none" strike="noStrike" dirty="0">
                           <a:solidFill>
                             <a:srgbClr val="3F3F48"/>
                           </a:solidFill>
@@ -22151,7 +21565,7 @@
                         <a:t>후기 게시판 글 추가 </a:t>
                       </a:r>
                       <a:r>
-                        <a:rPr lang="en-US" altLang="ko-KR" sz="800" b="0" i="0" u="none" strike="noStrike" dirty="0" smtClean="0">
+                        <a:rPr lang="en-US" altLang="ko-KR" sz="800" b="0" i="0" u="none" strike="noStrike" dirty="0">
                           <a:solidFill>
                             <a:srgbClr val="3F3F48"/>
                           </a:solidFill>
@@ -22162,7 +21576,7 @@
                         <a:t>(</a:t>
                       </a:r>
                       <a:r>
-                        <a:rPr lang="ko-KR" altLang="en-US" sz="800" b="0" i="0" u="none" strike="noStrike" dirty="0" smtClean="0">
+                        <a:rPr lang="ko-KR" altLang="en-US" sz="800" b="0" i="0" u="none" strike="noStrike" dirty="0">
                           <a:solidFill>
                             <a:srgbClr val="3F3F48"/>
                           </a:solidFill>
@@ -22173,7 +21587,7 @@
                         <a:t>파일첨부</a:t>
                       </a:r>
                       <a:r>
-                        <a:rPr lang="en-US" altLang="ko-KR" sz="800" b="0" i="0" u="none" strike="noStrike" dirty="0" smtClean="0">
+                        <a:rPr lang="en-US" altLang="ko-KR" sz="800" b="0" i="0" u="none" strike="noStrike" dirty="0">
                           <a:solidFill>
                             <a:srgbClr val="3F3F48"/>
                           </a:solidFill>
@@ -22369,7 +21783,7 @@
                         </a:lnSpc>
                       </a:pPr>
                       <a:r>
-                        <a:rPr lang="ko-KR" altLang="en-US" sz="800" b="0" i="0" u="none" strike="noStrike" dirty="0" smtClean="0">
+                        <a:rPr lang="ko-KR" altLang="en-US" sz="800" b="0" i="0" u="none" strike="noStrike" dirty="0">
                           <a:solidFill>
                             <a:srgbClr val="3F3F48"/>
                           </a:solidFill>
@@ -22379,14 +21793,6 @@
                         </a:rPr>
                         <a:t>글 수정</a:t>
                       </a:r>
-                      <a:endParaRPr lang="ko-KR" altLang="en-US" sz="800" b="0" i="0" u="none" strike="noStrike" dirty="0">
-                        <a:solidFill>
-                          <a:srgbClr val="3F3F48"/>
-                        </a:solidFill>
-                        <a:effectLst/>
-                        <a:latin typeface="+mn-ea"/>
-                        <a:ea typeface="+mn-ea"/>
-                      </a:endParaRPr>
                     </a:p>
                   </a:txBody>
                   <a:tcPr marL="5173" marR="5173" marT="3881" marB="0" anchor="ctr">
@@ -22474,7 +21880,7 @@
                         <a:defRPr/>
                       </a:pPr>
                       <a:r>
-                        <a:rPr lang="ko-KR" altLang="en-US" sz="800" b="0" i="0" u="none" strike="noStrike" dirty="0" smtClean="0">
+                        <a:rPr lang="ko-KR" altLang="en-US" sz="800" b="0" i="0" u="none" strike="noStrike" dirty="0">
                           <a:solidFill>
                             <a:srgbClr val="3F3F48"/>
                           </a:solidFill>
@@ -22484,7 +21890,7 @@
                         </a:rPr>
                         <a:t>후기 게시판 글 수정</a:t>
                       </a:r>
-                      <a:endParaRPr lang="en-US" altLang="ko-KR" sz="800" b="0" i="0" u="none" strike="noStrike" dirty="0" smtClean="0">
+                      <a:endParaRPr lang="en-US" altLang="ko-KR" sz="800" b="0" i="0" u="none" strike="noStrike" dirty="0">
                         <a:solidFill>
                           <a:srgbClr val="3F3F48"/>
                         </a:solidFill>
@@ -22678,7 +22084,7 @@
                         </a:lnSpc>
                       </a:pPr>
                       <a:r>
-                        <a:rPr lang="ko-KR" altLang="en-US" sz="800" b="0" i="0" u="none" strike="noStrike" dirty="0" smtClean="0">
+                        <a:rPr lang="ko-KR" altLang="en-US" sz="800" b="0" i="0" u="none" strike="noStrike" dirty="0">
                           <a:solidFill>
                             <a:srgbClr val="3F3F48"/>
                           </a:solidFill>
@@ -22688,14 +22094,6 @@
                         </a:rPr>
                         <a:t>글 삭제</a:t>
                       </a:r>
-                      <a:endParaRPr lang="ko-KR" altLang="en-US" sz="800" b="0" i="0" u="none" strike="noStrike" dirty="0">
-                        <a:solidFill>
-                          <a:srgbClr val="3F3F48"/>
-                        </a:solidFill>
-                        <a:effectLst/>
-                        <a:latin typeface="+mn-ea"/>
-                        <a:ea typeface="+mn-ea"/>
-                      </a:endParaRPr>
                     </a:p>
                   </a:txBody>
                   <a:tcPr marL="5173" marR="5173" marT="3881" marB="0" anchor="ctr">
@@ -22771,7 +22169,7 @@
                         </a:lnSpc>
                       </a:pPr>
                       <a:r>
-                        <a:rPr lang="ko-KR" altLang="en-US" sz="800" b="0" i="0" u="none" strike="noStrike" dirty="0" smtClean="0">
+                        <a:rPr lang="ko-KR" altLang="en-US" sz="800" b="0" i="0" u="none" strike="noStrike" dirty="0">
                           <a:solidFill>
                             <a:srgbClr val="3F3F48"/>
                           </a:solidFill>
@@ -22960,7 +22358,7 @@
                         </a:lnSpc>
                       </a:pPr>
                       <a:r>
-                        <a:rPr lang="ko-KR" altLang="en-US" sz="800" b="0" i="0" u="none" strike="noStrike" dirty="0" smtClean="0">
+                        <a:rPr lang="ko-KR" altLang="en-US" sz="800" b="0" i="0" u="none" strike="noStrike" dirty="0">
                           <a:solidFill>
                             <a:srgbClr val="3F3F48"/>
                           </a:solidFill>
@@ -22970,14 +22368,6 @@
                         </a:rPr>
                         <a:t>글 보기</a:t>
                       </a:r>
-                      <a:endParaRPr lang="ko-KR" altLang="en-US" sz="800" b="0" i="0" u="none" strike="noStrike" dirty="0">
-                        <a:solidFill>
-                          <a:srgbClr val="3F3F48"/>
-                        </a:solidFill>
-                        <a:effectLst/>
-                        <a:latin typeface="+mn-ea"/>
-                        <a:ea typeface="+mn-ea"/>
-                      </a:endParaRPr>
                     </a:p>
                   </a:txBody>
                   <a:tcPr marL="5173" marR="5173" marT="3881" marB="0" anchor="ctr">
@@ -23053,7 +22443,7 @@
                         </a:lnSpc>
                       </a:pPr>
                       <a:r>
-                        <a:rPr lang="ko-KR" altLang="en-US" sz="800" b="0" i="0" u="none" strike="noStrike" dirty="0" smtClean="0">
+                        <a:rPr lang="ko-KR" altLang="en-US" sz="800" b="0" i="0" u="none" strike="noStrike" dirty="0">
                           <a:solidFill>
                             <a:srgbClr val="3F3F48"/>
                           </a:solidFill>
@@ -23155,13 +22545,6 @@
   <p:clrMapOvr>
     <a:masterClrMapping/>
   </p:clrMapOvr>
-  <p:timing>
-    <p:tnLst>
-      <p:par>
-        <p:cTn id="1" dur="indefinite" restart="never" nodeType="tmRoot"/>
-      </p:par>
-    </p:tnLst>
-  </p:timing>
 </p:sld>
 </file>
 
@@ -23341,13 +22724,6 @@
   <p:clrMapOvr>
     <a:masterClrMapping/>
   </p:clrMapOvr>
-  <p:timing>
-    <p:tnLst>
-      <p:par>
-        <p:cTn id="1" dur="indefinite" restart="never" nodeType="tmRoot"/>
-      </p:par>
-    </p:tnLst>
-  </p:timing>
 </p:sld>
 </file>
 
@@ -23526,18 +22902,13 @@
               <a:t>– </a:t>
             </a:r>
             <a:r>
-              <a:rPr lang="ko-KR" altLang="en-US" b="1" dirty="0" smtClean="0">
+              <a:rPr lang="ko-KR" altLang="en-US" b="1" dirty="0">
                 <a:solidFill>
                   <a:schemeClr val="bg1"/>
                 </a:solidFill>
               </a:rPr>
               <a:t>메인 페이지</a:t>
             </a:r>
-            <a:endParaRPr lang="ko-KR" altLang="en-US" b="1" dirty="0">
-              <a:solidFill>
-                <a:schemeClr val="bg1"/>
-              </a:solidFill>
-            </a:endParaRPr>
           </a:p>
         </p:txBody>
       </p:sp>
@@ -23597,7 +22968,7 @@
               <a:buAutoNum type="circleNumDbPlain"/>
             </a:pPr>
             <a:r>
-              <a:rPr lang="ko-KR" altLang="en-US" sz="1100" b="1" dirty="0" err="1" smtClean="0">
+              <a:rPr lang="ko-KR" altLang="en-US" sz="1100" b="1" dirty="0" err="1">
                 <a:solidFill>
                   <a:schemeClr val="tx1"/>
                 </a:solidFill>
@@ -23650,23 +23021,7 @@
                   <a:schemeClr val="tx1"/>
                 </a:solidFill>
               </a:rPr>
-              <a:t>헤</a:t>
-            </a:r>
-            <a:r>
-              <a:rPr lang="ko-KR" altLang="en-US" sz="1100" b="1" dirty="0" smtClean="0">
-                <a:solidFill>
-                  <a:schemeClr val="tx1"/>
-                </a:solidFill>
-              </a:rPr>
-              <a:t>더의 </a:t>
-            </a:r>
-            <a:r>
-              <a:rPr lang="ko-KR" altLang="en-US" sz="1100" b="1" dirty="0">
-                <a:solidFill>
-                  <a:schemeClr val="tx1"/>
-                </a:solidFill>
-              </a:rPr>
-              <a:t>메뉴가 다르게 보인다</a:t>
+              <a:t>헤더의 메뉴가 다르게 보인다</a:t>
             </a:r>
             <a:endParaRPr lang="en-US" altLang="ko-KR" sz="1100" b="1" dirty="0">
               <a:solidFill>
@@ -23683,7 +23038,7 @@
               <a:buAutoNum type="circleNumDbPlain"/>
             </a:pPr>
             <a:r>
-              <a:rPr lang="en-US" altLang="ko-KR" sz="1100" b="1" dirty="0" smtClean="0">
+              <a:rPr lang="en-US" altLang="ko-KR" sz="1100" b="1" dirty="0">
                 <a:solidFill>
                   <a:schemeClr val="tx1"/>
                 </a:solidFill>
@@ -23700,7 +23055,7 @@
               <a:buChar char="§"/>
             </a:pPr>
             <a:r>
-              <a:rPr lang="ko-KR" altLang="en-US" sz="1100" b="1" dirty="0" smtClean="0">
+              <a:rPr lang="ko-KR" altLang="en-US" sz="1100" b="1" dirty="0">
                 <a:solidFill>
                   <a:schemeClr val="tx1"/>
                 </a:solidFill>
@@ -23708,7 +23063,7 @@
               <a:t>진료예약</a:t>
             </a:r>
             <a:r>
-              <a:rPr lang="en-US" altLang="ko-KR" sz="1100" b="1" dirty="0" smtClean="0">
+              <a:rPr lang="en-US" altLang="ko-KR" sz="1100" b="1" dirty="0">
                 <a:solidFill>
                   <a:schemeClr val="tx1"/>
                 </a:solidFill>
@@ -23716,14 +23071,14 @@
               <a:t>, </a:t>
             </a:r>
             <a:r>
-              <a:rPr lang="ko-KR" altLang="en-US" sz="1100" b="1" dirty="0" smtClean="0">
+              <a:rPr lang="ko-KR" altLang="en-US" sz="1100" b="1" dirty="0">
                 <a:solidFill>
                   <a:schemeClr val="tx1"/>
                 </a:solidFill>
               </a:rPr>
               <a:t>후기게시판은 회원만 이용가능</a:t>
             </a:r>
-            <a:endParaRPr lang="en-US" altLang="ko-KR" sz="1100" b="1" dirty="0" smtClean="0">
+            <a:endParaRPr lang="en-US" altLang="ko-KR" sz="1100" b="1" dirty="0">
               <a:solidFill>
                 <a:schemeClr val="tx1"/>
               </a:solidFill>
@@ -23738,18 +23093,13 @@
               <a:buAutoNum type="circleNumDbPlain"/>
             </a:pPr>
             <a:r>
-              <a:rPr lang="en-US" altLang="ko-KR" sz="1100" b="1" dirty="0" smtClean="0">
+              <a:rPr lang="en-US" altLang="ko-KR" sz="1100" b="1" dirty="0">
                 <a:solidFill>
                   <a:schemeClr val="tx1"/>
                 </a:solidFill>
               </a:rPr>
               <a:t>main</a:t>
             </a:r>
-            <a:endParaRPr lang="en-US" altLang="ko-KR" sz="1100" b="1" dirty="0">
-              <a:solidFill>
-                <a:schemeClr val="tx1"/>
-              </a:solidFill>
-            </a:endParaRPr>
           </a:p>
           <a:p>
             <a:pPr marL="360000" lvl="1" indent="-228600">
@@ -23760,14 +23110,14 @@
               <a:buChar char="§"/>
             </a:pPr>
             <a:r>
-              <a:rPr lang="ko-KR" altLang="en-US" sz="1100" b="1" dirty="0" smtClean="0">
+              <a:rPr lang="ko-KR" altLang="en-US" sz="1100" b="1" dirty="0">
                 <a:solidFill>
                   <a:schemeClr val="tx1"/>
                 </a:solidFill>
               </a:rPr>
               <a:t>치과에서 서비스 하는 메뉴들 보기</a:t>
             </a:r>
-            <a:endParaRPr lang="en-US" altLang="ko-KR" sz="1100" b="1" dirty="0" smtClean="0">
+            <a:endParaRPr lang="en-US" altLang="ko-KR" sz="1100" b="1" dirty="0">
               <a:solidFill>
                 <a:schemeClr val="tx1"/>
               </a:solidFill>
@@ -23782,7 +23132,7 @@
               <a:buChar char="§"/>
             </a:pPr>
             <a:r>
-              <a:rPr lang="ko-KR" altLang="en-US" sz="1100" b="1" dirty="0" smtClean="0">
+              <a:rPr lang="ko-KR" altLang="en-US" sz="1100" b="1" dirty="0">
                 <a:solidFill>
                   <a:schemeClr val="tx1"/>
                 </a:solidFill>
@@ -23790,7 +23140,7 @@
               <a:t>비회원</a:t>
             </a:r>
             <a:r>
-              <a:rPr lang="en-US" altLang="ko-KR" sz="1100" b="1" dirty="0" smtClean="0">
+              <a:rPr lang="en-US" altLang="ko-KR" sz="1100" b="1" dirty="0">
                 <a:solidFill>
                   <a:schemeClr val="tx1"/>
                 </a:solidFill>
@@ -23798,7 +23148,7 @@
               <a:t>, </a:t>
             </a:r>
             <a:r>
-              <a:rPr lang="ko-KR" altLang="en-US" sz="1100" b="1" dirty="0" smtClean="0">
+              <a:rPr lang="ko-KR" altLang="en-US" sz="1100" b="1" dirty="0">
                 <a:solidFill>
                   <a:schemeClr val="tx1"/>
                 </a:solidFill>
@@ -23806,7 +23156,7 @@
               <a:t>회원</a:t>
             </a:r>
             <a:r>
-              <a:rPr lang="en-US" altLang="ko-KR" sz="1100" b="1" dirty="0" smtClean="0">
+              <a:rPr lang="en-US" altLang="ko-KR" sz="1100" b="1" dirty="0">
                 <a:solidFill>
                   <a:schemeClr val="tx1"/>
                 </a:solidFill>
@@ -23814,14 +23164,14 @@
               <a:t>, </a:t>
             </a:r>
             <a:r>
-              <a:rPr lang="ko-KR" altLang="en-US" sz="1100" b="1" dirty="0" smtClean="0">
+              <a:rPr lang="ko-KR" altLang="en-US" sz="1100" b="1" dirty="0">
                 <a:solidFill>
                   <a:schemeClr val="tx1"/>
                 </a:solidFill>
               </a:rPr>
               <a:t>관리자 모두 이용 가능</a:t>
             </a:r>
-            <a:endParaRPr lang="en-US" altLang="ko-KR" sz="1100" b="1" dirty="0" smtClean="0">
+            <a:endParaRPr lang="en-US" altLang="ko-KR" sz="1100" b="1" dirty="0">
               <a:solidFill>
                 <a:schemeClr val="tx1"/>
               </a:solidFill>
@@ -23836,14 +23186,14 @@
               <a:buAutoNum type="circleNumDbPlain"/>
             </a:pPr>
             <a:r>
-              <a:rPr lang="ko-KR" altLang="en-US" sz="1100" b="1" dirty="0" smtClean="0">
+              <a:rPr lang="ko-KR" altLang="en-US" sz="1100" b="1" dirty="0">
                 <a:solidFill>
                   <a:schemeClr val="tx1"/>
                 </a:solidFill>
               </a:rPr>
               <a:t>관리자 전용 로그인</a:t>
             </a:r>
-            <a:endParaRPr lang="en-US" altLang="ko-KR" sz="1100" b="1" dirty="0" smtClean="0">
+            <a:endParaRPr lang="en-US" altLang="ko-KR" sz="1100" b="1" dirty="0">
               <a:solidFill>
                 <a:schemeClr val="tx1"/>
               </a:solidFill>
@@ -23898,7 +23248,7 @@
           <a:lstStyle/>
           <a:p>
             <a:pPr algn="ctr"/>
-            <a:endParaRPr lang="ko-KR" altLang="en-US" sz="1000" b="1" dirty="0" smtClean="0"/>
+            <a:endParaRPr lang="ko-KR" altLang="en-US" sz="1000" b="1" dirty="0"/>
           </a:p>
         </p:txBody>
       </p:sp>
@@ -23925,18 +23275,13 @@
           <a:lstStyle/>
           <a:p>
             <a:r>
-              <a:rPr lang="ko-KR" altLang="en-US" sz="2000" b="1" dirty="0" smtClean="0">
+              <a:rPr lang="ko-KR" altLang="en-US" sz="2000" b="1" dirty="0">
                 <a:solidFill>
                   <a:srgbClr val="FF0000"/>
                 </a:solidFill>
               </a:rPr>
               <a:t>①</a:t>
             </a:r>
-            <a:endParaRPr lang="ko-KR" altLang="en-US" sz="2000" b="1" dirty="0">
-              <a:solidFill>
-                <a:srgbClr val="FF0000"/>
-              </a:solidFill>
-            </a:endParaRPr>
           </a:p>
         </p:txBody>
       </p:sp>
@@ -23963,18 +23308,13 @@
           <a:lstStyle/>
           <a:p>
             <a:r>
-              <a:rPr lang="ko-KR" altLang="en-US" sz="2400" b="1" dirty="0" smtClean="0">
+              <a:rPr lang="ko-KR" altLang="en-US" sz="2400" b="1" dirty="0">
                 <a:solidFill>
                   <a:srgbClr val="FF0000"/>
                 </a:solidFill>
               </a:rPr>
               <a:t>②</a:t>
             </a:r>
-            <a:endParaRPr lang="ko-KR" altLang="en-US" sz="2400" b="1" dirty="0">
-              <a:solidFill>
-                <a:srgbClr val="FF0000"/>
-              </a:solidFill>
-            </a:endParaRPr>
           </a:p>
         </p:txBody>
       </p:sp>
@@ -24025,7 +23365,7 @@
           <a:lstStyle/>
           <a:p>
             <a:pPr algn="ctr"/>
-            <a:endParaRPr lang="ko-KR" altLang="en-US" sz="1000" b="1" dirty="0" smtClean="0"/>
+            <a:endParaRPr lang="ko-KR" altLang="en-US" sz="1000" b="1" dirty="0"/>
           </a:p>
         </p:txBody>
       </p:sp>
@@ -24052,18 +23392,13 @@
           <a:lstStyle/>
           <a:p>
             <a:r>
-              <a:rPr lang="ko-KR" altLang="en-US" sz="2400" b="1" dirty="0" smtClean="0">
+              <a:rPr lang="ko-KR" altLang="en-US" sz="2400" b="1" dirty="0">
                 <a:solidFill>
                   <a:srgbClr val="FF0000"/>
                 </a:solidFill>
               </a:rPr>
               <a:t>③</a:t>
             </a:r>
-            <a:endParaRPr lang="ko-KR" altLang="en-US" sz="2400" b="1" dirty="0">
-              <a:solidFill>
-                <a:srgbClr val="FF0000"/>
-              </a:solidFill>
-            </a:endParaRPr>
           </a:p>
         </p:txBody>
       </p:sp>
@@ -24090,18 +23425,13 @@
           <a:lstStyle/>
           <a:p>
             <a:r>
-              <a:rPr lang="ko-KR" altLang="en-US" sz="2400" b="1" dirty="0" smtClean="0">
+              <a:rPr lang="ko-KR" altLang="en-US" sz="2400" b="1" dirty="0">
                 <a:solidFill>
                   <a:srgbClr val="FF0000"/>
                 </a:solidFill>
               </a:rPr>
               <a:t>④</a:t>
             </a:r>
-            <a:endParaRPr lang="ko-KR" altLang="en-US" sz="2400" b="1" dirty="0">
-              <a:solidFill>
-                <a:srgbClr val="FF0000"/>
-              </a:solidFill>
-            </a:endParaRPr>
           </a:p>
         </p:txBody>
       </p:sp>
@@ -24150,7 +23480,7 @@
           <a:lstStyle/>
           <a:p>
             <a:pPr algn="ctr"/>
-            <a:endParaRPr lang="ko-KR" altLang="en-US" sz="1000" b="1" dirty="0" smtClean="0"/>
+            <a:endParaRPr lang="ko-KR" altLang="en-US" sz="1000" b="1" dirty="0"/>
           </a:p>
         </p:txBody>
       </p:sp>
@@ -24164,13 +23494,6 @@
   <p:clrMapOvr>
     <a:masterClrMapping/>
   </p:clrMapOvr>
-  <p:timing>
-    <p:tnLst>
-      <p:par>
-        <p:cTn id="1" dur="indefinite" restart="never" nodeType="tmRoot"/>
-      </p:par>
-    </p:tnLst>
-  </p:timing>
 </p:sld>
 </file>
 
@@ -24311,7 +23634,7 @@
               <a:t>시연 및 핵심기능 </a:t>
             </a:r>
             <a:r>
-              <a:rPr lang="en-US" altLang="ko-KR" b="1" dirty="0" smtClean="0">
+              <a:rPr lang="en-US" altLang="ko-KR" b="1" dirty="0">
                 <a:solidFill>
                   <a:schemeClr val="bg1"/>
                 </a:solidFill>
@@ -24319,18 +23642,13 @@
               <a:t>– </a:t>
             </a:r>
             <a:r>
-              <a:rPr lang="ko-KR" altLang="en-US" b="1" dirty="0" smtClean="0">
+              <a:rPr lang="ko-KR" altLang="en-US" b="1" dirty="0">
                 <a:solidFill>
                   <a:schemeClr val="bg1"/>
                 </a:solidFill>
               </a:rPr>
               <a:t>회원가입</a:t>
             </a:r>
-            <a:endParaRPr lang="ko-KR" altLang="en-US" b="1" dirty="0">
-              <a:solidFill>
-                <a:schemeClr val="bg1"/>
-              </a:solidFill>
-            </a:endParaRPr>
           </a:p>
         </p:txBody>
       </p:sp>
@@ -24390,7 +23708,7 @@
               <a:buAutoNum type="circleNumDbPlain"/>
             </a:pPr>
             <a:r>
-              <a:rPr lang="en-US" altLang="ko-KR" sz="1100" b="1" dirty="0" smtClean="0">
+              <a:rPr lang="en-US" altLang="ko-KR" sz="1100" b="1" dirty="0">
                 <a:solidFill>
                   <a:schemeClr val="tx1"/>
                 </a:solidFill>
@@ -24398,7 +23716,7 @@
               <a:t>Id </a:t>
             </a:r>
             <a:r>
-              <a:rPr lang="ko-KR" altLang="en-US" sz="1100" b="1" dirty="0" err="1" smtClean="0">
+              <a:rPr lang="ko-KR" altLang="en-US" sz="1100" b="1" dirty="0" err="1">
                 <a:solidFill>
                   <a:schemeClr val="tx1"/>
                 </a:solidFill>
@@ -24406,7 +23724,7 @@
               <a:t>중복검사</a:t>
             </a:r>
             <a:r>
-              <a:rPr lang="en-US" altLang="ko-KR" sz="1100" b="1" dirty="0" smtClean="0">
+              <a:rPr lang="en-US" altLang="ko-KR" sz="1100" b="1" dirty="0">
                 <a:solidFill>
                   <a:schemeClr val="tx1"/>
                 </a:solidFill>
@@ -24414,7 +23732,7 @@
               <a:t>, email </a:t>
             </a:r>
             <a:r>
-              <a:rPr lang="ko-KR" altLang="en-US" sz="1100" b="1" dirty="0" err="1" smtClean="0">
+              <a:rPr lang="ko-KR" altLang="en-US" sz="1100" b="1" dirty="0" err="1">
                 <a:solidFill>
                   <a:schemeClr val="tx1"/>
                 </a:solidFill>
@@ -24422,7 +23740,7 @@
               <a:t>중복검사</a:t>
             </a:r>
             <a:r>
-              <a:rPr lang="ko-KR" altLang="en-US" sz="1100" b="1" dirty="0" smtClean="0">
+              <a:rPr lang="ko-KR" altLang="en-US" sz="1100" b="1" dirty="0">
                 <a:solidFill>
                   <a:schemeClr val="tx1"/>
                 </a:solidFill>
@@ -24430,7 +23748,7 @@
               <a:t> </a:t>
             </a:r>
             <a:r>
-              <a:rPr lang="en-US" altLang="ko-KR" sz="1100" b="1" dirty="0" smtClean="0">
+              <a:rPr lang="en-US" altLang="ko-KR" sz="1100" b="1" dirty="0">
                 <a:solidFill>
                   <a:schemeClr val="tx1"/>
                 </a:solidFill>
@@ -24438,7 +23756,7 @@
               <a:t>(A-</a:t>
             </a:r>
             <a:r>
-              <a:rPr lang="en-US" altLang="ko-KR" sz="1100" b="1" dirty="0" err="1" smtClean="0">
+              <a:rPr lang="en-US" altLang="ko-KR" sz="1100" b="1" dirty="0" err="1">
                 <a:solidFill>
                   <a:schemeClr val="tx1"/>
                 </a:solidFill>
@@ -24446,7 +23764,7 @@
               <a:t>jax</a:t>
             </a:r>
             <a:r>
-              <a:rPr lang="en-US" altLang="ko-KR" sz="1100" b="1" dirty="0" smtClean="0">
+              <a:rPr lang="en-US" altLang="ko-KR" sz="1100" b="1" dirty="0">
                 <a:solidFill>
                   <a:schemeClr val="tx1"/>
                 </a:solidFill>
@@ -24454,7 +23772,7 @@
               <a:t> </a:t>
             </a:r>
             <a:r>
-              <a:rPr lang="ko-KR" altLang="en-US" sz="1100" b="1" dirty="0" smtClean="0">
+              <a:rPr lang="ko-KR" altLang="en-US" sz="1100" b="1" dirty="0">
                 <a:solidFill>
                   <a:schemeClr val="tx1"/>
                 </a:solidFill>
@@ -24462,7 +23780,7 @@
               <a:t>이용</a:t>
             </a:r>
             <a:r>
-              <a:rPr lang="en-US" altLang="ko-KR" sz="1100" b="1" dirty="0" smtClean="0">
+              <a:rPr lang="en-US" altLang="ko-KR" sz="1100" b="1" dirty="0">
                 <a:solidFill>
                   <a:schemeClr val="tx1"/>
                 </a:solidFill>
@@ -24479,7 +23797,7 @@
               <a:buAutoNum type="circleNumDbPlain"/>
             </a:pPr>
             <a:r>
-              <a:rPr lang="ko-KR" altLang="en-US" sz="1100" b="1" dirty="0" smtClean="0">
+              <a:rPr lang="ko-KR" altLang="en-US" sz="1100" b="1" dirty="0">
                 <a:solidFill>
                   <a:schemeClr val="tx1"/>
                 </a:solidFill>
@@ -24487,7 +23805,7 @@
               <a:t>두 비밀번호 일치 확인 </a:t>
             </a:r>
             <a:r>
-              <a:rPr lang="en-US" altLang="ko-KR" sz="1100" b="1" dirty="0" smtClean="0">
+              <a:rPr lang="en-US" altLang="ko-KR" sz="1100" b="1" dirty="0">
                 <a:solidFill>
                   <a:schemeClr val="tx1"/>
                 </a:solidFill>
@@ -24495,7 +23813,7 @@
               <a:t>(key up </a:t>
             </a:r>
             <a:r>
-              <a:rPr lang="ko-KR" altLang="en-US" sz="1100" b="1" dirty="0" smtClean="0">
+              <a:rPr lang="ko-KR" altLang="en-US" sz="1100" b="1" dirty="0">
                 <a:solidFill>
                   <a:schemeClr val="tx1"/>
                 </a:solidFill>
@@ -24503,7 +23821,7 @@
               <a:t>이용</a:t>
             </a:r>
             <a:r>
-              <a:rPr lang="en-US" altLang="ko-KR" sz="1100" b="1" dirty="0" smtClean="0">
+              <a:rPr lang="en-US" altLang="ko-KR" sz="1100" b="1" dirty="0">
                 <a:solidFill>
                   <a:schemeClr val="tx1"/>
                 </a:solidFill>
@@ -24520,7 +23838,7 @@
               <a:buAutoNum type="circleNumDbPlain"/>
             </a:pPr>
             <a:r>
-              <a:rPr lang="ko-KR" altLang="en-US" sz="1100" b="1" dirty="0" smtClean="0">
+              <a:rPr lang="ko-KR" altLang="en-US" sz="1100" b="1" dirty="0">
                 <a:solidFill>
                   <a:schemeClr val="tx1"/>
                 </a:solidFill>
@@ -24540,7 +23858,7 @@
               </a:lnSpc>
             </a:pPr>
             <a:r>
-              <a:rPr lang="en-US" altLang="ko-KR" sz="1100" b="1" dirty="0" smtClean="0">
+              <a:rPr lang="en-US" altLang="ko-KR" sz="1100" b="1" dirty="0">
                 <a:solidFill>
                   <a:schemeClr val="tx1"/>
                 </a:solidFill>
@@ -24548,7 +23866,7 @@
               <a:t>	(</a:t>
             </a:r>
             <a:r>
-              <a:rPr lang="en-US" altLang="ko-KR" sz="1100" b="1" dirty="0" err="1" smtClean="0">
+              <a:rPr lang="en-US" altLang="ko-KR" sz="1100" b="1" dirty="0" err="1">
                 <a:solidFill>
                   <a:schemeClr val="tx1"/>
                 </a:solidFill>
@@ -24556,7 +23874,7 @@
               <a:t>datepicker</a:t>
             </a:r>
             <a:r>
-              <a:rPr lang="ko-KR" altLang="en-US" sz="1100" b="1" dirty="0" smtClean="0">
+              <a:rPr lang="ko-KR" altLang="en-US" sz="1100" b="1" dirty="0">
                 <a:solidFill>
                   <a:schemeClr val="tx1"/>
                 </a:solidFill>
@@ -24564,7 +23882,7 @@
               <a:t>이용</a:t>
             </a:r>
             <a:r>
-              <a:rPr lang="en-US" altLang="ko-KR" sz="1100" b="1" dirty="0" smtClean="0">
+              <a:rPr lang="en-US" altLang="ko-KR" sz="1100" b="1" dirty="0">
                 <a:solidFill>
                   <a:schemeClr val="tx1"/>
                 </a:solidFill>
@@ -24579,14 +23897,14 @@
               </a:lnSpc>
             </a:pPr>
             <a:r>
-              <a:rPr lang="ko-KR" altLang="en-US" sz="1100" b="1" dirty="0" smtClean="0">
+              <a:rPr lang="ko-KR" altLang="en-US" sz="1100" b="1" dirty="0">
                 <a:solidFill>
                   <a:schemeClr val="tx1"/>
                 </a:solidFill>
               </a:rPr>
               <a:t>오픈소스 </a:t>
             </a:r>
-            <a:endParaRPr lang="en-US" altLang="ko-KR" sz="1100" b="1" dirty="0" smtClean="0">
+            <a:endParaRPr lang="en-US" altLang="ko-KR" sz="1100" b="1" dirty="0">
               <a:solidFill>
                 <a:schemeClr val="tx1"/>
               </a:solidFill>
@@ -24599,33 +23917,15 @@
               </a:lnSpc>
             </a:pPr>
             <a:r>
-              <a:rPr lang="en-US" altLang="ko-KR" sz="1100" b="1" dirty="0" smtClean="0">
+              <a:rPr lang="en-US" altLang="ko-KR" sz="1100" b="1" dirty="0">
                 <a:solidFill>
                   <a:schemeClr val="tx1"/>
                 </a:solidFill>
                 <a:hlinkClick r:id="rId2"/>
               </a:rPr>
-              <a:t>https</a:t>
-            </a:r>
-            <a:r>
-              <a:rPr lang="en-US" altLang="ko-KR" sz="1100" b="1" dirty="0">
-                <a:solidFill>
-                  <a:schemeClr val="tx1"/>
-                </a:solidFill>
-                <a:hlinkClick r:id="rId2"/>
-              </a:rPr>
-              <a:t>://</a:t>
-            </a:r>
-            <a:r>
-              <a:rPr lang="en-US" altLang="ko-KR" sz="1100" b="1" dirty="0" smtClean="0">
-                <a:solidFill>
-                  <a:schemeClr val="tx1"/>
-                </a:solidFill>
-                <a:hlinkClick r:id="rId2"/>
-              </a:rPr>
-              <a:t>code.jquery.com/jquery-3.6.0.js</a:t>
-            </a:r>
-            <a:endParaRPr lang="en-US" altLang="ko-KR" sz="1100" b="1" dirty="0" smtClean="0">
+              <a:t>https://code.jquery.com/jquery-3.6.0.js</a:t>
+            </a:r>
+            <a:endParaRPr lang="en-US" altLang="ko-KR" sz="1100" b="1" dirty="0">
               <a:solidFill>
                 <a:schemeClr val="tx1"/>
               </a:solidFill>
@@ -24645,11 +23945,6 @@
               </a:rPr>
               <a:t>https://code.jquery.com/ui/1.13.2/jquery-ui.js</a:t>
             </a:r>
-            <a:endParaRPr lang="en-US" altLang="ko-KR" sz="1100" b="1" dirty="0" smtClean="0">
-              <a:solidFill>
-                <a:schemeClr val="tx1"/>
-              </a:solidFill>
-            </a:endParaRPr>
           </a:p>
           <a:p>
             <a:pPr>
@@ -24770,7 +24065,7 @@
           <a:lstStyle/>
           <a:p>
             <a:pPr algn="ctr"/>
-            <a:endParaRPr lang="ko-KR" altLang="en-US" sz="1000" b="1" dirty="0" smtClean="0"/>
+            <a:endParaRPr lang="ko-KR" altLang="en-US" sz="1000" b="1" dirty="0"/>
           </a:p>
         </p:txBody>
       </p:sp>
@@ -24819,7 +24114,7 @@
           <a:lstStyle/>
           <a:p>
             <a:pPr algn="ctr"/>
-            <a:endParaRPr lang="ko-KR" altLang="en-US" sz="1000" b="1" dirty="0" smtClean="0"/>
+            <a:endParaRPr lang="ko-KR" altLang="en-US" sz="1000" b="1" dirty="0"/>
           </a:p>
         </p:txBody>
       </p:sp>
@@ -24868,7 +24163,7 @@
           <a:lstStyle/>
           <a:p>
             <a:pPr algn="ctr"/>
-            <a:endParaRPr lang="ko-KR" altLang="en-US" sz="1000" b="1" dirty="0" smtClean="0"/>
+            <a:endParaRPr lang="ko-KR" altLang="en-US" sz="1000" b="1" dirty="0"/>
           </a:p>
         </p:txBody>
       </p:sp>
@@ -24895,18 +24190,13 @@
           <a:lstStyle/>
           <a:p>
             <a:r>
-              <a:rPr lang="ko-KR" altLang="en-US" sz="2000" b="1" dirty="0" smtClean="0">
+              <a:rPr lang="ko-KR" altLang="en-US" sz="2000" b="1" dirty="0">
                 <a:solidFill>
                   <a:srgbClr val="FF0000"/>
                 </a:solidFill>
               </a:rPr>
               <a:t>①</a:t>
             </a:r>
-            <a:endParaRPr lang="ko-KR" altLang="en-US" sz="2000" b="1" dirty="0">
-              <a:solidFill>
-                <a:srgbClr val="FF0000"/>
-              </a:solidFill>
-            </a:endParaRPr>
           </a:p>
         </p:txBody>
       </p:sp>
@@ -24933,18 +24223,13 @@
           <a:lstStyle/>
           <a:p>
             <a:r>
-              <a:rPr lang="ko-KR" altLang="en-US" sz="2400" b="1" dirty="0" smtClean="0">
+              <a:rPr lang="ko-KR" altLang="en-US" sz="2400" b="1" dirty="0">
                 <a:solidFill>
                   <a:srgbClr val="FF0000"/>
                 </a:solidFill>
               </a:rPr>
               <a:t>②</a:t>
             </a:r>
-            <a:endParaRPr lang="ko-KR" altLang="en-US" sz="2400" b="1" dirty="0">
-              <a:solidFill>
-                <a:srgbClr val="FF0000"/>
-              </a:solidFill>
-            </a:endParaRPr>
           </a:p>
         </p:txBody>
       </p:sp>
@@ -24971,18 +24256,13 @@
           <a:lstStyle/>
           <a:p>
             <a:r>
-              <a:rPr lang="ko-KR" altLang="en-US" sz="2400" b="1" dirty="0" smtClean="0">
+              <a:rPr lang="ko-KR" altLang="en-US" sz="2400" b="1" dirty="0">
                 <a:solidFill>
                   <a:srgbClr val="FF0000"/>
                 </a:solidFill>
               </a:rPr>
               <a:t>③</a:t>
             </a:r>
-            <a:endParaRPr lang="ko-KR" altLang="en-US" sz="2400" b="1" dirty="0">
-              <a:solidFill>
-                <a:srgbClr val="FF0000"/>
-              </a:solidFill>
-            </a:endParaRPr>
           </a:p>
         </p:txBody>
       </p:sp>
@@ -25009,18 +24289,13 @@
           <a:lstStyle/>
           <a:p>
             <a:r>
-              <a:rPr lang="ko-KR" altLang="en-US" sz="2400" b="1" dirty="0" smtClean="0">
+              <a:rPr lang="ko-KR" altLang="en-US" sz="2400" b="1" dirty="0">
                 <a:solidFill>
                   <a:srgbClr val="FF0000"/>
                 </a:solidFill>
               </a:rPr>
               <a:t>④</a:t>
             </a:r>
-            <a:endParaRPr lang="ko-KR" altLang="en-US" sz="2400" b="1" dirty="0">
-              <a:solidFill>
-                <a:srgbClr val="FF0000"/>
-              </a:solidFill>
-            </a:endParaRPr>
           </a:p>
         </p:txBody>
       </p:sp>
@@ -25034,13 +24309,6 @@
   <p:clrMapOvr>
     <a:masterClrMapping/>
   </p:clrMapOvr>
-  <p:timing>
-    <p:tnLst>
-      <p:par>
-        <p:cTn id="1" dur="indefinite" restart="never" nodeType="tmRoot"/>
-      </p:par>
-    </p:tnLst>
-  </p:timing>
 </p:sld>
 </file>
 
@@ -25927,13 +25195,6 @@
   <p:clrMapOvr>
     <a:masterClrMapping/>
   </p:clrMapOvr>
-  <p:timing>
-    <p:tnLst>
-      <p:par>
-        <p:cTn id="1" dur="indefinite" restart="never" nodeType="tmRoot"/>
-      </p:par>
-    </p:tnLst>
-  </p:timing>
 </p:sld>
 </file>
 
@@ -26104,7 +25365,7 @@
               <a:t>시연 및 핵심기능 </a:t>
             </a:r>
             <a:r>
-              <a:rPr lang="en-US" altLang="ko-KR" b="1" dirty="0" smtClean="0">
+              <a:rPr lang="en-US" altLang="ko-KR" b="1" dirty="0">
                 <a:solidFill>
                   <a:schemeClr val="bg1"/>
                 </a:solidFill>
@@ -26112,7 +25373,7 @@
               <a:t>– </a:t>
             </a:r>
             <a:r>
-              <a:rPr lang="ko-KR" altLang="en-US" b="1" dirty="0" smtClean="0">
+              <a:rPr lang="ko-KR" altLang="en-US" b="1" dirty="0">
                 <a:solidFill>
                   <a:schemeClr val="bg1"/>
                 </a:solidFill>
@@ -26120,7 +25381,7 @@
               <a:t>관리자 등록</a:t>
             </a:r>
             <a:r>
-              <a:rPr lang="en-US" altLang="ko-KR" b="1" dirty="0" smtClean="0">
+              <a:rPr lang="en-US" altLang="ko-KR" b="1" dirty="0">
                 <a:solidFill>
                   <a:schemeClr val="bg1"/>
                 </a:solidFill>
@@ -26191,7 +25452,7 @@
               <a:buAutoNum type="circleNumDbPlain"/>
             </a:pPr>
             <a:r>
-              <a:rPr lang="en-US" altLang="ko-KR" sz="1100" b="1" dirty="0" smtClean="0">
+              <a:rPr lang="en-US" altLang="ko-KR" sz="1100" b="1" dirty="0">
                 <a:solidFill>
                   <a:schemeClr val="tx1"/>
                 </a:solidFill>
@@ -26199,7 +25460,7 @@
               <a:t>Id </a:t>
             </a:r>
             <a:r>
-              <a:rPr lang="ko-KR" altLang="en-US" sz="1100" b="1" dirty="0" err="1" smtClean="0">
+              <a:rPr lang="ko-KR" altLang="en-US" sz="1100" b="1" dirty="0">
                 <a:solidFill>
                   <a:schemeClr val="tx1"/>
                 </a:solidFill>
@@ -26207,23 +25468,23 @@
               <a:t>중복검사</a:t>
             </a:r>
             <a:r>
-              <a:rPr lang="en-US" altLang="ko-KR" sz="1100" b="1" dirty="0" smtClean="0">
+              <a:rPr lang="en-US" altLang="ko-KR" sz="1100" b="1" dirty="0">
                 <a:solidFill>
                   <a:schemeClr val="tx1"/>
                 </a:solidFill>
               </a:rPr>
-              <a:t>, email </a:t>
-            </a:r>
-            <a:r>
-              <a:rPr lang="ko-KR" altLang="en-US" sz="1100" b="1" dirty="0" err="1" smtClean="0">
+              <a:t> (A-</a:t>
+            </a:r>
+            <a:r>
+              <a:rPr lang="en-US" altLang="ko-KR" sz="1100" b="1" dirty="0" err="1">
                 <a:solidFill>
                   <a:schemeClr val="tx1"/>
                 </a:solidFill>
               </a:rPr>
-              <a:t>중복검사</a:t>
-            </a:r>
-            <a:r>
-              <a:rPr lang="ko-KR" altLang="en-US" sz="1100" b="1" dirty="0" smtClean="0">
+              <a:t>jax</a:t>
+            </a:r>
+            <a:r>
+              <a:rPr lang="en-US" altLang="ko-KR" sz="1100" b="1" dirty="0">
                 <a:solidFill>
                   <a:schemeClr val="tx1"/>
                 </a:solidFill>
@@ -26231,39 +25492,15 @@
               <a:t> </a:t>
             </a:r>
             <a:r>
-              <a:rPr lang="en-US" altLang="ko-KR" sz="1100" b="1" dirty="0" smtClean="0">
+              <a:rPr lang="ko-KR" altLang="en-US" sz="1100" b="1" dirty="0">
                 <a:solidFill>
                   <a:schemeClr val="tx1"/>
                 </a:solidFill>
               </a:rPr>
-              <a:t>(A-</a:t>
-            </a:r>
-            <a:r>
-              <a:rPr lang="en-US" altLang="ko-KR" sz="1100" b="1" dirty="0" err="1" smtClean="0">
-                <a:solidFill>
-                  <a:schemeClr val="tx1"/>
-                </a:solidFill>
-              </a:rPr>
-              <a:t>jax</a:t>
-            </a:r>
-            <a:r>
-              <a:rPr lang="en-US" altLang="ko-KR" sz="1100" b="1" dirty="0" smtClean="0">
-                <a:solidFill>
-                  <a:schemeClr val="tx1"/>
-                </a:solidFill>
-              </a:rPr>
-              <a:t> </a:t>
-            </a:r>
-            <a:r>
-              <a:rPr lang="ko-KR" altLang="en-US" sz="1100" b="1" dirty="0" smtClean="0">
-                <a:solidFill>
-                  <a:schemeClr val="tx1"/>
-                </a:solidFill>
-              </a:rPr>
               <a:t>이용</a:t>
             </a:r>
             <a:r>
-              <a:rPr lang="en-US" altLang="ko-KR" sz="1100" b="1" dirty="0" smtClean="0">
+              <a:rPr lang="en-US" altLang="ko-KR" sz="1100" b="1" dirty="0">
                 <a:solidFill>
                   <a:schemeClr val="tx1"/>
                 </a:solidFill>
@@ -26280,7 +25517,7 @@
               <a:buAutoNum type="circleNumDbPlain"/>
             </a:pPr>
             <a:r>
-              <a:rPr lang="ko-KR" altLang="en-US" sz="1100" b="1" dirty="0" smtClean="0">
+              <a:rPr lang="ko-KR" altLang="en-US" sz="1100" b="1" dirty="0">
                 <a:solidFill>
                   <a:schemeClr val="tx1"/>
                 </a:solidFill>
@@ -26288,7 +25525,7 @@
               <a:t>두 비밀번호 일치 확인 </a:t>
             </a:r>
             <a:r>
-              <a:rPr lang="en-US" altLang="ko-KR" sz="1100" b="1" dirty="0" smtClean="0">
+              <a:rPr lang="en-US" altLang="ko-KR" sz="1100" b="1" dirty="0">
                 <a:solidFill>
                   <a:schemeClr val="tx1"/>
                 </a:solidFill>
@@ -26296,7 +25533,7 @@
               <a:t>(key up </a:t>
             </a:r>
             <a:r>
-              <a:rPr lang="ko-KR" altLang="en-US" sz="1100" b="1" dirty="0" smtClean="0">
+              <a:rPr lang="ko-KR" altLang="en-US" sz="1100" b="1" dirty="0">
                 <a:solidFill>
                   <a:schemeClr val="tx1"/>
                 </a:solidFill>
@@ -26304,7 +25541,7 @@
               <a:t>이용</a:t>
             </a:r>
             <a:r>
-              <a:rPr lang="en-US" altLang="ko-KR" sz="1100" b="1" dirty="0" smtClean="0">
+              <a:rPr lang="en-US" altLang="ko-KR" sz="1100" b="1" dirty="0">
                 <a:solidFill>
                   <a:schemeClr val="tx1"/>
                 </a:solidFill>
@@ -26321,30 +25558,14 @@
               <a:buAutoNum type="circleNumDbPlain"/>
             </a:pPr>
             <a:r>
-              <a:rPr lang="ko-KR" altLang="en-US" sz="1100" b="1" dirty="0" smtClean="0">
+              <a:rPr lang="ko-KR" altLang="en-US" sz="1100" b="1" dirty="0">
                 <a:solidFill>
                   <a:schemeClr val="tx1"/>
                 </a:solidFill>
               </a:rPr>
-              <a:t>관리자코드가 일치하지 </a:t>
-            </a:r>
-            <a:r>
-              <a:rPr lang="ko-KR" altLang="en-US" sz="1100" b="1" dirty="0" smtClean="0">
-                <a:solidFill>
-                  <a:schemeClr val="tx1"/>
-                </a:solidFill>
-              </a:rPr>
-              <a:t>않을 시 관리자 등록 </a:t>
-            </a:r>
-            <a:r>
-              <a:rPr lang="ko-KR" altLang="en-US" sz="1100" b="1" dirty="0" smtClean="0">
-                <a:solidFill>
-                  <a:schemeClr val="tx1"/>
-                </a:solidFill>
-              </a:rPr>
-              <a:t>불가</a:t>
-            </a:r>
-            <a:endParaRPr lang="en-US" altLang="ko-KR" sz="1100" b="1" dirty="0" smtClean="0">
+              <a:t>관리자코드가 일치하지 않을 시 관리자 등록 불가</a:t>
+            </a:r>
+            <a:endParaRPr lang="en-US" altLang="ko-KR" sz="1100" b="1" dirty="0">
               <a:solidFill>
                 <a:schemeClr val="tx1"/>
               </a:solidFill>
@@ -26439,7 +25660,7 @@
           <a:lstStyle/>
           <a:p>
             <a:pPr algn="ctr"/>
-            <a:endParaRPr lang="ko-KR" altLang="en-US" sz="1000" b="1" dirty="0" smtClean="0"/>
+            <a:endParaRPr lang="ko-KR" altLang="en-US" sz="1000" b="1" dirty="0"/>
           </a:p>
         </p:txBody>
       </p:sp>
@@ -26488,7 +25709,7 @@
           <a:lstStyle/>
           <a:p>
             <a:pPr algn="ctr"/>
-            <a:endParaRPr lang="ko-KR" altLang="en-US" sz="1000" b="1" dirty="0" smtClean="0"/>
+            <a:endParaRPr lang="ko-KR" altLang="en-US" sz="1000" b="1" dirty="0"/>
           </a:p>
         </p:txBody>
       </p:sp>
@@ -26515,18 +25736,13 @@
           <a:lstStyle/>
           <a:p>
             <a:r>
-              <a:rPr lang="ko-KR" altLang="en-US" sz="2000" b="1" dirty="0" smtClean="0">
+              <a:rPr lang="ko-KR" altLang="en-US" sz="2000" b="1" dirty="0">
                 <a:solidFill>
                   <a:srgbClr val="FF0000"/>
                 </a:solidFill>
               </a:rPr>
               <a:t>①</a:t>
             </a:r>
-            <a:endParaRPr lang="ko-KR" altLang="en-US" sz="2000" b="1" dirty="0">
-              <a:solidFill>
-                <a:srgbClr val="FF0000"/>
-              </a:solidFill>
-            </a:endParaRPr>
           </a:p>
         </p:txBody>
       </p:sp>
@@ -26553,18 +25769,13 @@
           <a:lstStyle/>
           <a:p>
             <a:r>
-              <a:rPr lang="ko-KR" altLang="en-US" sz="2400" b="1" dirty="0" smtClean="0">
+              <a:rPr lang="ko-KR" altLang="en-US" sz="2400" b="1" dirty="0">
                 <a:solidFill>
                   <a:srgbClr val="FF0000"/>
                 </a:solidFill>
               </a:rPr>
               <a:t>②</a:t>
             </a:r>
-            <a:endParaRPr lang="ko-KR" altLang="en-US" sz="2400" b="1" dirty="0">
-              <a:solidFill>
-                <a:srgbClr val="FF0000"/>
-              </a:solidFill>
-            </a:endParaRPr>
           </a:p>
         </p:txBody>
       </p:sp>
@@ -26591,18 +25802,13 @@
           <a:lstStyle/>
           <a:p>
             <a:r>
-              <a:rPr lang="ko-KR" altLang="en-US" sz="2400" b="1" dirty="0" smtClean="0">
+              <a:rPr lang="ko-KR" altLang="en-US" sz="2400" b="1" dirty="0">
                 <a:solidFill>
                   <a:srgbClr val="FF0000"/>
                 </a:solidFill>
               </a:rPr>
               <a:t>③</a:t>
             </a:r>
-            <a:endParaRPr lang="ko-KR" altLang="en-US" sz="2400" b="1" dirty="0">
-              <a:solidFill>
-                <a:srgbClr val="FF0000"/>
-              </a:solidFill>
-            </a:endParaRPr>
           </a:p>
         </p:txBody>
       </p:sp>
@@ -26681,7 +25887,7 @@
           <a:lstStyle/>
           <a:p>
             <a:pPr algn="ctr"/>
-            <a:endParaRPr lang="ko-KR" altLang="en-US" sz="1000" b="1" dirty="0" smtClean="0"/>
+            <a:endParaRPr lang="ko-KR" altLang="en-US" sz="1000" b="1" dirty="0"/>
           </a:p>
         </p:txBody>
       </p:sp>
@@ -26730,7 +25936,7 @@
           <a:lstStyle/>
           <a:p>
             <a:pPr algn="ctr"/>
-            <a:endParaRPr lang="ko-KR" altLang="en-US" sz="1000" b="1" dirty="0" smtClean="0"/>
+            <a:endParaRPr lang="ko-KR" altLang="en-US" sz="1000" b="1" dirty="0"/>
           </a:p>
         </p:txBody>
       </p:sp>
@@ -26744,13 +25950,6 @@
   <p:clrMapOvr>
     <a:masterClrMapping/>
   </p:clrMapOvr>
-  <p:timing>
-    <p:tnLst>
-      <p:par>
-        <p:cTn id="1" dur="indefinite" restart="never" nodeType="tmRoot"/>
-      </p:par>
-    </p:tnLst>
-  </p:timing>
 </p:sld>
 </file>
 
@@ -26921,7 +26120,7 @@
               <a:t>시연 및 핵심기능 </a:t>
             </a:r>
             <a:r>
-              <a:rPr lang="en-US" altLang="ko-KR" b="1" dirty="0" smtClean="0">
+              <a:rPr lang="en-US" altLang="ko-KR" b="1" dirty="0">
                 <a:solidFill>
                   <a:schemeClr val="bg1"/>
                 </a:solidFill>
@@ -26929,18 +26128,13 @@
               <a:t>– </a:t>
             </a:r>
             <a:r>
-              <a:rPr lang="ko-KR" altLang="en-US" b="1" dirty="0" smtClean="0">
+              <a:rPr lang="ko-KR" altLang="en-US" b="1" dirty="0">
                 <a:solidFill>
                   <a:schemeClr val="bg1"/>
                 </a:solidFill>
               </a:rPr>
               <a:t>관리자 탈퇴</a:t>
             </a:r>
-            <a:endParaRPr lang="ko-KR" altLang="en-US" b="1" dirty="0">
-              <a:solidFill>
-                <a:schemeClr val="bg1"/>
-              </a:solidFill>
-            </a:endParaRPr>
           </a:p>
         </p:txBody>
       </p:sp>
@@ -27000,14 +26194,14 @@
               <a:buAutoNum type="circleNumDbPlain"/>
             </a:pPr>
             <a:r>
-              <a:rPr lang="ko-KR" altLang="en-US" sz="1100" b="1" dirty="0" smtClean="0">
+              <a:rPr lang="ko-KR" altLang="en-US" sz="1100" b="1" dirty="0">
                 <a:solidFill>
                   <a:schemeClr val="tx1"/>
                 </a:solidFill>
               </a:rPr>
               <a:t>관리자 탈퇴 시 코드가 일치해야만 탈퇴 진행</a:t>
             </a:r>
-            <a:endParaRPr lang="en-US" altLang="ko-KR" sz="1100" b="1" dirty="0" smtClean="0">
+            <a:endParaRPr lang="en-US" altLang="ko-KR" sz="1100" b="1" dirty="0">
               <a:solidFill>
                 <a:schemeClr val="tx1"/>
               </a:solidFill>
@@ -27022,7 +26216,7 @@
               <a:buAutoNum type="circleNumDbPlain"/>
             </a:pPr>
             <a:r>
-              <a:rPr lang="ko-KR" altLang="en-US" sz="1100" b="1" dirty="0" smtClean="0">
+              <a:rPr lang="ko-KR" altLang="en-US" sz="1100" b="1" dirty="0">
                 <a:solidFill>
                   <a:schemeClr val="tx1"/>
                 </a:solidFill>
@@ -27030,7 +26224,7 @@
               <a:t>관리자 코드 불 </a:t>
             </a:r>
             <a:r>
-              <a:rPr lang="ko-KR" altLang="en-US" sz="1100" b="1" dirty="0" err="1" smtClean="0">
+              <a:rPr lang="ko-KR" altLang="en-US" sz="1100" b="1" dirty="0" err="1">
                 <a:solidFill>
                   <a:schemeClr val="tx1"/>
                 </a:solidFill>
@@ -27038,7 +26232,7 @@
               <a:t>일치시</a:t>
             </a:r>
             <a:r>
-              <a:rPr lang="en-US" altLang="ko-KR" sz="1100" b="1" dirty="0" smtClean="0">
+              <a:rPr lang="en-US" altLang="ko-KR" sz="1100" b="1" dirty="0">
                 <a:solidFill>
                   <a:schemeClr val="tx1"/>
                 </a:solidFill>
@@ -27046,14 +26240,14 @@
               <a:t>, </a:t>
             </a:r>
             <a:r>
-              <a:rPr lang="ko-KR" altLang="en-US" sz="1100" b="1" dirty="0" smtClean="0">
+              <a:rPr lang="ko-KR" altLang="en-US" sz="1100" b="1" dirty="0">
                 <a:solidFill>
                   <a:schemeClr val="tx1"/>
                 </a:solidFill>
               </a:rPr>
               <a:t>관리자 탈퇴 진행 불가</a:t>
             </a:r>
-            <a:endParaRPr lang="en-US" altLang="ko-KR" sz="1100" b="1" dirty="0" smtClean="0">
+            <a:endParaRPr lang="en-US" altLang="ko-KR" sz="1100" b="1" dirty="0">
               <a:solidFill>
                 <a:schemeClr val="tx1"/>
               </a:solidFill>
@@ -27068,7 +26262,7 @@
               <a:buAutoNum type="circleNumDbPlain"/>
             </a:pPr>
             <a:r>
-              <a:rPr lang="ko-KR" altLang="en-US" sz="1100" b="1" dirty="0" smtClean="0">
+              <a:rPr lang="ko-KR" altLang="en-US" sz="1100" b="1" dirty="0">
                 <a:solidFill>
                   <a:schemeClr val="tx1"/>
                 </a:solidFill>
@@ -27076,7 +26270,7 @@
               <a:t>코드 </a:t>
             </a:r>
             <a:r>
-              <a:rPr lang="ko-KR" altLang="en-US" sz="1100" b="1" dirty="0" err="1" smtClean="0">
+              <a:rPr lang="ko-KR" altLang="en-US" sz="1100" b="1" dirty="0" err="1">
                 <a:solidFill>
                   <a:schemeClr val="tx1"/>
                 </a:solidFill>
@@ -27084,14 +26278,14 @@
               <a:t>일치시</a:t>
             </a:r>
             <a:r>
-              <a:rPr lang="ko-KR" altLang="en-US" sz="1100" b="1" dirty="0" smtClean="0">
+              <a:rPr lang="ko-KR" altLang="en-US" sz="1100" b="1" dirty="0">
                 <a:solidFill>
                   <a:schemeClr val="tx1"/>
                 </a:solidFill>
               </a:rPr>
               <a:t> 관리자 탈퇴 가능</a:t>
             </a:r>
-            <a:endParaRPr lang="en-US" altLang="ko-KR" sz="1100" b="1" dirty="0" smtClean="0">
+            <a:endParaRPr lang="en-US" altLang="ko-KR" sz="1100" b="1" dirty="0">
               <a:solidFill>
                 <a:schemeClr val="tx1"/>
               </a:solidFill>
@@ -27152,18 +26346,13 @@
           <a:lstStyle/>
           <a:p>
             <a:r>
-              <a:rPr lang="ko-KR" altLang="en-US" sz="2000" b="1" dirty="0" smtClean="0">
+              <a:rPr lang="ko-KR" altLang="en-US" sz="2000" b="1" dirty="0">
                 <a:solidFill>
                   <a:srgbClr val="FF0000"/>
                 </a:solidFill>
               </a:rPr>
               <a:t>①</a:t>
             </a:r>
-            <a:endParaRPr lang="ko-KR" altLang="en-US" sz="2000" b="1" dirty="0">
-              <a:solidFill>
-                <a:srgbClr val="FF0000"/>
-              </a:solidFill>
-            </a:endParaRPr>
           </a:p>
         </p:txBody>
       </p:sp>
@@ -27190,18 +26379,13 @@
           <a:lstStyle/>
           <a:p>
             <a:r>
-              <a:rPr lang="ko-KR" altLang="en-US" sz="2400" b="1" dirty="0" smtClean="0">
+              <a:rPr lang="ko-KR" altLang="en-US" sz="2400" b="1" dirty="0">
                 <a:solidFill>
                   <a:srgbClr val="FF0000"/>
                 </a:solidFill>
               </a:rPr>
               <a:t>②</a:t>
             </a:r>
-            <a:endParaRPr lang="ko-KR" altLang="en-US" sz="2400" b="1" dirty="0">
-              <a:solidFill>
-                <a:srgbClr val="FF0000"/>
-              </a:solidFill>
-            </a:endParaRPr>
           </a:p>
         </p:txBody>
       </p:sp>
@@ -27228,18 +26412,13 @@
           <a:lstStyle/>
           <a:p>
             <a:r>
-              <a:rPr lang="ko-KR" altLang="en-US" sz="2400" b="1" dirty="0" smtClean="0">
+              <a:rPr lang="ko-KR" altLang="en-US" sz="2400" b="1" dirty="0">
                 <a:solidFill>
                   <a:srgbClr val="FF0000"/>
                 </a:solidFill>
               </a:rPr>
               <a:t>③</a:t>
             </a:r>
-            <a:endParaRPr lang="ko-KR" altLang="en-US" sz="2400" b="1" dirty="0">
-              <a:solidFill>
-                <a:srgbClr val="FF0000"/>
-              </a:solidFill>
-            </a:endParaRPr>
           </a:p>
         </p:txBody>
       </p:sp>
@@ -27253,13 +26432,6 @@
   <p:clrMapOvr>
     <a:masterClrMapping/>
   </p:clrMapOvr>
-  <p:timing>
-    <p:tnLst>
-      <p:par>
-        <p:cTn id="1" dur="indefinite" restart="never" nodeType="tmRoot"/>
-      </p:par>
-    </p:tnLst>
-  </p:timing>
 </p:sld>
 </file>
 
@@ -27490,7 +26662,7 @@
               <a:t>시연 및 핵심기능 </a:t>
             </a:r>
             <a:r>
-              <a:rPr lang="en-US" altLang="ko-KR" b="1" dirty="0" smtClean="0">
+              <a:rPr lang="en-US" altLang="ko-KR" b="1" dirty="0">
                 <a:solidFill>
                   <a:schemeClr val="bg1"/>
                 </a:solidFill>
@@ -27498,7 +26670,7 @@
               <a:t>– </a:t>
             </a:r>
             <a:r>
-              <a:rPr lang="ko-KR" altLang="en-US" b="1" dirty="0" smtClean="0">
+              <a:rPr lang="ko-KR" altLang="en-US" b="1" dirty="0">
                 <a:solidFill>
                   <a:schemeClr val="bg1"/>
                 </a:solidFill>
@@ -27506,7 +26678,7 @@
               <a:t>후기 게시판 </a:t>
             </a:r>
             <a:r>
-              <a:rPr lang="en-US" altLang="ko-KR" b="1" dirty="0" smtClean="0">
+              <a:rPr lang="en-US" altLang="ko-KR" b="1" dirty="0">
                 <a:solidFill>
                   <a:schemeClr val="bg1"/>
                 </a:solidFill>
@@ -27514,7 +26686,7 @@
               <a:t>(</a:t>
             </a:r>
             <a:r>
-              <a:rPr lang="ko-KR" altLang="en-US" b="1" dirty="0" smtClean="0">
+              <a:rPr lang="ko-KR" altLang="en-US" b="1" dirty="0">
                 <a:solidFill>
                   <a:schemeClr val="bg1"/>
                 </a:solidFill>
@@ -27522,7 +26694,7 @@
               <a:t>비회원</a:t>
             </a:r>
             <a:r>
-              <a:rPr lang="en-US" altLang="ko-KR" b="1" dirty="0" smtClean="0">
+              <a:rPr lang="en-US" altLang="ko-KR" b="1" dirty="0">
                 <a:solidFill>
                   <a:schemeClr val="bg1"/>
                 </a:solidFill>
@@ -27593,7 +26765,7 @@
               <a:buAutoNum type="circleNumDbPlain"/>
             </a:pPr>
             <a:r>
-              <a:rPr lang="ko-KR" altLang="en-US" sz="1050" b="1" dirty="0" smtClean="0">
+              <a:rPr lang="ko-KR" altLang="en-US" sz="1050" b="1" dirty="0">
                 <a:solidFill>
                   <a:schemeClr val="tx1"/>
                 </a:solidFill>
@@ -27615,7 +26787,7 @@
               <a:buAutoNum type="circleNumDbPlain"/>
             </a:pPr>
             <a:r>
-              <a:rPr lang="ko-KR" altLang="en-US" sz="1050" b="1" dirty="0" smtClean="0">
+              <a:rPr lang="ko-KR" altLang="en-US" sz="1050" b="1" dirty="0">
                 <a:solidFill>
                   <a:schemeClr val="tx1"/>
                 </a:solidFill>
@@ -27623,7 +26795,7 @@
               <a:t>글 </a:t>
             </a:r>
             <a:r>
-              <a:rPr lang="ko-KR" altLang="en-US" sz="1050" b="1" dirty="0" err="1" smtClean="0">
+              <a:rPr lang="ko-KR" altLang="en-US" sz="1050" b="1" dirty="0" err="1">
                 <a:solidFill>
                   <a:schemeClr val="tx1"/>
                 </a:solidFill>
@@ -27631,14 +26803,14 @@
               <a:t>클릭시</a:t>
             </a:r>
             <a:r>
-              <a:rPr lang="ko-KR" altLang="en-US" sz="1050" b="1" dirty="0" smtClean="0">
+              <a:rPr lang="ko-KR" altLang="en-US" sz="1050" b="1" dirty="0">
                 <a:solidFill>
                   <a:schemeClr val="tx1"/>
                 </a:solidFill>
               </a:rPr>
               <a:t> 상세보기 불가능</a:t>
             </a:r>
-            <a:endParaRPr lang="en-US" altLang="ko-KR" sz="1050" b="1" dirty="0" smtClean="0">
+            <a:endParaRPr lang="en-US" altLang="ko-KR" sz="1050" b="1" dirty="0">
               <a:solidFill>
                 <a:schemeClr val="tx1"/>
               </a:solidFill>
@@ -27653,7 +26825,7 @@
               <a:buAutoNum type="circleNumDbPlain"/>
             </a:pPr>
             <a:r>
-              <a:rPr lang="ko-KR" altLang="en-US" sz="1050" b="1" dirty="0" smtClean="0">
+              <a:rPr lang="ko-KR" altLang="en-US" sz="1050" b="1" dirty="0">
                 <a:solidFill>
                   <a:schemeClr val="tx1"/>
                 </a:solidFill>
@@ -27661,7 +26833,7 @@
               <a:t>글쓰기 버튼 </a:t>
             </a:r>
             <a:r>
-              <a:rPr lang="ko-KR" altLang="en-US" sz="1050" b="1" dirty="0" err="1" smtClean="0">
+              <a:rPr lang="ko-KR" altLang="en-US" sz="1050" b="1" dirty="0" err="1">
                 <a:solidFill>
                   <a:schemeClr val="tx1"/>
                 </a:solidFill>
@@ -27669,14 +26841,44 @@
               <a:t>클릭시</a:t>
             </a:r>
             <a:r>
-              <a:rPr lang="ko-KR" altLang="en-US" sz="1050" b="1" dirty="0" smtClean="0">
+              <a:rPr lang="ko-KR" altLang="en-US" sz="1050" b="1" dirty="0">
                 <a:solidFill>
                   <a:schemeClr val="tx1"/>
                 </a:solidFill>
               </a:rPr>
               <a:t> 로그인 페이지로 안내</a:t>
             </a:r>
-            <a:endParaRPr lang="en-US" altLang="ko-KR" sz="1050" b="1" dirty="0" smtClean="0">
+            <a:endParaRPr lang="en-US" altLang="ko-KR" sz="1050" b="1" dirty="0">
+              <a:solidFill>
+                <a:schemeClr val="tx1"/>
+              </a:solidFill>
+            </a:endParaRPr>
+          </a:p>
+          <a:p>
+            <a:pPr marL="228600" indent="-228600">
+              <a:lnSpc>
+                <a:spcPct val="200000"/>
+              </a:lnSpc>
+              <a:buFont typeface="+mj-ea"/>
+              <a:buAutoNum type="circleNumDbPlain"/>
+            </a:pPr>
+            <a:r>
+              <a:rPr lang="en-US" altLang="ko-KR" sz="1050" b="1" dirty="0">
+                <a:solidFill>
+                  <a:schemeClr val="tx1"/>
+                </a:solidFill>
+              </a:rPr>
+              <a:t>Paging </a:t>
+            </a:r>
+            <a:r>
+              <a:rPr lang="ko-KR" altLang="en-US" sz="1050" b="1" dirty="0">
+                <a:solidFill>
+                  <a:schemeClr val="tx1"/>
+                </a:solidFill>
+              </a:rPr>
+              <a:t>처리</a:t>
+            </a:r>
+            <a:endParaRPr lang="en-US" altLang="ko-KR" sz="1050" b="1" dirty="0">
               <a:solidFill>
                 <a:schemeClr val="tx1"/>
               </a:solidFill>
@@ -27771,7 +26973,7 @@
           <a:lstStyle/>
           <a:p>
             <a:pPr algn="ctr"/>
-            <a:endParaRPr lang="ko-KR" altLang="en-US" sz="1000" b="1" dirty="0" smtClean="0"/>
+            <a:endParaRPr lang="ko-KR" altLang="en-US" sz="1000" b="1" dirty="0"/>
           </a:p>
         </p:txBody>
       </p:sp>
@@ -27820,7 +27022,7 @@
           <a:lstStyle/>
           <a:p>
             <a:pPr algn="ctr"/>
-            <a:endParaRPr lang="ko-KR" altLang="en-US" sz="1000" b="1" dirty="0" smtClean="0"/>
+            <a:endParaRPr lang="ko-KR" altLang="en-US" sz="1000" b="1" dirty="0"/>
           </a:p>
         </p:txBody>
       </p:sp>
@@ -27847,18 +27049,13 @@
           <a:lstStyle/>
           <a:p>
             <a:r>
-              <a:rPr lang="ko-KR" altLang="en-US" sz="2000" b="1" dirty="0" smtClean="0">
+              <a:rPr lang="ko-KR" altLang="en-US" sz="2000" b="1" dirty="0">
                 <a:solidFill>
                   <a:srgbClr val="FF0000"/>
                 </a:solidFill>
               </a:rPr>
               <a:t>①</a:t>
             </a:r>
-            <a:endParaRPr lang="ko-KR" altLang="en-US" sz="2000" b="1" dirty="0">
-              <a:solidFill>
-                <a:srgbClr val="FF0000"/>
-              </a:solidFill>
-            </a:endParaRPr>
           </a:p>
         </p:txBody>
       </p:sp>
@@ -27885,18 +27082,13 @@
           <a:lstStyle/>
           <a:p>
             <a:r>
-              <a:rPr lang="ko-KR" altLang="en-US" sz="2400" b="1" dirty="0" smtClean="0">
+              <a:rPr lang="ko-KR" altLang="en-US" sz="2400" b="1" dirty="0">
                 <a:solidFill>
                   <a:srgbClr val="FF0000"/>
                 </a:solidFill>
               </a:rPr>
               <a:t>②</a:t>
             </a:r>
-            <a:endParaRPr lang="ko-KR" altLang="en-US" sz="2400" b="1" dirty="0">
-              <a:solidFill>
-                <a:srgbClr val="FF0000"/>
-              </a:solidFill>
-            </a:endParaRPr>
           </a:p>
         </p:txBody>
       </p:sp>
@@ -27923,18 +27115,13 @@
           <a:lstStyle/>
           <a:p>
             <a:r>
-              <a:rPr lang="ko-KR" altLang="en-US" sz="2400" b="1" dirty="0" smtClean="0">
+              <a:rPr lang="ko-KR" altLang="en-US" sz="2400" b="1" dirty="0">
                 <a:solidFill>
                   <a:srgbClr val="FF0000"/>
                 </a:solidFill>
               </a:rPr>
               <a:t>②</a:t>
             </a:r>
-            <a:endParaRPr lang="ko-KR" altLang="en-US" sz="2400" b="1" dirty="0">
-              <a:solidFill>
-                <a:srgbClr val="FF0000"/>
-              </a:solidFill>
-            </a:endParaRPr>
           </a:p>
         </p:txBody>
       </p:sp>
@@ -27961,18 +27148,13 @@
           <a:lstStyle/>
           <a:p>
             <a:r>
-              <a:rPr lang="ko-KR" altLang="en-US" sz="2400" b="1" dirty="0" smtClean="0">
+              <a:rPr lang="ko-KR" altLang="en-US" sz="2400" b="1" dirty="0">
                 <a:solidFill>
                   <a:srgbClr val="FF0000"/>
                 </a:solidFill>
               </a:rPr>
               <a:t>③</a:t>
             </a:r>
-            <a:endParaRPr lang="ko-KR" altLang="en-US" sz="2400" b="1" dirty="0">
-              <a:solidFill>
-                <a:srgbClr val="FF0000"/>
-              </a:solidFill>
-            </a:endParaRPr>
           </a:p>
         </p:txBody>
       </p:sp>
@@ -28021,7 +27203,7 @@
           <a:lstStyle/>
           <a:p>
             <a:pPr algn="ctr"/>
-            <a:endParaRPr lang="ko-KR" altLang="en-US" sz="1000" b="1" dirty="0" smtClean="0"/>
+            <a:endParaRPr lang="ko-KR" altLang="en-US" sz="1000" b="1" dirty="0"/>
           </a:p>
         </p:txBody>
       </p:sp>
@@ -28048,18 +27230,107 @@
           <a:lstStyle/>
           <a:p>
             <a:r>
-              <a:rPr lang="ko-KR" altLang="en-US" sz="2400" b="1" dirty="0" smtClean="0">
+              <a:rPr lang="ko-KR" altLang="en-US" sz="2400" b="1" dirty="0">
                 <a:solidFill>
                   <a:srgbClr val="FF0000"/>
                 </a:solidFill>
               </a:rPr>
               <a:t>③</a:t>
             </a:r>
-            <a:endParaRPr lang="ko-KR" altLang="en-US" sz="2400" b="1" dirty="0">
-              <a:solidFill>
-                <a:srgbClr val="FF0000"/>
-              </a:solidFill>
-            </a:endParaRPr>
+          </a:p>
+        </p:txBody>
+      </p:sp>
+      <p:sp>
+        <p:nvSpPr>
+          <p:cNvPr id="3" name="직사각형 2">
+            <a:extLst>
+              <a:ext uri="{FF2B5EF4-FFF2-40B4-BE49-F238E27FC236}">
+                <a16:creationId xmlns:a16="http://schemas.microsoft.com/office/drawing/2014/main" id="{F146F485-A72D-AF62-782D-D546962FD033}"/>
+              </a:ext>
+            </a:extLst>
+          </p:cNvPr>
+          <p:cNvSpPr/>
+          <p:nvPr/>
+        </p:nvSpPr>
+        <p:spPr>
+          <a:xfrm>
+            <a:off x="1691680" y="3579862"/>
+            <a:ext cx="648072" cy="288032"/>
+          </a:xfrm>
+          <a:prstGeom prst="rect">
+            <a:avLst/>
+          </a:prstGeom>
+          <a:noFill/>
+          <a:ln>
+            <a:solidFill>
+              <a:srgbClr val="00B0F0"/>
+            </a:solidFill>
+          </a:ln>
+        </p:spPr>
+        <p:style>
+          <a:lnRef idx="2">
+            <a:schemeClr val="accent2"/>
+          </a:lnRef>
+          <a:fillRef idx="1">
+            <a:schemeClr val="lt1"/>
+          </a:fillRef>
+          <a:effectRef idx="0">
+            <a:schemeClr val="accent2"/>
+          </a:effectRef>
+          <a:fontRef idx="minor">
+            <a:schemeClr val="dk1"/>
+          </a:fontRef>
+        </p:style>
+        <p:txBody>
+          <a:bodyPr rot="0" spcFirstLastPara="0" vertOverflow="overflow" horzOverflow="overflow" vert="horz" wrap="square" lIns="0" tIns="0" rIns="0" bIns="0" numCol="1" spcCol="0" rtlCol="0" fromWordArt="0" anchor="ctr" anchorCtr="0" forceAA="0" compatLnSpc="1">
+            <a:prstTxWarp prst="textNoShape">
+              <a:avLst/>
+            </a:prstTxWarp>
+            <a:noAutofit/>
+          </a:bodyPr>
+          <a:lstStyle/>
+          <a:p>
+            <a:pPr algn="ctr"/>
+            <a:endParaRPr lang="ko-KR" altLang="en-US" sz="1000" b="1" dirty="0"/>
+          </a:p>
+        </p:txBody>
+      </p:sp>
+      <p:sp>
+        <p:nvSpPr>
+          <p:cNvPr id="6" name="TextBox 5">
+            <a:extLst>
+              <a:ext uri="{FF2B5EF4-FFF2-40B4-BE49-F238E27FC236}">
+                <a16:creationId xmlns:a16="http://schemas.microsoft.com/office/drawing/2014/main" id="{885DD0EE-AA1C-971D-76B8-F8217EEF4B52}"/>
+              </a:ext>
+            </a:extLst>
+          </p:cNvPr>
+          <p:cNvSpPr txBox="1"/>
+          <p:nvPr/>
+        </p:nvSpPr>
+        <p:spPr>
+          <a:xfrm>
+            <a:off x="1199237" y="3478237"/>
+            <a:ext cx="492443" cy="461665"/>
+          </a:xfrm>
+          <a:prstGeom prst="rect">
+            <a:avLst/>
+          </a:prstGeom>
+          <a:noFill/>
+        </p:spPr>
+        <p:txBody>
+          <a:bodyPr wrap="none" rtlCol="0">
+            <a:spAutoFit/>
+          </a:bodyPr>
+          <a:lstStyle/>
+          <a:p>
+            <a:r>
+              <a:rPr lang="ko-KR" altLang="en-US" sz="2400" b="1" dirty="0">
+                <a:solidFill>
+                  <a:srgbClr val="FF0000"/>
+                </a:solidFill>
+              </a:rPr>
+              <a:t>④</a:t>
+            </a:r>
           </a:p>
         </p:txBody>
       </p:sp>
@@ -28073,13 +27344,6 @@
   <p:clrMapOvr>
     <a:masterClrMapping/>
   </p:clrMapOvr>
-  <p:timing>
-    <p:tnLst>
-      <p:par>
-        <p:cTn id="1" dur="indefinite" restart="never" nodeType="tmRoot"/>
-      </p:par>
-    </p:tnLst>
-  </p:timing>
 </p:sld>
 </file>
 
@@ -28280,7 +27544,7 @@
               <a:t>시연 및 핵심기능 </a:t>
             </a:r>
             <a:r>
-              <a:rPr lang="en-US" altLang="ko-KR" b="1" dirty="0" smtClean="0">
+              <a:rPr lang="en-US" altLang="ko-KR" b="1" dirty="0">
                 <a:solidFill>
                   <a:schemeClr val="bg1"/>
                 </a:solidFill>
@@ -28288,7 +27552,7 @@
               <a:t>– </a:t>
             </a:r>
             <a:r>
-              <a:rPr lang="ko-KR" altLang="en-US" b="1" dirty="0" smtClean="0">
+              <a:rPr lang="ko-KR" altLang="en-US" b="1" dirty="0">
                 <a:solidFill>
                   <a:schemeClr val="bg1"/>
                 </a:solidFill>
@@ -28296,7 +27560,7 @@
               <a:t>후기 게시판 </a:t>
             </a:r>
             <a:r>
-              <a:rPr lang="en-US" altLang="ko-KR" b="1" dirty="0" smtClean="0">
+              <a:rPr lang="en-US" altLang="ko-KR" b="1" dirty="0">
                 <a:solidFill>
                   <a:schemeClr val="bg1"/>
                 </a:solidFill>
@@ -28304,7 +27568,7 @@
               <a:t>(</a:t>
             </a:r>
             <a:r>
-              <a:rPr lang="ko-KR" altLang="en-US" b="1" dirty="0" smtClean="0">
+              <a:rPr lang="ko-KR" altLang="en-US" b="1" dirty="0">
                 <a:solidFill>
                   <a:schemeClr val="bg1"/>
                 </a:solidFill>
@@ -28312,7 +27576,7 @@
               <a:t>회원</a:t>
             </a:r>
             <a:r>
-              <a:rPr lang="en-US" altLang="ko-KR" b="1" dirty="0" smtClean="0">
+              <a:rPr lang="en-US" altLang="ko-KR" b="1" dirty="0">
                 <a:solidFill>
                   <a:schemeClr val="bg1"/>
                 </a:solidFill>
@@ -28383,14 +27647,14 @@
               <a:buAutoNum type="circleNumDbPlain"/>
             </a:pPr>
             <a:r>
-              <a:rPr lang="ko-KR" altLang="en-US" sz="1050" b="1" dirty="0" smtClean="0">
+              <a:rPr lang="ko-KR" altLang="en-US" sz="1050" b="1" dirty="0">
                 <a:solidFill>
                   <a:schemeClr val="tx1"/>
                 </a:solidFill>
               </a:rPr>
               <a:t>회원</a:t>
             </a:r>
-            <a:endParaRPr lang="en-US" altLang="ko-KR" sz="1050" b="1" dirty="0" smtClean="0">
+            <a:endParaRPr lang="en-US" altLang="ko-KR" sz="1050" b="1" dirty="0">
               <a:solidFill>
                 <a:schemeClr val="tx1"/>
               </a:solidFill>
@@ -28405,46 +27669,30 @@
               <a:buAutoNum type="circleNumDbPlain"/>
             </a:pPr>
             <a:r>
-              <a:rPr lang="ko-KR" altLang="en-US" sz="1050" b="1" dirty="0" smtClean="0">
+              <a:rPr lang="ko-KR" altLang="en-US" sz="1050" b="1" dirty="0">
                 <a:solidFill>
                   <a:schemeClr val="tx1"/>
                 </a:solidFill>
               </a:rPr>
-              <a:t>후기게시판에 있는 </a:t>
-            </a:r>
-            <a:r>
-              <a:rPr lang="ko-KR" altLang="en-US" sz="1050" b="1" dirty="0" smtClean="0">
+              <a:t>후기게시판에 있는 모든 </a:t>
+            </a:r>
+            <a:r>
+              <a:rPr lang="ko-KR" altLang="en-US" sz="1050" b="1" dirty="0" err="1">
                 <a:solidFill>
                   <a:schemeClr val="tx1"/>
                 </a:solidFill>
               </a:rPr>
-              <a:t>모든 </a:t>
-            </a:r>
-            <a:r>
-              <a:rPr lang="ko-KR" altLang="en-US" sz="1050" b="1" dirty="0" err="1" smtClean="0">
+              <a:t>글상세보기</a:t>
+            </a:r>
+            <a:r>
+              <a:rPr lang="ko-KR" altLang="en-US" sz="1050" b="1" dirty="0">
                 <a:solidFill>
                   <a:schemeClr val="tx1"/>
                 </a:solidFill>
               </a:rPr>
-              <a:t>글</a:t>
-            </a:r>
-            <a:r>
-              <a:rPr lang="ko-KR" altLang="en-US" sz="1050" b="1" dirty="0" err="1" smtClean="0">
-                <a:solidFill>
-                  <a:schemeClr val="tx1"/>
-                </a:solidFill>
-              </a:rPr>
-              <a:t>상세보기</a:t>
-            </a:r>
-            <a:r>
-              <a:rPr lang="ko-KR" altLang="en-US" sz="1050" b="1" dirty="0" smtClean="0">
-                <a:solidFill>
-                  <a:schemeClr val="tx1"/>
-                </a:solidFill>
-              </a:rPr>
               <a:t> 가능</a:t>
             </a:r>
-            <a:endParaRPr lang="en-US" altLang="ko-KR" sz="1050" b="1" dirty="0" smtClean="0">
+            <a:endParaRPr lang="en-US" altLang="ko-KR" sz="1050" b="1" dirty="0">
               <a:solidFill>
                 <a:schemeClr val="tx1"/>
               </a:solidFill>
@@ -28459,62 +27707,46 @@
               <a:buAutoNum type="circleNumDbPlain"/>
             </a:pPr>
             <a:r>
-              <a:rPr lang="ko-KR" altLang="en-US" sz="1050" b="1" dirty="0" smtClean="0">
+              <a:rPr lang="ko-KR" altLang="en-US" sz="1050" b="1" dirty="0">
                 <a:solidFill>
                   <a:schemeClr val="tx1"/>
                 </a:solidFill>
               </a:rPr>
-              <a:t>일정 </a:t>
-            </a:r>
-            <a:r>
-              <a:rPr lang="ko-KR" altLang="en-US" sz="1050" b="1" dirty="0" smtClean="0">
+              <a:t>일정 조회수 </a:t>
+            </a:r>
+            <a:r>
+              <a:rPr lang="en-US" altLang="ko-KR" sz="1050" b="1" dirty="0">
                 <a:solidFill>
                   <a:schemeClr val="tx1"/>
                 </a:solidFill>
               </a:rPr>
-              <a:t>조회수 </a:t>
-            </a:r>
-            <a:r>
-              <a:rPr lang="en-US" altLang="ko-KR" sz="1050" b="1" dirty="0" smtClean="0">
+              <a:t>(10</a:t>
+            </a:r>
+            <a:r>
+              <a:rPr lang="ko-KR" altLang="en-US" sz="1050" b="1" dirty="0">
                 <a:solidFill>
                   <a:schemeClr val="tx1"/>
                 </a:solidFill>
               </a:rPr>
-              <a:t>(10</a:t>
-            </a:r>
-            <a:r>
-              <a:rPr lang="ko-KR" altLang="en-US" sz="1050" b="1" dirty="0" smtClean="0">
+              <a:t>이상</a:t>
+            </a:r>
+            <a:r>
+              <a:rPr lang="en-US" altLang="ko-KR" sz="1050" b="1" dirty="0">
                 <a:solidFill>
                   <a:schemeClr val="tx1"/>
                 </a:solidFill>
               </a:rPr>
-              <a:t>이상</a:t>
-            </a:r>
-            <a:r>
-              <a:rPr lang="en-US" altLang="ko-KR" sz="1050" b="1" dirty="0" smtClean="0">
+              <a:t>) hot </a:t>
+            </a:r>
+            <a:r>
+              <a:rPr lang="ko-KR" altLang="en-US" sz="1050" b="1" dirty="0">
                 <a:solidFill>
                   <a:schemeClr val="tx1"/>
                 </a:solidFill>
               </a:rPr>
-              <a:t>) hot </a:t>
-            </a:r>
-            <a:r>
-              <a:rPr lang="ko-KR" altLang="en-US" sz="1050" b="1" dirty="0" smtClean="0">
-                <a:solidFill>
-                  <a:schemeClr val="tx1"/>
-                </a:solidFill>
-              </a:rPr>
-              <a:t>이미지 </a:t>
-            </a:r>
-            <a:r>
-              <a:rPr lang="ko-KR" altLang="en-US" sz="1050" b="1" dirty="0" smtClean="0">
-                <a:solidFill>
-                  <a:schemeClr val="tx1"/>
-                </a:solidFill>
-              </a:rPr>
-              <a:t>출력</a:t>
-            </a:r>
-            <a:endParaRPr lang="en-US" altLang="ko-KR" sz="1050" b="1" dirty="0" smtClean="0">
+              <a:t>이미지 출력</a:t>
+            </a:r>
+            <a:endParaRPr lang="en-US" altLang="ko-KR" sz="1050" b="1" dirty="0">
               <a:solidFill>
                 <a:schemeClr val="tx1"/>
               </a:solidFill>
@@ -28529,7 +27761,7 @@
               <a:buAutoNum type="circleNumDbPlain"/>
             </a:pPr>
             <a:r>
-              <a:rPr lang="ko-KR" altLang="en-US" sz="1050" b="1" dirty="0" err="1" smtClean="0">
+              <a:rPr lang="ko-KR" altLang="en-US" sz="1050" b="1" dirty="0" err="1">
                 <a:solidFill>
                   <a:schemeClr val="tx1"/>
                 </a:solidFill>
@@ -28537,7 +27769,7 @@
               <a:t>본인글만</a:t>
             </a:r>
             <a:r>
-              <a:rPr lang="ko-KR" altLang="en-US" sz="1050" b="1" dirty="0" smtClean="0">
+              <a:rPr lang="ko-KR" altLang="en-US" sz="1050" b="1" dirty="0">
                 <a:solidFill>
                   <a:schemeClr val="tx1"/>
                 </a:solidFill>
@@ -28545,22 +27777,22 @@
               <a:t> 수정 </a:t>
             </a:r>
             <a:r>
-              <a:rPr lang="en-US" altLang="ko-KR" sz="1050" b="1" dirty="0" smtClean="0">
+              <a:rPr lang="en-US" altLang="ko-KR" sz="1050" b="1" dirty="0">
                 <a:solidFill>
                   <a:schemeClr val="tx1"/>
                 </a:solidFill>
               </a:rPr>
-              <a:t>/</a:t>
-            </a:r>
-            <a:r>
-              <a:rPr lang="ko-KR" altLang="en-US" sz="1050" b="1" dirty="0" smtClean="0">
+              <a:t>/ </a:t>
+            </a:r>
+            <a:r>
+              <a:rPr lang="ko-KR" altLang="en-US" sz="1050" b="1" dirty="0">
                 <a:solidFill>
                   <a:schemeClr val="tx1"/>
                 </a:solidFill>
               </a:rPr>
-              <a:t>삭제 가능하다</a:t>
-            </a:r>
-            <a:endParaRPr lang="en-US" altLang="ko-KR" sz="1050" b="1" dirty="0" smtClean="0">
+              <a:t>삭제 가능</a:t>
+            </a:r>
+            <a:endParaRPr lang="en-US" altLang="ko-KR" sz="1050" b="1" dirty="0">
               <a:solidFill>
                 <a:schemeClr val="tx1"/>
               </a:solidFill>
@@ -28575,7 +27807,7 @@
               <a:buAutoNum type="circleNumDbPlain"/>
             </a:pPr>
             <a:r>
-              <a:rPr lang="ko-KR" altLang="en-US" sz="1050" b="1" dirty="0" smtClean="0">
+              <a:rPr lang="ko-KR" altLang="en-US" sz="1050" b="1" dirty="0">
                 <a:solidFill>
                   <a:schemeClr val="tx1"/>
                 </a:solidFill>
@@ -28583,7 +27815,7 @@
               <a:t>오픈소스 </a:t>
             </a:r>
             <a:r>
-              <a:rPr lang="en-US" altLang="ko-KR" sz="1050" b="1" dirty="0" smtClean="0">
+              <a:rPr lang="en-US" altLang="ko-KR" sz="1050" b="1" dirty="0">
                 <a:solidFill>
                   <a:schemeClr val="tx1"/>
                 </a:solidFill>
@@ -28598,31 +27830,13 @@
               </a:lnSpc>
             </a:pPr>
             <a:r>
-              <a:rPr lang="en-US" altLang="ko-KR" sz="900" b="1" dirty="0" smtClean="0">
+              <a:rPr lang="en-US" altLang="ko-KR" sz="900" b="1" dirty="0">
                 <a:solidFill>
                   <a:schemeClr val="tx1"/>
                 </a:solidFill>
                 <a:hlinkClick r:id="rId4"/>
               </a:rPr>
-              <a:t>http</a:t>
-            </a:r>
-            <a:r>
-              <a:rPr lang="en-US" altLang="ko-KR" sz="900" b="1" dirty="0">
-                <a:solidFill>
-                  <a:schemeClr val="tx1"/>
-                </a:solidFill>
-                <a:hlinkClick r:id="rId4"/>
-              </a:rPr>
-              <a:t>://</a:t>
-            </a:r>
-            <a:r>
-              <a:rPr lang="en-US" altLang="ko-KR" sz="900" b="1" dirty="0" smtClean="0">
-                <a:solidFill>
-                  <a:schemeClr val="tx1"/>
-                </a:solidFill>
-                <a:hlinkClick r:id="rId4"/>
-              </a:rPr>
-              <a:t>netdna.bootstrapcdn.com/bootstrap/3.3.5/js/bootstrap.js</a:t>
+              <a:t>http://netdna.bootstrapcdn.com/bootstrap/3.3.5/js/bootstrap.js</a:t>
             </a:r>
             <a:endParaRPr lang="en-US" altLang="ko-KR" sz="900" b="1" dirty="0">
               <a:solidFill>
@@ -28707,7 +27921,7 @@
           <a:lstStyle/>
           <a:p>
             <a:pPr algn="ctr"/>
-            <a:endParaRPr lang="ko-KR" altLang="en-US" sz="1000" b="1" dirty="0" smtClean="0"/>
+            <a:endParaRPr lang="ko-KR" altLang="en-US" sz="1000" b="1" dirty="0"/>
           </a:p>
         </p:txBody>
       </p:sp>
@@ -28756,7 +27970,7 @@
           <a:lstStyle/>
           <a:p>
             <a:pPr algn="ctr"/>
-            <a:endParaRPr lang="ko-KR" altLang="en-US" sz="1000" b="1" dirty="0" smtClean="0"/>
+            <a:endParaRPr lang="ko-KR" altLang="en-US" sz="1000" b="1" dirty="0"/>
           </a:p>
         </p:txBody>
       </p:sp>
@@ -28783,18 +27997,13 @@
           <a:lstStyle/>
           <a:p>
             <a:r>
-              <a:rPr lang="ko-KR" altLang="en-US" sz="2000" b="1" dirty="0" smtClean="0">
+              <a:rPr lang="ko-KR" altLang="en-US" sz="2000" b="1" dirty="0">
                 <a:solidFill>
                   <a:srgbClr val="FF0000"/>
                 </a:solidFill>
               </a:rPr>
               <a:t>①</a:t>
             </a:r>
-            <a:endParaRPr lang="ko-KR" altLang="en-US" sz="2000" b="1" dirty="0">
-              <a:solidFill>
-                <a:srgbClr val="FF0000"/>
-              </a:solidFill>
-            </a:endParaRPr>
           </a:p>
         </p:txBody>
       </p:sp>
@@ -28821,18 +28030,13 @@
           <a:lstStyle/>
           <a:p>
             <a:r>
-              <a:rPr lang="ko-KR" altLang="en-US" sz="2400" b="1" dirty="0" smtClean="0">
+              <a:rPr lang="ko-KR" altLang="en-US" sz="2400" b="1" dirty="0">
                 <a:solidFill>
                   <a:srgbClr val="FF0000"/>
                 </a:solidFill>
               </a:rPr>
               <a:t>②</a:t>
             </a:r>
-            <a:endParaRPr lang="ko-KR" altLang="en-US" sz="2400" b="1" dirty="0">
-              <a:solidFill>
-                <a:srgbClr val="FF0000"/>
-              </a:solidFill>
-            </a:endParaRPr>
           </a:p>
         </p:txBody>
       </p:sp>
@@ -28881,7 +28085,7 @@
           <a:lstStyle/>
           <a:p>
             <a:pPr algn="ctr"/>
-            <a:endParaRPr lang="ko-KR" altLang="en-US" sz="1000" b="1" dirty="0" smtClean="0"/>
+            <a:endParaRPr lang="ko-KR" altLang="en-US" sz="1000" b="1" dirty="0"/>
           </a:p>
         </p:txBody>
       </p:sp>
@@ -28908,18 +28112,13 @@
           <a:lstStyle/>
           <a:p>
             <a:r>
-              <a:rPr lang="ko-KR" altLang="en-US" sz="2400" b="1" dirty="0" smtClean="0">
+              <a:rPr lang="ko-KR" altLang="en-US" sz="2400" b="1" dirty="0">
                 <a:solidFill>
                   <a:srgbClr val="FF0000"/>
                 </a:solidFill>
               </a:rPr>
               <a:t>③</a:t>
             </a:r>
-            <a:endParaRPr lang="ko-KR" altLang="en-US" sz="2400" b="1" dirty="0">
-              <a:solidFill>
-                <a:srgbClr val="FF0000"/>
-              </a:solidFill>
-            </a:endParaRPr>
           </a:p>
         </p:txBody>
       </p:sp>
@@ -28946,18 +28145,13 @@
           <a:lstStyle/>
           <a:p>
             <a:r>
-              <a:rPr lang="ko-KR" altLang="en-US" sz="2400" b="1" dirty="0" smtClean="0">
+              <a:rPr lang="ko-KR" altLang="en-US" sz="2400" b="1" dirty="0">
                 <a:solidFill>
                   <a:srgbClr val="FF0000"/>
                 </a:solidFill>
               </a:rPr>
               <a:t>④</a:t>
             </a:r>
-            <a:endParaRPr lang="ko-KR" altLang="en-US" sz="2400" b="1" dirty="0">
-              <a:solidFill>
-                <a:srgbClr val="FF0000"/>
-              </a:solidFill>
-            </a:endParaRPr>
           </a:p>
         </p:txBody>
       </p:sp>
@@ -29006,7 +28200,7 @@
           <a:lstStyle/>
           <a:p>
             <a:pPr algn="ctr"/>
-            <a:endParaRPr lang="ko-KR" altLang="en-US" sz="1000" b="1" dirty="0" smtClean="0"/>
+            <a:endParaRPr lang="ko-KR" altLang="en-US" sz="1000" b="1" dirty="0"/>
           </a:p>
         </p:txBody>
       </p:sp>
@@ -29033,18 +28227,13 @@
           <a:lstStyle/>
           <a:p>
             <a:r>
-              <a:rPr lang="ko-KR" altLang="en-US" sz="2400" b="1" dirty="0" smtClean="0">
+              <a:rPr lang="ko-KR" altLang="en-US" sz="2400" b="1" dirty="0">
                 <a:solidFill>
                   <a:srgbClr val="FF0000"/>
                 </a:solidFill>
               </a:rPr>
               <a:t>⑤</a:t>
             </a:r>
-            <a:endParaRPr lang="ko-KR" altLang="en-US" sz="2400" b="1" dirty="0">
-              <a:solidFill>
-                <a:srgbClr val="FF0000"/>
-              </a:solidFill>
-            </a:endParaRPr>
           </a:p>
         </p:txBody>
       </p:sp>
@@ -29058,13 +28247,6 @@
   <p:clrMapOvr>
     <a:masterClrMapping/>
   </p:clrMapOvr>
-  <p:timing>
-    <p:tnLst>
-      <p:par>
-        <p:cTn id="1" dur="indefinite" restart="never" nodeType="tmRoot"/>
-      </p:par>
-    </p:tnLst>
-  </p:timing>
 </p:sld>
 </file>
 
@@ -29235,7 +28417,7 @@
               <a:t>시연 및 핵심기능 </a:t>
             </a:r>
             <a:r>
-              <a:rPr lang="en-US" altLang="ko-KR" b="1" dirty="0" smtClean="0">
+              <a:rPr lang="en-US" altLang="ko-KR" b="1" dirty="0">
                 <a:solidFill>
                   <a:schemeClr val="bg1"/>
                 </a:solidFill>
@@ -29243,18 +28425,13 @@
               <a:t>– </a:t>
             </a:r>
             <a:r>
-              <a:rPr lang="ko-KR" altLang="en-US" b="1" dirty="0" smtClean="0">
+              <a:rPr lang="ko-KR" altLang="en-US" b="1" dirty="0">
                 <a:solidFill>
                   <a:schemeClr val="bg1"/>
                 </a:solidFill>
               </a:rPr>
               <a:t>진료예약 게시판</a:t>
             </a:r>
-            <a:endParaRPr lang="ko-KR" altLang="en-US" b="1" dirty="0">
-              <a:solidFill>
-                <a:schemeClr val="bg1"/>
-              </a:solidFill>
-            </a:endParaRPr>
           </a:p>
         </p:txBody>
       </p:sp>
@@ -29314,7 +28491,7 @@
               <a:buAutoNum type="circleNumDbPlain"/>
             </a:pPr>
             <a:r>
-              <a:rPr lang="ko-KR" altLang="en-US" sz="1000" b="1" dirty="0" smtClean="0">
+              <a:rPr lang="ko-KR" altLang="en-US" sz="1000" b="1" dirty="0">
                 <a:solidFill>
                   <a:schemeClr val="tx1"/>
                 </a:solidFill>
@@ -29322,7 +28499,7 @@
               <a:t>로그인 후 </a:t>
             </a:r>
             <a:r>
-              <a:rPr lang="en-US" altLang="ko-KR" sz="1000" b="1" dirty="0" smtClean="0">
+              <a:rPr lang="en-US" altLang="ko-KR" sz="1000" b="1" dirty="0">
                 <a:solidFill>
                   <a:schemeClr val="tx1"/>
                 </a:solidFill>
@@ -29330,7 +28507,7 @@
               <a:t>(</a:t>
             </a:r>
             <a:r>
-              <a:rPr lang="ko-KR" altLang="en-US" sz="1000" b="1" dirty="0" smtClean="0">
+              <a:rPr lang="ko-KR" altLang="en-US" sz="1000" b="1" dirty="0">
                 <a:solidFill>
                   <a:schemeClr val="tx1"/>
                 </a:solidFill>
@@ -29338,7 +28515,7 @@
               <a:t>회원</a:t>
             </a:r>
             <a:r>
-              <a:rPr lang="en-US" altLang="ko-KR" sz="1000" b="1" dirty="0" smtClean="0">
+              <a:rPr lang="en-US" altLang="ko-KR" sz="1000" b="1" dirty="0">
                 <a:solidFill>
                   <a:schemeClr val="tx1"/>
                 </a:solidFill>
@@ -29355,7 +28532,7 @@
               <a:buAutoNum type="circleNumDbPlain"/>
             </a:pPr>
             <a:r>
-              <a:rPr lang="ko-KR" altLang="en-US" sz="1000" b="1" dirty="0" smtClean="0">
+              <a:rPr lang="ko-KR" altLang="en-US" sz="1000" b="1" dirty="0">
                 <a:solidFill>
                   <a:schemeClr val="tx1"/>
                 </a:solidFill>
@@ -29363,7 +28540,7 @@
               <a:t>글 클릭 시</a:t>
             </a:r>
             <a:r>
-              <a:rPr lang="en-US" altLang="ko-KR" sz="1000" b="1" dirty="0" smtClean="0">
+              <a:rPr lang="en-US" altLang="ko-KR" sz="1000" b="1" dirty="0">
                 <a:solidFill>
                   <a:schemeClr val="tx1"/>
                 </a:solidFill>
@@ -29371,22 +28548,14 @@
               <a:t>, </a:t>
             </a:r>
             <a:r>
-              <a:rPr lang="ko-KR" altLang="en-US" sz="1000" b="1" dirty="0" smtClean="0">
+              <a:rPr lang="ko-KR" altLang="en-US" sz="1000" b="1" dirty="0">
                 <a:solidFill>
                   <a:schemeClr val="tx1"/>
                 </a:solidFill>
               </a:rPr>
-              <a:t>본인 글이 아닐 </a:t>
-            </a:r>
-            <a:r>
-              <a:rPr lang="ko-KR" altLang="en-US" sz="1000" b="1" dirty="0" smtClean="0">
-                <a:solidFill>
-                  <a:schemeClr val="tx1"/>
-                </a:solidFill>
-              </a:rPr>
-              <a:t>경우</a:t>
-            </a:r>
-            <a:endParaRPr lang="en-US" altLang="ko-KR" sz="1000" b="1" dirty="0" smtClean="0">
+              <a:t>본인 글이 아닐 경우</a:t>
+            </a:r>
+            <a:endParaRPr lang="en-US" altLang="ko-KR" sz="1000" b="1" dirty="0">
               <a:solidFill>
                 <a:schemeClr val="tx1"/>
               </a:solidFill>
@@ -29401,14 +28570,14 @@
               <a:buAutoNum type="circleNumDbPlain"/>
             </a:pPr>
             <a:r>
-              <a:rPr lang="ko-KR" altLang="en-US" sz="1000" b="1" dirty="0" smtClean="0">
+              <a:rPr lang="ko-KR" altLang="en-US" sz="1000" b="1" dirty="0">
                 <a:solidFill>
                   <a:schemeClr val="tx1"/>
                 </a:solidFill>
               </a:rPr>
               <a:t>글 상세내용 확인 불가</a:t>
             </a:r>
-            <a:endParaRPr lang="en-US" altLang="ko-KR" sz="1000" b="1" dirty="0" smtClean="0">
+            <a:endParaRPr lang="en-US" altLang="ko-KR" sz="1000" b="1" dirty="0">
               <a:solidFill>
                 <a:schemeClr val="tx1"/>
               </a:solidFill>
@@ -29423,7 +28592,7 @@
               <a:buAutoNum type="circleNumDbPlain"/>
             </a:pPr>
             <a:r>
-              <a:rPr lang="en-US" altLang="ko-KR" sz="1000" b="1" dirty="0" smtClean="0">
+              <a:rPr lang="en-US" altLang="ko-KR" sz="1000" b="1" dirty="0">
                 <a:solidFill>
                   <a:schemeClr val="tx1"/>
                 </a:solidFill>
@@ -29431,14 +28600,14 @@
               <a:t>Paging </a:t>
             </a:r>
             <a:r>
-              <a:rPr lang="ko-KR" altLang="en-US" sz="1000" b="1" dirty="0" smtClean="0">
+              <a:rPr lang="ko-KR" altLang="en-US" sz="1000" b="1" dirty="0">
                 <a:solidFill>
                   <a:schemeClr val="tx1"/>
                 </a:solidFill>
               </a:rPr>
               <a:t>처리</a:t>
             </a:r>
-            <a:endParaRPr lang="en-US" altLang="ko-KR" sz="1000" b="1" dirty="0" smtClean="0">
+            <a:endParaRPr lang="en-US" altLang="ko-KR" sz="1000" b="1" dirty="0">
               <a:solidFill>
                 <a:schemeClr val="tx1"/>
               </a:solidFill>
@@ -29521,7 +28690,7 @@
           <a:lstStyle/>
           <a:p>
             <a:pPr algn="ctr"/>
-            <a:endParaRPr lang="ko-KR" altLang="en-US" sz="1000" b="1" dirty="0" smtClean="0"/>
+            <a:endParaRPr lang="ko-KR" altLang="en-US" sz="1000" b="1" dirty="0"/>
           </a:p>
         </p:txBody>
       </p:sp>
@@ -29570,7 +28739,7 @@
           <a:lstStyle/>
           <a:p>
             <a:pPr algn="ctr"/>
-            <a:endParaRPr lang="ko-KR" altLang="en-US" sz="1000" b="1" dirty="0" smtClean="0"/>
+            <a:endParaRPr lang="ko-KR" altLang="en-US" sz="1000" b="1" dirty="0"/>
           </a:p>
         </p:txBody>
       </p:sp>
@@ -29597,18 +28766,13 @@
           <a:lstStyle/>
           <a:p>
             <a:r>
-              <a:rPr lang="ko-KR" altLang="en-US" sz="2000" b="1" dirty="0" smtClean="0">
+              <a:rPr lang="ko-KR" altLang="en-US" sz="2000" b="1" dirty="0">
                 <a:solidFill>
                   <a:srgbClr val="FF0000"/>
                 </a:solidFill>
               </a:rPr>
               <a:t>①</a:t>
             </a:r>
-            <a:endParaRPr lang="ko-KR" altLang="en-US" sz="2000" b="1" dirty="0">
-              <a:solidFill>
-                <a:srgbClr val="FF0000"/>
-              </a:solidFill>
-            </a:endParaRPr>
           </a:p>
         </p:txBody>
       </p:sp>
@@ -29635,18 +28799,13 @@
           <a:lstStyle/>
           <a:p>
             <a:r>
-              <a:rPr lang="ko-KR" altLang="en-US" sz="2400" b="1" dirty="0" smtClean="0">
+              <a:rPr lang="ko-KR" altLang="en-US" sz="2400" b="1" dirty="0">
                 <a:solidFill>
                   <a:srgbClr val="FF0000"/>
                 </a:solidFill>
               </a:rPr>
               <a:t>②</a:t>
             </a:r>
-            <a:endParaRPr lang="ko-KR" altLang="en-US" sz="2400" b="1" dirty="0">
-              <a:solidFill>
-                <a:srgbClr val="FF0000"/>
-              </a:solidFill>
-            </a:endParaRPr>
           </a:p>
         </p:txBody>
       </p:sp>
@@ -29703,18 +28862,13 @@
           <a:lstStyle/>
           <a:p>
             <a:r>
-              <a:rPr lang="ko-KR" altLang="en-US" sz="2400" b="1" dirty="0" smtClean="0">
+              <a:rPr lang="ko-KR" altLang="en-US" sz="2400" b="1" dirty="0">
                 <a:solidFill>
                   <a:srgbClr val="FF0000"/>
                 </a:solidFill>
               </a:rPr>
               <a:t>③</a:t>
             </a:r>
-            <a:endParaRPr lang="ko-KR" altLang="en-US" sz="2400" b="1" dirty="0">
-              <a:solidFill>
-                <a:srgbClr val="FF0000"/>
-              </a:solidFill>
-            </a:endParaRPr>
           </a:p>
         </p:txBody>
       </p:sp>
@@ -29763,7 +28917,7 @@
           <a:lstStyle/>
           <a:p>
             <a:pPr algn="ctr"/>
-            <a:endParaRPr lang="ko-KR" altLang="en-US" sz="1000" b="1" dirty="0" smtClean="0"/>
+            <a:endParaRPr lang="ko-KR" altLang="en-US" sz="1000" b="1" dirty="0"/>
           </a:p>
         </p:txBody>
       </p:sp>
@@ -29790,18 +28944,13 @@
           <a:lstStyle/>
           <a:p>
             <a:r>
-              <a:rPr lang="ko-KR" altLang="en-US" sz="2400" b="1" dirty="0" smtClean="0">
+              <a:rPr lang="ko-KR" altLang="en-US" sz="2400" b="1" dirty="0">
                 <a:solidFill>
                   <a:srgbClr val="FF0000"/>
                 </a:solidFill>
               </a:rPr>
               <a:t>④</a:t>
             </a:r>
-            <a:endParaRPr lang="ko-KR" altLang="en-US" sz="2400" b="1" dirty="0">
-              <a:solidFill>
-                <a:srgbClr val="FF0000"/>
-              </a:solidFill>
-            </a:endParaRPr>
           </a:p>
         </p:txBody>
       </p:sp>
@@ -29815,13 +28964,6 @@
   <p:clrMapOvr>
     <a:masterClrMapping/>
   </p:clrMapOvr>
-  <p:timing>
-    <p:tnLst>
-      <p:par>
-        <p:cTn id="1" dur="indefinite" restart="never" nodeType="tmRoot"/>
-      </p:par>
-    </p:tnLst>
-  </p:timing>
 </p:sld>
 </file>
 
@@ -29992,7 +29134,7 @@
               <a:t>시연 및 핵심기능 </a:t>
             </a:r>
             <a:r>
-              <a:rPr lang="en-US" altLang="ko-KR" b="1" dirty="0" smtClean="0">
+              <a:rPr lang="en-US" altLang="ko-KR" b="1" dirty="0">
                 <a:solidFill>
                   <a:schemeClr val="bg1"/>
                 </a:solidFill>
@@ -30000,7 +29142,7 @@
               <a:t>– </a:t>
             </a:r>
             <a:r>
-              <a:rPr lang="ko-KR" altLang="en-US" b="1" dirty="0" smtClean="0">
+              <a:rPr lang="ko-KR" altLang="en-US" b="1" dirty="0">
                 <a:solidFill>
                   <a:schemeClr val="bg1"/>
                 </a:solidFill>
@@ -30008,7 +29150,7 @@
               <a:t>진료예약 게시판 </a:t>
             </a:r>
             <a:r>
-              <a:rPr lang="en-US" altLang="ko-KR" b="1" dirty="0" smtClean="0">
+              <a:rPr lang="en-US" altLang="ko-KR" b="1" dirty="0">
                 <a:solidFill>
                   <a:schemeClr val="bg1"/>
                 </a:solidFill>
@@ -30016,7 +29158,7 @@
               <a:t>(</a:t>
             </a:r>
             <a:r>
-              <a:rPr lang="ko-KR" altLang="en-US" b="1" dirty="0" smtClean="0">
+              <a:rPr lang="ko-KR" altLang="en-US" b="1" dirty="0">
                 <a:solidFill>
                   <a:schemeClr val="bg1"/>
                 </a:solidFill>
@@ -30024,7 +29166,7 @@
               <a:t>본인</a:t>
             </a:r>
             <a:r>
-              <a:rPr lang="en-US" altLang="ko-KR" b="1" dirty="0" smtClean="0">
+              <a:rPr lang="en-US" altLang="ko-KR" b="1" dirty="0">
                 <a:solidFill>
                   <a:schemeClr val="bg1"/>
                 </a:solidFill>
@@ -30095,46 +29237,30 @@
               <a:buAutoNum type="circleNumDbPlain"/>
             </a:pPr>
             <a:r>
-              <a:rPr lang="ko-KR" altLang="en-US" sz="1000" b="1" dirty="0" smtClean="0">
+              <a:rPr lang="ko-KR" altLang="en-US" sz="1000" b="1" dirty="0">
                 <a:solidFill>
                   <a:schemeClr val="tx1"/>
                 </a:solidFill>
               </a:rPr>
-              <a:t>로그인 </a:t>
-            </a:r>
-            <a:r>
-              <a:rPr lang="ko-KR" altLang="en-US" sz="1000" b="1" dirty="0" smtClean="0">
+              <a:t>로그인 후</a:t>
+            </a:r>
+            <a:r>
+              <a:rPr lang="en-US" altLang="ko-KR" sz="1000" b="1" dirty="0">
                 <a:solidFill>
                   <a:schemeClr val="tx1"/>
                 </a:solidFill>
               </a:rPr>
-              <a:t>후</a:t>
-            </a:r>
-            <a:r>
-              <a:rPr lang="en-US" altLang="ko-KR" sz="1000" b="1" dirty="0" smtClean="0">
+              <a:t>, </a:t>
+            </a:r>
+            <a:r>
+              <a:rPr lang="ko-KR" altLang="en-US" sz="1000" b="1" dirty="0">
                 <a:solidFill>
                   <a:schemeClr val="tx1"/>
                 </a:solidFill>
               </a:rPr>
-              <a:t>, </a:t>
-            </a:r>
-            <a:r>
-              <a:rPr lang="ko-KR" altLang="en-US" sz="1000" b="1" dirty="0" smtClean="0">
-                <a:solidFill>
-                  <a:schemeClr val="tx1"/>
-                </a:solidFill>
-              </a:rPr>
-              <a:t>본인일 </a:t>
-            </a:r>
-            <a:r>
-              <a:rPr lang="ko-KR" altLang="en-US" sz="1000" b="1" dirty="0" smtClean="0">
-                <a:solidFill>
-                  <a:schemeClr val="tx1"/>
-                </a:solidFill>
-              </a:rPr>
-              <a:t>경우</a:t>
-            </a:r>
-            <a:endParaRPr lang="en-US" altLang="ko-KR" sz="1000" b="1" dirty="0" smtClean="0">
+              <a:t>본인일 경우</a:t>
+            </a:r>
+            <a:endParaRPr lang="en-US" altLang="ko-KR" sz="1000" b="1" dirty="0">
               <a:solidFill>
                 <a:schemeClr val="tx1"/>
               </a:solidFill>
@@ -30149,14 +29275,14 @@
               <a:buAutoNum type="circleNumDbPlain"/>
             </a:pPr>
             <a:r>
-              <a:rPr lang="ko-KR" altLang="en-US" sz="1000" b="1" dirty="0" smtClean="0">
+              <a:rPr lang="ko-KR" altLang="en-US" sz="1000" b="1" dirty="0">
                 <a:solidFill>
                   <a:schemeClr val="tx1"/>
                 </a:solidFill>
               </a:rPr>
               <a:t>본인 글만 수정 및 삭제 가능</a:t>
             </a:r>
-            <a:endParaRPr lang="en-US" altLang="ko-KR" sz="1000" b="1" dirty="0" smtClean="0">
+            <a:endParaRPr lang="en-US" altLang="ko-KR" sz="1000" b="1" dirty="0">
               <a:solidFill>
                 <a:schemeClr val="tx1"/>
               </a:solidFill>
@@ -30171,7 +29297,7 @@
               <a:buAutoNum type="circleNumDbPlain"/>
             </a:pPr>
             <a:r>
-              <a:rPr lang="ko-KR" altLang="en-US" sz="1000" b="1" dirty="0" smtClean="0">
+              <a:rPr lang="ko-KR" altLang="en-US" sz="1000" b="1" dirty="0">
                 <a:solidFill>
                   <a:schemeClr val="tx1"/>
                 </a:solidFill>
@@ -30179,7 +29305,7 @@
               <a:t>본인 글에 남긴 </a:t>
             </a:r>
             <a:r>
-              <a:rPr lang="ko-KR" altLang="en-US" sz="1000" b="1" dirty="0" err="1" smtClean="0">
+              <a:rPr lang="ko-KR" altLang="en-US" sz="1000" b="1" dirty="0" err="1">
                 <a:solidFill>
                   <a:schemeClr val="tx1"/>
                 </a:solidFill>
@@ -30187,14 +29313,14 @@
               <a:t>답변글만</a:t>
             </a:r>
             <a:r>
-              <a:rPr lang="ko-KR" altLang="en-US" sz="1000" b="1" dirty="0" smtClean="0">
+              <a:rPr lang="ko-KR" altLang="en-US" sz="1000" b="1" dirty="0">
                 <a:solidFill>
                   <a:schemeClr val="tx1"/>
                 </a:solidFill>
               </a:rPr>
               <a:t> 확인가능</a:t>
             </a:r>
-            <a:endParaRPr lang="en-US" altLang="ko-KR" sz="1000" b="1" dirty="0" smtClean="0">
+            <a:endParaRPr lang="en-US" altLang="ko-KR" sz="1000" b="1" dirty="0">
               <a:solidFill>
                 <a:schemeClr val="tx1"/>
               </a:solidFill>
@@ -30277,7 +29403,7 @@
           <a:lstStyle/>
           <a:p>
             <a:pPr algn="ctr"/>
-            <a:endParaRPr lang="ko-KR" altLang="en-US" sz="1000" b="1" dirty="0" smtClean="0"/>
+            <a:endParaRPr lang="ko-KR" altLang="en-US" sz="1000" b="1" dirty="0"/>
           </a:p>
         </p:txBody>
       </p:sp>
@@ -30304,18 +29430,13 @@
           <a:lstStyle/>
           <a:p>
             <a:r>
-              <a:rPr lang="ko-KR" altLang="en-US" sz="2000" b="1" dirty="0" smtClean="0">
+              <a:rPr lang="ko-KR" altLang="en-US" sz="2000" b="1" dirty="0">
                 <a:solidFill>
                   <a:srgbClr val="FF0000"/>
                 </a:solidFill>
               </a:rPr>
               <a:t>①</a:t>
             </a:r>
-            <a:endParaRPr lang="ko-KR" altLang="en-US" sz="2000" b="1" dirty="0">
-              <a:solidFill>
-                <a:srgbClr val="FF0000"/>
-              </a:solidFill>
-            </a:endParaRPr>
           </a:p>
         </p:txBody>
       </p:sp>
@@ -30342,18 +29463,13 @@
           <a:lstStyle/>
           <a:p>
             <a:r>
-              <a:rPr lang="ko-KR" altLang="en-US" sz="2400" b="1" dirty="0" smtClean="0">
+              <a:rPr lang="ko-KR" altLang="en-US" sz="2400" b="1" dirty="0">
                 <a:solidFill>
                   <a:srgbClr val="FF0000"/>
                 </a:solidFill>
               </a:rPr>
               <a:t>②</a:t>
             </a:r>
-            <a:endParaRPr lang="ko-KR" altLang="en-US" sz="2400" b="1" dirty="0">
-              <a:solidFill>
-                <a:srgbClr val="FF0000"/>
-              </a:solidFill>
-            </a:endParaRPr>
           </a:p>
         </p:txBody>
       </p:sp>
@@ -30402,7 +29518,7 @@
           <a:lstStyle/>
           <a:p>
             <a:pPr algn="ctr"/>
-            <a:endParaRPr lang="ko-KR" altLang="en-US" sz="1000" b="1" dirty="0" smtClean="0"/>
+            <a:endParaRPr lang="ko-KR" altLang="en-US" sz="1000" b="1" dirty="0"/>
           </a:p>
         </p:txBody>
       </p:sp>
@@ -30459,18 +29575,13 @@
           <a:lstStyle/>
           <a:p>
             <a:r>
-              <a:rPr lang="ko-KR" altLang="en-US" sz="2400" b="1" dirty="0" smtClean="0">
+              <a:rPr lang="ko-KR" altLang="en-US" sz="2400" b="1" dirty="0">
                 <a:solidFill>
                   <a:srgbClr val="FF0000"/>
                 </a:solidFill>
               </a:rPr>
               <a:t>③</a:t>
             </a:r>
-            <a:endParaRPr lang="ko-KR" altLang="en-US" sz="2400" b="1" dirty="0">
-              <a:solidFill>
-                <a:srgbClr val="FF0000"/>
-              </a:solidFill>
-            </a:endParaRPr>
           </a:p>
         </p:txBody>
       </p:sp>
@@ -30519,7 +29630,7 @@
           <a:lstStyle/>
           <a:p>
             <a:pPr algn="ctr"/>
-            <a:endParaRPr lang="ko-KR" altLang="en-US" sz="1000" b="1" dirty="0" smtClean="0"/>
+            <a:endParaRPr lang="ko-KR" altLang="en-US" sz="1000" b="1" dirty="0"/>
           </a:p>
         </p:txBody>
       </p:sp>
@@ -30568,7 +29679,7 @@
           <a:lstStyle/>
           <a:p>
             <a:pPr algn="ctr"/>
-            <a:endParaRPr lang="ko-KR" altLang="en-US" sz="1000" b="1" dirty="0" smtClean="0"/>
+            <a:endParaRPr lang="ko-KR" altLang="en-US" sz="1000" b="1" dirty="0"/>
           </a:p>
         </p:txBody>
       </p:sp>
@@ -30595,18 +29706,13 @@
           <a:lstStyle/>
           <a:p>
             <a:r>
-              <a:rPr lang="ko-KR" altLang="en-US" sz="2000" b="1" dirty="0" smtClean="0">
+              <a:rPr lang="ko-KR" altLang="en-US" sz="2000" b="1" dirty="0">
                 <a:solidFill>
                   <a:srgbClr val="FF0000"/>
                 </a:solidFill>
               </a:rPr>
               <a:t>①</a:t>
             </a:r>
-            <a:endParaRPr lang="ko-KR" altLang="en-US" sz="2000" b="1" dirty="0">
-              <a:solidFill>
-                <a:srgbClr val="FF0000"/>
-              </a:solidFill>
-            </a:endParaRPr>
           </a:p>
         </p:txBody>
       </p:sp>
@@ -30620,13 +29726,6 @@
   <p:clrMapOvr>
     <a:masterClrMapping/>
   </p:clrMapOvr>
-  <p:timing>
-    <p:tnLst>
-      <p:par>
-        <p:cTn id="1" dur="indefinite" restart="never" nodeType="tmRoot"/>
-      </p:par>
-    </p:tnLst>
-  </p:timing>
 </p:sld>
 </file>
 
@@ -30827,7 +29926,7 @@
               <a:t>시연 및 핵심기능 </a:t>
             </a:r>
             <a:r>
-              <a:rPr lang="en-US" altLang="ko-KR" b="1" dirty="0" smtClean="0">
+              <a:rPr lang="en-US" altLang="ko-KR" b="1" dirty="0">
                 <a:solidFill>
                   <a:schemeClr val="bg1"/>
                 </a:solidFill>
@@ -30835,7 +29934,7 @@
               <a:t>– </a:t>
             </a:r>
             <a:r>
-              <a:rPr lang="ko-KR" altLang="en-US" b="1" dirty="0" smtClean="0">
+              <a:rPr lang="ko-KR" altLang="en-US" b="1" dirty="0">
                 <a:solidFill>
                   <a:schemeClr val="bg1"/>
                 </a:solidFill>
@@ -30843,7 +29942,7 @@
               <a:t>진료예약 게시판 </a:t>
             </a:r>
             <a:r>
-              <a:rPr lang="en-US" altLang="ko-KR" b="1" dirty="0" smtClean="0">
+              <a:rPr lang="en-US" altLang="ko-KR" b="1" dirty="0">
                 <a:solidFill>
                   <a:schemeClr val="bg1"/>
                 </a:solidFill>
@@ -30851,7 +29950,7 @@
               <a:t>(</a:t>
             </a:r>
             <a:r>
-              <a:rPr lang="ko-KR" altLang="en-US" b="1" dirty="0" smtClean="0">
+              <a:rPr lang="ko-KR" altLang="en-US" b="1" dirty="0">
                 <a:solidFill>
                   <a:schemeClr val="bg1"/>
                 </a:solidFill>
@@ -30859,7 +29958,7 @@
               <a:t>관리자</a:t>
             </a:r>
             <a:r>
-              <a:rPr lang="en-US" altLang="ko-KR" b="1" dirty="0" smtClean="0">
+              <a:rPr lang="en-US" altLang="ko-KR" b="1" dirty="0">
                 <a:solidFill>
                   <a:schemeClr val="bg1"/>
                 </a:solidFill>
@@ -30930,7 +30029,7 @@
               <a:buAutoNum type="circleNumDbPlain"/>
             </a:pPr>
             <a:r>
-              <a:rPr lang="ko-KR" altLang="en-US" sz="1000" b="1" dirty="0" smtClean="0">
+              <a:rPr lang="ko-KR" altLang="en-US" sz="1000" b="1" dirty="0">
                 <a:solidFill>
                   <a:schemeClr val="tx1"/>
                 </a:solidFill>
@@ -30938,7 +30037,7 @@
               <a:t>로그인 후 </a:t>
             </a:r>
             <a:r>
-              <a:rPr lang="en-US" altLang="ko-KR" sz="1000" b="1" dirty="0" smtClean="0">
+              <a:rPr lang="en-US" altLang="ko-KR" sz="1000" b="1" dirty="0">
                 <a:solidFill>
                   <a:schemeClr val="tx1"/>
                 </a:solidFill>
@@ -30946,7 +30045,7 @@
               <a:t>(</a:t>
             </a:r>
             <a:r>
-              <a:rPr lang="ko-KR" altLang="en-US" sz="1000" b="1" dirty="0" smtClean="0">
+              <a:rPr lang="ko-KR" altLang="en-US" sz="1000" b="1" dirty="0">
                 <a:solidFill>
                   <a:schemeClr val="tx1"/>
                 </a:solidFill>
@@ -30954,7 +30053,7 @@
               <a:t>관리자</a:t>
             </a:r>
             <a:r>
-              <a:rPr lang="en-US" altLang="ko-KR" sz="1000" b="1" dirty="0" smtClean="0">
+              <a:rPr lang="en-US" altLang="ko-KR" sz="1000" b="1" dirty="0">
                 <a:solidFill>
                   <a:schemeClr val="tx1"/>
                 </a:solidFill>
@@ -30971,7 +30070,7 @@
               <a:buAutoNum type="circleNumDbPlain"/>
             </a:pPr>
             <a:r>
-              <a:rPr lang="ko-KR" altLang="en-US" sz="1000" b="1" dirty="0" smtClean="0">
+              <a:rPr lang="ko-KR" altLang="en-US" sz="1000" b="1" dirty="0">
                 <a:solidFill>
                   <a:schemeClr val="tx1"/>
                 </a:solidFill>
@@ -30979,7 +30078,7 @@
               <a:t>회원이 남긴 모든 글의 상세내용을 볼 수 있다</a:t>
             </a:r>
             <a:r>
-              <a:rPr lang="en-US" altLang="ko-KR" sz="1000" b="1" dirty="0" smtClean="0">
+              <a:rPr lang="en-US" altLang="ko-KR" sz="1000" b="1" dirty="0">
                 <a:solidFill>
                   <a:schemeClr val="tx1"/>
                 </a:solidFill>
@@ -30996,7 +30095,7 @@
               <a:buAutoNum type="circleNumDbPlain"/>
             </a:pPr>
             <a:r>
-              <a:rPr lang="ko-KR" altLang="en-US" sz="1000" b="1" dirty="0" smtClean="0">
+              <a:rPr lang="ko-KR" altLang="en-US" sz="1000" b="1" dirty="0">
                 <a:solidFill>
                   <a:schemeClr val="tx1"/>
                 </a:solidFill>
@@ -31004,7 +30103,7 @@
               <a:t>회원이 남긴 글의 답변</a:t>
             </a:r>
             <a:r>
-              <a:rPr lang="en-US" altLang="ko-KR" sz="1000" b="1" dirty="0" smtClean="0">
+              <a:rPr lang="en-US" altLang="ko-KR" sz="1000" b="1" dirty="0">
                 <a:solidFill>
                   <a:schemeClr val="tx1"/>
                 </a:solidFill>
@@ -31012,7 +30111,7 @@
               <a:t>, </a:t>
             </a:r>
             <a:r>
-              <a:rPr lang="ko-KR" altLang="en-US" sz="1000" b="1" dirty="0" smtClean="0">
+              <a:rPr lang="ko-KR" altLang="en-US" sz="1000" b="1" dirty="0">
                 <a:solidFill>
                   <a:schemeClr val="tx1"/>
                 </a:solidFill>
@@ -31020,7 +30119,7 @@
               <a:t>삭제가 가능하다</a:t>
             </a:r>
             <a:r>
-              <a:rPr lang="en-US" altLang="ko-KR" sz="1000" b="1" dirty="0" smtClean="0">
+              <a:rPr lang="en-US" altLang="ko-KR" sz="1000" b="1" dirty="0">
                 <a:solidFill>
                   <a:schemeClr val="tx1"/>
                 </a:solidFill>
@@ -31037,7 +30136,7 @@
               <a:buAutoNum type="circleNumDbPlain"/>
             </a:pPr>
             <a:r>
-              <a:rPr lang="en-US" altLang="ko-KR" sz="1000" b="1" dirty="0" smtClean="0">
+              <a:rPr lang="en-US" altLang="ko-KR" sz="1000" b="1" dirty="0">
                 <a:solidFill>
                   <a:schemeClr val="tx1"/>
                 </a:solidFill>
@@ -31045,14 +30144,14 @@
               <a:t>Paging </a:t>
             </a:r>
             <a:r>
-              <a:rPr lang="ko-KR" altLang="en-US" sz="1000" b="1" dirty="0" smtClean="0">
+              <a:rPr lang="ko-KR" altLang="en-US" sz="1000" b="1" dirty="0">
                 <a:solidFill>
                   <a:schemeClr val="tx1"/>
                 </a:solidFill>
               </a:rPr>
               <a:t>처리</a:t>
             </a:r>
-            <a:endParaRPr lang="en-US" altLang="ko-KR" sz="1000" b="1" dirty="0" smtClean="0">
+            <a:endParaRPr lang="en-US" altLang="ko-KR" sz="1000" b="1" dirty="0">
               <a:solidFill>
                 <a:schemeClr val="tx1"/>
               </a:solidFill>
@@ -31135,7 +30234,7 @@
           <a:lstStyle/>
           <a:p>
             <a:pPr algn="ctr"/>
-            <a:endParaRPr lang="ko-KR" altLang="en-US" sz="1000" b="1" dirty="0" smtClean="0"/>
+            <a:endParaRPr lang="ko-KR" altLang="en-US" sz="1000" b="1" dirty="0"/>
           </a:p>
         </p:txBody>
       </p:sp>
@@ -31162,18 +30261,13 @@
           <a:lstStyle/>
           <a:p>
             <a:r>
-              <a:rPr lang="ko-KR" altLang="en-US" sz="2000" b="1" dirty="0" smtClean="0">
+              <a:rPr lang="ko-KR" altLang="en-US" sz="2000" b="1" dirty="0">
                 <a:solidFill>
                   <a:srgbClr val="FF0000"/>
                 </a:solidFill>
               </a:rPr>
               <a:t>①</a:t>
             </a:r>
-            <a:endParaRPr lang="ko-KR" altLang="en-US" sz="2000" b="1" dirty="0">
-              <a:solidFill>
-                <a:srgbClr val="FF0000"/>
-              </a:solidFill>
-            </a:endParaRPr>
           </a:p>
         </p:txBody>
       </p:sp>
@@ -31200,18 +30294,13 @@
           <a:lstStyle/>
           <a:p>
             <a:r>
-              <a:rPr lang="ko-KR" altLang="en-US" sz="2400" b="1" dirty="0" smtClean="0">
+              <a:rPr lang="ko-KR" altLang="en-US" sz="2400" b="1" dirty="0">
                 <a:solidFill>
                   <a:srgbClr val="FF0000"/>
                 </a:solidFill>
               </a:rPr>
               <a:t>②</a:t>
             </a:r>
-            <a:endParaRPr lang="ko-KR" altLang="en-US" sz="2400" b="1" dirty="0">
-              <a:solidFill>
-                <a:srgbClr val="FF0000"/>
-              </a:solidFill>
-            </a:endParaRPr>
           </a:p>
         </p:txBody>
       </p:sp>
@@ -31260,7 +30349,7 @@
           <a:lstStyle/>
           <a:p>
             <a:pPr algn="ctr"/>
-            <a:endParaRPr lang="ko-KR" altLang="en-US" sz="1000" b="1" dirty="0" smtClean="0"/>
+            <a:endParaRPr lang="ko-KR" altLang="en-US" sz="1000" b="1" dirty="0"/>
           </a:p>
         </p:txBody>
       </p:sp>
@@ -31287,18 +30376,13 @@
           <a:lstStyle/>
           <a:p>
             <a:r>
-              <a:rPr lang="ko-KR" altLang="en-US" sz="2400" b="1" dirty="0" smtClean="0">
+              <a:rPr lang="ko-KR" altLang="en-US" sz="2400" b="1" dirty="0">
                 <a:solidFill>
                   <a:srgbClr val="FF0000"/>
                 </a:solidFill>
               </a:rPr>
               <a:t>③</a:t>
             </a:r>
-            <a:endParaRPr lang="ko-KR" altLang="en-US" sz="2400" b="1" dirty="0">
-              <a:solidFill>
-                <a:srgbClr val="FF0000"/>
-              </a:solidFill>
-            </a:endParaRPr>
           </a:p>
         </p:txBody>
       </p:sp>
@@ -31347,7 +30431,7 @@
           <a:lstStyle/>
           <a:p>
             <a:pPr algn="ctr"/>
-            <a:endParaRPr lang="ko-KR" altLang="en-US" sz="1000" b="1" dirty="0" smtClean="0"/>
+            <a:endParaRPr lang="ko-KR" altLang="en-US" sz="1000" b="1" dirty="0"/>
           </a:p>
         </p:txBody>
       </p:sp>
@@ -31374,18 +30458,13 @@
           <a:lstStyle/>
           <a:p>
             <a:r>
-              <a:rPr lang="ko-KR" altLang="en-US" sz="2000" b="1" dirty="0" smtClean="0">
+              <a:rPr lang="ko-KR" altLang="en-US" sz="2000" b="1" dirty="0">
                 <a:solidFill>
                   <a:srgbClr val="FF0000"/>
                 </a:solidFill>
               </a:rPr>
               <a:t>①</a:t>
             </a:r>
-            <a:endParaRPr lang="ko-KR" altLang="en-US" sz="2000" b="1" dirty="0">
-              <a:solidFill>
-                <a:srgbClr val="FF0000"/>
-              </a:solidFill>
-            </a:endParaRPr>
           </a:p>
         </p:txBody>
       </p:sp>
@@ -31434,7 +30513,7 @@
           <a:lstStyle/>
           <a:p>
             <a:pPr algn="ctr"/>
-            <a:endParaRPr lang="ko-KR" altLang="en-US" sz="1000" b="1" dirty="0" smtClean="0"/>
+            <a:endParaRPr lang="ko-KR" altLang="en-US" sz="1000" b="1" dirty="0"/>
           </a:p>
         </p:txBody>
       </p:sp>
@@ -31483,7 +30562,7 @@
           <a:lstStyle/>
           <a:p>
             <a:pPr algn="ctr"/>
-            <a:endParaRPr lang="ko-KR" altLang="en-US" sz="1000" b="1" dirty="0" smtClean="0"/>
+            <a:endParaRPr lang="ko-KR" altLang="en-US" sz="1000" b="1" dirty="0"/>
           </a:p>
         </p:txBody>
       </p:sp>
@@ -31510,18 +30589,13 @@
           <a:lstStyle/>
           <a:p>
             <a:r>
-              <a:rPr lang="ko-KR" altLang="en-US" sz="2400" b="1" dirty="0" smtClean="0">
+              <a:rPr lang="ko-KR" altLang="en-US" sz="2400" b="1" dirty="0">
                 <a:solidFill>
                   <a:srgbClr val="FF0000"/>
                 </a:solidFill>
               </a:rPr>
               <a:t>④</a:t>
             </a:r>
-            <a:endParaRPr lang="ko-KR" altLang="en-US" sz="2400" b="1" dirty="0">
-              <a:solidFill>
-                <a:srgbClr val="FF0000"/>
-              </a:solidFill>
-            </a:endParaRPr>
           </a:p>
         </p:txBody>
       </p:sp>
@@ -31535,13 +30609,6 @@
   <p:clrMapOvr>
     <a:masterClrMapping/>
   </p:clrMapOvr>
-  <p:timing>
-    <p:tnLst>
-      <p:par>
-        <p:cTn id="1" dur="indefinite" restart="never" nodeType="tmRoot"/>
-      </p:par>
-    </p:tnLst>
-  </p:timing>
 </p:sld>
 </file>
 
@@ -31742,7 +30809,7 @@
               <a:t>시연 및 핵심기능 </a:t>
             </a:r>
             <a:r>
-              <a:rPr lang="en-US" altLang="ko-KR" b="1" dirty="0" smtClean="0">
+              <a:rPr lang="en-US" altLang="ko-KR" b="1" dirty="0">
                 <a:solidFill>
                   <a:schemeClr val="bg1"/>
                 </a:solidFill>
@@ -31750,18 +30817,13 @@
               <a:t>– </a:t>
             </a:r>
             <a:r>
-              <a:rPr lang="ko-KR" altLang="en-US" b="1" dirty="0" smtClean="0">
+              <a:rPr lang="ko-KR" altLang="en-US" b="1" dirty="0">
                 <a:solidFill>
                   <a:schemeClr val="bg1"/>
                 </a:solidFill>
               </a:rPr>
               <a:t>공지사항</a:t>
             </a:r>
-            <a:endParaRPr lang="ko-KR" altLang="en-US" b="1" dirty="0">
-              <a:solidFill>
-                <a:schemeClr val="bg1"/>
-              </a:solidFill>
-            </a:endParaRPr>
           </a:p>
         </p:txBody>
       </p:sp>
@@ -31821,7 +30883,7 @@
               <a:buAutoNum type="circleNumDbPlain"/>
             </a:pPr>
             <a:r>
-              <a:rPr lang="ko-KR" altLang="en-US" sz="1000" b="1" dirty="0" smtClean="0">
+              <a:rPr lang="ko-KR" altLang="en-US" sz="1000" b="1" dirty="0">
                 <a:solidFill>
                   <a:schemeClr val="tx1"/>
                 </a:solidFill>
@@ -31829,7 +30891,7 @@
               <a:t>로그인</a:t>
             </a:r>
             <a:r>
-              <a:rPr lang="en-US" altLang="ko-KR" sz="1000" b="1" dirty="0" smtClean="0">
+              <a:rPr lang="en-US" altLang="ko-KR" sz="1000" b="1" dirty="0">
                 <a:solidFill>
                   <a:schemeClr val="tx1"/>
                 </a:solidFill>
@@ -31837,7 +30899,7 @@
               <a:t>(</a:t>
             </a:r>
             <a:r>
-              <a:rPr lang="ko-KR" altLang="en-US" sz="1000" b="1" dirty="0" smtClean="0">
+              <a:rPr lang="ko-KR" altLang="en-US" sz="1000" b="1" dirty="0">
                 <a:solidFill>
                   <a:schemeClr val="tx1"/>
                 </a:solidFill>
@@ -31845,7 +30907,7 @@
               <a:t>관리자</a:t>
             </a:r>
             <a:r>
-              <a:rPr lang="en-US" altLang="ko-KR" sz="1000" b="1" dirty="0" smtClean="0">
+              <a:rPr lang="en-US" altLang="ko-KR" sz="1000" b="1" dirty="0">
                 <a:solidFill>
                   <a:schemeClr val="tx1"/>
                 </a:solidFill>
@@ -31853,7 +30915,7 @@
               <a:t>) / </a:t>
             </a:r>
             <a:r>
-              <a:rPr lang="ko-KR" altLang="en-US" sz="1000" b="1" dirty="0" smtClean="0">
+              <a:rPr lang="ko-KR" altLang="en-US" sz="1000" b="1" dirty="0">
                 <a:solidFill>
                   <a:schemeClr val="tx1"/>
                 </a:solidFill>
@@ -31861,7 +30923,7 @@
               <a:t>비회원</a:t>
             </a:r>
             <a:r>
-              <a:rPr lang="en-US" altLang="ko-KR" sz="1000" b="1" dirty="0" smtClean="0">
+              <a:rPr lang="en-US" altLang="ko-KR" sz="1000" b="1" dirty="0">
                 <a:solidFill>
                   <a:schemeClr val="tx1"/>
                 </a:solidFill>
@@ -31869,7 +30931,7 @@
               <a:t>(</a:t>
             </a:r>
             <a:r>
-              <a:rPr lang="ko-KR" altLang="en-US" sz="1000" b="1" dirty="0" smtClean="0">
+              <a:rPr lang="ko-KR" altLang="en-US" sz="1000" b="1" dirty="0">
                 <a:solidFill>
                   <a:schemeClr val="tx1"/>
                 </a:solidFill>
@@ -31877,18 +30939,13 @@
               <a:t>회원</a:t>
             </a:r>
             <a:r>
-              <a:rPr lang="en-US" altLang="ko-KR" sz="1000" b="1" dirty="0" smtClean="0">
+              <a:rPr lang="en-US" altLang="ko-KR" sz="1000" b="1" dirty="0">
                 <a:solidFill>
                   <a:schemeClr val="tx1"/>
                 </a:solidFill>
               </a:rPr>
               <a:t>)</a:t>
             </a:r>
-            <a:endParaRPr lang="en-US" altLang="ko-KR" sz="1000" b="1" dirty="0" smtClean="0">
-              <a:solidFill>
-                <a:schemeClr val="tx1"/>
-              </a:solidFill>
-            </a:endParaRPr>
           </a:p>
           <a:p>
             <a:pPr marL="228600" indent="-228600">
@@ -31899,14 +30956,14 @@
               <a:buAutoNum type="circleNumDbPlain"/>
             </a:pPr>
             <a:r>
-              <a:rPr lang="ko-KR" altLang="en-US" sz="1000" b="1" dirty="0" smtClean="0">
+              <a:rPr lang="ko-KR" altLang="en-US" sz="1000" b="1" dirty="0">
                 <a:solidFill>
                   <a:schemeClr val="tx1"/>
                 </a:solidFill>
               </a:rPr>
               <a:t>관리자만이 글 등록이 가능하다</a:t>
             </a:r>
-            <a:endParaRPr lang="en-US" altLang="ko-KR" sz="1000" b="1" dirty="0" smtClean="0">
+            <a:endParaRPr lang="en-US" altLang="ko-KR" sz="1000" b="1" dirty="0">
               <a:solidFill>
                 <a:schemeClr val="tx1"/>
               </a:solidFill>
@@ -31921,7 +30978,7 @@
               <a:buAutoNum type="circleNumDbPlain"/>
             </a:pPr>
             <a:r>
-              <a:rPr lang="en-US" altLang="ko-KR" sz="1000" b="1" dirty="0" smtClean="0">
+              <a:rPr lang="en-US" altLang="ko-KR" sz="1000" b="1" dirty="0">
                 <a:solidFill>
                   <a:schemeClr val="tx1"/>
                 </a:solidFill>
@@ -31929,14 +30986,14 @@
               <a:t>Paging </a:t>
             </a:r>
             <a:r>
-              <a:rPr lang="ko-KR" altLang="en-US" sz="1000" b="1" dirty="0" smtClean="0">
+              <a:rPr lang="ko-KR" altLang="en-US" sz="1000" b="1" dirty="0">
                 <a:solidFill>
                   <a:schemeClr val="tx1"/>
                 </a:solidFill>
               </a:rPr>
               <a:t>처리</a:t>
             </a:r>
-            <a:endParaRPr lang="en-US" altLang="ko-KR" sz="1000" b="1" dirty="0" smtClean="0">
+            <a:endParaRPr lang="en-US" altLang="ko-KR" sz="1000" b="1" dirty="0">
               <a:solidFill>
                 <a:schemeClr val="tx1"/>
               </a:solidFill>
@@ -32019,7 +31076,7 @@
           <a:lstStyle/>
           <a:p>
             <a:pPr algn="ctr"/>
-            <a:endParaRPr lang="ko-KR" altLang="en-US" sz="1000" b="1" dirty="0" smtClean="0"/>
+            <a:endParaRPr lang="ko-KR" altLang="en-US" sz="1000" b="1" dirty="0"/>
           </a:p>
         </p:txBody>
       </p:sp>
@@ -32046,18 +31103,13 @@
           <a:lstStyle/>
           <a:p>
             <a:r>
-              <a:rPr lang="ko-KR" altLang="en-US" sz="2000" b="1" dirty="0" smtClean="0">
+              <a:rPr lang="ko-KR" altLang="en-US" sz="2000" b="1" dirty="0">
                 <a:solidFill>
                   <a:srgbClr val="FF0000"/>
                 </a:solidFill>
               </a:rPr>
               <a:t>①</a:t>
             </a:r>
-            <a:endParaRPr lang="ko-KR" altLang="en-US" sz="2000" b="1" dirty="0">
-              <a:solidFill>
-                <a:srgbClr val="FF0000"/>
-              </a:solidFill>
-            </a:endParaRPr>
           </a:p>
         </p:txBody>
       </p:sp>
@@ -32084,18 +31136,13 @@
           <a:lstStyle/>
           <a:p>
             <a:r>
-              <a:rPr lang="ko-KR" altLang="en-US" sz="2400" b="1" dirty="0" smtClean="0">
+              <a:rPr lang="ko-KR" altLang="en-US" sz="2400" b="1" dirty="0">
                 <a:solidFill>
                   <a:srgbClr val="FF0000"/>
                 </a:solidFill>
               </a:rPr>
               <a:t>②</a:t>
             </a:r>
-            <a:endParaRPr lang="ko-KR" altLang="en-US" sz="2400" b="1" dirty="0">
-              <a:solidFill>
-                <a:srgbClr val="FF0000"/>
-              </a:solidFill>
-            </a:endParaRPr>
           </a:p>
         </p:txBody>
       </p:sp>
@@ -32144,7 +31191,7 @@
           <a:lstStyle/>
           <a:p>
             <a:pPr algn="ctr"/>
-            <a:endParaRPr lang="ko-KR" altLang="en-US" sz="1000" b="1" dirty="0" smtClean="0"/>
+            <a:endParaRPr lang="ko-KR" altLang="en-US" sz="1000" b="1" dirty="0"/>
           </a:p>
         </p:txBody>
       </p:sp>
@@ -32171,18 +31218,13 @@
           <a:lstStyle/>
           <a:p>
             <a:r>
-              <a:rPr lang="ko-KR" altLang="en-US" sz="2000" b="1" dirty="0" smtClean="0">
+              <a:rPr lang="ko-KR" altLang="en-US" sz="2000" b="1" dirty="0">
                 <a:solidFill>
                   <a:srgbClr val="FF0000"/>
                 </a:solidFill>
               </a:rPr>
               <a:t>①</a:t>
             </a:r>
-            <a:endParaRPr lang="ko-KR" altLang="en-US" sz="2000" b="1" dirty="0">
-              <a:solidFill>
-                <a:srgbClr val="FF0000"/>
-              </a:solidFill>
-            </a:endParaRPr>
           </a:p>
         </p:txBody>
       </p:sp>
@@ -32231,7 +31273,7 @@
           <a:lstStyle/>
           <a:p>
             <a:pPr algn="ctr"/>
-            <a:endParaRPr lang="ko-KR" altLang="en-US" sz="1000" b="1" dirty="0" smtClean="0"/>
+            <a:endParaRPr lang="ko-KR" altLang="en-US" sz="1000" b="1" dirty="0"/>
           </a:p>
         </p:txBody>
       </p:sp>
@@ -32280,7 +31322,7 @@
           <a:lstStyle/>
           <a:p>
             <a:pPr algn="ctr"/>
-            <a:endParaRPr lang="ko-KR" altLang="en-US" sz="1000" b="1" dirty="0" smtClean="0"/>
+            <a:endParaRPr lang="ko-KR" altLang="en-US" sz="1000" b="1" dirty="0"/>
           </a:p>
         </p:txBody>
       </p:sp>
@@ -32329,7 +31371,7 @@
           <a:lstStyle/>
           <a:p>
             <a:pPr algn="ctr"/>
-            <a:endParaRPr lang="ko-KR" altLang="en-US" sz="1000" b="1" dirty="0" smtClean="0"/>
+            <a:endParaRPr lang="ko-KR" altLang="en-US" sz="1000" b="1" dirty="0"/>
           </a:p>
         </p:txBody>
       </p:sp>
@@ -32356,18 +31398,52 @@
           <a:lstStyle/>
           <a:p>
             <a:r>
-              <a:rPr lang="ko-KR" altLang="en-US" sz="2400" b="1" dirty="0" smtClean="0">
+              <a:rPr lang="ko-KR" altLang="en-US" sz="2400" b="1" dirty="0">
                 <a:solidFill>
                   <a:srgbClr val="FF0000"/>
                 </a:solidFill>
               </a:rPr>
               <a:t>③</a:t>
             </a:r>
-            <a:endParaRPr lang="ko-KR" altLang="en-US" sz="2400" b="1" dirty="0">
-              <a:solidFill>
-                <a:srgbClr val="FF0000"/>
-              </a:solidFill>
-            </a:endParaRPr>
+          </a:p>
+        </p:txBody>
+      </p:sp>
+      <p:sp>
+        <p:nvSpPr>
+          <p:cNvPr id="5" name="TextBox 4">
+            <a:extLst>
+              <a:ext uri="{FF2B5EF4-FFF2-40B4-BE49-F238E27FC236}">
+                <a16:creationId xmlns:a16="http://schemas.microsoft.com/office/drawing/2014/main" id="{CC6A8160-FDBD-467C-F317-C7311AC91DBB}"/>
+              </a:ext>
+            </a:extLst>
+          </p:cNvPr>
+          <p:cNvSpPr txBox="1"/>
+          <p:nvPr/>
+        </p:nvSpPr>
+        <p:spPr>
+          <a:xfrm>
+            <a:off x="2376725" y="3622253"/>
+            <a:ext cx="251059" cy="461665"/>
+          </a:xfrm>
+          <a:prstGeom prst="rect">
+            <a:avLst/>
+          </a:prstGeom>
+          <a:noFill/>
+        </p:spPr>
+        <p:txBody>
+          <a:bodyPr wrap="square" rtlCol="0">
+            <a:spAutoFit/>
+          </a:bodyPr>
+          <a:lstStyle/>
+          <a:p>
+            <a:r>
+              <a:rPr lang="ko-KR" altLang="en-US" sz="2400" b="1" dirty="0">
+                <a:solidFill>
+                  <a:srgbClr val="FF0000"/>
+                </a:solidFill>
+              </a:rPr>
+              <a:t>②</a:t>
+            </a:r>
           </a:p>
         </p:txBody>
       </p:sp>
@@ -32381,13 +31457,6 @@
   <p:clrMapOvr>
     <a:masterClrMapping/>
   </p:clrMapOvr>
-  <p:timing>
-    <p:tnLst>
-      <p:par>
-        <p:cTn id="1" dur="indefinite" restart="never" nodeType="tmRoot"/>
-      </p:par>
-    </p:tnLst>
-  </p:timing>
 </p:sld>
 </file>
 
@@ -32588,7 +31657,7 @@
               <a:t>시연 및 핵심기능 </a:t>
             </a:r>
             <a:r>
-              <a:rPr lang="en-US" altLang="ko-KR" b="1" dirty="0" smtClean="0">
+              <a:rPr lang="en-US" altLang="ko-KR" b="1" dirty="0">
                 <a:solidFill>
                   <a:schemeClr val="bg1"/>
                 </a:solidFill>
@@ -32596,18 +31665,13 @@
               <a:t>– </a:t>
             </a:r>
             <a:r>
-              <a:rPr lang="ko-KR" altLang="en-US" b="1" dirty="0" smtClean="0">
+              <a:rPr lang="ko-KR" altLang="en-US" b="1" dirty="0">
                 <a:solidFill>
                   <a:schemeClr val="bg1"/>
                 </a:solidFill>
               </a:rPr>
               <a:t>공지사항 상세</a:t>
             </a:r>
-            <a:endParaRPr lang="ko-KR" altLang="en-US" b="1" dirty="0">
-              <a:solidFill>
-                <a:schemeClr val="bg1"/>
-              </a:solidFill>
-            </a:endParaRPr>
           </a:p>
         </p:txBody>
       </p:sp>
@@ -32667,7 +31731,7 @@
               <a:buAutoNum type="circleNumDbPlain"/>
             </a:pPr>
             <a:r>
-              <a:rPr lang="ko-KR" altLang="en-US" sz="900" b="1" dirty="0" smtClean="0">
+              <a:rPr lang="ko-KR" altLang="en-US" sz="900" b="1" dirty="0">
                 <a:solidFill>
                   <a:schemeClr val="tx1"/>
                 </a:solidFill>
@@ -32675,7 +31739,7 @@
               <a:t>로그인</a:t>
             </a:r>
             <a:r>
-              <a:rPr lang="en-US" altLang="ko-KR" sz="900" b="1" dirty="0" smtClean="0">
+              <a:rPr lang="en-US" altLang="ko-KR" sz="900" b="1" dirty="0">
                 <a:solidFill>
                   <a:schemeClr val="tx1"/>
                 </a:solidFill>
@@ -32683,7 +31747,7 @@
               <a:t>(</a:t>
             </a:r>
             <a:r>
-              <a:rPr lang="ko-KR" altLang="en-US" sz="900" b="1" dirty="0" smtClean="0">
+              <a:rPr lang="ko-KR" altLang="en-US" sz="900" b="1" dirty="0">
                 <a:solidFill>
                   <a:schemeClr val="tx1"/>
                 </a:solidFill>
@@ -32691,7 +31755,7 @@
               <a:t>관리자</a:t>
             </a:r>
             <a:r>
-              <a:rPr lang="en-US" altLang="ko-KR" sz="900" b="1" dirty="0" smtClean="0">
+              <a:rPr lang="en-US" altLang="ko-KR" sz="900" b="1" dirty="0">
                 <a:solidFill>
                   <a:schemeClr val="tx1"/>
                 </a:solidFill>
@@ -32699,7 +31763,7 @@
               <a:t>) / </a:t>
             </a:r>
             <a:r>
-              <a:rPr lang="ko-KR" altLang="en-US" sz="900" b="1" dirty="0" smtClean="0">
+              <a:rPr lang="ko-KR" altLang="en-US" sz="900" b="1" dirty="0">
                 <a:solidFill>
                   <a:schemeClr val="tx1"/>
                 </a:solidFill>
@@ -32707,7 +31771,7 @@
               <a:t>회원</a:t>
             </a:r>
             <a:r>
-              <a:rPr lang="en-US" altLang="ko-KR" sz="900" b="1" dirty="0" smtClean="0">
+              <a:rPr lang="en-US" altLang="ko-KR" sz="900" b="1" dirty="0">
                 <a:solidFill>
                   <a:schemeClr val="tx1"/>
                 </a:solidFill>
@@ -32715,7 +31779,7 @@
               <a:t>(</a:t>
             </a:r>
             <a:r>
-              <a:rPr lang="ko-KR" altLang="en-US" sz="900" b="1" dirty="0" smtClean="0">
+              <a:rPr lang="ko-KR" altLang="en-US" sz="900" b="1" dirty="0">
                 <a:solidFill>
                   <a:schemeClr val="tx1"/>
                 </a:solidFill>
@@ -32723,7 +31787,7 @@
               <a:t>비회원</a:t>
             </a:r>
             <a:r>
-              <a:rPr lang="en-US" altLang="ko-KR" sz="900" b="1" dirty="0" smtClean="0">
+              <a:rPr lang="en-US" altLang="ko-KR" sz="900" b="1" dirty="0">
                 <a:solidFill>
                   <a:schemeClr val="tx1"/>
                 </a:solidFill>
@@ -32740,7 +31804,7 @@
               <a:buAutoNum type="circleNumDbPlain"/>
             </a:pPr>
             <a:r>
-              <a:rPr lang="ko-KR" altLang="en-US" sz="900" b="1" dirty="0" smtClean="0">
+              <a:rPr lang="ko-KR" altLang="en-US" sz="900" b="1" dirty="0">
                 <a:solidFill>
                   <a:schemeClr val="tx1"/>
                 </a:solidFill>
@@ -32748,7 +31812,7 @@
               <a:t>관리자만이 글 등록</a:t>
             </a:r>
             <a:r>
-              <a:rPr lang="en-US" altLang="ko-KR" sz="900" b="1" dirty="0" smtClean="0">
+              <a:rPr lang="en-US" altLang="ko-KR" sz="900" b="1" dirty="0">
                 <a:solidFill>
                   <a:schemeClr val="tx1"/>
                 </a:solidFill>
@@ -32756,7 +31820,7 @@
               <a:t>, </a:t>
             </a:r>
             <a:r>
-              <a:rPr lang="ko-KR" altLang="en-US" sz="900" b="1" dirty="0" smtClean="0">
+              <a:rPr lang="ko-KR" altLang="en-US" sz="900" b="1" dirty="0">
                 <a:solidFill>
                   <a:schemeClr val="tx1"/>
                 </a:solidFill>
@@ -32764,7 +31828,7 @@
               <a:t>수정</a:t>
             </a:r>
             <a:r>
-              <a:rPr lang="en-US" altLang="ko-KR" sz="900" b="1" dirty="0" smtClean="0">
+              <a:rPr lang="en-US" altLang="ko-KR" sz="900" b="1" dirty="0">
                 <a:solidFill>
                   <a:schemeClr val="tx1"/>
                 </a:solidFill>
@@ -32772,14 +31836,14 @@
               <a:t>,</a:t>
             </a:r>
             <a:r>
-              <a:rPr lang="ko-KR" altLang="en-US" sz="900" b="1" dirty="0" smtClean="0">
+              <a:rPr lang="ko-KR" altLang="en-US" sz="900" b="1" dirty="0">
                 <a:solidFill>
                   <a:schemeClr val="tx1"/>
                 </a:solidFill>
               </a:rPr>
               <a:t>삭제가 가능 하다</a:t>
             </a:r>
-            <a:endParaRPr lang="en-US" altLang="ko-KR" sz="900" b="1" dirty="0" smtClean="0">
+            <a:endParaRPr lang="en-US" altLang="ko-KR" sz="900" b="1" dirty="0">
               <a:solidFill>
                 <a:schemeClr val="tx1"/>
               </a:solidFill>
@@ -32794,7 +31858,7 @@
               <a:buAutoNum type="circleNumDbPlain"/>
             </a:pPr>
             <a:r>
-              <a:rPr lang="ko-KR" altLang="en-US" sz="1050" b="1" dirty="0" smtClean="0">
+              <a:rPr lang="ko-KR" altLang="en-US" sz="1050" b="1" dirty="0">
                 <a:solidFill>
                   <a:schemeClr val="tx1"/>
                 </a:solidFill>
@@ -32839,7 +31903,7 @@
               <a:buFont typeface="+mj-ea"/>
               <a:buAutoNum type="circleNumDbPlain"/>
             </a:pPr>
-            <a:endParaRPr lang="en-US" altLang="ko-KR" sz="1000" b="1" dirty="0" smtClean="0">
+            <a:endParaRPr lang="en-US" altLang="ko-KR" sz="1000" b="1" dirty="0">
               <a:solidFill>
                 <a:schemeClr val="tx1"/>
               </a:solidFill>
@@ -32922,7 +31986,7 @@
           <a:lstStyle/>
           <a:p>
             <a:pPr algn="ctr"/>
-            <a:endParaRPr lang="ko-KR" altLang="en-US" sz="1000" b="1" dirty="0" smtClean="0"/>
+            <a:endParaRPr lang="ko-KR" altLang="en-US" sz="1000" b="1" dirty="0"/>
           </a:p>
         </p:txBody>
       </p:sp>
@@ -32949,18 +32013,13 @@
           <a:lstStyle/>
           <a:p>
             <a:r>
-              <a:rPr lang="ko-KR" altLang="en-US" sz="2000" b="1" dirty="0" smtClean="0">
+              <a:rPr lang="ko-KR" altLang="en-US" sz="2000" b="1" dirty="0">
                 <a:solidFill>
                   <a:srgbClr val="FF0000"/>
                 </a:solidFill>
               </a:rPr>
               <a:t>①</a:t>
             </a:r>
-            <a:endParaRPr lang="ko-KR" altLang="en-US" sz="2000" b="1" dirty="0">
-              <a:solidFill>
-                <a:srgbClr val="FF0000"/>
-              </a:solidFill>
-            </a:endParaRPr>
           </a:p>
         </p:txBody>
       </p:sp>
@@ -32987,18 +32046,13 @@
           <a:lstStyle/>
           <a:p>
             <a:r>
-              <a:rPr lang="ko-KR" altLang="en-US" sz="2400" b="1" dirty="0" smtClean="0">
+              <a:rPr lang="ko-KR" altLang="en-US" sz="2400" b="1" dirty="0">
                 <a:solidFill>
                   <a:srgbClr val="FF0000"/>
                 </a:solidFill>
               </a:rPr>
               <a:t>②</a:t>
             </a:r>
-            <a:endParaRPr lang="ko-KR" altLang="en-US" sz="2400" b="1" dirty="0">
-              <a:solidFill>
-                <a:srgbClr val="FF0000"/>
-              </a:solidFill>
-            </a:endParaRPr>
           </a:p>
         </p:txBody>
       </p:sp>
@@ -33047,7 +32101,7 @@
           <a:lstStyle/>
           <a:p>
             <a:pPr algn="ctr"/>
-            <a:endParaRPr lang="ko-KR" altLang="en-US" sz="1000" b="1" dirty="0" smtClean="0"/>
+            <a:endParaRPr lang="ko-KR" altLang="en-US" sz="1000" b="1" dirty="0"/>
           </a:p>
         </p:txBody>
       </p:sp>
@@ -33074,18 +32128,13 @@
           <a:lstStyle/>
           <a:p>
             <a:r>
-              <a:rPr lang="ko-KR" altLang="en-US" sz="2400" b="1" dirty="0" smtClean="0">
+              <a:rPr lang="ko-KR" altLang="en-US" sz="2400" b="1" dirty="0">
                 <a:solidFill>
                   <a:srgbClr val="FF0000"/>
                 </a:solidFill>
               </a:rPr>
               <a:t>③</a:t>
             </a:r>
-            <a:endParaRPr lang="ko-KR" altLang="en-US" sz="2400" b="1" dirty="0">
-              <a:solidFill>
-                <a:srgbClr val="FF0000"/>
-              </a:solidFill>
-            </a:endParaRPr>
           </a:p>
         </p:txBody>
       </p:sp>
@@ -33134,7 +32183,7 @@
           <a:lstStyle/>
           <a:p>
             <a:pPr algn="ctr"/>
-            <a:endParaRPr lang="ko-KR" altLang="en-US" sz="1000" b="1" dirty="0" smtClean="0"/>
+            <a:endParaRPr lang="ko-KR" altLang="en-US" sz="1000" b="1" dirty="0"/>
           </a:p>
         </p:txBody>
       </p:sp>
@@ -33161,18 +32210,13 @@
           <a:lstStyle/>
           <a:p>
             <a:r>
-              <a:rPr lang="ko-KR" altLang="en-US" sz="2000" b="1" dirty="0" smtClean="0">
+              <a:rPr lang="ko-KR" altLang="en-US" sz="2000" b="1" dirty="0">
                 <a:solidFill>
                   <a:srgbClr val="FF0000"/>
                 </a:solidFill>
               </a:rPr>
               <a:t>①</a:t>
             </a:r>
-            <a:endParaRPr lang="ko-KR" altLang="en-US" sz="2000" b="1" dirty="0">
-              <a:solidFill>
-                <a:srgbClr val="FF0000"/>
-              </a:solidFill>
-            </a:endParaRPr>
           </a:p>
         </p:txBody>
       </p:sp>
@@ -33221,7 +32265,7 @@
           <a:lstStyle/>
           <a:p>
             <a:pPr algn="ctr"/>
-            <a:endParaRPr lang="ko-KR" altLang="en-US" sz="1000" b="1" dirty="0" smtClean="0"/>
+            <a:endParaRPr lang="ko-KR" altLang="en-US" sz="1000" b="1" dirty="0"/>
           </a:p>
         </p:txBody>
       </p:sp>
@@ -33270,7 +32314,7 @@
           <a:lstStyle/>
           <a:p>
             <a:pPr algn="ctr"/>
-            <a:endParaRPr lang="ko-KR" altLang="en-US" sz="1000" b="1" dirty="0" smtClean="0"/>
+            <a:endParaRPr lang="ko-KR" altLang="en-US" sz="1000" b="1" dirty="0"/>
           </a:p>
         </p:txBody>
       </p:sp>
@@ -33297,18 +32341,13 @@
           <a:lstStyle/>
           <a:p>
             <a:r>
-              <a:rPr lang="ko-KR" altLang="en-US" sz="2400" b="1" dirty="0" smtClean="0">
+              <a:rPr lang="ko-KR" altLang="en-US" sz="2400" b="1" dirty="0">
                 <a:solidFill>
                   <a:srgbClr val="FF0000"/>
                 </a:solidFill>
               </a:rPr>
               <a:t>③</a:t>
             </a:r>
-            <a:endParaRPr lang="ko-KR" altLang="en-US" sz="2400" b="1" dirty="0">
-              <a:solidFill>
-                <a:srgbClr val="FF0000"/>
-              </a:solidFill>
-            </a:endParaRPr>
           </a:p>
         </p:txBody>
       </p:sp>
@@ -33322,13 +32361,6 @@
   <p:clrMapOvr>
     <a:masterClrMapping/>
   </p:clrMapOvr>
-  <p:timing>
-    <p:tnLst>
-      <p:par>
-        <p:cTn id="1" dur="indefinite" restart="never" nodeType="tmRoot"/>
-      </p:par>
-    </p:tnLst>
-  </p:timing>
 </p:sld>
 </file>
 
@@ -33349,69 +32381,9 @@
           <a:chExt cx="0" cy="0"/>
         </a:xfrm>
       </p:grpSpPr>
-      <p:pic>
-        <p:nvPicPr>
-          <p:cNvPr id="7" name="그림 6"/>
-          <p:cNvPicPr>
-            <a:picLocks noChangeAspect="1"/>
-          </p:cNvPicPr>
-          <p:nvPr/>
-        </p:nvPicPr>
-        <p:blipFill>
-          <a:blip r:embed="rId3">
-            <a:extLst>
-              <a:ext uri="{28A0092B-C50C-407E-A947-70E740481C1C}">
-                <a14:useLocalDpi xmlns:a14="http://schemas.microsoft.com/office/drawing/2010/main" val="0"/>
-              </a:ext>
-            </a:extLst>
-          </a:blip>
-          <a:stretch>
-            <a:fillRect/>
-          </a:stretch>
-        </p:blipFill>
-        <p:spPr>
-          <a:xfrm>
-            <a:off x="3536137" y="695590"/>
-            <a:ext cx="3268111" cy="4324432"/>
-          </a:xfrm>
-          <a:prstGeom prst="rect">
-            <a:avLst/>
-          </a:prstGeom>
-        </p:spPr>
-      </p:pic>
-      <p:pic>
-        <p:nvPicPr>
-          <p:cNvPr id="5" name="그림 4"/>
-          <p:cNvPicPr>
-            <a:picLocks noChangeAspect="1"/>
-          </p:cNvPicPr>
-          <p:nvPr/>
-        </p:nvPicPr>
-        <p:blipFill>
-          <a:blip r:embed="rId4">
-            <a:extLst>
-              <a:ext uri="{28A0092B-C50C-407E-A947-70E740481C1C}">
-                <a14:useLocalDpi xmlns:a14="http://schemas.microsoft.com/office/drawing/2010/main" val="0"/>
-              </a:ext>
-            </a:extLst>
-          </a:blip>
-          <a:stretch>
-            <a:fillRect/>
-          </a:stretch>
-        </p:blipFill>
-        <p:spPr>
-          <a:xfrm>
-            <a:off x="106637" y="699542"/>
-            <a:ext cx="3385244" cy="4320480"/>
-          </a:xfrm>
-          <a:prstGeom prst="rect">
-            <a:avLst/>
-          </a:prstGeom>
-        </p:spPr>
-      </p:pic>
       <p:sp>
         <p:nvSpPr>
-          <p:cNvPr id="21" name="직사각형 20">
+          <p:cNvPr id="7" name="직사각형 6">
             <a:extLst>
               <a:ext uri="{FF2B5EF4-FFF2-40B4-BE49-F238E27FC236}">
                 <a16:creationId xmlns:a16="http://schemas.microsoft.com/office/drawing/2014/main" id="{50B1E11F-5F9E-9F86-3DF7-4C4BD388D51A}"/>
@@ -33463,6 +32435,63 @@
           <a:p>
             <a:pPr algn="ctr"/>
             <a:endParaRPr lang="ko-KR" altLang="en-US" sz="1000" b="1" dirty="0"/>
+          </a:p>
+        </p:txBody>
+      </p:sp>
+      <p:sp>
+        <p:nvSpPr>
+          <p:cNvPr id="11" name="내용 개체 틀 10"/>
+          <p:cNvSpPr>
+            <a:spLocks noGrp="1"/>
+          </p:cNvSpPr>
+          <p:nvPr>
+            <p:ph idx="1"/>
+          </p:nvPr>
+        </p:nvSpPr>
+        <p:spPr>
+          <a:xfrm>
+            <a:off x="1907704" y="1257604"/>
+            <a:ext cx="5544616" cy="2322258"/>
+          </a:xfrm>
+        </p:spPr>
+        <p:txBody>
+          <a:bodyPr>
+            <a:normAutofit fontScale="92500" lnSpcReduction="10000"/>
+          </a:bodyPr>
+          <a:lstStyle/>
+          <a:p>
+            <a:pPr>
+              <a:lnSpc>
+                <a:spcPct val="250000"/>
+              </a:lnSpc>
+            </a:pPr>
+            <a:r>
+              <a:rPr lang="en-US" altLang="ko-KR" sz="2000" dirty="0"/>
+              <a:t>????</a:t>
+            </a:r>
+          </a:p>
+          <a:p>
+            <a:pPr>
+              <a:lnSpc>
+                <a:spcPct val="250000"/>
+              </a:lnSpc>
+            </a:pPr>
+            <a:r>
+              <a:rPr lang="en-US" altLang="ko-KR" sz="2000" dirty="0"/>
+              <a:t>???</a:t>
+            </a:r>
+          </a:p>
+          <a:p>
+            <a:pPr>
+              <a:lnSpc>
+                <a:spcPct val="250000"/>
+              </a:lnSpc>
+            </a:pPr>
+            <a:r>
+              <a:rPr lang="en-US" altLang="ko-KR" sz="2000" dirty="0"/>
+              <a:t>???</a:t>
+            </a:r>
+            <a:endParaRPr lang="ko-KR" altLang="en-US" sz="2000" dirty="0"/>
           </a:p>
         </p:txBody>
       </p:sp>
@@ -33492,14 +32521,14 @@
       </p:sp>
       <p:sp>
         <p:nvSpPr>
-          <p:cNvPr id="45" name="TextBox 44"/>
+          <p:cNvPr id="4" name="TextBox 3"/>
           <p:cNvSpPr txBox="1"/>
           <p:nvPr/>
         </p:nvSpPr>
         <p:spPr>
           <a:xfrm>
             <a:off x="323528" y="80505"/>
-            <a:ext cx="7560840" cy="369332"/>
+            <a:ext cx="2232248" cy="369332"/>
           </a:xfrm>
           <a:prstGeom prst="rect">
             <a:avLst/>
@@ -33518,7 +32547,7 @@
                   <a:schemeClr val="bg1"/>
                 </a:solidFill>
               </a:rPr>
-              <a:t>11. UI </a:t>
+              <a:t>12. </a:t>
             </a:r>
             <a:r>
               <a:rPr lang="ko-KR" altLang="en-US" b="1" dirty="0">
@@ -33526,52 +32555,45 @@
                   <a:schemeClr val="bg1"/>
                 </a:solidFill>
               </a:rPr>
-              <a:t>시연 및 핵심기능 </a:t>
-            </a:r>
-            <a:r>
-              <a:rPr lang="en-US" altLang="ko-KR" b="1" dirty="0" smtClean="0">
+              <a:t>차후</a:t>
+            </a:r>
+            <a:r>
+              <a:rPr lang="en-US" altLang="ko-KR" b="1" dirty="0">
                 <a:solidFill>
                   <a:schemeClr val="bg1"/>
                 </a:solidFill>
               </a:rPr>
-              <a:t>– </a:t>
-            </a:r>
-            <a:r>
-              <a:rPr lang="ko-KR" altLang="en-US" b="1" dirty="0" smtClean="0">
+              <a:t> </a:t>
+            </a:r>
+            <a:r>
+              <a:rPr lang="ko-KR" altLang="en-US" b="1" dirty="0">
                 <a:solidFill>
                   <a:schemeClr val="bg1"/>
                 </a:solidFill>
               </a:rPr>
-              <a:t>찾아오시는 길</a:t>
-            </a:r>
-            <a:endParaRPr lang="ko-KR" altLang="en-US" b="1" dirty="0">
-              <a:solidFill>
-                <a:schemeClr val="bg1"/>
-              </a:solidFill>
-            </a:endParaRPr>
+              <a:t>개발 내용</a:t>
+            </a:r>
           </a:p>
         </p:txBody>
       </p:sp>
       <p:sp>
         <p:nvSpPr>
-          <p:cNvPr id="39" name="모서리가 둥근 직사각형 38"/>
+          <p:cNvPr id="12" name="가로로 말린 두루마리 모양 11"/>
           <p:cNvSpPr/>
           <p:nvPr/>
         </p:nvSpPr>
         <p:spPr>
           <a:xfrm>
-            <a:off x="6913347" y="626712"/>
-            <a:ext cx="2134374" cy="4225159"/>
-          </a:xfrm>
-          <a:prstGeom prst="roundRect">
-            <a:avLst>
-              <a:gd name="adj" fmla="val 10188"/>
-            </a:avLst>
+            <a:off x="1115616" y="843558"/>
+            <a:ext cx="6408712" cy="3240360"/>
+          </a:xfrm>
+          <a:prstGeom prst="horizontalScroll">
+            <a:avLst/>
           </a:prstGeom>
           <a:noFill/>
           <a:ln w="38100">
             <a:solidFill>
-              <a:srgbClr val="FF0000"/>
+              <a:schemeClr val="accent1"/>
             </a:solidFill>
           </a:ln>
         </p:spPr>
@@ -33600,217 +32622,13 @@
           </a:bodyPr>
           <a:lstStyle/>
           <a:p>
-            <a:pPr marL="228600" indent="-228600">
-              <a:lnSpc>
-                <a:spcPct val="200000"/>
-              </a:lnSpc>
+            <a:pPr marL="228600" indent="-228600" algn="ctr">
               <a:buFont typeface="+mj-ea"/>
               <a:buAutoNum type="circleNumDbPlain"/>
             </a:pPr>
-            <a:r>
-              <a:rPr lang="ko-KR" altLang="en-US" sz="900" b="1" dirty="0" smtClean="0">
-                <a:solidFill>
-                  <a:schemeClr val="tx1"/>
-                </a:solidFill>
-              </a:rPr>
-              <a:t>카카오 지도 </a:t>
-            </a:r>
-            <a:r>
-              <a:rPr lang="en-US" altLang="ko-KR" sz="900" b="1" dirty="0" err="1" smtClean="0">
-                <a:solidFill>
-                  <a:schemeClr val="tx1"/>
-                </a:solidFill>
-              </a:rPr>
-              <a:t>api</a:t>
-            </a:r>
-            <a:r>
-              <a:rPr lang="en-US" altLang="ko-KR" sz="900" b="1" dirty="0" smtClean="0">
-                <a:solidFill>
-                  <a:schemeClr val="tx1"/>
-                </a:solidFill>
-              </a:rPr>
-              <a:t> </a:t>
-            </a:r>
-            <a:r>
-              <a:rPr lang="ko-KR" altLang="en-US" sz="900" b="1" dirty="0" smtClean="0">
-                <a:solidFill>
-                  <a:schemeClr val="tx1"/>
-                </a:solidFill>
-              </a:rPr>
-              <a:t>이용</a:t>
-            </a:r>
-            <a:endParaRPr lang="en-US" altLang="ko-KR" sz="900" b="1" dirty="0" smtClean="0">
+            <a:endParaRPr lang="ko-KR" altLang="en-US" sz="1000" b="1" dirty="0" err="1">
               <a:solidFill>
                 <a:schemeClr val="tx1"/>
-              </a:solidFill>
-            </a:endParaRPr>
-          </a:p>
-          <a:p>
-            <a:pPr marL="228600" indent="-228600">
-              <a:lnSpc>
-                <a:spcPct val="200000"/>
-              </a:lnSpc>
-              <a:buFont typeface="+mj-ea"/>
-              <a:buAutoNum type="circleNumDbPlain"/>
-            </a:pPr>
-            <a:endParaRPr lang="en-US" altLang="ko-KR" sz="1000" b="1" dirty="0" smtClean="0">
-              <a:solidFill>
-                <a:schemeClr val="tx1"/>
-              </a:solidFill>
-            </a:endParaRPr>
-          </a:p>
-        </p:txBody>
-      </p:sp>
-      <p:sp>
-        <p:nvSpPr>
-          <p:cNvPr id="23" name="TextBox 22"/>
-          <p:cNvSpPr txBox="1"/>
-          <p:nvPr/>
-        </p:nvSpPr>
-        <p:spPr>
-          <a:xfrm>
-            <a:off x="62381" y="630779"/>
-            <a:ext cx="184731" cy="400110"/>
-          </a:xfrm>
-          <a:prstGeom prst="rect">
-            <a:avLst/>
-          </a:prstGeom>
-          <a:noFill/>
-        </p:spPr>
-        <p:txBody>
-          <a:bodyPr wrap="none" rtlCol="0">
-            <a:spAutoFit/>
-          </a:bodyPr>
-          <a:lstStyle/>
-          <a:p>
-            <a:endParaRPr lang="ko-KR" altLang="en-US" sz="2000" b="1" dirty="0">
-              <a:solidFill>
-                <a:srgbClr val="FF0000"/>
-              </a:solidFill>
-            </a:endParaRPr>
-          </a:p>
-        </p:txBody>
-      </p:sp>
-      <p:sp>
-        <p:nvSpPr>
-          <p:cNvPr id="10" name="직사각형 9"/>
-          <p:cNvSpPr/>
-          <p:nvPr/>
-        </p:nvSpPr>
-        <p:spPr>
-          <a:xfrm>
-            <a:off x="2051720" y="3415811"/>
-            <a:ext cx="792088" cy="360040"/>
-          </a:xfrm>
-          <a:prstGeom prst="rect">
-            <a:avLst/>
-          </a:prstGeom>
-          <a:noFill/>
-          <a:ln>
-            <a:solidFill>
-              <a:srgbClr val="FF0000"/>
-            </a:solidFill>
-          </a:ln>
-        </p:spPr>
-        <p:style>
-          <a:lnRef idx="2">
-            <a:schemeClr val="accent2"/>
-          </a:lnRef>
-          <a:fillRef idx="1">
-            <a:schemeClr val="lt1"/>
-          </a:fillRef>
-          <a:effectRef idx="0">
-            <a:schemeClr val="accent2"/>
-          </a:effectRef>
-          <a:fontRef idx="minor">
-            <a:schemeClr val="dk1"/>
-          </a:fontRef>
-        </p:style>
-        <p:txBody>
-          <a:bodyPr rot="0" spcFirstLastPara="0" vertOverflow="overflow" horzOverflow="overflow" vert="horz" wrap="square" lIns="0" tIns="0" rIns="0" bIns="0" numCol="1" spcCol="0" rtlCol="0" fromWordArt="0" anchor="ctr" anchorCtr="0" forceAA="0" compatLnSpc="1">
-            <a:prstTxWarp prst="textNoShape">
-              <a:avLst/>
-            </a:prstTxWarp>
-            <a:noAutofit/>
-          </a:bodyPr>
-          <a:lstStyle/>
-          <a:p>
-            <a:pPr algn="ctr"/>
-            <a:endParaRPr lang="ko-KR" altLang="en-US" sz="1000" b="1" dirty="0" smtClean="0"/>
-          </a:p>
-        </p:txBody>
-      </p:sp>
-      <p:sp>
-        <p:nvSpPr>
-          <p:cNvPr id="40" name="TextBox 39"/>
-          <p:cNvSpPr txBox="1"/>
-          <p:nvPr/>
-        </p:nvSpPr>
-        <p:spPr>
-          <a:xfrm>
-            <a:off x="2790948" y="3375741"/>
-            <a:ext cx="395974" cy="400110"/>
-          </a:xfrm>
-          <a:prstGeom prst="rect">
-            <a:avLst/>
-          </a:prstGeom>
-          <a:noFill/>
-        </p:spPr>
-        <p:txBody>
-          <a:bodyPr wrap="square" rtlCol="0">
-            <a:spAutoFit/>
-          </a:bodyPr>
-          <a:lstStyle/>
-          <a:p>
-            <a:r>
-              <a:rPr lang="ko-KR" altLang="en-US" sz="2000" b="1" dirty="0" smtClean="0">
-                <a:solidFill>
-                  <a:srgbClr val="FF0000"/>
-                </a:solidFill>
-              </a:rPr>
-              <a:t>①</a:t>
-            </a:r>
-            <a:endParaRPr lang="ko-KR" altLang="en-US" sz="2000" b="1" dirty="0">
-              <a:solidFill>
-                <a:srgbClr val="FF0000"/>
-              </a:solidFill>
-            </a:endParaRPr>
-          </a:p>
-        </p:txBody>
-      </p:sp>
-      <p:sp>
-        <p:nvSpPr>
-          <p:cNvPr id="26" name="TextBox 25"/>
-          <p:cNvSpPr txBox="1"/>
-          <p:nvPr/>
-        </p:nvSpPr>
-        <p:spPr>
-          <a:xfrm>
-            <a:off x="3347864" y="2171640"/>
-            <a:ext cx="395974" cy="400110"/>
-          </a:xfrm>
-          <a:prstGeom prst="rect">
-            <a:avLst/>
-          </a:prstGeom>
-          <a:noFill/>
-        </p:spPr>
-        <p:txBody>
-          <a:bodyPr wrap="square" rtlCol="0">
-            <a:spAutoFit/>
-          </a:bodyPr>
-          <a:lstStyle/>
-          <a:p>
-            <a:r>
-              <a:rPr lang="ko-KR" altLang="en-US" sz="2000" b="1" dirty="0" smtClean="0">
-                <a:solidFill>
-                  <a:srgbClr val="FF0000"/>
-                </a:solidFill>
-              </a:rPr>
-              <a:t>①</a:t>
-            </a:r>
-            <a:endParaRPr lang="ko-KR" altLang="en-US" sz="2000" b="1" dirty="0">
-              <a:solidFill>
-                <a:srgbClr val="FF0000"/>
               </a:solidFill>
             </a:endParaRPr>
           </a:p>
@@ -33819,20 +32637,13 @@
     </p:spTree>
     <p:extLst>
       <p:ext uri="{BB962C8B-B14F-4D97-AF65-F5344CB8AC3E}">
-        <p14:creationId xmlns:p14="http://schemas.microsoft.com/office/powerpoint/2010/main" val="3754519185"/>
+        <p14:creationId xmlns:p14="http://schemas.microsoft.com/office/powerpoint/2010/main" val="3237051372"/>
       </p:ext>
     </p:extLst>
   </p:cSld>
   <p:clrMapOvr>
     <a:masterClrMapping/>
   </p:clrMapOvr>
-  <p:timing>
-    <p:tnLst>
-      <p:par>
-        <p:cTn id="1" dur="indefinite" restart="never" nodeType="tmRoot"/>
-      </p:par>
-    </p:tnLst>
-  </p:timing>
 </p:sld>
 </file>
 
@@ -34039,134 +32850,89 @@
                   <a:schemeClr val="tx2"/>
                 </a:solidFill>
               </a:rPr>
-              <a:t>사용자는 </a:t>
-            </a:r>
-            <a:r>
-              <a:rPr lang="ko-KR" altLang="en-US" sz="1400" b="1" dirty="0" smtClean="0">
+              <a:t>사용자는 치과 내 공지사항</a:t>
+            </a:r>
+            <a:r>
+              <a:rPr lang="en-US" altLang="ko-KR" sz="1400" b="1" dirty="0">
                 <a:solidFill>
                   <a:schemeClr val="tx2"/>
                 </a:solidFill>
               </a:rPr>
-              <a:t>치과 내 공지사항</a:t>
-            </a:r>
-            <a:r>
-              <a:rPr lang="en-US" altLang="ko-KR" sz="1400" b="1" dirty="0" smtClean="0">
+              <a:t>, </a:t>
+            </a:r>
+            <a:r>
+              <a:rPr lang="ko-KR" altLang="en-US" sz="1400" b="1" dirty="0">
                 <a:solidFill>
                   <a:schemeClr val="tx2"/>
                 </a:solidFill>
               </a:rPr>
+              <a:t>의료진 정보</a:t>
+            </a:r>
+            <a:r>
+              <a:rPr lang="en-US" altLang="ko-KR" sz="1400" b="1" dirty="0">
+                <a:solidFill>
+                  <a:schemeClr val="tx2"/>
+                </a:solidFill>
+              </a:rPr>
               <a:t>, </a:t>
             </a:r>
             <a:r>
-              <a:rPr lang="ko-KR" altLang="en-US" sz="1400" b="1" dirty="0" smtClean="0">
+              <a:rPr lang="ko-KR" altLang="en-US" sz="1400" b="1" dirty="0">
                 <a:solidFill>
                   <a:schemeClr val="tx2"/>
                 </a:solidFill>
               </a:rPr>
-              <a:t>의료진 정보</a:t>
-            </a:r>
-            <a:r>
-              <a:rPr lang="en-US" altLang="ko-KR" sz="1400" b="1" dirty="0" smtClean="0">
+              <a:t>서비스 하는 정보들을 확인 할 수 있습니다</a:t>
+            </a:r>
+            <a:r>
+              <a:rPr lang="en-US" altLang="ko-KR" sz="1400" b="1" dirty="0">
                 <a:solidFill>
                   <a:schemeClr val="tx2"/>
                 </a:solidFill>
               </a:rPr>
+              <a:t>.</a:t>
+            </a:r>
+          </a:p>
+          <a:p>
+            <a:r>
+              <a:rPr lang="ko-KR" altLang="en-US" sz="1400" b="1" dirty="0">
+                <a:solidFill>
+                  <a:schemeClr val="tx2"/>
+                </a:solidFill>
+              </a:rPr>
+              <a:t>환자는 진료예약을 할 수 있고</a:t>
+            </a:r>
+            <a:r>
+              <a:rPr lang="en-US" altLang="ko-KR" sz="1400" b="1" dirty="0">
+                <a:solidFill>
+                  <a:schemeClr val="tx2"/>
+                </a:solidFill>
+              </a:rPr>
               <a:t>, </a:t>
             </a:r>
             <a:r>
-              <a:rPr lang="ko-KR" altLang="en-US" sz="1400" b="1" dirty="0" smtClean="0">
+              <a:rPr lang="ko-KR" altLang="en-US" sz="1400" b="1" dirty="0">
                 <a:solidFill>
                   <a:schemeClr val="tx2"/>
                 </a:solidFill>
               </a:rPr>
-              <a:t>서비스 하는 정보들을 확인 할 수 있습니다</a:t>
-            </a:r>
-            <a:r>
-              <a:rPr lang="en-US" altLang="ko-KR" sz="1400" b="1" dirty="0" smtClean="0">
+              <a:t>진료가 끝난 후</a:t>
+            </a:r>
+            <a:r>
+              <a:rPr lang="en-US" altLang="ko-KR" sz="1400" b="1" dirty="0">
                 <a:solidFill>
                   <a:schemeClr val="tx2"/>
                 </a:solidFill>
               </a:rPr>
-              <a:t>.</a:t>
-            </a:r>
-            <a:endParaRPr lang="en-US" altLang="ko-KR" sz="1400" b="1" dirty="0">
-              <a:solidFill>
-                <a:schemeClr val="tx2"/>
-              </a:solidFill>
-            </a:endParaRPr>
-          </a:p>
-          <a:p>
+              <a:t>,</a:t>
+            </a:r>
             <a:r>
               <a:rPr lang="ko-KR" altLang="en-US" sz="1400" b="1" dirty="0">
                 <a:solidFill>
                   <a:schemeClr val="tx2"/>
                 </a:solidFill>
               </a:rPr>
-              <a:t>환자는 </a:t>
-            </a:r>
-            <a:r>
-              <a:rPr lang="ko-KR" altLang="en-US" sz="1400" b="1" dirty="0" smtClean="0">
-                <a:solidFill>
-                  <a:schemeClr val="tx2"/>
-                </a:solidFill>
-              </a:rPr>
-              <a:t>진료예약을 </a:t>
-            </a:r>
-            <a:r>
-              <a:rPr lang="ko-KR" altLang="en-US" sz="1400" b="1" dirty="0">
-                <a:solidFill>
-                  <a:schemeClr val="tx2"/>
-                </a:solidFill>
-              </a:rPr>
-              <a:t>할 수 있고</a:t>
-            </a:r>
-            <a:r>
-              <a:rPr lang="en-US" altLang="ko-KR" sz="1400" b="1" dirty="0">
-                <a:solidFill>
-                  <a:schemeClr val="tx2"/>
-                </a:solidFill>
-              </a:rPr>
-              <a:t>, </a:t>
-            </a:r>
-            <a:r>
-              <a:rPr lang="ko-KR" altLang="en-US" sz="1400" b="1" dirty="0">
-                <a:solidFill>
-                  <a:schemeClr val="tx2"/>
-                </a:solidFill>
-              </a:rPr>
-              <a:t>진료가 끝난 </a:t>
-            </a:r>
-            <a:r>
-              <a:rPr lang="ko-KR" altLang="en-US" sz="1400" b="1" dirty="0" smtClean="0">
-                <a:solidFill>
-                  <a:schemeClr val="tx2"/>
-                </a:solidFill>
-              </a:rPr>
-              <a:t>후</a:t>
-            </a:r>
-            <a:r>
-              <a:rPr lang="en-US" altLang="ko-KR" sz="1400" b="1" dirty="0" smtClean="0">
-                <a:solidFill>
-                  <a:schemeClr val="tx2"/>
-                </a:solidFill>
-              </a:rPr>
-              <a:t>,</a:t>
-            </a:r>
-            <a:r>
-              <a:rPr lang="ko-KR" altLang="en-US" sz="1400" b="1" dirty="0" smtClean="0">
-                <a:solidFill>
-                  <a:schemeClr val="tx2"/>
-                </a:solidFill>
-              </a:rPr>
-              <a:t> </a:t>
-            </a:r>
-            <a:r>
-              <a:rPr lang="ko-KR" altLang="en-US" sz="1400" b="1" dirty="0">
-                <a:solidFill>
-                  <a:schemeClr val="tx2"/>
-                </a:solidFill>
-              </a:rPr>
-              <a:t>후기도 남길 수 있습니다</a:t>
+              <a:t> 후기도 남길 수 있습니다</a:t>
             </a:r>
             <a:r>
               <a:rPr lang="en-US" altLang="ko-KR" b="1" dirty="0">
@@ -34753,39 +33519,23 @@
                   <a:schemeClr val="tx2"/>
                 </a:solidFill>
               </a:rPr>
-              <a:t>의료진 </a:t>
-            </a:r>
-            <a:r>
-              <a:rPr lang="ko-KR" altLang="en-US" sz="1400" b="1" dirty="0" smtClean="0">
+              <a:t>의료진 소개</a:t>
+            </a:r>
+            <a:r>
+              <a:rPr lang="en-US" altLang="ko-KR" sz="1400" b="1" dirty="0">
                 <a:solidFill>
                   <a:schemeClr val="tx2"/>
                 </a:solidFill>
               </a:rPr>
-              <a:t>소개</a:t>
-            </a:r>
-            <a:r>
-              <a:rPr lang="en-US" altLang="ko-KR" sz="1400" b="1" dirty="0">
+              <a:t> </a:t>
+            </a:r>
+            <a:r>
+              <a:rPr lang="ko-KR" altLang="en-US" sz="1400" b="1" dirty="0">
                 <a:solidFill>
                   <a:schemeClr val="tx2"/>
                 </a:solidFill>
               </a:rPr>
-              <a:t> </a:t>
-            </a:r>
-            <a:r>
-              <a:rPr lang="ko-KR" altLang="en-US" sz="1400" b="1" dirty="0" smtClean="0">
-                <a:solidFill>
-                  <a:schemeClr val="tx2"/>
-                </a:solidFill>
-              </a:rPr>
-              <a:t>등 </a:t>
-            </a:r>
-            <a:r>
-              <a:rPr lang="ko-KR" altLang="en-US" sz="1400" b="1" dirty="0">
-                <a:solidFill>
-                  <a:schemeClr val="tx2"/>
-                </a:solidFill>
-              </a:rPr>
-              <a:t>둘러보기 가능</a:t>
+              <a:t>등 둘러보기 가능</a:t>
             </a:r>
           </a:p>
         </p:txBody>
@@ -34880,18 +33630,10 @@
                   <a:schemeClr val="tx2"/>
                 </a:solidFill>
               </a:rPr>
-              <a:t>의료진 </a:t>
-            </a:r>
-            <a:r>
-              <a:rPr lang="ko-KR" altLang="en-US" sz="1200" b="1" dirty="0" smtClean="0">
-                <a:solidFill>
-                  <a:schemeClr val="tx2"/>
-                </a:solidFill>
-              </a:rPr>
-              <a:t>소개</a:t>
-            </a:r>
-            <a:r>
-              <a:rPr lang="en-US" altLang="ko-KR" sz="1200" b="1" dirty="0" smtClean="0">
+              <a:t>의료진 소개</a:t>
+            </a:r>
+            <a:r>
+              <a:rPr lang="en-US" altLang="ko-KR" sz="1200" b="1" dirty="0">
                 <a:solidFill>
                   <a:schemeClr val="tx2"/>
                 </a:solidFill>
@@ -34954,7 +33696,7 @@
               <a:t>진료예약 게시판</a:t>
             </a:r>
             <a:r>
-              <a:rPr lang="en-US" altLang="ko-KR" sz="1200" b="1" dirty="0" smtClean="0">
+              <a:rPr lang="en-US" altLang="ko-KR" sz="1200" b="1" dirty="0">
                 <a:solidFill>
                   <a:schemeClr val="tx2"/>
                 </a:solidFill>
@@ -34962,7 +33704,7 @@
               <a:t>, </a:t>
             </a:r>
             <a:r>
-              <a:rPr lang="ko-KR" altLang="en-US" sz="1200" b="1" dirty="0" smtClean="0">
+              <a:rPr lang="ko-KR" altLang="en-US" sz="1200" b="1" dirty="0">
                 <a:solidFill>
                   <a:schemeClr val="tx2"/>
                 </a:solidFill>
@@ -34970,7 +33712,7 @@
               <a:t>후기 게시판</a:t>
             </a:r>
             <a:r>
-              <a:rPr lang="en-US" altLang="ko-KR" sz="1200" b="1" dirty="0" smtClean="0">
+              <a:rPr lang="en-US" altLang="ko-KR" sz="1200" b="1" dirty="0">
                 <a:solidFill>
                   <a:schemeClr val="tx2"/>
                 </a:solidFill>
@@ -34983,21 +33725,8 @@
                   <a:schemeClr val="tx2"/>
                 </a:solidFill>
               </a:rPr>
-              <a:t> </a:t>
-            </a:r>
-            <a:r>
-              <a:rPr lang="ko-KR" altLang="en-US" sz="1200" b="1" dirty="0" smtClean="0">
-                <a:solidFill>
-                  <a:schemeClr val="tx2"/>
-                </a:solidFill>
-              </a:rPr>
-              <a:t>작성 가능</a:t>
-            </a:r>
-            <a:endParaRPr lang="ko-KR" altLang="en-US" sz="1200" b="1" dirty="0">
-              <a:solidFill>
-                <a:schemeClr val="tx2"/>
-              </a:solidFill>
-            </a:endParaRPr>
+              <a:t> 작성 가능</a:t>
+            </a:r>
           </a:p>
         </p:txBody>
       </p:sp>
@@ -35133,20 +33862,12 @@
           </a:p>
           <a:p>
             <a:r>
-              <a:rPr lang="ko-KR" altLang="en-US" sz="1200" b="1" dirty="0" smtClean="0">
+              <a:rPr lang="ko-KR" altLang="en-US" sz="1200" b="1" dirty="0">
                 <a:solidFill>
                   <a:schemeClr val="tx2"/>
                 </a:solidFill>
               </a:rPr>
-              <a:t>진료예약 게시판 </a:t>
-            </a:r>
-            <a:r>
-              <a:rPr lang="ko-KR" altLang="en-US" sz="1200" b="1" dirty="0">
-                <a:solidFill>
-                  <a:schemeClr val="tx2"/>
-                </a:solidFill>
-              </a:rPr>
-              <a:t>답변 작성가능</a:t>
+              <a:t>진료예약 게시판 답변 작성가능</a:t>
             </a:r>
             <a:endParaRPr lang="ko-KR" altLang="en-US" sz="1400" b="1" dirty="0">
               <a:solidFill>
@@ -35166,13 +33887,6 @@
   <p:clrMapOvr>
     <a:masterClrMapping/>
   </p:clrMapOvr>
-  <p:timing>
-    <p:tnLst>
-      <p:par>
-        <p:cTn id="1" dur="indefinite" restart="never" nodeType="tmRoot"/>
-      </p:par>
-    </p:tnLst>
-  </p:timing>
 </p:sld>
 </file>
 
@@ -35195,20 +33909,14 @@
       </p:grpSpPr>
       <p:sp>
         <p:nvSpPr>
-          <p:cNvPr id="7" name="직사각형 6">
-            <a:extLst>
-              <a:ext uri="{FF2B5EF4-FFF2-40B4-BE49-F238E27FC236}">
-                <a16:creationId xmlns:a16="http://schemas.microsoft.com/office/drawing/2014/main" id="{50B1E11F-5F9E-9F86-3DF7-4C4BD388D51A}"/>
-              </a:ext>
-            </a:extLst>
-          </p:cNvPr>
+          <p:cNvPr id="4" name="직사각형 3"/>
           <p:cNvSpPr/>
           <p:nvPr/>
         </p:nvSpPr>
         <p:spPr>
           <a:xfrm>
-            <a:off x="0" y="-20539"/>
-            <a:ext cx="9144000" cy="579309"/>
+            <a:off x="0" y="0"/>
+            <a:ext cx="9144000" cy="5143500"/>
           </a:xfrm>
           <a:prstGeom prst="rect">
             <a:avLst/>
@@ -35237,73 +33945,13 @@
           </a:fontRef>
         </p:style>
         <p:txBody>
-          <a:bodyPr rot="0" spcFirstLastPara="0" vertOverflow="overflow" horzOverflow="overflow" vert="horz" wrap="square" lIns="0" tIns="0" rIns="0" bIns="0" numCol="1" spcCol="0" rtlCol="0" fromWordArt="0" anchor="ctr" anchorCtr="0" forceAA="0" compatLnSpc="1">
-            <a:prstTxWarp prst="textNoShape">
-              <a:avLst/>
-            </a:prstTxWarp>
-            <a:noAutofit/>
-          </a:bodyPr>
+          <a:bodyPr anchor="ctr"/>
           <a:lstStyle/>
           <a:p>
-            <a:pPr algn="ctr"/>
-            <a:endParaRPr lang="ko-KR" altLang="en-US" sz="1000" b="1" dirty="0"/>
-          </a:p>
-        </p:txBody>
-      </p:sp>
-      <p:sp>
-        <p:nvSpPr>
-          <p:cNvPr id="11" name="내용 개체 틀 10"/>
-          <p:cNvSpPr>
-            <a:spLocks noGrp="1"/>
-          </p:cNvSpPr>
-          <p:nvPr>
-            <p:ph idx="1"/>
-          </p:nvPr>
-        </p:nvSpPr>
-        <p:spPr>
-          <a:xfrm>
-            <a:off x="1907704" y="1257604"/>
-            <a:ext cx="5544616" cy="2322258"/>
-          </a:xfrm>
-        </p:spPr>
-        <p:txBody>
-          <a:bodyPr>
-            <a:normAutofit fontScale="92500" lnSpcReduction="10000"/>
-          </a:bodyPr>
-          <a:lstStyle/>
-          <a:p>
-            <a:pPr>
-              <a:lnSpc>
-                <a:spcPct val="250000"/>
-              </a:lnSpc>
+            <a:pPr algn="ctr">
+              <a:defRPr/>
             </a:pPr>
-            <a:r>
-              <a:rPr lang="en-US" altLang="ko-KR" sz="2000" dirty="0" smtClean="0"/>
-              <a:t>????</a:t>
-            </a:r>
-          </a:p>
-          <a:p>
-            <a:pPr>
-              <a:lnSpc>
-                <a:spcPct val="250000"/>
-              </a:lnSpc>
-            </a:pPr>
-            <a:r>
-              <a:rPr lang="en-US" altLang="ko-KR" sz="2000" dirty="0" smtClean="0"/>
-              <a:t>???</a:t>
-            </a:r>
-          </a:p>
-          <a:p>
-            <a:pPr>
-              <a:lnSpc>
-                <a:spcPct val="250000"/>
-              </a:lnSpc>
-            </a:pPr>
-            <a:r>
-              <a:rPr lang="en-US" altLang="ko-KR" sz="2000" dirty="0" smtClean="0"/>
-              <a:t>???</a:t>
-            </a:r>
-            <a:endParaRPr lang="ko-KR" altLang="en-US" sz="2000" dirty="0"/>
+            <a:endParaRPr lang="ko-KR" altLang="en-US"/>
           </a:p>
         </p:txBody>
       </p:sp>
@@ -35324,88 +33972,32 @@
           <a:p>
             <a:fld id="{8E974B11-60DB-405B-8211-256C6E064270}" type="slidenum">
               <a:rPr lang="ko-KR" altLang="en-US" smtClean="0"/>
-              <a:pPr/>
               <a:t>30</a:t>
             </a:fld>
-            <a:endParaRPr lang="ko-KR" altLang="en-US" dirty="0"/>
+            <a:endParaRPr lang="ko-KR" altLang="en-US"/>
           </a:p>
         </p:txBody>
       </p:sp>
       <p:sp>
         <p:nvSpPr>
-          <p:cNvPr id="4" name="TextBox 3"/>
-          <p:cNvSpPr txBox="1"/>
+          <p:cNvPr id="3" name="직사각형 2"/>
+          <p:cNvSpPr/>
           <p:nvPr/>
         </p:nvSpPr>
         <p:spPr>
           <a:xfrm>
-            <a:off x="323528" y="80505"/>
-            <a:ext cx="2232248" cy="369332"/>
+            <a:off x="2843808" y="1707654"/>
+            <a:ext cx="3168352" cy="720080"/>
           </a:xfrm>
           <a:prstGeom prst="rect">
             <a:avLst/>
           </a:prstGeom>
-          <a:noFill/>
-        </p:spPr>
-        <p:txBody>
-          <a:bodyPr wrap="square" rtlCol="0">
-            <a:spAutoFit/>
-          </a:bodyPr>
-          <a:lstStyle/>
-          <a:p>
-            <a:r>
-              <a:rPr lang="en-US" altLang="ko-KR" b="1" dirty="0">
-                <a:solidFill>
-                  <a:schemeClr val="bg1"/>
-                </a:solidFill>
-              </a:rPr>
-              <a:t>12. </a:t>
-            </a:r>
-            <a:r>
-              <a:rPr lang="ko-KR" altLang="en-US" b="1" dirty="0">
-                <a:solidFill>
-                  <a:schemeClr val="bg1"/>
-                </a:solidFill>
-              </a:rPr>
-              <a:t>차후</a:t>
-            </a:r>
-            <a:r>
-              <a:rPr lang="en-US" altLang="ko-KR" b="1" dirty="0">
-                <a:solidFill>
-                  <a:schemeClr val="bg1"/>
-                </a:solidFill>
-              </a:rPr>
-              <a:t> </a:t>
-            </a:r>
-            <a:r>
-              <a:rPr lang="ko-KR" altLang="en-US" b="1" dirty="0">
-                <a:solidFill>
-                  <a:schemeClr val="bg1"/>
-                </a:solidFill>
-              </a:rPr>
-              <a:t>개발 내용</a:t>
-            </a:r>
-          </a:p>
-        </p:txBody>
-      </p:sp>
-      <p:sp>
-        <p:nvSpPr>
-          <p:cNvPr id="12" name="가로로 말린 두루마리 모양 11"/>
-          <p:cNvSpPr/>
-          <p:nvPr/>
-        </p:nvSpPr>
-        <p:spPr>
-          <a:xfrm>
-            <a:off x="1115616" y="843558"/>
-            <a:ext cx="6408712" cy="3240360"/>
-          </a:xfrm>
-          <a:prstGeom prst="horizontalScroll">
-            <a:avLst/>
-          </a:prstGeom>
-          <a:noFill/>
-          <a:ln w="38100">
+          <a:solidFill>
+            <a:schemeClr val="tx2"/>
+          </a:solidFill>
+          <a:ln>
             <a:solidFill>
-              <a:schemeClr val="accent1"/>
+              <a:schemeClr val="bg1"/>
             </a:solidFill>
           </a:ln>
         </p:spPr>
@@ -35434,185 +34026,17 @@
           </a:bodyPr>
           <a:lstStyle/>
           <a:p>
-            <a:pPr marL="228600" indent="-228600" algn="ctr">
-              <a:buFont typeface="+mj-ea"/>
-              <a:buAutoNum type="circleNumDbPlain"/>
-            </a:pPr>
-            <a:endParaRPr lang="ko-KR" altLang="en-US" sz="1000" b="1" dirty="0" err="1">
-              <a:solidFill>
-                <a:schemeClr val="tx1"/>
-              </a:solidFill>
-            </a:endParaRPr>
-          </a:p>
-        </p:txBody>
-      </p:sp>
-    </p:spTree>
-    <p:extLst>
-      <p:ext uri="{BB962C8B-B14F-4D97-AF65-F5344CB8AC3E}">
-        <p14:creationId xmlns:p14="http://schemas.microsoft.com/office/powerpoint/2010/main" val="3237051372"/>
-      </p:ext>
-    </p:extLst>
-  </p:cSld>
-  <p:clrMapOvr>
-    <a:masterClrMapping/>
-  </p:clrMapOvr>
-  <p:timing>
-    <p:tnLst>
-      <p:par>
-        <p:cTn id="1" dur="indefinite" restart="never" nodeType="tmRoot"/>
-      </p:par>
-    </p:tnLst>
-  </p:timing>
-</p:sld>
-</file>
-
-<file path=ppt/slides/slide31.xml><?xml version="1.0" encoding="utf-8"?>
-<p:sld xmlns:a="http://schemas.openxmlformats.org/drawingml/2006/main" xmlns:r="http://schemas.openxmlformats.org/officeDocument/2006/relationships" xmlns:p="http://schemas.openxmlformats.org/presentationml/2006/main">
-  <p:cSld>
-    <p:spTree>
-      <p:nvGrpSpPr>
-        <p:cNvPr id="1" name=""/>
-        <p:cNvGrpSpPr/>
-        <p:nvPr/>
-      </p:nvGrpSpPr>
-      <p:grpSpPr>
-        <a:xfrm>
-          <a:off x="0" y="0"/>
-          <a:ext cx="0" cy="0"/>
-          <a:chOff x="0" y="0"/>
-          <a:chExt cx="0" cy="0"/>
-        </a:xfrm>
-      </p:grpSpPr>
-      <p:sp>
-        <p:nvSpPr>
-          <p:cNvPr id="4" name="직사각형 3"/>
-          <p:cNvSpPr/>
-          <p:nvPr/>
-        </p:nvSpPr>
-        <p:spPr>
-          <a:xfrm>
-            <a:off x="0" y="0"/>
-            <a:ext cx="9144000" cy="5143500"/>
-          </a:xfrm>
-          <a:prstGeom prst="rect">
-            <a:avLst/>
-          </a:prstGeom>
-          <a:solidFill>
-            <a:schemeClr val="tx2"/>
-          </a:solidFill>
-          <a:ln>
-            <a:noFill/>
-          </a:ln>
-        </p:spPr>
-        <p:style>
-          <a:lnRef idx="2">
-            <a:schemeClr val="accent1">
-              <a:shade val="50000"/>
-            </a:schemeClr>
-          </a:lnRef>
-          <a:fillRef idx="1">
-            <a:schemeClr val="accent1"/>
-          </a:fillRef>
-          <a:effectRef idx="0">
-            <a:schemeClr val="accent1"/>
-          </a:effectRef>
-          <a:fontRef idx="minor">
-            <a:schemeClr val="lt1"/>
-          </a:fontRef>
-        </p:style>
-        <p:txBody>
-          <a:bodyPr anchor="ctr"/>
-          <a:lstStyle/>
-          <a:p>
-            <a:pPr algn="ctr">
-              <a:defRPr/>
-            </a:pPr>
-            <a:endParaRPr lang="ko-KR" altLang="en-US"/>
-          </a:p>
-        </p:txBody>
-      </p:sp>
-      <p:sp>
-        <p:nvSpPr>
-          <p:cNvPr id="2" name="슬라이드 번호 개체 틀 1"/>
-          <p:cNvSpPr>
-            <a:spLocks noGrp="1"/>
-          </p:cNvSpPr>
-          <p:nvPr>
-            <p:ph type="sldNum" sz="quarter" idx="12"/>
-          </p:nvPr>
-        </p:nvSpPr>
-        <p:spPr/>
-        <p:txBody>
-          <a:bodyPr/>
-          <a:lstStyle/>
-          <a:p>
-            <a:fld id="{8E974B11-60DB-405B-8211-256C6E064270}" type="slidenum">
-              <a:rPr lang="ko-KR" altLang="en-US" smtClean="0"/>
-              <a:t>31</a:t>
-            </a:fld>
-            <a:endParaRPr lang="ko-KR" altLang="en-US"/>
-          </a:p>
-        </p:txBody>
-      </p:sp>
-      <p:sp>
-        <p:nvSpPr>
-          <p:cNvPr id="3" name="직사각형 2"/>
-          <p:cNvSpPr/>
-          <p:nvPr/>
-        </p:nvSpPr>
-        <p:spPr>
-          <a:xfrm>
-            <a:off x="2843808" y="1707654"/>
-            <a:ext cx="3168352" cy="720080"/>
-          </a:xfrm>
-          <a:prstGeom prst="rect">
-            <a:avLst/>
-          </a:prstGeom>
-          <a:solidFill>
-            <a:schemeClr val="tx2"/>
-          </a:solidFill>
-          <a:ln>
-            <a:solidFill>
-              <a:schemeClr val="bg1"/>
-            </a:solidFill>
-          </a:ln>
-        </p:spPr>
-        <p:style>
-          <a:lnRef idx="2">
-            <a:schemeClr val="accent1">
-              <a:shade val="50000"/>
-            </a:schemeClr>
-          </a:lnRef>
-          <a:fillRef idx="1">
-            <a:schemeClr val="accent1"/>
-          </a:fillRef>
-          <a:effectRef idx="0">
-            <a:schemeClr val="accent1"/>
-          </a:effectRef>
-          <a:fontRef idx="minor">
-            <a:schemeClr val="lt1"/>
-          </a:fontRef>
-        </p:style>
-        <p:txBody>
-          <a:bodyPr rot="0" spcFirstLastPara="0" vertOverflow="overflow" horzOverflow="overflow" vert="horz" wrap="square" lIns="0" tIns="0" rIns="0" bIns="0" numCol="1" spcCol="0" rtlCol="0" fromWordArt="0" anchor="ctr" anchorCtr="0" forceAA="0" compatLnSpc="1">
-            <a:prstTxWarp prst="textNoShape">
-              <a:avLst/>
-            </a:prstTxWarp>
-            <a:noAutofit/>
-          </a:bodyPr>
-          <a:lstStyle/>
-          <a:p>
             <a:pPr algn="ctr"/>
             <a:r>
-              <a:rPr lang="ko-KR" altLang="en-US" b="1" dirty="0" smtClean="0"/>
+              <a:rPr lang="ko-KR" altLang="en-US" b="1" dirty="0"/>
               <a:t>경청해 주셔서</a:t>
             </a:r>
-            <a:endParaRPr lang="en-US" altLang="ko-KR" b="1" dirty="0" smtClean="0"/>
+            <a:endParaRPr lang="en-US" altLang="ko-KR" b="1" dirty="0"/>
           </a:p>
           <a:p>
             <a:pPr algn="ctr"/>
             <a:r>
-              <a:rPr lang="ko-KR" altLang="en-US" b="1" dirty="0" smtClean="0"/>
+              <a:rPr lang="ko-KR" altLang="en-US" b="1" dirty="0"/>
               <a:t>고맙습니다</a:t>
             </a:r>
           </a:p>
@@ -36146,11 +34570,11 @@
               <a:t>로고스치과</a:t>
             </a:r>
             <a:r>
-              <a:rPr lang="en-US" altLang="ko-KR" sz="1400" dirty="0" smtClean="0"/>
+              <a:rPr lang="en-US" altLang="ko-KR" sz="1400" dirty="0"/>
               <a:t>, </a:t>
             </a:r>
             <a:r>
-              <a:rPr lang="ko-KR" altLang="en-US" sz="1400" dirty="0" smtClean="0"/>
+              <a:rPr lang="ko-KR" altLang="en-US" sz="1400" dirty="0"/>
               <a:t>목동중앙치과</a:t>
             </a:r>
             <a:r>
@@ -36264,13 +34688,6 @@
   <p:clrMapOvr>
     <a:masterClrMapping/>
   </p:clrMapOvr>
-  <p:timing>
-    <p:tnLst>
-      <p:par>
-        <p:cTn id="1" dur="indefinite" restart="never" nodeType="tmRoot"/>
-      </p:par>
-    </p:tnLst>
-  </p:timing>
 </p:sld>
 </file>
 
@@ -39190,13 +37607,6 @@
   <p:clrMapOvr>
     <a:masterClrMapping/>
   </p:clrMapOvr>
-  <p:timing>
-    <p:tnLst>
-      <p:par>
-        <p:cTn id="1" dur="indefinite" restart="never" nodeType="tmRoot"/>
-      </p:par>
-    </p:tnLst>
-  </p:timing>
 </p:sld>
 </file>
 
@@ -40347,7 +38757,7 @@
         </p:nvSpPr>
         <p:spPr>
           <a:xfrm>
-            <a:off x="6516216" y="3147814"/>
+            <a:off x="6516216" y="3435846"/>
             <a:ext cx="720079" cy="288032"/>
           </a:xfrm>
           <a:prstGeom prst="roundRect">
@@ -40401,7 +38811,7 @@
         </p:nvSpPr>
         <p:spPr>
           <a:xfrm>
-            <a:off x="6588225" y="3795886"/>
+            <a:off x="6588225" y="4011910"/>
             <a:ext cx="576064" cy="288032"/>
           </a:xfrm>
           <a:prstGeom prst="roundRect">
@@ -41321,8 +39731,8 @@
         </p:nvCxnSpPr>
         <p:spPr>
           <a:xfrm flipV="1">
-            <a:off x="5364088" y="1347614"/>
-            <a:ext cx="0" cy="1800200"/>
+            <a:off x="5364088" y="1491630"/>
+            <a:ext cx="0" cy="1656184"/>
           </a:xfrm>
           <a:prstGeom prst="line">
             <a:avLst/>
@@ -41466,7 +39876,7 @@
         </p:nvSpPr>
         <p:spPr>
           <a:xfrm>
-            <a:off x="6588224" y="2571750"/>
+            <a:off x="6588224" y="2427734"/>
             <a:ext cx="576064" cy="288032"/>
           </a:xfrm>
           <a:prstGeom prst="roundRect">
@@ -41564,9 +39974,9 @@
           <p:nvPr/>
         </p:nvCxnSpPr>
         <p:spPr>
-          <a:xfrm flipH="1">
+          <a:xfrm>
             <a:off x="6228185" y="3291830"/>
-            <a:ext cx="288031" cy="0"/>
+            <a:ext cx="1" cy="0"/>
           </a:xfrm>
           <a:prstGeom prst="line">
             <a:avLst/>
@@ -41607,8 +40017,8 @@
         </p:nvCxnSpPr>
         <p:spPr>
           <a:xfrm>
-            <a:off x="6228185" y="3219822"/>
-            <a:ext cx="0" cy="432048"/>
+            <a:off x="6228185" y="3147814"/>
+            <a:ext cx="0" cy="720080"/>
           </a:xfrm>
           <a:prstGeom prst="line">
             <a:avLst/>
@@ -41651,7 +40061,7 @@
         </p:nvCxnSpPr>
         <p:spPr>
           <a:xfrm flipH="1">
-            <a:off x="6228185" y="3939902"/>
+            <a:off x="6228185" y="4155926"/>
             <a:ext cx="360040" cy="0"/>
           </a:xfrm>
           <a:prstGeom prst="line">
@@ -41693,54 +40103,8 @@
         </p:nvCxnSpPr>
         <p:spPr>
           <a:xfrm flipV="1">
-            <a:off x="6228185" y="3579862"/>
+            <a:off x="6228185" y="3795886"/>
             <a:ext cx="0" cy="360040"/>
-          </a:xfrm>
-          <a:prstGeom prst="line">
-            <a:avLst/>
-          </a:prstGeom>
-          <a:ln w="19050">
-            <a:solidFill>
-              <a:schemeClr val="tx1"/>
-            </a:solidFill>
-            <a:tailEnd type="none"/>
-          </a:ln>
-        </p:spPr>
-        <p:style>
-          <a:lnRef idx="1">
-            <a:schemeClr val="accent1"/>
-          </a:lnRef>
-          <a:fillRef idx="0">
-            <a:schemeClr val="accent1"/>
-          </a:fillRef>
-          <a:effectRef idx="0">
-            <a:schemeClr val="accent1"/>
-          </a:effectRef>
-          <a:fontRef idx="minor">
-            <a:schemeClr val="tx1"/>
-          </a:fontRef>
-        </p:style>
-      </p:cxnSp>
-      <p:cxnSp>
-        <p:nvCxnSpPr>
-          <p:cNvPr id="323" name="직선 연결선 322">
-            <a:extLst>
-              <a:ext uri="{FF2B5EF4-FFF2-40B4-BE49-F238E27FC236}">
-                <a16:creationId xmlns:a16="http://schemas.microsoft.com/office/drawing/2014/main" id="{294A2DD7-6DD2-C002-6AD4-8057A9649703}"/>
-              </a:ext>
-            </a:extLst>
-          </p:cNvPr>
-          <p:cNvCxnSpPr>
-            <a:cxnSpLocks/>
-            <a:stCxn id="324" idx="1"/>
-            <a:endCxn id="103" idx="3"/>
-          </p:cNvCxnSpPr>
-          <p:nvPr/>
-        </p:nvCxnSpPr>
-        <p:spPr>
-          <a:xfrm flipH="1">
-            <a:off x="7236295" y="3291830"/>
-            <a:ext cx="504058" cy="0"/>
           </a:xfrm>
           <a:prstGeom prst="line">
             <a:avLst/>
@@ -41781,7 +40145,7 @@
         </p:nvSpPr>
         <p:spPr>
           <a:xfrm>
-            <a:off x="7740353" y="3147814"/>
+            <a:off x="7740352" y="3075806"/>
             <a:ext cx="720079" cy="288032"/>
           </a:xfrm>
           <a:prstGeom prst="roundRect">
@@ -41831,15 +40195,14 @@
           </p:cNvPr>
           <p:cNvCxnSpPr>
             <a:cxnSpLocks/>
-            <a:stCxn id="326" idx="1"/>
-            <a:endCxn id="104" idx="3"/>
+            <a:endCxn id="104" idx="2"/>
           </p:cNvCxnSpPr>
           <p:nvPr/>
         </p:nvCxnSpPr>
         <p:spPr>
-          <a:xfrm flipH="1">
-            <a:off x="7164289" y="3939902"/>
-            <a:ext cx="648071" cy="0"/>
+          <a:xfrm flipV="1">
+            <a:off x="6875161" y="4299942"/>
+            <a:ext cx="1096" cy="247895"/>
           </a:xfrm>
           <a:prstGeom prst="line">
             <a:avLst/>
@@ -41880,7 +40243,7 @@
         </p:nvSpPr>
         <p:spPr>
           <a:xfrm>
-            <a:off x="7812360" y="3795886"/>
+            <a:off x="6587129" y="4515965"/>
             <a:ext cx="576064" cy="288032"/>
           </a:xfrm>
           <a:prstGeom prst="roundRect">
@@ -41935,8 +40298,8 @@
         </p:nvCxnSpPr>
         <p:spPr>
           <a:xfrm flipV="1">
-            <a:off x="6228185" y="2715766"/>
-            <a:ext cx="0" cy="504056"/>
+            <a:off x="6228185" y="2571750"/>
+            <a:ext cx="0" cy="648072"/>
           </a:xfrm>
           <a:prstGeom prst="line">
             <a:avLst/>
@@ -41976,7 +40339,7 @@
         </p:nvCxnSpPr>
         <p:spPr>
           <a:xfrm flipH="1">
-            <a:off x="6228185" y="2715766"/>
+            <a:off x="6228185" y="2571750"/>
             <a:ext cx="360039" cy="0"/>
           </a:xfrm>
           <a:prstGeom prst="line">
@@ -42018,7 +40381,7 @@
         </p:nvSpPr>
         <p:spPr>
           <a:xfrm>
-            <a:off x="7740353" y="2715766"/>
+            <a:off x="7740353" y="2643758"/>
             <a:ext cx="720079" cy="288032"/>
           </a:xfrm>
           <a:prstGeom prst="roundRect">
@@ -42051,7 +40414,7 @@
           <a:p>
             <a:pPr algn="ctr"/>
             <a:r>
-              <a:rPr lang="ko-KR" altLang="en-US" sz="1000" b="1" smtClean="0"/>
+              <a:rPr lang="ko-KR" altLang="en-US" sz="1000" b="1" dirty="0" err="1"/>
               <a:t>회원글삭제</a:t>
             </a:r>
             <a:endParaRPr lang="ko-KR" altLang="en-US" sz="1000" b="1" dirty="0"/>
@@ -42116,7 +40479,7 @@
         </p:nvSpPr>
         <p:spPr>
           <a:xfrm>
-            <a:off x="7812360" y="2283718"/>
+            <a:off x="7761773" y="2075285"/>
             <a:ext cx="576064" cy="288032"/>
           </a:xfrm>
           <a:prstGeom prst="roundRect">
@@ -42639,7 +41002,7 @@
         </p:nvCxnSpPr>
         <p:spPr>
           <a:xfrm flipH="1">
-            <a:off x="7164290" y="2787774"/>
+            <a:off x="7164290" y="2571750"/>
             <a:ext cx="288030" cy="0"/>
           </a:xfrm>
           <a:prstGeom prst="line">
@@ -42669,7 +41032,105 @@
       </p:cxnSp>
       <p:cxnSp>
         <p:nvCxnSpPr>
-          <p:cNvPr id="79" name="직선 연결선 78">
+          <p:cNvPr id="88" name="직선 연결선 87">
+            <a:extLst>
+              <a:ext uri="{FF2B5EF4-FFF2-40B4-BE49-F238E27FC236}">
+                <a16:creationId xmlns:a16="http://schemas.microsoft.com/office/drawing/2014/main" id="{2FBD29E1-FCD5-3A36-826A-79A3151DD612}"/>
+              </a:ext>
+            </a:extLst>
+          </p:cNvPr>
+          <p:cNvCxnSpPr>
+            <a:cxnSpLocks/>
+          </p:cNvCxnSpPr>
+          <p:nvPr/>
+        </p:nvCxnSpPr>
+        <p:spPr>
+          <a:xfrm flipH="1">
+            <a:off x="7236296" y="3579862"/>
+            <a:ext cx="288030" cy="0"/>
+          </a:xfrm>
+          <a:prstGeom prst="line">
+            <a:avLst/>
+          </a:prstGeom>
+          <a:ln w="19050">
+            <a:solidFill>
+              <a:schemeClr val="tx1"/>
+            </a:solidFill>
+            <a:tailEnd type="none"/>
+          </a:ln>
+        </p:spPr>
+        <p:style>
+          <a:lnRef idx="1">
+            <a:schemeClr val="accent1"/>
+          </a:lnRef>
+          <a:fillRef idx="0">
+            <a:schemeClr val="accent1"/>
+          </a:fillRef>
+          <a:effectRef idx="0">
+            <a:schemeClr val="accent1"/>
+          </a:effectRef>
+          <a:fontRef idx="minor">
+            <a:schemeClr val="tx1"/>
+          </a:fontRef>
+        </p:style>
+      </p:cxnSp>
+      <p:sp>
+        <p:nvSpPr>
+          <p:cNvPr id="91" name="사각형: 둥근 모서리 323">
+            <a:extLst>
+              <a:ext uri="{FF2B5EF4-FFF2-40B4-BE49-F238E27FC236}">
+                <a16:creationId xmlns:a16="http://schemas.microsoft.com/office/drawing/2014/main" id="{6E388328-3E7C-4CAF-7C2B-74B412D38261}"/>
+              </a:ext>
+            </a:extLst>
+          </p:cNvPr>
+          <p:cNvSpPr/>
+          <p:nvPr/>
+        </p:nvSpPr>
+        <p:spPr>
+          <a:xfrm>
+            <a:off x="7740352" y="3795886"/>
+            <a:ext cx="720079" cy="288032"/>
+          </a:xfrm>
+          <a:prstGeom prst="roundRect">
+            <a:avLst/>
+          </a:prstGeom>
+          <a:ln/>
+        </p:spPr>
+        <p:style>
+          <a:lnRef idx="2">
+            <a:schemeClr val="accent1"/>
+          </a:lnRef>
+          <a:fillRef idx="1">
+            <a:schemeClr val="lt1"/>
+          </a:fillRef>
+          <a:effectRef idx="0">
+            <a:schemeClr val="accent1"/>
+          </a:effectRef>
+          <a:fontRef idx="minor">
+            <a:schemeClr val="dk1"/>
+          </a:fontRef>
+        </p:style>
+        <p:txBody>
+          <a:bodyPr rot="0" spcFirstLastPara="0" vertOverflow="overflow" horzOverflow="overflow" vert="horz" wrap="square" lIns="0" tIns="0" rIns="0" bIns="0" numCol="1" spcCol="0" rtlCol="0" fromWordArt="0" anchor="ctr" anchorCtr="0" forceAA="0" compatLnSpc="1">
+            <a:prstTxWarp prst="textNoShape">
+              <a:avLst/>
+            </a:prstTxWarp>
+            <a:noAutofit/>
+          </a:bodyPr>
+          <a:lstStyle/>
+          <a:p>
+            <a:pPr algn="ctr"/>
+            <a:r>
+              <a:rPr lang="ko-KR" altLang="en-US" sz="1000" b="1" dirty="0" err="1" smtClean="0"/>
+              <a:t>관리자삭제</a:t>
+            </a:r>
+            <a:endParaRPr lang="ko-KR" altLang="en-US" sz="1000" b="1" dirty="0"/>
+          </a:p>
+        </p:txBody>
+      </p:sp>
+      <p:cxnSp>
+        <p:nvCxnSpPr>
+          <p:cNvPr id="92" name="직선 연결선 91">
             <a:extLst>
               <a:ext uri="{FF2B5EF4-FFF2-40B4-BE49-F238E27FC236}">
                 <a16:creationId xmlns:a16="http://schemas.microsoft.com/office/drawing/2014/main" id="{69A7D1A7-B76F-0EF5-71A8-7A18958780E8}"/>
@@ -42683,8 +41144,8 @@
         </p:nvCxnSpPr>
         <p:spPr>
           <a:xfrm flipV="1">
-            <a:off x="7452320" y="2427734"/>
-            <a:ext cx="0" cy="432048"/>
+            <a:off x="7524326" y="3221057"/>
+            <a:ext cx="2" cy="718845"/>
           </a:xfrm>
           <a:prstGeom prst="line">
             <a:avLst/>
@@ -42713,7 +41174,183 @@
       </p:cxnSp>
       <p:cxnSp>
         <p:nvCxnSpPr>
-          <p:cNvPr id="81" name="직선 연결선 80">
+          <p:cNvPr id="95" name="직선 연결선 94">
+            <a:extLst>
+              <a:ext uri="{FF2B5EF4-FFF2-40B4-BE49-F238E27FC236}">
+                <a16:creationId xmlns:a16="http://schemas.microsoft.com/office/drawing/2014/main" id="{A34F4908-AC16-B4D6-CAB5-18DC4592747A}"/>
+              </a:ext>
+            </a:extLst>
+          </p:cNvPr>
+          <p:cNvCxnSpPr>
+            <a:cxnSpLocks/>
+          </p:cNvCxnSpPr>
+          <p:nvPr/>
+        </p:nvCxnSpPr>
+        <p:spPr>
+          <a:xfrm flipV="1">
+            <a:off x="7524328" y="3938667"/>
+            <a:ext cx="216024" cy="1235"/>
+          </a:xfrm>
+          <a:prstGeom prst="line">
+            <a:avLst/>
+          </a:prstGeom>
+          <a:ln w="19050">
+            <a:solidFill>
+              <a:schemeClr val="tx1"/>
+            </a:solidFill>
+            <a:tailEnd type="none"/>
+          </a:ln>
+        </p:spPr>
+        <p:style>
+          <a:lnRef idx="1">
+            <a:schemeClr val="accent1"/>
+          </a:lnRef>
+          <a:fillRef idx="0">
+            <a:schemeClr val="accent1"/>
+          </a:fillRef>
+          <a:effectRef idx="0">
+            <a:schemeClr val="accent1"/>
+          </a:effectRef>
+          <a:fontRef idx="minor">
+            <a:schemeClr val="tx1"/>
+          </a:fontRef>
+        </p:style>
+      </p:cxnSp>
+      <p:cxnSp>
+        <p:nvCxnSpPr>
+          <p:cNvPr id="97" name="직선 연결선 96">
+            <a:extLst>
+              <a:ext uri="{FF2B5EF4-FFF2-40B4-BE49-F238E27FC236}">
+                <a16:creationId xmlns:a16="http://schemas.microsoft.com/office/drawing/2014/main" id="{A34F4908-AC16-B4D6-CAB5-18DC4592747A}"/>
+              </a:ext>
+            </a:extLst>
+          </p:cNvPr>
+          <p:cNvCxnSpPr>
+            <a:cxnSpLocks/>
+          </p:cNvCxnSpPr>
+          <p:nvPr/>
+        </p:nvCxnSpPr>
+        <p:spPr>
+          <a:xfrm flipV="1">
+            <a:off x="7524328" y="3219822"/>
+            <a:ext cx="216024" cy="1235"/>
+          </a:xfrm>
+          <a:prstGeom prst="line">
+            <a:avLst/>
+          </a:prstGeom>
+          <a:ln w="19050">
+            <a:solidFill>
+              <a:schemeClr val="tx1"/>
+            </a:solidFill>
+            <a:tailEnd type="none"/>
+          </a:ln>
+        </p:spPr>
+        <p:style>
+          <a:lnRef idx="1">
+            <a:schemeClr val="accent1"/>
+          </a:lnRef>
+          <a:fillRef idx="0">
+            <a:schemeClr val="accent1"/>
+          </a:fillRef>
+          <a:effectRef idx="0">
+            <a:schemeClr val="accent1"/>
+          </a:effectRef>
+          <a:fontRef idx="minor">
+            <a:schemeClr val="tx1"/>
+          </a:fontRef>
+        </p:style>
+      </p:cxnSp>
+      <p:cxnSp>
+        <p:nvCxnSpPr>
+          <p:cNvPr id="105" name="직선 연결선 104">
+            <a:extLst>
+              <a:ext uri="{FF2B5EF4-FFF2-40B4-BE49-F238E27FC236}">
+                <a16:creationId xmlns:a16="http://schemas.microsoft.com/office/drawing/2014/main" id="{69A7D1A7-B76F-0EF5-71A8-7A18958780E8}"/>
+              </a:ext>
+            </a:extLst>
+          </p:cNvPr>
+          <p:cNvCxnSpPr>
+            <a:cxnSpLocks/>
+          </p:cNvCxnSpPr>
+          <p:nvPr/>
+        </p:nvCxnSpPr>
+        <p:spPr>
+          <a:xfrm flipV="1">
+            <a:off x="7452319" y="2212946"/>
+            <a:ext cx="3" cy="612343"/>
+          </a:xfrm>
+          <a:prstGeom prst="line">
+            <a:avLst/>
+          </a:prstGeom>
+          <a:ln w="19050">
+            <a:solidFill>
+              <a:schemeClr val="tx1"/>
+            </a:solidFill>
+            <a:tailEnd type="none"/>
+          </a:ln>
+        </p:spPr>
+        <p:style>
+          <a:lnRef idx="1">
+            <a:schemeClr val="accent1"/>
+          </a:lnRef>
+          <a:fillRef idx="0">
+            <a:schemeClr val="accent1"/>
+          </a:fillRef>
+          <a:effectRef idx="0">
+            <a:schemeClr val="accent1"/>
+          </a:effectRef>
+          <a:fontRef idx="minor">
+            <a:schemeClr val="tx1"/>
+          </a:fontRef>
+        </p:style>
+      </p:cxnSp>
+      <p:cxnSp>
+        <p:nvCxnSpPr>
+          <p:cNvPr id="106" name="직선 연결선 105">
+            <a:extLst>
+              <a:ext uri="{FF2B5EF4-FFF2-40B4-BE49-F238E27FC236}">
+                <a16:creationId xmlns:a16="http://schemas.microsoft.com/office/drawing/2014/main" id="{A34F4908-AC16-B4D6-CAB5-18DC4592747A}"/>
+              </a:ext>
+            </a:extLst>
+          </p:cNvPr>
+          <p:cNvCxnSpPr>
+            <a:cxnSpLocks/>
+          </p:cNvCxnSpPr>
+          <p:nvPr/>
+        </p:nvCxnSpPr>
+        <p:spPr>
+          <a:xfrm>
+            <a:off x="7452319" y="2825289"/>
+            <a:ext cx="288033" cy="0"/>
+          </a:xfrm>
+          <a:prstGeom prst="line">
+            <a:avLst/>
+          </a:prstGeom>
+          <a:ln w="19050">
+            <a:solidFill>
+              <a:schemeClr val="tx1"/>
+            </a:solidFill>
+            <a:tailEnd type="none"/>
+          </a:ln>
+        </p:spPr>
+        <p:style>
+          <a:lnRef idx="1">
+            <a:schemeClr val="accent1"/>
+          </a:lnRef>
+          <a:fillRef idx="0">
+            <a:schemeClr val="accent1"/>
+          </a:fillRef>
+          <a:effectRef idx="0">
+            <a:schemeClr val="accent1"/>
+          </a:effectRef>
+          <a:fontRef idx="minor">
+            <a:schemeClr val="tx1"/>
+          </a:fontRef>
+        </p:style>
+      </p:cxnSp>
+      <p:cxnSp>
+        <p:nvCxnSpPr>
+          <p:cNvPr id="107" name="직선 연결선 106">
             <a:extLst>
               <a:ext uri="{FF2B5EF4-FFF2-40B4-BE49-F238E27FC236}">
                 <a16:creationId xmlns:a16="http://schemas.microsoft.com/office/drawing/2014/main" id="{A34F4908-AC16-B4D6-CAB5-18DC4592747A}"/>
@@ -42728,52 +41365,8 @@
         </p:nvCxnSpPr>
         <p:spPr>
           <a:xfrm>
-            <a:off x="7452320" y="2427734"/>
-            <a:ext cx="360040" cy="0"/>
-          </a:xfrm>
-          <a:prstGeom prst="line">
-            <a:avLst/>
-          </a:prstGeom>
-          <a:ln w="19050">
-            <a:solidFill>
-              <a:schemeClr val="tx1"/>
-            </a:solidFill>
-            <a:tailEnd type="none"/>
-          </a:ln>
-        </p:spPr>
-        <p:style>
-          <a:lnRef idx="1">
-            <a:schemeClr val="accent1"/>
-          </a:lnRef>
-          <a:fillRef idx="0">
-            <a:schemeClr val="accent1"/>
-          </a:fillRef>
-          <a:effectRef idx="0">
-            <a:schemeClr val="accent1"/>
-          </a:effectRef>
-          <a:fontRef idx="minor">
-            <a:schemeClr val="tx1"/>
-          </a:fontRef>
-        </p:style>
-      </p:cxnSp>
-      <p:cxnSp>
-        <p:nvCxnSpPr>
-          <p:cNvPr id="86" name="직선 연결선 85">
-            <a:extLst>
-              <a:ext uri="{FF2B5EF4-FFF2-40B4-BE49-F238E27FC236}">
-                <a16:creationId xmlns:a16="http://schemas.microsoft.com/office/drawing/2014/main" id="{A34F4908-AC16-B4D6-CAB5-18DC4592747A}"/>
-              </a:ext>
-            </a:extLst>
-          </p:cNvPr>
-          <p:cNvCxnSpPr>
-            <a:cxnSpLocks/>
-          </p:cNvCxnSpPr>
-          <p:nvPr/>
-        </p:nvCxnSpPr>
-        <p:spPr>
-          <a:xfrm>
-            <a:off x="7452320" y="2859782"/>
-            <a:ext cx="288033" cy="0"/>
+            <a:off x="7452320" y="2212946"/>
+            <a:ext cx="309453" cy="6355"/>
           </a:xfrm>
           <a:prstGeom prst="line">
             <a:avLst/>
@@ -42810,13 +41403,6 @@
   <p:clrMapOvr>
     <a:masterClrMapping/>
   </p:clrMapOvr>
-  <p:timing>
-    <p:tnLst>
-      <p:par>
-        <p:cTn id="1" dur="indefinite" restart="never" nodeType="tmRoot"/>
-      </p:par>
-    </p:tnLst>
-  </p:timing>
 </p:sld>
 </file>
 
@@ -43001,13 +41587,6 @@
   <p:clrMapOvr>
     <a:masterClrMapping/>
   </p:clrMapOvr>
-  <p:timing>
-    <p:tnLst>
-      <p:par>
-        <p:cTn id="1" dur="indefinite" restart="never" nodeType="tmRoot"/>
-      </p:par>
-    </p:tnLst>
-  </p:timing>
 </p:sld>
 </file>
 
@@ -43271,46 +41850,39 @@
               <a:buChar char="-"/>
             </a:pPr>
             <a:r>
-              <a:rPr lang="ko-KR" altLang="en-US" sz="1600" dirty="0" smtClean="0">
-                <a:latin typeface="한컴 윤고딕 230" panose="02020603020101020101" pitchFamily="18" charset="-127"/>
-                <a:ea typeface="한컴 윤고딕 230" panose="02020603020101020101" pitchFamily="18" charset="-127"/>
-              </a:rPr>
-              <a:t>치과 내 공지사항</a:t>
-            </a:r>
-            <a:r>
-              <a:rPr lang="en-US" altLang="ko-KR" sz="1600" dirty="0" smtClean="0">
-                <a:latin typeface="한컴 윤고딕 230" panose="02020603020101020101" pitchFamily="18" charset="-127"/>
-                <a:ea typeface="한컴 윤고딕 230" panose="02020603020101020101" pitchFamily="18" charset="-127"/>
-              </a:rPr>
-              <a:t>, </a:t>
-            </a:r>
-            <a:r>
-              <a:rPr lang="ko-KR" altLang="en-US" sz="1600" dirty="0" err="1" smtClean="0">
-                <a:latin typeface="한컴 윤고딕 230" panose="02020603020101020101" pitchFamily="18" charset="-127"/>
-                <a:ea typeface="한컴 윤고딕 230" panose="02020603020101020101" pitchFamily="18" charset="-127"/>
-              </a:rPr>
-              <a:t>의료진소개</a:t>
-            </a:r>
-            <a:r>
-              <a:rPr lang="en-US" altLang="ko-KR" sz="1600" dirty="0" smtClean="0">
-                <a:latin typeface="한컴 윤고딕 230" panose="02020603020101020101" pitchFamily="18" charset="-127"/>
-                <a:ea typeface="한컴 윤고딕 230" panose="02020603020101020101" pitchFamily="18" charset="-127"/>
-              </a:rPr>
-              <a:t>, </a:t>
-            </a:r>
-            <a:r>
-              <a:rPr lang="ko-KR" altLang="en-US" sz="1600" dirty="0" smtClean="0">
-                <a:latin typeface="한컴 윤고딕 230" panose="02020603020101020101" pitchFamily="18" charset="-127"/>
-                <a:ea typeface="한컴 윤고딕 230" panose="02020603020101020101" pitchFamily="18" charset="-127"/>
-              </a:rPr>
-              <a:t>서비스하는 메뉴들을 </a:t>
-            </a:r>
-            <a:r>
               <a:rPr lang="ko-KR" altLang="en-US" sz="1600" dirty="0">
                 <a:latin typeface="한컴 윤고딕 230" panose="02020603020101020101" pitchFamily="18" charset="-127"/>
                 <a:ea typeface="한컴 윤고딕 230" panose="02020603020101020101" pitchFamily="18" charset="-127"/>
               </a:rPr>
-              <a:t>볼 수 있다</a:t>
+              <a:t>치과 내 공지사항</a:t>
+            </a:r>
+            <a:r>
+              <a:rPr lang="en-US" altLang="ko-KR" sz="1600" dirty="0">
+                <a:latin typeface="한컴 윤고딕 230" panose="02020603020101020101" pitchFamily="18" charset="-127"/>
+                <a:ea typeface="한컴 윤고딕 230" panose="02020603020101020101" pitchFamily="18" charset="-127"/>
+              </a:rPr>
+              <a:t>, </a:t>
+            </a:r>
+            <a:r>
+              <a:rPr lang="ko-KR" altLang="en-US" sz="1600" dirty="0" err="1">
+                <a:latin typeface="한컴 윤고딕 230" panose="02020603020101020101" pitchFamily="18" charset="-127"/>
+                <a:ea typeface="한컴 윤고딕 230" panose="02020603020101020101" pitchFamily="18" charset="-127"/>
+              </a:rPr>
+              <a:t>의료진소개</a:t>
+            </a:r>
+            <a:r>
+              <a:rPr lang="en-US" altLang="ko-KR" sz="1600" dirty="0">
+                <a:latin typeface="한컴 윤고딕 230" panose="02020603020101020101" pitchFamily="18" charset="-127"/>
+                <a:ea typeface="한컴 윤고딕 230" panose="02020603020101020101" pitchFamily="18" charset="-127"/>
+              </a:rPr>
+              <a:t>, </a:t>
+            </a:r>
+            <a:r>
+              <a:rPr lang="ko-KR" altLang="en-US" sz="1600" dirty="0">
+                <a:latin typeface="한컴 윤고딕 230" panose="02020603020101020101" pitchFamily="18" charset="-127"/>
+                <a:ea typeface="한컴 윤고딕 230" panose="02020603020101020101" pitchFamily="18" charset="-127"/>
+              </a:rPr>
+              <a:t>서비스하는 메뉴들을 볼 수 있다</a:t>
             </a:r>
             <a:r>
               <a:rPr lang="en-US" altLang="ko-KR" sz="1600" dirty="0">
@@ -43333,28 +41905,14 @@
                 <a:latin typeface="한컴 윤고딕 230" panose="02020603020101020101" pitchFamily="18" charset="-127"/>
                 <a:ea typeface="한컴 윤고딕 230" panose="02020603020101020101" pitchFamily="18" charset="-127"/>
               </a:rPr>
-              <a:t>진료게시판에 글을 </a:t>
-            </a:r>
-            <a:r>
-              <a:rPr lang="ko-KR" altLang="en-US" sz="1600" dirty="0" smtClean="0">
-                <a:latin typeface="한컴 윤고딕 230" panose="02020603020101020101" pitchFamily="18" charset="-127"/>
-                <a:ea typeface="한컴 윤고딕 230" panose="02020603020101020101" pitchFamily="18" charset="-127"/>
-              </a:rPr>
-              <a:t>작성할 수 있고</a:t>
-            </a:r>
-            <a:r>
-              <a:rPr lang="en-US" altLang="ko-KR" sz="1600" dirty="0" smtClean="0">
-                <a:latin typeface="한컴 윤고딕 230" panose="02020603020101020101" pitchFamily="18" charset="-127"/>
-                <a:ea typeface="한컴 윤고딕 230" panose="02020603020101020101" pitchFamily="18" charset="-127"/>
-              </a:rPr>
-              <a:t>, </a:t>
+              <a:t>진료게시판에 글을 작성할 수 있고</a:t>
             </a:r>
             <a:r>
               <a:rPr lang="en-US" altLang="ko-KR" sz="1600" dirty="0">
                 <a:latin typeface="한컴 윤고딕 230" panose="02020603020101020101" pitchFamily="18" charset="-127"/>
                 <a:ea typeface="한컴 윤고딕 230" panose="02020603020101020101" pitchFamily="18" charset="-127"/>
               </a:rPr>
-              <a:t>(</a:t>
+              <a:t>, (</a:t>
             </a:r>
             <a:r>
               <a:rPr lang="ko-KR" altLang="en-US" sz="1600" dirty="0">
@@ -43371,37 +41929,33 @@
               <a:t>,</a:t>
             </a:r>
             <a:r>
-              <a:rPr lang="ko-KR" altLang="en-US" sz="1600" dirty="0" smtClean="0">
+              <a:rPr lang="ko-KR" altLang="en-US" sz="1600" dirty="0">
                 <a:latin typeface="한컴 윤고딕 230" panose="02020603020101020101" pitchFamily="18" charset="-127"/>
                 <a:ea typeface="한컴 윤고딕 230" panose="02020603020101020101" pitchFamily="18" charset="-127"/>
               </a:rPr>
               <a:t>삭제</a:t>
             </a:r>
             <a:r>
-              <a:rPr lang="en-US" altLang="ko-KR" sz="1600" dirty="0" smtClean="0">
+              <a:rPr lang="en-US" altLang="ko-KR" sz="1600" dirty="0">
                 <a:latin typeface="한컴 윤고딕 230" panose="02020603020101020101" pitchFamily="18" charset="-127"/>
                 <a:ea typeface="한컴 윤고딕 230" panose="02020603020101020101" pitchFamily="18" charset="-127"/>
               </a:rPr>
               <a:t>) </a:t>
             </a:r>
             <a:r>
-              <a:rPr lang="ko-KR" altLang="en-US" sz="1600" dirty="0" smtClean="0">
+              <a:rPr lang="ko-KR" altLang="en-US" sz="1600" dirty="0">
                 <a:latin typeface="한컴 윤고딕 230" panose="02020603020101020101" pitchFamily="18" charset="-127"/>
                 <a:ea typeface="한컴 윤고딕 230" panose="02020603020101020101" pitchFamily="18" charset="-127"/>
               </a:rPr>
               <a:t>본인의 글 만 볼 수 있다</a:t>
             </a:r>
             <a:r>
-              <a:rPr lang="en-US" altLang="ko-KR" sz="1600" dirty="0" smtClean="0">
+              <a:rPr lang="en-US" altLang="ko-KR" sz="1600" dirty="0">
                 <a:latin typeface="한컴 윤고딕 230" panose="02020603020101020101" pitchFamily="18" charset="-127"/>
                 <a:ea typeface="한컴 윤고딕 230" panose="02020603020101020101" pitchFamily="18" charset="-127"/>
               </a:rPr>
               <a:t>.</a:t>
             </a:r>
-            <a:endParaRPr lang="en-US" altLang="ko-KR" sz="1600" dirty="0">
-              <a:latin typeface="한컴 윤고딕 230" panose="02020603020101020101" pitchFamily="18" charset="-127"/>
-              <a:ea typeface="한컴 윤고딕 230" panose="02020603020101020101" pitchFamily="18" charset="-127"/>
-            </a:endParaRPr>
           </a:p>
           <a:p>
             <a:pPr marL="285750" indent="-285750" algn="just">
@@ -43412,18 +41966,11 @@
               <a:buChar char="-"/>
             </a:pPr>
             <a:r>
-              <a:rPr lang="ko-KR" altLang="en-US" sz="1600" dirty="0" smtClean="0">
-                <a:latin typeface="한컴 윤고딕 230" panose="02020603020101020101" pitchFamily="18" charset="-127"/>
-                <a:ea typeface="한컴 윤고딕 230" panose="02020603020101020101" pitchFamily="18" charset="-127"/>
-              </a:rPr>
-              <a:t>리뷰게시판에 </a:t>
-            </a:r>
-            <a:r>
               <a:rPr lang="ko-KR" altLang="en-US" sz="1600" dirty="0">
                 <a:latin typeface="한컴 윤고딕 230" panose="02020603020101020101" pitchFamily="18" charset="-127"/>
                 <a:ea typeface="한컴 윤고딕 230" panose="02020603020101020101" pitchFamily="18" charset="-127"/>
               </a:rPr>
-              <a:t>사진첨부가 가능한 후기를 남기며 다른 사람의 후기 또한 볼 수 있다</a:t>
+              <a:t>리뷰게시판에 사진첨부가 가능한 후기를 남기며 다른 사람의 후기 또한 볼 수 있다</a:t>
             </a:r>
             <a:r>
               <a:rPr lang="en-US" altLang="ko-KR" sz="1600" dirty="0">
@@ -43490,13 +42037,6 @@
   <p:clrMapOvr>
     <a:masterClrMapping/>
   </p:clrMapOvr>
-  <p:timing>
-    <p:tnLst>
-      <p:par>
-        <p:cTn id="1" dur="indefinite" restart="never" nodeType="tmRoot"/>
-      </p:par>
-    </p:tnLst>
-  </p:timing>
 </p:sld>
 </file>
 
@@ -43713,16 +42253,9 @@
                 <a:latin typeface="한컴 윤고딕 230" panose="02020603020101020101" pitchFamily="18" charset="-127"/>
                 <a:ea typeface="한컴 윤고딕 230" panose="02020603020101020101" pitchFamily="18" charset="-127"/>
               </a:rPr>
-              <a:t>관리자 등록을 할 시 관리자만이 알 수 있는 공통적인 코드를 가지고 있어야 등록이 </a:t>
-            </a:r>
-            <a:r>
-              <a:rPr lang="ko-KR" altLang="en-US" sz="1400" dirty="0" smtClean="0">
-                <a:latin typeface="한컴 윤고딕 230" panose="02020603020101020101" pitchFamily="18" charset="-127"/>
-                <a:ea typeface="한컴 윤고딕 230" panose="02020603020101020101" pitchFamily="18" charset="-127"/>
-              </a:rPr>
-              <a:t>가능하다</a:t>
-            </a:r>
-            <a:endParaRPr lang="en-US" altLang="ko-KR" sz="1400" dirty="0" smtClean="0">
+              <a:t>관리자 등록을 할 시 관리자만이 알 수 있는 공통적인 코드를 가지고 있어야 등록이 가능하다</a:t>
+            </a:r>
+            <a:endParaRPr lang="en-US" altLang="ko-KR" sz="1400" dirty="0">
               <a:latin typeface="한컴 윤고딕 230" panose="02020603020101020101" pitchFamily="18" charset="-127"/>
               <a:ea typeface="한컴 윤고딕 230" panose="02020603020101020101" pitchFamily="18" charset="-127"/>
             </a:endParaRPr>
@@ -43736,21 +42269,21 @@
               <a:buChar char="-"/>
             </a:pPr>
             <a:r>
-              <a:rPr lang="ko-KR" altLang="en-US" sz="1400" dirty="0" smtClean="0">
+              <a:rPr lang="ko-KR" altLang="en-US" sz="1400" dirty="0">
                 <a:latin typeface="한컴 윤고딕 230" panose="02020603020101020101" pitchFamily="18" charset="-127"/>
                 <a:ea typeface="한컴 윤고딕 230" panose="02020603020101020101" pitchFamily="18" charset="-127"/>
               </a:rPr>
               <a:t>관리자 탈퇴 시 코드가 필요하다</a:t>
             </a:r>
             <a:r>
-              <a:rPr lang="en-US" altLang="ko-KR" sz="1400" dirty="0" smtClean="0">
+              <a:rPr lang="en-US" altLang="ko-KR" sz="1400" dirty="0">
                 <a:latin typeface="한컴 윤고딕 230" panose="02020603020101020101" pitchFamily="18" charset="-127"/>
                 <a:ea typeface="한컴 윤고딕 230" panose="02020603020101020101" pitchFamily="18" charset="-127"/>
               </a:rPr>
               <a:t>. </a:t>
             </a:r>
             <a:r>
-              <a:rPr lang="ko-KR" altLang="en-US" sz="1400" dirty="0" smtClean="0">
+              <a:rPr lang="ko-KR" altLang="en-US" sz="1400" dirty="0">
                 <a:latin typeface="한컴 윤고딕 230" panose="02020603020101020101" pitchFamily="18" charset="-127"/>
                 <a:ea typeface="한컴 윤고딕 230" panose="02020603020101020101" pitchFamily="18" charset="-127"/>
               </a:rPr>
@@ -43784,18 +42317,11 @@
               <a:t>, </a:t>
             </a:r>
             <a:r>
-              <a:rPr lang="ko-KR" altLang="en-US" sz="1400" dirty="0" smtClean="0">
-                <a:latin typeface="한컴 윤고딕 230" panose="02020603020101020101" pitchFamily="18" charset="-127"/>
-                <a:ea typeface="한컴 윤고딕 230" panose="02020603020101020101" pitchFamily="18" charset="-127"/>
-              </a:rPr>
-              <a:t>가입한 모든 회원들의 정보를 볼 </a:t>
-            </a:r>
-            <a:r>
               <a:rPr lang="ko-KR" altLang="en-US" sz="1400" dirty="0">
                 <a:latin typeface="한컴 윤고딕 230" panose="02020603020101020101" pitchFamily="18" charset="-127"/>
                 <a:ea typeface="한컴 윤고딕 230" panose="02020603020101020101" pitchFamily="18" charset="-127"/>
               </a:rPr>
-              <a:t>수 있다</a:t>
+              <a:t>가입한 모든 회원들의 정보를 볼 수 있다</a:t>
             </a:r>
             <a:r>
               <a:rPr lang="en-US" altLang="ko-KR" sz="1400" dirty="0">
@@ -43818,24 +42344,10 @@
                 <a:latin typeface="한컴 윤고딕 230" panose="02020603020101020101" pitchFamily="18" charset="-127"/>
                 <a:ea typeface="한컴 윤고딕 230" panose="02020603020101020101" pitchFamily="18" charset="-127"/>
               </a:rPr>
-              <a:t>회원들이 남긴 </a:t>
-            </a:r>
-            <a:r>
-              <a:rPr lang="ko-KR" altLang="en-US" sz="1400" dirty="0" smtClean="0">
-                <a:latin typeface="한컴 윤고딕 230" panose="02020603020101020101" pitchFamily="18" charset="-127"/>
-                <a:ea typeface="한컴 윤고딕 230" panose="02020603020101020101" pitchFamily="18" charset="-127"/>
-              </a:rPr>
-              <a:t>게시판에 답변은 </a:t>
-            </a:r>
-            <a:r>
-              <a:rPr lang="ko-KR" altLang="en-US" sz="1400" dirty="0">
-                <a:latin typeface="한컴 윤고딕 230" panose="02020603020101020101" pitchFamily="18" charset="-127"/>
-                <a:ea typeface="한컴 윤고딕 230" panose="02020603020101020101" pitchFamily="18" charset="-127"/>
-              </a:rPr>
-              <a:t>관리자만이 답변을 달 수 있다</a:t>
-            </a:r>
-            <a:r>
-              <a:rPr lang="en-US" altLang="ko-KR" sz="1400" dirty="0" smtClean="0">
+              <a:t>회원들이 남긴 게시판에 답변은 관리자만이 답변을 달 수 있다</a:t>
+            </a:r>
+            <a:r>
+              <a:rPr lang="en-US" altLang="ko-KR" sz="1400" dirty="0">
                 <a:latin typeface="한컴 윤고딕 230" panose="02020603020101020101" pitchFamily="18" charset="-127"/>
                 <a:ea typeface="한컴 윤고딕 230" panose="02020603020101020101" pitchFamily="18" charset="-127"/>
               </a:rPr>
@@ -43851,23 +42363,19 @@
               <a:buChar char="-"/>
             </a:pPr>
             <a:r>
-              <a:rPr lang="ko-KR" altLang="en-US" sz="1400" dirty="0" smtClean="0">
+              <a:rPr lang="ko-KR" altLang="en-US" sz="1400" dirty="0">
                 <a:latin typeface="한컴 윤고딕 230" panose="02020603020101020101" pitchFamily="18" charset="-127"/>
                 <a:ea typeface="한컴 윤고딕 230" panose="02020603020101020101" pitchFamily="18" charset="-127"/>
               </a:rPr>
               <a:t>회원들이 남긴 글을 삭제 할 수 있다</a:t>
             </a:r>
             <a:r>
-              <a:rPr lang="en-US" altLang="ko-KR" sz="1400" dirty="0" smtClean="0">
+              <a:rPr lang="en-US" altLang="ko-KR" sz="1400" dirty="0">
                 <a:latin typeface="한컴 윤고딕 230" panose="02020603020101020101" pitchFamily="18" charset="-127"/>
                 <a:ea typeface="한컴 윤고딕 230" panose="02020603020101020101" pitchFamily="18" charset="-127"/>
               </a:rPr>
               <a:t>.</a:t>
             </a:r>
-            <a:endParaRPr lang="en-US" altLang="ko-KR" sz="1400" dirty="0">
-              <a:latin typeface="한컴 윤고딕 230" panose="02020603020101020101" pitchFamily="18" charset="-127"/>
-              <a:ea typeface="한컴 윤고딕 230" panose="02020603020101020101" pitchFamily="18" charset="-127"/>
-            </a:endParaRPr>
           </a:p>
           <a:p>
             <a:pPr marL="285750" indent="-285750" algn="just">
@@ -43936,13 +42444,6 @@
   <p:clrMapOvr>
     <a:masterClrMapping/>
   </p:clrMapOvr>
-  <p:timing>
-    <p:tnLst>
-      <p:par>
-        <p:cTn id="1" dur="indefinite" restart="never" nodeType="tmRoot"/>
-      </p:par>
-    </p:tnLst>
-  </p:timing>
 </p:sld>
 </file>
 
